--- a/07 Networks/Networks.pptx
+++ b/07 Networks/Networks.pptx
@@ -2,23 +2,41 @@
 <file path=ppt/presentation.xml><?xml version="1.0" encoding="utf-8"?>
 <p:presentation xmlns:a="http://schemas.openxmlformats.org/drawingml/2006/main" xmlns:r="http://schemas.openxmlformats.org/officeDocument/2006/relationships" xmlns:p="http://schemas.openxmlformats.org/presentationml/2006/main" saveSubsetFonts="1">
   <p:sldMasterIdLst>
-    <p:sldMasterId id="2147483648" r:id="rId1"/>
+    <p:sldMasterId id="2147483648" r:id="rId4"/>
   </p:sldMasterIdLst>
+  <p:notesMasterIdLst>
+    <p:notesMasterId r:id="rId34"/>
+  </p:notesMasterIdLst>
   <p:sldIdLst>
-    <p:sldId id="256" r:id="rId2"/>
-    <p:sldId id="266" r:id="rId3"/>
-    <p:sldId id="258" r:id="rId4"/>
-    <p:sldId id="260" r:id="rId5"/>
-    <p:sldId id="261" r:id="rId6"/>
-    <p:sldId id="268" r:id="rId7"/>
-    <p:sldId id="269" r:id="rId8"/>
-    <p:sldId id="270" r:id="rId9"/>
-    <p:sldId id="267" r:id="rId10"/>
-    <p:sldId id="262" r:id="rId11"/>
-    <p:sldId id="264" r:id="rId12"/>
-    <p:sldId id="265" r:id="rId13"/>
-    <p:sldId id="257" r:id="rId14"/>
-    <p:sldId id="259" r:id="rId15"/>
+    <p:sldId id="256" r:id="rId5"/>
+    <p:sldId id="287" r:id="rId6"/>
+    <p:sldId id="266" r:id="rId7"/>
+    <p:sldId id="258" r:id="rId8"/>
+    <p:sldId id="260" r:id="rId9"/>
+    <p:sldId id="261" r:id="rId10"/>
+    <p:sldId id="268" r:id="rId11"/>
+    <p:sldId id="269" r:id="rId12"/>
+    <p:sldId id="270" r:id="rId13"/>
+    <p:sldId id="267" r:id="rId14"/>
+    <p:sldId id="279" r:id="rId15"/>
+    <p:sldId id="278" r:id="rId16"/>
+    <p:sldId id="280" r:id="rId17"/>
+    <p:sldId id="264" r:id="rId18"/>
+    <p:sldId id="281" r:id="rId19"/>
+    <p:sldId id="284" r:id="rId20"/>
+    <p:sldId id="282" r:id="rId21"/>
+    <p:sldId id="283" r:id="rId22"/>
+    <p:sldId id="265" r:id="rId23"/>
+    <p:sldId id="285" r:id="rId24"/>
+    <p:sldId id="271" r:id="rId25"/>
+    <p:sldId id="272" r:id="rId26"/>
+    <p:sldId id="273" r:id="rId27"/>
+    <p:sldId id="277" r:id="rId28"/>
+    <p:sldId id="274" r:id="rId29"/>
+    <p:sldId id="275" r:id="rId30"/>
+    <p:sldId id="276" r:id="rId31"/>
+    <p:sldId id="257" r:id="rId32"/>
+    <p:sldId id="259" r:id="rId33"/>
   </p:sldIdLst>
   <p:sldSz cx="12192000" cy="6858000"/>
   <p:notesSz cx="6858000" cy="9144000"/>
@@ -123,6 +141,732 @@
     </p:ext>
   </p:extLst>
 </p:presentation>
+</file>
+
+<file path=ppt/notesMasters/notesMaster1.xml><?xml version="1.0" encoding="utf-8"?>
+<p:notesMaster xmlns:a="http://schemas.openxmlformats.org/drawingml/2006/main" xmlns:r="http://schemas.openxmlformats.org/officeDocument/2006/relationships" xmlns:p="http://schemas.openxmlformats.org/presentationml/2006/main">
+  <p:cSld>
+    <p:bg>
+      <p:bgRef idx="1001">
+        <a:schemeClr val="bg1"/>
+      </p:bgRef>
+    </p:bg>
+    <p:spTree>
+      <p:nvGrpSpPr>
+        <p:cNvPr id="1" name=""/>
+        <p:cNvGrpSpPr/>
+        <p:nvPr/>
+      </p:nvGrpSpPr>
+      <p:grpSpPr>
+        <a:xfrm>
+          <a:off x="0" y="0"/>
+          <a:ext cx="0" cy="0"/>
+          <a:chOff x="0" y="0"/>
+          <a:chExt cx="0" cy="0"/>
+        </a:xfrm>
+      </p:grpSpPr>
+      <p:sp>
+        <p:nvSpPr>
+          <p:cNvPr id="2" name="Header Placeholder 1"/>
+          <p:cNvSpPr>
+            <a:spLocks noGrp="1"/>
+          </p:cNvSpPr>
+          <p:nvPr>
+            <p:ph type="hdr" sz="quarter"/>
+          </p:nvPr>
+        </p:nvSpPr>
+        <p:spPr>
+          <a:xfrm>
+            <a:off x="0" y="0"/>
+            <a:ext cx="2971800" cy="458788"/>
+          </a:xfrm>
+          <a:prstGeom prst="rect">
+            <a:avLst/>
+          </a:prstGeom>
+        </p:spPr>
+        <p:txBody>
+          <a:bodyPr vert="horz" lIns="91440" tIns="45720" rIns="91440" bIns="45720" rtlCol="0"/>
+          <a:lstStyle>
+            <a:lvl1pPr algn="l">
+              <a:defRPr sz="1200"/>
+            </a:lvl1pPr>
+          </a:lstStyle>
+          <a:p>
+            <a:endParaRPr lang="da-DK"/>
+          </a:p>
+        </p:txBody>
+      </p:sp>
+      <p:sp>
+        <p:nvSpPr>
+          <p:cNvPr id="3" name="Date Placeholder 2"/>
+          <p:cNvSpPr>
+            <a:spLocks noGrp="1"/>
+          </p:cNvSpPr>
+          <p:nvPr>
+            <p:ph type="dt" idx="1"/>
+          </p:nvPr>
+        </p:nvSpPr>
+        <p:spPr>
+          <a:xfrm>
+            <a:off x="3884613" y="0"/>
+            <a:ext cx="2971800" cy="458788"/>
+          </a:xfrm>
+          <a:prstGeom prst="rect">
+            <a:avLst/>
+          </a:prstGeom>
+        </p:spPr>
+        <p:txBody>
+          <a:bodyPr vert="horz" lIns="91440" tIns="45720" rIns="91440" bIns="45720" rtlCol="0"/>
+          <a:lstStyle>
+            <a:lvl1pPr algn="r">
+              <a:defRPr sz="1200"/>
+            </a:lvl1pPr>
+          </a:lstStyle>
+          <a:p>
+            <a:fld id="{7F09E5E5-2B1F-4F5F-B049-EA3946971FAA}" type="datetimeFigureOut">
+              <a:rPr lang="da-DK" smtClean="0"/>
+              <a:t>11-10-2023</a:t>
+            </a:fld>
+            <a:endParaRPr lang="da-DK"/>
+          </a:p>
+        </p:txBody>
+      </p:sp>
+      <p:sp>
+        <p:nvSpPr>
+          <p:cNvPr id="4" name="Slide Image Placeholder 3"/>
+          <p:cNvSpPr>
+            <a:spLocks noGrp="1" noRot="1" noChangeAspect="1"/>
+          </p:cNvSpPr>
+          <p:nvPr>
+            <p:ph type="sldImg" idx="2"/>
+          </p:nvPr>
+        </p:nvSpPr>
+        <p:spPr>
+          <a:xfrm>
+            <a:off x="685800" y="1143000"/>
+            <a:ext cx="5486400" cy="3086100"/>
+          </a:xfrm>
+          <a:prstGeom prst="rect">
+            <a:avLst/>
+          </a:prstGeom>
+          <a:noFill/>
+          <a:ln w="12700">
+            <a:solidFill>
+              <a:prstClr val="black"/>
+            </a:solidFill>
+          </a:ln>
+        </p:spPr>
+        <p:txBody>
+          <a:bodyPr vert="horz" lIns="91440" tIns="45720" rIns="91440" bIns="45720" rtlCol="0" anchor="ctr"/>
+          <a:lstStyle/>
+          <a:p>
+            <a:endParaRPr lang="da-DK"/>
+          </a:p>
+        </p:txBody>
+      </p:sp>
+      <p:sp>
+        <p:nvSpPr>
+          <p:cNvPr id="5" name="Notes Placeholder 4"/>
+          <p:cNvSpPr>
+            <a:spLocks noGrp="1"/>
+          </p:cNvSpPr>
+          <p:nvPr>
+            <p:ph type="body" sz="quarter" idx="3"/>
+          </p:nvPr>
+        </p:nvSpPr>
+        <p:spPr>
+          <a:xfrm>
+            <a:off x="685800" y="4400550"/>
+            <a:ext cx="5486400" cy="3600450"/>
+          </a:xfrm>
+          <a:prstGeom prst="rect">
+            <a:avLst/>
+          </a:prstGeom>
+        </p:spPr>
+        <p:txBody>
+          <a:bodyPr vert="horz" lIns="91440" tIns="45720" rIns="91440" bIns="45720" rtlCol="0"/>
+          <a:lstStyle/>
+          <a:p>
+            <a:pPr lvl="0"/>
+            <a:r>
+              <a:rPr lang="en-US" smtClean="0"/>
+              <a:t>Edit Master text styles</a:t>
+            </a:r>
+          </a:p>
+          <a:p>
+            <a:pPr lvl="1"/>
+            <a:r>
+              <a:rPr lang="en-US" smtClean="0"/>
+              <a:t>Second level</a:t>
+            </a:r>
+          </a:p>
+          <a:p>
+            <a:pPr lvl="2"/>
+            <a:r>
+              <a:rPr lang="en-US" smtClean="0"/>
+              <a:t>Third level</a:t>
+            </a:r>
+          </a:p>
+          <a:p>
+            <a:pPr lvl="3"/>
+            <a:r>
+              <a:rPr lang="en-US" smtClean="0"/>
+              <a:t>Fourth level</a:t>
+            </a:r>
+          </a:p>
+          <a:p>
+            <a:pPr lvl="4"/>
+            <a:r>
+              <a:rPr lang="en-US" smtClean="0"/>
+              <a:t>Fifth level</a:t>
+            </a:r>
+            <a:endParaRPr lang="da-DK"/>
+          </a:p>
+        </p:txBody>
+      </p:sp>
+      <p:sp>
+        <p:nvSpPr>
+          <p:cNvPr id="6" name="Footer Placeholder 5"/>
+          <p:cNvSpPr>
+            <a:spLocks noGrp="1"/>
+          </p:cNvSpPr>
+          <p:nvPr>
+            <p:ph type="ftr" sz="quarter" idx="4"/>
+          </p:nvPr>
+        </p:nvSpPr>
+        <p:spPr>
+          <a:xfrm>
+            <a:off x="0" y="8685213"/>
+            <a:ext cx="2971800" cy="458787"/>
+          </a:xfrm>
+          <a:prstGeom prst="rect">
+            <a:avLst/>
+          </a:prstGeom>
+        </p:spPr>
+        <p:txBody>
+          <a:bodyPr vert="horz" lIns="91440" tIns="45720" rIns="91440" bIns="45720" rtlCol="0" anchor="b"/>
+          <a:lstStyle>
+            <a:lvl1pPr algn="l">
+              <a:defRPr sz="1200"/>
+            </a:lvl1pPr>
+          </a:lstStyle>
+          <a:p>
+            <a:endParaRPr lang="da-DK"/>
+          </a:p>
+        </p:txBody>
+      </p:sp>
+      <p:sp>
+        <p:nvSpPr>
+          <p:cNvPr id="7" name="Slide Number Placeholder 6"/>
+          <p:cNvSpPr>
+            <a:spLocks noGrp="1"/>
+          </p:cNvSpPr>
+          <p:nvPr>
+            <p:ph type="sldNum" sz="quarter" idx="5"/>
+          </p:nvPr>
+        </p:nvSpPr>
+        <p:spPr>
+          <a:xfrm>
+            <a:off x="3884613" y="8685213"/>
+            <a:ext cx="2971800" cy="458787"/>
+          </a:xfrm>
+          <a:prstGeom prst="rect">
+            <a:avLst/>
+          </a:prstGeom>
+        </p:spPr>
+        <p:txBody>
+          <a:bodyPr vert="horz" lIns="91440" tIns="45720" rIns="91440" bIns="45720" rtlCol="0" anchor="b"/>
+          <a:lstStyle>
+            <a:lvl1pPr algn="r">
+              <a:defRPr sz="1200"/>
+            </a:lvl1pPr>
+          </a:lstStyle>
+          <a:p>
+            <a:fld id="{C5452D39-A60D-4913-8D65-C58A0C43AED7}" type="slidenum">
+              <a:rPr lang="da-DK" smtClean="0"/>
+              <a:t>‹#›</a:t>
+            </a:fld>
+            <a:endParaRPr lang="da-DK"/>
+          </a:p>
+        </p:txBody>
+      </p:sp>
+    </p:spTree>
+    <p:extLst>
+      <p:ext uri="{BB962C8B-B14F-4D97-AF65-F5344CB8AC3E}">
+        <p14:creationId xmlns:p14="http://schemas.microsoft.com/office/powerpoint/2010/main" val="3381565704"/>
+      </p:ext>
+    </p:extLst>
+  </p:cSld>
+  <p:clrMap bg1="lt1" tx1="dk1" bg2="lt2" tx2="dk2" accent1="accent1" accent2="accent2" accent3="accent3" accent4="accent4" accent5="accent5" accent6="accent6" hlink="hlink" folHlink="folHlink"/>
+  <p:notesStyle>
+    <a:lvl1pPr marL="0" algn="l" defTabSz="914400" rtl="0" eaLnBrk="1" latinLnBrk="0" hangingPunct="1">
+      <a:defRPr sz="1200" kern="1200">
+        <a:solidFill>
+          <a:schemeClr val="tx1"/>
+        </a:solidFill>
+        <a:latin typeface="+mn-lt"/>
+        <a:ea typeface="+mn-ea"/>
+        <a:cs typeface="+mn-cs"/>
+      </a:defRPr>
+    </a:lvl1pPr>
+    <a:lvl2pPr marL="457200" algn="l" defTabSz="914400" rtl="0" eaLnBrk="1" latinLnBrk="0" hangingPunct="1">
+      <a:defRPr sz="1200" kern="1200">
+        <a:solidFill>
+          <a:schemeClr val="tx1"/>
+        </a:solidFill>
+        <a:latin typeface="+mn-lt"/>
+        <a:ea typeface="+mn-ea"/>
+        <a:cs typeface="+mn-cs"/>
+      </a:defRPr>
+    </a:lvl2pPr>
+    <a:lvl3pPr marL="914400" algn="l" defTabSz="914400" rtl="0" eaLnBrk="1" latinLnBrk="0" hangingPunct="1">
+      <a:defRPr sz="1200" kern="1200">
+        <a:solidFill>
+          <a:schemeClr val="tx1"/>
+        </a:solidFill>
+        <a:latin typeface="+mn-lt"/>
+        <a:ea typeface="+mn-ea"/>
+        <a:cs typeface="+mn-cs"/>
+      </a:defRPr>
+    </a:lvl3pPr>
+    <a:lvl4pPr marL="1371600" algn="l" defTabSz="914400" rtl="0" eaLnBrk="1" latinLnBrk="0" hangingPunct="1">
+      <a:defRPr sz="1200" kern="1200">
+        <a:solidFill>
+          <a:schemeClr val="tx1"/>
+        </a:solidFill>
+        <a:latin typeface="+mn-lt"/>
+        <a:ea typeface="+mn-ea"/>
+        <a:cs typeface="+mn-cs"/>
+      </a:defRPr>
+    </a:lvl4pPr>
+    <a:lvl5pPr marL="1828800" algn="l" defTabSz="914400" rtl="0" eaLnBrk="1" latinLnBrk="0" hangingPunct="1">
+      <a:defRPr sz="1200" kern="1200">
+        <a:solidFill>
+          <a:schemeClr val="tx1"/>
+        </a:solidFill>
+        <a:latin typeface="+mn-lt"/>
+        <a:ea typeface="+mn-ea"/>
+        <a:cs typeface="+mn-cs"/>
+      </a:defRPr>
+    </a:lvl5pPr>
+    <a:lvl6pPr marL="2286000" algn="l" defTabSz="914400" rtl="0" eaLnBrk="1" latinLnBrk="0" hangingPunct="1">
+      <a:defRPr sz="1200" kern="1200">
+        <a:solidFill>
+          <a:schemeClr val="tx1"/>
+        </a:solidFill>
+        <a:latin typeface="+mn-lt"/>
+        <a:ea typeface="+mn-ea"/>
+        <a:cs typeface="+mn-cs"/>
+      </a:defRPr>
+    </a:lvl6pPr>
+    <a:lvl7pPr marL="2743200" algn="l" defTabSz="914400" rtl="0" eaLnBrk="1" latinLnBrk="0" hangingPunct="1">
+      <a:defRPr sz="1200" kern="1200">
+        <a:solidFill>
+          <a:schemeClr val="tx1"/>
+        </a:solidFill>
+        <a:latin typeface="+mn-lt"/>
+        <a:ea typeface="+mn-ea"/>
+        <a:cs typeface="+mn-cs"/>
+      </a:defRPr>
+    </a:lvl7pPr>
+    <a:lvl8pPr marL="3200400" algn="l" defTabSz="914400" rtl="0" eaLnBrk="1" latinLnBrk="0" hangingPunct="1">
+      <a:defRPr sz="1200" kern="1200">
+        <a:solidFill>
+          <a:schemeClr val="tx1"/>
+        </a:solidFill>
+        <a:latin typeface="+mn-lt"/>
+        <a:ea typeface="+mn-ea"/>
+        <a:cs typeface="+mn-cs"/>
+      </a:defRPr>
+    </a:lvl8pPr>
+    <a:lvl9pPr marL="3657600" algn="l" defTabSz="914400" rtl="0" eaLnBrk="1" latinLnBrk="0" hangingPunct="1">
+      <a:defRPr sz="1200" kern="1200">
+        <a:solidFill>
+          <a:schemeClr val="tx1"/>
+        </a:solidFill>
+        <a:latin typeface="+mn-lt"/>
+        <a:ea typeface="+mn-ea"/>
+        <a:cs typeface="+mn-cs"/>
+      </a:defRPr>
+    </a:lvl9pPr>
+  </p:notesStyle>
+</p:notesMaster>
+</file>
+
+<file path=ppt/notesSlides/notesSlide1.xml><?xml version="1.0" encoding="utf-8"?>
+<p:notes xmlns:a="http://schemas.openxmlformats.org/drawingml/2006/main" xmlns:r="http://schemas.openxmlformats.org/officeDocument/2006/relationships" xmlns:p="http://schemas.openxmlformats.org/presentationml/2006/main">
+  <p:cSld>
+    <p:spTree>
+      <p:nvGrpSpPr>
+        <p:cNvPr id="1" name=""/>
+        <p:cNvGrpSpPr/>
+        <p:nvPr/>
+      </p:nvGrpSpPr>
+      <p:grpSpPr>
+        <a:xfrm>
+          <a:off x="0" y="0"/>
+          <a:ext cx="0" cy="0"/>
+          <a:chOff x="0" y="0"/>
+          <a:chExt cx="0" cy="0"/>
+        </a:xfrm>
+      </p:grpSpPr>
+      <p:sp>
+        <p:nvSpPr>
+          <p:cNvPr id="2" name="Slide Image Placeholder 1"/>
+          <p:cNvSpPr>
+            <a:spLocks noGrp="1" noRot="1" noChangeAspect="1"/>
+          </p:cNvSpPr>
+          <p:nvPr>
+            <p:ph type="sldImg"/>
+          </p:nvPr>
+        </p:nvSpPr>
+        <p:spPr/>
+      </p:sp>
+      <p:sp>
+        <p:nvSpPr>
+          <p:cNvPr id="3" name="Notes Placeholder 2"/>
+          <p:cNvSpPr>
+            <a:spLocks noGrp="1"/>
+          </p:cNvSpPr>
+          <p:nvPr>
+            <p:ph type="body" idx="1"/>
+          </p:nvPr>
+        </p:nvSpPr>
+        <p:spPr/>
+        <p:txBody>
+          <a:bodyPr/>
+          <a:lstStyle/>
+          <a:p>
+            <a:endParaRPr lang="da-DK" dirty="0"/>
+          </a:p>
+        </p:txBody>
+      </p:sp>
+      <p:sp>
+        <p:nvSpPr>
+          <p:cNvPr id="4" name="Slide Number Placeholder 3"/>
+          <p:cNvSpPr>
+            <a:spLocks noGrp="1"/>
+          </p:cNvSpPr>
+          <p:nvPr>
+            <p:ph type="sldNum" sz="quarter" idx="10"/>
+          </p:nvPr>
+        </p:nvSpPr>
+        <p:spPr/>
+        <p:txBody>
+          <a:bodyPr/>
+          <a:lstStyle/>
+          <a:p>
+            <a:fld id="{C5452D39-A60D-4913-8D65-C58A0C43AED7}" type="slidenum">
+              <a:rPr lang="da-DK" smtClean="0"/>
+              <a:t>11</a:t>
+            </a:fld>
+            <a:endParaRPr lang="da-DK"/>
+          </a:p>
+        </p:txBody>
+      </p:sp>
+    </p:spTree>
+    <p:extLst>
+      <p:ext uri="{BB962C8B-B14F-4D97-AF65-F5344CB8AC3E}">
+        <p14:creationId xmlns:p14="http://schemas.microsoft.com/office/powerpoint/2010/main" val="3620817442"/>
+      </p:ext>
+    </p:extLst>
+  </p:cSld>
+  <p:clrMapOvr>
+    <a:masterClrMapping/>
+  </p:clrMapOvr>
+</p:notes>
+</file>
+
+<file path=ppt/notesSlides/notesSlide2.xml><?xml version="1.0" encoding="utf-8"?>
+<p:notes xmlns:a="http://schemas.openxmlformats.org/drawingml/2006/main" xmlns:r="http://schemas.openxmlformats.org/officeDocument/2006/relationships" xmlns:p="http://schemas.openxmlformats.org/presentationml/2006/main">
+  <p:cSld>
+    <p:spTree>
+      <p:nvGrpSpPr>
+        <p:cNvPr id="1" name=""/>
+        <p:cNvGrpSpPr/>
+        <p:nvPr/>
+      </p:nvGrpSpPr>
+      <p:grpSpPr>
+        <a:xfrm>
+          <a:off x="0" y="0"/>
+          <a:ext cx="0" cy="0"/>
+          <a:chOff x="0" y="0"/>
+          <a:chExt cx="0" cy="0"/>
+        </a:xfrm>
+      </p:grpSpPr>
+      <p:sp>
+        <p:nvSpPr>
+          <p:cNvPr id="2" name="Slide Image Placeholder 1"/>
+          <p:cNvSpPr>
+            <a:spLocks noGrp="1" noRot="1" noChangeAspect="1"/>
+          </p:cNvSpPr>
+          <p:nvPr>
+            <p:ph type="sldImg"/>
+          </p:nvPr>
+        </p:nvSpPr>
+        <p:spPr/>
+      </p:sp>
+      <p:sp>
+        <p:nvSpPr>
+          <p:cNvPr id="3" name="Notes Placeholder 2"/>
+          <p:cNvSpPr>
+            <a:spLocks noGrp="1"/>
+          </p:cNvSpPr>
+          <p:nvPr>
+            <p:ph type="body" idx="1"/>
+          </p:nvPr>
+        </p:nvSpPr>
+        <p:spPr/>
+        <p:txBody>
+          <a:bodyPr/>
+          <a:lstStyle/>
+          <a:p>
+            <a:r>
+              <a:rPr lang="en-US" dirty="0" smtClean="0"/>
+              <a:t>There are also some portions of the IPv4 space that are reserved for specific uses.</a:t>
+            </a:r>
+          </a:p>
+          <a:p>
+            <a:endParaRPr lang="en-US" dirty="0" smtClean="0"/>
+          </a:p>
+          <a:p>
+            <a:r>
+              <a:rPr lang="en-US" dirty="0" smtClean="0"/>
+              <a:t>One of the most useful reserved ranges is the loopback range specified by addresses from 127.0.0.0 to 127.255.255.255. This range is used by each host to test networking to itself. Typically, this is expressed by the first address in this range: 127.0.0.1.</a:t>
+            </a:r>
+          </a:p>
+          <a:p>
+            <a:endParaRPr lang="en-US" dirty="0" smtClean="0"/>
+          </a:p>
+          <a:p>
+            <a:r>
+              <a:rPr lang="en-US" dirty="0" smtClean="0"/>
+              <a:t>Each of the normal classes also have a range within them that is used to designate private network addresses. For instance, for class A addresses, the addresses from 10.0.0.0 to 10.255.255.255 are reserved for private network assignment. For class B, this range is 172.16.0.0 to 172.31.255.255. For class C, the range of 192.168.0.0 to 192.168.255.255 is reserved for private usage.</a:t>
+            </a:r>
+          </a:p>
+          <a:p>
+            <a:endParaRPr lang="en-US" dirty="0" smtClean="0"/>
+          </a:p>
+          <a:p>
+            <a:r>
+              <a:rPr lang="en-US" dirty="0" smtClean="0"/>
+              <a:t>Any computer that is not hooked up to the internet directly (any computer that goes through a router or other NAT system) can use these addresses at will.</a:t>
+            </a:r>
+            <a:endParaRPr lang="da-DK" dirty="0" smtClean="0"/>
+          </a:p>
+          <a:p>
+            <a:endParaRPr lang="da-DK" dirty="0"/>
+          </a:p>
+        </p:txBody>
+      </p:sp>
+      <p:sp>
+        <p:nvSpPr>
+          <p:cNvPr id="4" name="Slide Number Placeholder 3"/>
+          <p:cNvSpPr>
+            <a:spLocks noGrp="1"/>
+          </p:cNvSpPr>
+          <p:nvPr>
+            <p:ph type="sldNum" sz="quarter" idx="10"/>
+          </p:nvPr>
+        </p:nvSpPr>
+        <p:spPr/>
+        <p:txBody>
+          <a:bodyPr/>
+          <a:lstStyle/>
+          <a:p>
+            <a:fld id="{C5452D39-A60D-4913-8D65-C58A0C43AED7}" type="slidenum">
+              <a:rPr lang="da-DK" smtClean="0"/>
+              <a:t>12</a:t>
+            </a:fld>
+            <a:endParaRPr lang="da-DK"/>
+          </a:p>
+        </p:txBody>
+      </p:sp>
+    </p:spTree>
+    <p:extLst>
+      <p:ext uri="{BB962C8B-B14F-4D97-AF65-F5344CB8AC3E}">
+        <p14:creationId xmlns:p14="http://schemas.microsoft.com/office/powerpoint/2010/main" val="3247975632"/>
+      </p:ext>
+    </p:extLst>
+  </p:cSld>
+  <p:clrMapOvr>
+    <a:masterClrMapping/>
+  </p:clrMapOvr>
+</p:notes>
+</file>
+
+<file path=ppt/notesSlides/notesSlide3.xml><?xml version="1.0" encoding="utf-8"?>
+<p:notes xmlns:a="http://schemas.openxmlformats.org/drawingml/2006/main" xmlns:r="http://schemas.openxmlformats.org/officeDocument/2006/relationships" xmlns:p="http://schemas.openxmlformats.org/presentationml/2006/main">
+  <p:cSld>
+    <p:spTree>
+      <p:nvGrpSpPr>
+        <p:cNvPr id="1" name=""/>
+        <p:cNvGrpSpPr/>
+        <p:nvPr/>
+      </p:nvGrpSpPr>
+      <p:grpSpPr>
+        <a:xfrm>
+          <a:off x="0" y="0"/>
+          <a:ext cx="0" cy="0"/>
+          <a:chOff x="0" y="0"/>
+          <a:chExt cx="0" cy="0"/>
+        </a:xfrm>
+      </p:grpSpPr>
+      <p:sp>
+        <p:nvSpPr>
+          <p:cNvPr id="2" name="Slide Image Placeholder 1"/>
+          <p:cNvSpPr>
+            <a:spLocks noGrp="1" noRot="1" noChangeAspect="1"/>
+          </p:cNvSpPr>
+          <p:nvPr>
+            <p:ph type="sldImg"/>
+          </p:nvPr>
+        </p:nvSpPr>
+        <p:spPr/>
+      </p:sp>
+      <p:sp>
+        <p:nvSpPr>
+          <p:cNvPr id="3" name="Notes Placeholder 2"/>
+          <p:cNvSpPr>
+            <a:spLocks noGrp="1"/>
+          </p:cNvSpPr>
+          <p:nvPr>
+            <p:ph type="body" idx="1"/>
+          </p:nvPr>
+        </p:nvSpPr>
+        <p:spPr/>
+        <p:txBody>
+          <a:bodyPr/>
+          <a:lstStyle/>
+          <a:p>
+            <a:endParaRPr lang="da-DK" dirty="0"/>
+          </a:p>
+        </p:txBody>
+      </p:sp>
+      <p:sp>
+        <p:nvSpPr>
+          <p:cNvPr id="4" name="Slide Number Placeholder 3"/>
+          <p:cNvSpPr>
+            <a:spLocks noGrp="1"/>
+          </p:cNvSpPr>
+          <p:nvPr>
+            <p:ph type="sldNum" sz="quarter" idx="10"/>
+          </p:nvPr>
+        </p:nvSpPr>
+        <p:spPr/>
+        <p:txBody>
+          <a:bodyPr/>
+          <a:lstStyle/>
+          <a:p>
+            <a:fld id="{C5452D39-A60D-4913-8D65-C58A0C43AED7}" type="slidenum">
+              <a:rPr lang="da-DK" smtClean="0"/>
+              <a:t>13</a:t>
+            </a:fld>
+            <a:endParaRPr lang="da-DK"/>
+          </a:p>
+        </p:txBody>
+      </p:sp>
+    </p:spTree>
+    <p:extLst>
+      <p:ext uri="{BB962C8B-B14F-4D97-AF65-F5344CB8AC3E}">
+        <p14:creationId xmlns:p14="http://schemas.microsoft.com/office/powerpoint/2010/main" val="4231426185"/>
+      </p:ext>
+    </p:extLst>
+  </p:cSld>
+  <p:clrMapOvr>
+    <a:masterClrMapping/>
+  </p:clrMapOvr>
+</p:notes>
+</file>
+
+<file path=ppt/notesSlides/notesSlide4.xml><?xml version="1.0" encoding="utf-8"?>
+<p:notes xmlns:a="http://schemas.openxmlformats.org/drawingml/2006/main" xmlns:r="http://schemas.openxmlformats.org/officeDocument/2006/relationships" xmlns:p="http://schemas.openxmlformats.org/presentationml/2006/main">
+  <p:cSld>
+    <p:spTree>
+      <p:nvGrpSpPr>
+        <p:cNvPr id="1" name=""/>
+        <p:cNvGrpSpPr/>
+        <p:nvPr/>
+      </p:nvGrpSpPr>
+      <p:grpSpPr>
+        <a:xfrm>
+          <a:off x="0" y="0"/>
+          <a:ext cx="0" cy="0"/>
+          <a:chOff x="0" y="0"/>
+          <a:chExt cx="0" cy="0"/>
+        </a:xfrm>
+      </p:grpSpPr>
+      <p:sp>
+        <p:nvSpPr>
+          <p:cNvPr id="2" name="Slide Image Placeholder 1"/>
+          <p:cNvSpPr>
+            <a:spLocks noGrp="1" noRot="1" noChangeAspect="1"/>
+          </p:cNvSpPr>
+          <p:nvPr>
+            <p:ph type="sldImg"/>
+          </p:nvPr>
+        </p:nvSpPr>
+        <p:spPr/>
+      </p:sp>
+      <p:sp>
+        <p:nvSpPr>
+          <p:cNvPr id="3" name="Notes Placeholder 2"/>
+          <p:cNvSpPr>
+            <a:spLocks noGrp="1"/>
+          </p:cNvSpPr>
+          <p:nvPr>
+            <p:ph type="body" idx="1"/>
+          </p:nvPr>
+        </p:nvSpPr>
+        <p:spPr/>
+        <p:txBody>
+          <a:bodyPr/>
+          <a:lstStyle/>
+          <a:p>
+            <a:r>
+              <a:rPr lang="da-DK" dirty="0" smtClean="0"/>
+              <a:t>https://www.thewindowsclub.com/how-to-allow-pings-icmp-echo-requests-through-windows-firewall</a:t>
+            </a:r>
+          </a:p>
+          <a:p>
+            <a:endParaRPr lang="da-DK" dirty="0"/>
+          </a:p>
+        </p:txBody>
+      </p:sp>
+      <p:sp>
+        <p:nvSpPr>
+          <p:cNvPr id="4" name="Slide Number Placeholder 3"/>
+          <p:cNvSpPr>
+            <a:spLocks noGrp="1"/>
+          </p:cNvSpPr>
+          <p:nvPr>
+            <p:ph type="sldNum" sz="quarter" idx="10"/>
+          </p:nvPr>
+        </p:nvSpPr>
+        <p:spPr/>
+        <p:txBody>
+          <a:bodyPr/>
+          <a:lstStyle/>
+          <a:p>
+            <a:fld id="{C5452D39-A60D-4913-8D65-C58A0C43AED7}" type="slidenum">
+              <a:rPr lang="da-DK" smtClean="0"/>
+              <a:t>14</a:t>
+            </a:fld>
+            <a:endParaRPr lang="da-DK"/>
+          </a:p>
+        </p:txBody>
+      </p:sp>
+    </p:spTree>
+    <p:extLst>
+      <p:ext uri="{BB962C8B-B14F-4D97-AF65-F5344CB8AC3E}">
+        <p14:creationId xmlns:p14="http://schemas.microsoft.com/office/powerpoint/2010/main" val="4056320060"/>
+      </p:ext>
+    </p:extLst>
+  </p:cSld>
+  <p:clrMapOvr>
+    <a:masterClrMapping/>
+  </p:clrMapOvr>
+</p:notes>
 </file>
 
 <file path=ppt/slideLayouts/slideLayout1.xml><?xml version="1.0" encoding="utf-8"?>
@@ -3428,6 +4172,10 @@
           <a:bodyPr/>
           <a:lstStyle/>
           <a:p>
+            <a:r>
+              <a:rPr lang="da-DK" dirty="0" smtClean="0"/>
+              <a:t>IP Networks</a:t>
+            </a:r>
             <a:endParaRPr lang="da-DK" dirty="0"/>
           </a:p>
         </p:txBody>
@@ -3471,458 +4219,6 @@
       </p:grpSpPr>
       <p:sp>
         <p:nvSpPr>
-          <p:cNvPr id="2" name="Title 1"/>
-          <p:cNvSpPr>
-            <a:spLocks noGrp="1"/>
-          </p:cNvSpPr>
-          <p:nvPr>
-            <p:ph type="title"/>
-          </p:nvPr>
-        </p:nvSpPr>
-        <p:spPr/>
-        <p:txBody>
-          <a:bodyPr/>
-          <a:lstStyle/>
-          <a:p>
-            <a:r>
-              <a:rPr lang="en-US" dirty="0" smtClean="0"/>
-              <a:t>IP Addresses</a:t>
-            </a:r>
-            <a:endParaRPr lang="da-DK" dirty="0"/>
-          </a:p>
-        </p:txBody>
-      </p:sp>
-      <p:sp>
-        <p:nvSpPr>
-          <p:cNvPr id="3" name="Content Placeholder 2"/>
-          <p:cNvSpPr>
-            <a:spLocks noGrp="1"/>
-          </p:cNvSpPr>
-          <p:nvPr>
-            <p:ph idx="1"/>
-          </p:nvPr>
-        </p:nvSpPr>
-        <p:spPr/>
-        <p:txBody>
-          <a:bodyPr>
-            <a:normAutofit fontScale="92500" lnSpcReduction="20000"/>
-          </a:bodyPr>
-          <a:lstStyle/>
-          <a:p>
-            <a:r>
-              <a:rPr lang="en-US" dirty="0" smtClean="0"/>
-              <a:t>IP address </a:t>
-            </a:r>
-            <a:r>
-              <a:rPr lang="en-US" dirty="0" smtClean="0"/>
-              <a:t>format</a:t>
-            </a:r>
-          </a:p>
-          <a:p>
-            <a:pPr lvl="1"/>
-            <a:r>
-              <a:rPr lang="en-US" dirty="0" smtClean="0"/>
-              <a:t>CIDR</a:t>
-            </a:r>
-          </a:p>
-          <a:p>
-            <a:pPr lvl="1"/>
-            <a:r>
-              <a:rPr lang="en-US" dirty="0" smtClean="0"/>
-              <a:t>Class A/B/C (legacy info)</a:t>
-            </a:r>
-            <a:endParaRPr lang="en-US" dirty="0" smtClean="0"/>
-          </a:p>
-          <a:p>
-            <a:endParaRPr lang="en-US" dirty="0"/>
-          </a:p>
-          <a:p>
-            <a:r>
-              <a:rPr lang="en-US" dirty="0" smtClean="0"/>
-              <a:t>Local IP </a:t>
-            </a:r>
-            <a:r>
-              <a:rPr lang="en-US" dirty="0" smtClean="0"/>
-              <a:t>networks</a:t>
-            </a:r>
-          </a:p>
-          <a:p>
-            <a:pPr lvl="1"/>
-            <a:r>
-              <a:rPr lang="en-US" dirty="0" smtClean="0"/>
-              <a:t>Reserved address ranges</a:t>
-            </a:r>
-          </a:p>
-          <a:p>
-            <a:pPr lvl="1"/>
-            <a:r>
-              <a:rPr lang="en-US" dirty="0" smtClean="0"/>
-              <a:t>Broadcast addresses</a:t>
-            </a:r>
-          </a:p>
-          <a:p>
-            <a:pPr lvl="1"/>
-            <a:r>
-              <a:rPr lang="en-US" dirty="0" smtClean="0"/>
-              <a:t>Localhost</a:t>
-            </a:r>
-            <a:endParaRPr lang="en-US" dirty="0" smtClean="0"/>
-          </a:p>
-          <a:p>
-            <a:endParaRPr lang="en-US" dirty="0"/>
-          </a:p>
-          <a:p>
-            <a:r>
-              <a:rPr lang="en-US" dirty="0" smtClean="0"/>
-              <a:t>Public IP </a:t>
-            </a:r>
-            <a:r>
-              <a:rPr lang="en-US" dirty="0" smtClean="0"/>
-              <a:t>networks</a:t>
-            </a:r>
-          </a:p>
-          <a:p>
-            <a:pPr lvl="1"/>
-            <a:r>
-              <a:rPr lang="en-US" dirty="0" smtClean="0"/>
-              <a:t>Routing</a:t>
-            </a:r>
-          </a:p>
-          <a:p>
-            <a:pPr lvl="1"/>
-            <a:endParaRPr lang="en-US" dirty="0"/>
-          </a:p>
-          <a:p>
-            <a:r>
-              <a:rPr lang="en-US" dirty="0" smtClean="0"/>
-              <a:t>Routers</a:t>
-            </a:r>
-          </a:p>
-          <a:p>
-            <a:pPr lvl="1"/>
-            <a:r>
-              <a:rPr lang="en-US" dirty="0" smtClean="0"/>
-              <a:t>Default gateway</a:t>
-            </a:r>
-            <a:endParaRPr lang="da-DK" dirty="0"/>
-          </a:p>
-        </p:txBody>
-      </p:sp>
-    </p:spTree>
-    <p:extLst>
-      <p:ext uri="{BB962C8B-B14F-4D97-AF65-F5344CB8AC3E}">
-        <p14:creationId xmlns:p14="http://schemas.microsoft.com/office/powerpoint/2010/main" val="453489400"/>
-      </p:ext>
-    </p:extLst>
-  </p:cSld>
-  <p:clrMapOvr>
-    <a:masterClrMapping/>
-  </p:clrMapOvr>
-  <p:timing>
-    <p:tnLst>
-      <p:par>
-        <p:cTn id="1" dur="indefinite" restart="never" nodeType="tmRoot"/>
-      </p:par>
-    </p:tnLst>
-  </p:timing>
-</p:sld>
-</file>
-
-<file path=ppt/slides/slide11.xml><?xml version="1.0" encoding="utf-8"?>
-<p:sld xmlns:a="http://schemas.openxmlformats.org/drawingml/2006/main" xmlns:r="http://schemas.openxmlformats.org/officeDocument/2006/relationships" xmlns:p="http://schemas.openxmlformats.org/presentationml/2006/main">
-  <p:cSld>
-    <p:spTree>
-      <p:nvGrpSpPr>
-        <p:cNvPr id="1" name=""/>
-        <p:cNvGrpSpPr/>
-        <p:nvPr/>
-      </p:nvGrpSpPr>
-      <p:grpSpPr>
-        <a:xfrm>
-          <a:off x="0" y="0"/>
-          <a:ext cx="0" cy="0"/>
-          <a:chOff x="0" y="0"/>
-          <a:chExt cx="0" cy="0"/>
-        </a:xfrm>
-      </p:grpSpPr>
-      <p:sp>
-        <p:nvSpPr>
-          <p:cNvPr id="2" name="Title 1"/>
-          <p:cNvSpPr>
-            <a:spLocks noGrp="1"/>
-          </p:cNvSpPr>
-          <p:nvPr>
-            <p:ph type="title"/>
-          </p:nvPr>
-        </p:nvSpPr>
-        <p:spPr/>
-        <p:txBody>
-          <a:bodyPr/>
-          <a:lstStyle/>
-          <a:p>
-            <a:endParaRPr lang="da-DK"/>
-          </a:p>
-        </p:txBody>
-      </p:sp>
-      <p:sp>
-        <p:nvSpPr>
-          <p:cNvPr id="3" name="Content Placeholder 2"/>
-          <p:cNvSpPr>
-            <a:spLocks noGrp="1"/>
-          </p:cNvSpPr>
-          <p:nvPr>
-            <p:ph idx="1"/>
-          </p:nvPr>
-        </p:nvSpPr>
-        <p:spPr/>
-        <p:txBody>
-          <a:bodyPr/>
-          <a:lstStyle/>
-          <a:p>
-            <a:r>
-              <a:rPr lang="en-US" dirty="0" smtClean="0"/>
-              <a:t>Exercise:</a:t>
-            </a:r>
-          </a:p>
-          <a:p>
-            <a:pPr lvl="1"/>
-            <a:r>
-              <a:rPr lang="en-US" dirty="0" smtClean="0"/>
-              <a:t>Find your </a:t>
-            </a:r>
-            <a:r>
-              <a:rPr lang="en-US" dirty="0" err="1" smtClean="0"/>
-              <a:t>ip</a:t>
-            </a:r>
-            <a:r>
-              <a:rPr lang="en-US" dirty="0" smtClean="0"/>
-              <a:t> address and exchange address with another student.</a:t>
-            </a:r>
-          </a:p>
-          <a:p>
-            <a:pPr lvl="1"/>
-            <a:r>
-              <a:rPr lang="en-US" dirty="0" smtClean="0"/>
-              <a:t>Ping each others machines</a:t>
-            </a:r>
-          </a:p>
-          <a:p>
-            <a:pPr lvl="1"/>
-            <a:r>
-              <a:rPr lang="en-US" dirty="0" smtClean="0"/>
-              <a:t>What subnet are you on?</a:t>
-            </a:r>
-            <a:endParaRPr lang="da-DK" dirty="0"/>
-          </a:p>
-        </p:txBody>
-      </p:sp>
-    </p:spTree>
-    <p:extLst>
-      <p:ext uri="{BB962C8B-B14F-4D97-AF65-F5344CB8AC3E}">
-        <p14:creationId xmlns:p14="http://schemas.microsoft.com/office/powerpoint/2010/main" val="2250437900"/>
-      </p:ext>
-    </p:extLst>
-  </p:cSld>
-  <p:clrMapOvr>
-    <a:masterClrMapping/>
-  </p:clrMapOvr>
-  <p:timing>
-    <p:tnLst>
-      <p:par>
-        <p:cTn id="1" dur="indefinite" restart="never" nodeType="tmRoot"/>
-      </p:par>
-    </p:tnLst>
-  </p:timing>
-</p:sld>
-</file>
-
-<file path=ppt/slides/slide12.xml><?xml version="1.0" encoding="utf-8"?>
-<p:sld xmlns:a="http://schemas.openxmlformats.org/drawingml/2006/main" xmlns:r="http://schemas.openxmlformats.org/officeDocument/2006/relationships" xmlns:p="http://schemas.openxmlformats.org/presentationml/2006/main">
-  <p:cSld>
-    <p:spTree>
-      <p:nvGrpSpPr>
-        <p:cNvPr id="1" name=""/>
-        <p:cNvGrpSpPr/>
-        <p:nvPr/>
-      </p:nvGrpSpPr>
-      <p:grpSpPr>
-        <a:xfrm>
-          <a:off x="0" y="0"/>
-          <a:ext cx="0" cy="0"/>
-          <a:chOff x="0" y="0"/>
-          <a:chExt cx="0" cy="0"/>
-        </a:xfrm>
-      </p:grpSpPr>
-      <p:sp>
-        <p:nvSpPr>
-          <p:cNvPr id="2" name="Title 1"/>
-          <p:cNvSpPr>
-            <a:spLocks noGrp="1"/>
-          </p:cNvSpPr>
-          <p:nvPr>
-            <p:ph type="title"/>
-          </p:nvPr>
-        </p:nvSpPr>
-        <p:spPr/>
-        <p:txBody>
-          <a:bodyPr/>
-          <a:lstStyle/>
-          <a:p>
-            <a:endParaRPr lang="da-DK"/>
-          </a:p>
-        </p:txBody>
-      </p:sp>
-      <p:sp>
-        <p:nvSpPr>
-          <p:cNvPr id="3" name="Content Placeholder 2"/>
-          <p:cNvSpPr>
-            <a:spLocks noGrp="1"/>
-          </p:cNvSpPr>
-          <p:nvPr>
-            <p:ph idx="1"/>
-          </p:nvPr>
-        </p:nvSpPr>
-        <p:spPr/>
-        <p:txBody>
-          <a:bodyPr>
-            <a:normAutofit fontScale="92500" lnSpcReduction="10000"/>
-          </a:bodyPr>
-          <a:lstStyle/>
-          <a:p>
-            <a:r>
-              <a:rPr lang="en-US" dirty="0" smtClean="0"/>
-              <a:t>Address assignment</a:t>
-            </a:r>
-          </a:p>
-          <a:p>
-            <a:pPr lvl="1"/>
-            <a:r>
-              <a:rPr lang="en-US" dirty="0" smtClean="0"/>
-              <a:t>DHCP</a:t>
-            </a:r>
-          </a:p>
-          <a:p>
-            <a:pPr lvl="1"/>
-            <a:r>
-              <a:rPr lang="en-US" dirty="0" smtClean="0"/>
-              <a:t>MAC address</a:t>
-            </a:r>
-          </a:p>
-          <a:p>
-            <a:pPr lvl="1"/>
-            <a:endParaRPr lang="en-US" dirty="0"/>
-          </a:p>
-          <a:p>
-            <a:r>
-              <a:rPr lang="en-US" dirty="0" smtClean="0"/>
-              <a:t>Naming</a:t>
-            </a:r>
-          </a:p>
-          <a:p>
-            <a:pPr lvl="1"/>
-            <a:r>
-              <a:rPr lang="en-US" dirty="0" smtClean="0"/>
-              <a:t>DNS lookup</a:t>
-            </a:r>
-          </a:p>
-          <a:p>
-            <a:pPr lvl="1"/>
-            <a:endParaRPr lang="en-US" dirty="0"/>
-          </a:p>
-          <a:p>
-            <a:r>
-              <a:rPr lang="en-US" dirty="0" smtClean="0"/>
-              <a:t>Ports</a:t>
-            </a:r>
-          </a:p>
-          <a:p>
-            <a:pPr lvl="1"/>
-            <a:r>
-              <a:rPr lang="en-US" dirty="0" smtClean="0"/>
-              <a:t>Applications connect to an address + port</a:t>
-            </a:r>
-          </a:p>
-          <a:p>
-            <a:pPr lvl="1"/>
-            <a:r>
-              <a:rPr lang="en-US" dirty="0" smtClean="0"/>
-              <a:t>Reserved / default ports</a:t>
-            </a:r>
-          </a:p>
-          <a:p>
-            <a:pPr lvl="2"/>
-            <a:r>
-              <a:rPr lang="en-US" dirty="0" smtClean="0"/>
-              <a:t>80 : www</a:t>
-            </a:r>
-          </a:p>
-          <a:p>
-            <a:pPr lvl="2"/>
-            <a:r>
-              <a:rPr lang="en-US" dirty="0" smtClean="0"/>
-              <a:t>Ping</a:t>
-            </a:r>
-          </a:p>
-          <a:p>
-            <a:pPr lvl="2"/>
-            <a:r>
-              <a:rPr lang="en-US" dirty="0" err="1" smtClean="0"/>
-              <a:t>Ssh</a:t>
-            </a:r>
-            <a:endParaRPr lang="en-US" dirty="0" smtClean="0"/>
-          </a:p>
-          <a:p>
-            <a:pPr lvl="2"/>
-            <a:r>
-              <a:rPr lang="en-US" dirty="0" smtClean="0"/>
-              <a:t>…</a:t>
-            </a:r>
-          </a:p>
-          <a:p>
-            <a:pPr lvl="2"/>
-            <a:endParaRPr lang="en-US" dirty="0" smtClean="0"/>
-          </a:p>
-        </p:txBody>
-      </p:sp>
-    </p:spTree>
-    <p:extLst>
-      <p:ext uri="{BB962C8B-B14F-4D97-AF65-F5344CB8AC3E}">
-        <p14:creationId xmlns:p14="http://schemas.microsoft.com/office/powerpoint/2010/main" val="4275741268"/>
-      </p:ext>
-    </p:extLst>
-  </p:cSld>
-  <p:clrMapOvr>
-    <a:masterClrMapping/>
-  </p:clrMapOvr>
-  <p:timing>
-    <p:tnLst>
-      <p:par>
-        <p:cTn id="1" dur="indefinite" restart="never" nodeType="tmRoot"/>
-      </p:par>
-    </p:tnLst>
-  </p:timing>
-</p:sld>
-</file>
-
-<file path=ppt/slides/slide13.xml><?xml version="1.0" encoding="utf-8"?>
-<p:sld xmlns:a="http://schemas.openxmlformats.org/drawingml/2006/main" xmlns:r="http://schemas.openxmlformats.org/officeDocument/2006/relationships" xmlns:p="http://schemas.openxmlformats.org/presentationml/2006/main">
-  <p:cSld>
-    <p:spTree>
-      <p:nvGrpSpPr>
-        <p:cNvPr id="1" name=""/>
-        <p:cNvGrpSpPr/>
-        <p:nvPr/>
-      </p:nvGrpSpPr>
-      <p:grpSpPr>
-        <a:xfrm>
-          <a:off x="0" y="0"/>
-          <a:ext cx="0" cy="0"/>
-          <a:chOff x="0" y="0"/>
-          <a:chExt cx="0" cy="0"/>
-        </a:xfrm>
-      </p:grpSpPr>
-      <p:sp>
-        <p:nvSpPr>
           <p:cNvPr id="4" name="Title 3"/>
           <p:cNvSpPr>
             <a:spLocks noGrp="1"/>
@@ -3936,519 +4232,11 @@
           <a:bodyPr/>
           <a:lstStyle/>
           <a:p>
-            <a:endParaRPr lang="da-DK"/>
-          </a:p>
-        </p:txBody>
-      </p:sp>
-    </p:spTree>
-    <p:extLst>
-      <p:ext uri="{BB962C8B-B14F-4D97-AF65-F5344CB8AC3E}">
-        <p14:creationId xmlns:p14="http://schemas.microsoft.com/office/powerpoint/2010/main" val="3808375499"/>
-      </p:ext>
-    </p:extLst>
-  </p:cSld>
-  <p:clrMapOvr>
-    <a:masterClrMapping/>
-  </p:clrMapOvr>
-  <p:timing>
-    <p:tnLst>
-      <p:par>
-        <p:cTn id="1" dur="indefinite" restart="never" nodeType="tmRoot"/>
-      </p:par>
-    </p:tnLst>
-  </p:timing>
-</p:sld>
-</file>
-
-<file path=ppt/slides/slide14.xml><?xml version="1.0" encoding="utf-8"?>
-<p:sld xmlns:a="http://schemas.openxmlformats.org/drawingml/2006/main" xmlns:r="http://schemas.openxmlformats.org/officeDocument/2006/relationships" xmlns:p="http://schemas.openxmlformats.org/presentationml/2006/main">
-  <p:cSld>
-    <p:spTree>
-      <p:nvGrpSpPr>
-        <p:cNvPr id="1" name=""/>
-        <p:cNvGrpSpPr/>
-        <p:nvPr/>
-      </p:nvGrpSpPr>
-      <p:grpSpPr>
-        <a:xfrm>
-          <a:off x="0" y="0"/>
-          <a:ext cx="0" cy="0"/>
-          <a:chOff x="0" y="0"/>
-          <a:chExt cx="0" cy="0"/>
-        </a:xfrm>
-      </p:grpSpPr>
-      <p:sp>
-        <p:nvSpPr>
-          <p:cNvPr id="3" name="Title 2"/>
-          <p:cNvSpPr>
-            <a:spLocks noGrp="1"/>
-          </p:cNvSpPr>
-          <p:nvPr>
-            <p:ph type="title"/>
-          </p:nvPr>
-        </p:nvSpPr>
-        <p:spPr/>
-        <p:txBody>
-          <a:bodyPr/>
-          <a:lstStyle/>
-          <a:p>
-            <a:r>
-              <a:rPr lang="da-DK" dirty="0" smtClean="0"/>
-              <a:t>References and image </a:t>
-            </a:r>
-            <a:r>
-              <a:rPr lang="da-DK" dirty="0" err="1" smtClean="0"/>
-              <a:t>sources</a:t>
+            <a:r>
+              <a:rPr lang="en-US" dirty="0" smtClean="0"/>
+              <a:t>IPv4 addresses</a:t>
             </a:r>
             <a:endParaRPr lang="da-DK" dirty="0"/>
-          </a:p>
-        </p:txBody>
-      </p:sp>
-      <p:sp>
-        <p:nvSpPr>
-          <p:cNvPr id="4" name="Content Placeholder 3"/>
-          <p:cNvSpPr>
-            <a:spLocks noGrp="1"/>
-          </p:cNvSpPr>
-          <p:nvPr>
-            <p:ph idx="1"/>
-          </p:nvPr>
-        </p:nvSpPr>
-        <p:spPr/>
-        <p:txBody>
-          <a:bodyPr/>
-          <a:lstStyle/>
-          <a:p>
-            <a:pPr marL="0" indent="0">
-              <a:buNone/>
-            </a:pPr>
-            <a:r>
-              <a:rPr lang="da-DK" dirty="0">
-                <a:hlinkClick r:id="rId2"/>
-              </a:rPr>
-              <a:t>https://</a:t>
-            </a:r>
-            <a:r>
-              <a:rPr lang="da-DK" dirty="0" smtClean="0">
-                <a:hlinkClick r:id="rId2"/>
-              </a:rPr>
-              <a:t>www.digitalocean.com/community/tutorials/understanding-ip-addresses-subnets-and-cidr-notation-for-networking</a:t>
-            </a:r>
-            <a:endParaRPr lang="da-DK" dirty="0" smtClean="0"/>
-          </a:p>
-          <a:p>
-            <a:pPr marL="0" indent="0">
-              <a:buNone/>
-            </a:pPr>
-            <a:r>
-              <a:rPr lang="da-DK" dirty="0">
-                <a:hlinkClick r:id="rId3"/>
-              </a:rPr>
-              <a:t>https://</a:t>
-            </a:r>
-            <a:r>
-              <a:rPr lang="da-DK" dirty="0" smtClean="0">
-                <a:hlinkClick r:id="rId3"/>
-              </a:rPr>
-              <a:t>fab.cba.mit.edu/classes/961.04/people/neil/ip.pdf</a:t>
-            </a:r>
-            <a:endParaRPr lang="da-DK" dirty="0" smtClean="0"/>
-          </a:p>
-          <a:p>
-            <a:pPr marL="0" indent="0">
-              <a:buNone/>
-            </a:pPr>
-            <a:r>
-              <a:rPr lang="da-DK" dirty="0">
-                <a:hlinkClick r:id="rId4"/>
-              </a:rPr>
-              <a:t>https://iximiuz.com/en/posts/computer-networking-101</a:t>
-            </a:r>
-            <a:r>
-              <a:rPr lang="da-DK" dirty="0" smtClean="0">
-                <a:hlinkClick r:id="rId4"/>
-              </a:rPr>
-              <a:t>/</a:t>
-            </a:r>
-            <a:endParaRPr lang="da-DK" dirty="0" smtClean="0"/>
-          </a:p>
-          <a:p>
-            <a:pPr marL="0" indent="0">
-              <a:buNone/>
-            </a:pPr>
-            <a:r>
-              <a:rPr lang="da-DK" dirty="0">
-                <a:hlinkClick r:id="rId5"/>
-              </a:rPr>
-              <a:t>https://</a:t>
-            </a:r>
-            <a:r>
-              <a:rPr lang="da-DK" dirty="0" smtClean="0">
-                <a:hlinkClick r:id="rId5"/>
-              </a:rPr>
-              <a:t>www.youtube.com/watch?v=PwWhJEJVGl4</a:t>
-            </a:r>
-            <a:endParaRPr lang="da-DK" dirty="0" smtClean="0"/>
-          </a:p>
-          <a:p>
-            <a:pPr marL="0" indent="0">
-              <a:buNone/>
-            </a:pPr>
-            <a:r>
-              <a:rPr lang="da-DK" dirty="0">
-                <a:hlinkClick r:id="rId6"/>
-              </a:rPr>
-              <a:t>https://</a:t>
-            </a:r>
-            <a:r>
-              <a:rPr lang="da-DK" dirty="0" smtClean="0">
-                <a:hlinkClick r:id="rId6"/>
-              </a:rPr>
-              <a:t>www.youtube.com/watch?v=NyZWSvSj8ek</a:t>
-            </a:r>
-            <a:endParaRPr lang="da-DK" dirty="0" smtClean="0"/>
-          </a:p>
-          <a:p>
-            <a:pPr marL="0" indent="0">
-              <a:buNone/>
-            </a:pPr>
-            <a:r>
-              <a:rPr lang="da-DK" dirty="0">
-                <a:hlinkClick r:id="rId7"/>
-              </a:rPr>
-              <a:t>https://</a:t>
-            </a:r>
-            <a:r>
-              <a:rPr lang="da-DK" dirty="0" smtClean="0">
-                <a:hlinkClick r:id="rId7"/>
-              </a:rPr>
-              <a:t>www.youtube.com/playlist?list=PL7zRJGi6nMRzg0LdsR7F3olyLGoBcIvvg</a:t>
-            </a:r>
-            <a:endParaRPr lang="da-DK" dirty="0" smtClean="0"/>
-          </a:p>
-          <a:p>
-            <a:pPr marL="0" indent="0">
-              <a:buNone/>
-            </a:pPr>
-            <a:endParaRPr lang="da-DK" dirty="0"/>
-          </a:p>
-        </p:txBody>
-      </p:sp>
-    </p:spTree>
-    <p:extLst>
-      <p:ext uri="{BB962C8B-B14F-4D97-AF65-F5344CB8AC3E}">
-        <p14:creationId xmlns:p14="http://schemas.microsoft.com/office/powerpoint/2010/main" val="3336927857"/>
-      </p:ext>
-    </p:extLst>
-  </p:cSld>
-  <p:clrMapOvr>
-    <a:masterClrMapping/>
-  </p:clrMapOvr>
-  <p:timing>
-    <p:tnLst>
-      <p:par>
-        <p:cTn id="1" dur="indefinite" restart="never" nodeType="tmRoot"/>
-      </p:par>
-    </p:tnLst>
-  </p:timing>
-</p:sld>
-</file>
-
-<file path=ppt/slides/slide2.xml><?xml version="1.0" encoding="utf-8"?>
-<p:sld xmlns:a="http://schemas.openxmlformats.org/drawingml/2006/main" xmlns:r="http://schemas.openxmlformats.org/officeDocument/2006/relationships" xmlns:p="http://schemas.openxmlformats.org/presentationml/2006/main">
-  <p:cSld>
-    <p:spTree>
-      <p:nvGrpSpPr>
-        <p:cNvPr id="1" name=""/>
-        <p:cNvGrpSpPr/>
-        <p:nvPr/>
-      </p:nvGrpSpPr>
-      <p:grpSpPr>
-        <a:xfrm>
-          <a:off x="0" y="0"/>
-          <a:ext cx="0" cy="0"/>
-          <a:chOff x="0" y="0"/>
-          <a:chExt cx="0" cy="0"/>
-        </a:xfrm>
-      </p:grpSpPr>
-      <p:sp>
-        <p:nvSpPr>
-          <p:cNvPr id="4" name="Title 3"/>
-          <p:cNvSpPr>
-            <a:spLocks noGrp="1"/>
-          </p:cNvSpPr>
-          <p:nvPr>
-            <p:ph type="title"/>
-          </p:nvPr>
-        </p:nvSpPr>
-        <p:spPr/>
-        <p:txBody>
-          <a:bodyPr/>
-          <a:lstStyle/>
-          <a:p>
-            <a:r>
-              <a:rPr lang="en-US" dirty="0" smtClean="0"/>
-              <a:t>IP Addresses on a network</a:t>
-            </a:r>
-            <a:endParaRPr lang="da-DK" dirty="0"/>
-          </a:p>
-        </p:txBody>
-      </p:sp>
-      <p:sp>
-        <p:nvSpPr>
-          <p:cNvPr id="5" name="Text Placeholder 4"/>
-          <p:cNvSpPr>
-            <a:spLocks noGrp="1"/>
-          </p:cNvSpPr>
-          <p:nvPr>
-            <p:ph type="body" idx="1"/>
-          </p:nvPr>
-        </p:nvSpPr>
-        <p:spPr/>
-        <p:txBody>
-          <a:bodyPr/>
-          <a:lstStyle/>
-          <a:p>
-            <a:endParaRPr lang="da-DK"/>
-          </a:p>
-        </p:txBody>
-      </p:sp>
-    </p:spTree>
-    <p:extLst>
-      <p:ext uri="{BB962C8B-B14F-4D97-AF65-F5344CB8AC3E}">
-        <p14:creationId xmlns:p14="http://schemas.microsoft.com/office/powerpoint/2010/main" val="3146177037"/>
-      </p:ext>
-    </p:extLst>
-  </p:cSld>
-  <p:clrMapOvr>
-    <a:masterClrMapping/>
-  </p:clrMapOvr>
-  <p:timing>
-    <p:tnLst>
-      <p:par>
-        <p:cTn id="1" dur="indefinite" restart="never" nodeType="tmRoot"/>
-      </p:par>
-    </p:tnLst>
-  </p:timing>
-</p:sld>
-</file>
-
-<file path=ppt/slides/slide3.xml><?xml version="1.0" encoding="utf-8"?>
-<p:sld xmlns:a="http://schemas.openxmlformats.org/drawingml/2006/main" xmlns:r="http://schemas.openxmlformats.org/officeDocument/2006/relationships" xmlns:p="http://schemas.openxmlformats.org/presentationml/2006/main">
-  <p:cSld>
-    <p:spTree>
-      <p:nvGrpSpPr>
-        <p:cNvPr id="1" name=""/>
-        <p:cNvGrpSpPr/>
-        <p:nvPr/>
-      </p:nvGrpSpPr>
-      <p:grpSpPr>
-        <a:xfrm>
-          <a:off x="0" y="0"/>
-          <a:ext cx="0" cy="0"/>
-          <a:chOff x="0" y="0"/>
-          <a:chExt cx="0" cy="0"/>
-        </a:xfrm>
-      </p:grpSpPr>
-      <p:sp>
-        <p:nvSpPr>
-          <p:cNvPr id="4" name="Title 3"/>
-          <p:cNvSpPr>
-            <a:spLocks noGrp="1"/>
-          </p:cNvSpPr>
-          <p:nvPr>
-            <p:ph type="title"/>
-          </p:nvPr>
-        </p:nvSpPr>
-        <p:spPr/>
-        <p:txBody>
-          <a:bodyPr/>
-          <a:lstStyle/>
-          <a:p>
-            <a:endParaRPr lang="da-DK"/>
-          </a:p>
-        </p:txBody>
-      </p:sp>
-      <p:sp>
-        <p:nvSpPr>
-          <p:cNvPr id="5" name="Content Placeholder 4"/>
-          <p:cNvSpPr>
-            <a:spLocks noGrp="1"/>
-          </p:cNvSpPr>
-          <p:nvPr>
-            <p:ph idx="1"/>
-          </p:nvPr>
-        </p:nvSpPr>
-        <p:spPr>
-          <a:xfrm>
-            <a:off x="838200" y="4264269"/>
-            <a:ext cx="10515600" cy="1912694"/>
-          </a:xfrm>
-        </p:spPr>
-        <p:txBody>
-          <a:bodyPr/>
-          <a:lstStyle/>
-          <a:p>
-            <a:pPr marL="0" indent="0">
-              <a:buNone/>
-            </a:pPr>
-            <a:r>
-              <a:rPr lang="en-US" dirty="0" smtClean="0"/>
-              <a:t>We want to communicate from one computer to another.</a:t>
-            </a:r>
-            <a:endParaRPr lang="da-DK" dirty="0"/>
-          </a:p>
-        </p:txBody>
-      </p:sp>
-      <p:pic>
-        <p:nvPicPr>
-          <p:cNvPr id="9" name="Picture 8"/>
-          <p:cNvPicPr>
-            <a:picLocks noChangeAspect="1"/>
-          </p:cNvPicPr>
-          <p:nvPr/>
-        </p:nvPicPr>
-        <p:blipFill>
-          <a:blip r:embed="rId2"/>
-          <a:stretch>
-            <a:fillRect/>
-          </a:stretch>
-        </p:blipFill>
-        <p:spPr>
-          <a:xfrm>
-            <a:off x="838200" y="1839636"/>
-            <a:ext cx="1889390" cy="1369558"/>
-          </a:xfrm>
-          <a:prstGeom prst="rect">
-            <a:avLst/>
-          </a:prstGeom>
-        </p:spPr>
-      </p:pic>
-      <p:pic>
-        <p:nvPicPr>
-          <p:cNvPr id="10" name="Picture 9"/>
-          <p:cNvPicPr>
-            <a:picLocks noChangeAspect="1"/>
-          </p:cNvPicPr>
-          <p:nvPr/>
-        </p:nvPicPr>
-        <p:blipFill>
-          <a:blip r:embed="rId2"/>
-          <a:stretch>
-            <a:fillRect/>
-          </a:stretch>
-        </p:blipFill>
-        <p:spPr>
-          <a:xfrm>
-            <a:off x="3446401" y="1839636"/>
-            <a:ext cx="1889390" cy="1369558"/>
-          </a:xfrm>
-          <a:prstGeom prst="rect">
-            <a:avLst/>
-          </a:prstGeom>
-        </p:spPr>
-      </p:pic>
-      <p:pic>
-        <p:nvPicPr>
-          <p:cNvPr id="11" name="Picture 10"/>
-          <p:cNvPicPr>
-            <a:picLocks noChangeAspect="1"/>
-          </p:cNvPicPr>
-          <p:nvPr/>
-        </p:nvPicPr>
-        <p:blipFill>
-          <a:blip r:embed="rId2"/>
-          <a:stretch>
-            <a:fillRect/>
-          </a:stretch>
-        </p:blipFill>
-        <p:spPr>
-          <a:xfrm>
-            <a:off x="6145274" y="1839636"/>
-            <a:ext cx="1889390" cy="1369558"/>
-          </a:xfrm>
-          <a:prstGeom prst="rect">
-            <a:avLst/>
-          </a:prstGeom>
-        </p:spPr>
-      </p:pic>
-      <p:pic>
-        <p:nvPicPr>
-          <p:cNvPr id="12" name="Picture 11"/>
-          <p:cNvPicPr>
-            <a:picLocks noChangeAspect="1"/>
-          </p:cNvPicPr>
-          <p:nvPr/>
-        </p:nvPicPr>
-        <p:blipFill>
-          <a:blip r:embed="rId2"/>
-          <a:stretch>
-            <a:fillRect/>
-          </a:stretch>
-        </p:blipFill>
-        <p:spPr>
-          <a:xfrm>
-            <a:off x="8753475" y="1839636"/>
-            <a:ext cx="1889390" cy="1369558"/>
-          </a:xfrm>
-          <a:prstGeom prst="rect">
-            <a:avLst/>
-          </a:prstGeom>
-        </p:spPr>
-      </p:pic>
-    </p:spTree>
-    <p:extLst>
-      <p:ext uri="{BB962C8B-B14F-4D97-AF65-F5344CB8AC3E}">
-        <p14:creationId xmlns:p14="http://schemas.microsoft.com/office/powerpoint/2010/main" val="3357163894"/>
-      </p:ext>
-    </p:extLst>
-  </p:cSld>
-  <p:clrMapOvr>
-    <a:masterClrMapping/>
-  </p:clrMapOvr>
-  <p:timing>
-    <p:tnLst>
-      <p:par>
-        <p:cTn id="1" dur="indefinite" restart="never" nodeType="tmRoot"/>
-      </p:par>
-    </p:tnLst>
-  </p:timing>
-</p:sld>
-</file>
-
-<file path=ppt/slides/slide4.xml><?xml version="1.0" encoding="utf-8"?>
-<p:sld xmlns:a="http://schemas.openxmlformats.org/drawingml/2006/main" xmlns:r="http://schemas.openxmlformats.org/officeDocument/2006/relationships" xmlns:p="http://schemas.openxmlformats.org/presentationml/2006/main">
-  <p:cSld>
-    <p:spTree>
-      <p:nvGrpSpPr>
-        <p:cNvPr id="1" name=""/>
-        <p:cNvGrpSpPr/>
-        <p:nvPr/>
-      </p:nvGrpSpPr>
-      <p:grpSpPr>
-        <a:xfrm>
-          <a:off x="0" y="0"/>
-          <a:ext cx="0" cy="0"/>
-          <a:chOff x="0" y="0"/>
-          <a:chExt cx="0" cy="0"/>
-        </a:xfrm>
-      </p:grpSpPr>
-      <p:sp>
-        <p:nvSpPr>
-          <p:cNvPr id="4" name="Title 3"/>
-          <p:cNvSpPr>
-            <a:spLocks noGrp="1"/>
-          </p:cNvSpPr>
-          <p:nvPr>
-            <p:ph type="title"/>
-          </p:nvPr>
-        </p:nvSpPr>
-        <p:spPr/>
-        <p:txBody>
-          <a:bodyPr/>
-          <a:lstStyle/>
-          <a:p>
-            <a:endParaRPr lang="da-DK"/>
           </a:p>
         </p:txBody>
       </p:sp>
@@ -4750,7 +4538,239 @@
       </p:sp>
       <p:sp>
         <p:nvSpPr>
-          <p:cNvPr id="13" name="Content Placeholder 4"/>
+          <p:cNvPr id="6" name="Rounded Rectangle 5"/>
+          <p:cNvSpPr/>
+          <p:nvPr/>
+        </p:nvSpPr>
+        <p:spPr>
+          <a:xfrm>
+            <a:off x="1275070" y="3319095"/>
+            <a:ext cx="1802238" cy="290146"/>
+          </a:xfrm>
+          <a:prstGeom prst="roundRect">
+            <a:avLst/>
+          </a:prstGeom>
+          <a:solidFill>
+            <a:schemeClr val="tx2">
+              <a:lumMod val="20000"/>
+              <a:lumOff val="80000"/>
+            </a:schemeClr>
+          </a:solidFill>
+        </p:spPr>
+        <p:style>
+          <a:lnRef idx="2">
+            <a:schemeClr val="accent1">
+              <a:shade val="50000"/>
+            </a:schemeClr>
+          </a:lnRef>
+          <a:fillRef idx="1">
+            <a:schemeClr val="accent1"/>
+          </a:fillRef>
+          <a:effectRef idx="0">
+            <a:schemeClr val="accent1"/>
+          </a:effectRef>
+          <a:fontRef idx="minor">
+            <a:schemeClr val="lt1"/>
+          </a:fontRef>
+        </p:style>
+        <p:txBody>
+          <a:bodyPr rtlCol="0" anchor="ctr"/>
+          <a:lstStyle/>
+          <a:p>
+            <a:pPr algn="ctr"/>
+            <a:r>
+              <a:rPr lang="en-US" dirty="0" smtClean="0">
+                <a:solidFill>
+                  <a:schemeClr val="tx1"/>
+                </a:solidFill>
+              </a:rPr>
+              <a:t>192.168.1.100</a:t>
+            </a:r>
+            <a:endParaRPr lang="da-DK" dirty="0">
+              <a:solidFill>
+                <a:schemeClr val="tx1"/>
+              </a:solidFill>
+            </a:endParaRPr>
+          </a:p>
+        </p:txBody>
+      </p:sp>
+      <p:sp>
+        <p:nvSpPr>
+          <p:cNvPr id="20" name="Rounded Rectangle 19"/>
+          <p:cNvSpPr/>
+          <p:nvPr/>
+        </p:nvSpPr>
+        <p:spPr>
+          <a:xfrm>
+            <a:off x="3917482" y="3323559"/>
+            <a:ext cx="1802238" cy="290146"/>
+          </a:xfrm>
+          <a:prstGeom prst="roundRect">
+            <a:avLst/>
+          </a:prstGeom>
+          <a:solidFill>
+            <a:schemeClr val="tx2">
+              <a:lumMod val="20000"/>
+              <a:lumOff val="80000"/>
+            </a:schemeClr>
+          </a:solidFill>
+        </p:spPr>
+        <p:style>
+          <a:lnRef idx="2">
+            <a:schemeClr val="accent1">
+              <a:shade val="50000"/>
+            </a:schemeClr>
+          </a:lnRef>
+          <a:fillRef idx="1">
+            <a:schemeClr val="accent1"/>
+          </a:fillRef>
+          <a:effectRef idx="0">
+            <a:schemeClr val="accent1"/>
+          </a:effectRef>
+          <a:fontRef idx="minor">
+            <a:schemeClr val="lt1"/>
+          </a:fontRef>
+        </p:style>
+        <p:txBody>
+          <a:bodyPr rtlCol="0" anchor="ctr"/>
+          <a:lstStyle/>
+          <a:p>
+            <a:pPr algn="ctr"/>
+            <a:r>
+              <a:rPr lang="en-US" dirty="0">
+                <a:solidFill>
+                  <a:schemeClr val="tx1"/>
+                </a:solidFill>
+              </a:rPr>
+              <a:t>192.168.1.2</a:t>
+            </a:r>
+            <a:endParaRPr lang="da-DK" dirty="0">
+              <a:solidFill>
+                <a:schemeClr val="tx1"/>
+              </a:solidFill>
+            </a:endParaRPr>
+          </a:p>
+        </p:txBody>
+      </p:sp>
+      <p:sp>
+        <p:nvSpPr>
+          <p:cNvPr id="21" name="Rounded Rectangle 20"/>
+          <p:cNvSpPr/>
+          <p:nvPr/>
+        </p:nvSpPr>
+        <p:spPr>
+          <a:xfrm>
+            <a:off x="6630023" y="3314836"/>
+            <a:ext cx="1802238" cy="290146"/>
+          </a:xfrm>
+          <a:prstGeom prst="roundRect">
+            <a:avLst/>
+          </a:prstGeom>
+          <a:solidFill>
+            <a:schemeClr val="tx2">
+              <a:lumMod val="20000"/>
+              <a:lumOff val="80000"/>
+            </a:schemeClr>
+          </a:solidFill>
+        </p:spPr>
+        <p:style>
+          <a:lnRef idx="2">
+            <a:schemeClr val="accent1">
+              <a:shade val="50000"/>
+            </a:schemeClr>
+          </a:lnRef>
+          <a:fillRef idx="1">
+            <a:schemeClr val="accent1"/>
+          </a:fillRef>
+          <a:effectRef idx="0">
+            <a:schemeClr val="accent1"/>
+          </a:effectRef>
+          <a:fontRef idx="minor">
+            <a:schemeClr val="lt1"/>
+          </a:fontRef>
+        </p:style>
+        <p:txBody>
+          <a:bodyPr rtlCol="0" anchor="ctr"/>
+          <a:lstStyle/>
+          <a:p>
+            <a:pPr algn="ctr"/>
+            <a:r>
+              <a:rPr lang="en-US" dirty="0">
+                <a:solidFill>
+                  <a:schemeClr val="tx1"/>
+                </a:solidFill>
+              </a:rPr>
+              <a:t>192.168.1.15</a:t>
+            </a:r>
+            <a:endParaRPr lang="da-DK" dirty="0">
+              <a:solidFill>
+                <a:schemeClr val="tx1"/>
+              </a:solidFill>
+            </a:endParaRPr>
+          </a:p>
+        </p:txBody>
+      </p:sp>
+      <p:sp>
+        <p:nvSpPr>
+          <p:cNvPr id="22" name="Rounded Rectangle 21"/>
+          <p:cNvSpPr/>
+          <p:nvPr/>
+        </p:nvSpPr>
+        <p:spPr>
+          <a:xfrm>
+            <a:off x="9219864" y="3314836"/>
+            <a:ext cx="1802238" cy="290146"/>
+          </a:xfrm>
+          <a:prstGeom prst="roundRect">
+            <a:avLst/>
+          </a:prstGeom>
+          <a:solidFill>
+            <a:schemeClr val="tx2">
+              <a:lumMod val="20000"/>
+              <a:lumOff val="80000"/>
+            </a:schemeClr>
+          </a:solidFill>
+        </p:spPr>
+        <p:style>
+          <a:lnRef idx="2">
+            <a:schemeClr val="accent1">
+              <a:shade val="50000"/>
+            </a:schemeClr>
+          </a:lnRef>
+          <a:fillRef idx="1">
+            <a:schemeClr val="accent1"/>
+          </a:fillRef>
+          <a:effectRef idx="0">
+            <a:schemeClr val="accent1"/>
+          </a:effectRef>
+          <a:fontRef idx="minor">
+            <a:schemeClr val="lt1"/>
+          </a:fontRef>
+        </p:style>
+        <p:txBody>
+          <a:bodyPr rtlCol="0" anchor="ctr"/>
+          <a:lstStyle/>
+          <a:p>
+            <a:pPr algn="ctr"/>
+            <a:r>
+              <a:rPr lang="en-US" dirty="0">
+                <a:solidFill>
+                  <a:schemeClr val="tx1"/>
+                </a:solidFill>
+              </a:rPr>
+              <a:t>192.168.1.1</a:t>
+            </a:r>
+            <a:endParaRPr lang="da-DK" dirty="0">
+              <a:solidFill>
+                <a:schemeClr val="tx1"/>
+              </a:solidFill>
+            </a:endParaRPr>
+          </a:p>
+        </p:txBody>
+      </p:sp>
+      <p:sp>
+        <p:nvSpPr>
+          <p:cNvPr id="19" name="Content Placeholder 4"/>
           <p:cNvSpPr txBox="1">
             <a:spLocks/>
           </p:cNvSpPr>
@@ -4940,6 +4960,4358 @@
             </a:pPr>
             <a:r>
               <a:rPr lang="en-US" dirty="0" smtClean="0"/>
+              <a:t>IPv4 addresses are 32 bits long. They are written as 4 bytes.</a:t>
+            </a:r>
+          </a:p>
+          <a:p>
+            <a:pPr marL="0" indent="0">
+              <a:buFont typeface="Arial" panose="020B0604020202020204" pitchFamily="34" charset="0"/>
+              <a:buNone/>
+            </a:pPr>
+            <a:r>
+              <a:rPr lang="en-US" dirty="0" smtClean="0"/>
+              <a:t>E.g. 192.168.1.100</a:t>
+            </a:r>
+            <a:endParaRPr lang="da-DK" dirty="0"/>
+          </a:p>
+        </p:txBody>
+      </p:sp>
+    </p:spTree>
+    <p:extLst>
+      <p:ext uri="{BB962C8B-B14F-4D97-AF65-F5344CB8AC3E}">
+        <p14:creationId xmlns:p14="http://schemas.microsoft.com/office/powerpoint/2010/main" val="3655972232"/>
+      </p:ext>
+    </p:extLst>
+  </p:cSld>
+  <p:clrMapOvr>
+    <a:masterClrMapping/>
+  </p:clrMapOvr>
+  <p:timing>
+    <p:tnLst>
+      <p:par>
+        <p:cTn id="1" dur="indefinite" restart="never" nodeType="tmRoot"/>
+      </p:par>
+    </p:tnLst>
+  </p:timing>
+</p:sld>
+</file>
+
+<file path=ppt/slides/slide11.xml><?xml version="1.0" encoding="utf-8"?>
+<p:sld xmlns:a="http://schemas.openxmlformats.org/drawingml/2006/main" xmlns:r="http://schemas.openxmlformats.org/officeDocument/2006/relationships" xmlns:p="http://schemas.openxmlformats.org/presentationml/2006/main">
+  <p:cSld>
+    <p:spTree>
+      <p:nvGrpSpPr>
+        <p:cNvPr id="1" name=""/>
+        <p:cNvGrpSpPr/>
+        <p:nvPr/>
+      </p:nvGrpSpPr>
+      <p:grpSpPr>
+        <a:xfrm>
+          <a:off x="0" y="0"/>
+          <a:ext cx="0" cy="0"/>
+          <a:chOff x="0" y="0"/>
+          <a:chExt cx="0" cy="0"/>
+        </a:xfrm>
+      </p:grpSpPr>
+      <p:sp>
+        <p:nvSpPr>
+          <p:cNvPr id="2" name="Title 1"/>
+          <p:cNvSpPr>
+            <a:spLocks noGrp="1"/>
+          </p:cNvSpPr>
+          <p:nvPr>
+            <p:ph type="title"/>
+          </p:nvPr>
+        </p:nvSpPr>
+        <p:spPr/>
+        <p:txBody>
+          <a:bodyPr/>
+          <a:lstStyle/>
+          <a:p>
+            <a:r>
+              <a:rPr lang="da-DK" dirty="0" smtClean="0"/>
+              <a:t>IP Address format</a:t>
+            </a:r>
+            <a:endParaRPr lang="da-DK" dirty="0"/>
+          </a:p>
+        </p:txBody>
+      </p:sp>
+      <p:pic>
+        <p:nvPicPr>
+          <p:cNvPr id="4" name="Content Placeholder 3"/>
+          <p:cNvPicPr>
+            <a:picLocks noGrp="1" noChangeAspect="1"/>
+          </p:cNvPicPr>
+          <p:nvPr>
+            <p:ph idx="1"/>
+          </p:nvPr>
+        </p:nvPicPr>
+        <p:blipFill>
+          <a:blip r:embed="rId3"/>
+          <a:stretch>
+            <a:fillRect/>
+          </a:stretch>
+        </p:blipFill>
+        <p:spPr>
+          <a:xfrm>
+            <a:off x="386124" y="1105232"/>
+            <a:ext cx="7049881" cy="5223954"/>
+          </a:xfrm>
+          <a:prstGeom prst="rect">
+            <a:avLst/>
+          </a:prstGeom>
+        </p:spPr>
+      </p:pic>
+      <p:sp>
+        <p:nvSpPr>
+          <p:cNvPr id="5" name="TextBox 4"/>
+          <p:cNvSpPr txBox="1"/>
+          <p:nvPr/>
+        </p:nvSpPr>
+        <p:spPr>
+          <a:xfrm>
+            <a:off x="130430" y="6433314"/>
+            <a:ext cx="7305575" cy="240631"/>
+          </a:xfrm>
+          <a:prstGeom prst="rect">
+            <a:avLst/>
+          </a:prstGeom>
+        </p:spPr>
+        <p:txBody>
+          <a:bodyPr vert="horz" wrap="square" lIns="91440" tIns="45720" rIns="91440" bIns="45720" rtlCol="0" anchor="ctr">
+            <a:noAutofit/>
+          </a:bodyPr>
+          <a:lstStyle/>
+          <a:p>
+            <a:r>
+              <a:rPr lang="da-DK" dirty="0">
+                <a:latin typeface="Gill Sans MT" panose="020B0502020104020203" pitchFamily="34" charset="0"/>
+                <a:hlinkClick r:id="rId4"/>
+              </a:rPr>
+              <a:t>https://cidr.xyz</a:t>
+            </a:r>
+            <a:r>
+              <a:rPr lang="da-DK" dirty="0" smtClean="0">
+                <a:latin typeface="Gill Sans MT" panose="020B0502020104020203" pitchFamily="34" charset="0"/>
+                <a:hlinkClick r:id="rId4"/>
+              </a:rPr>
+              <a:t>/</a:t>
+            </a:r>
+            <a:endParaRPr lang="da-DK" dirty="0" smtClean="0">
+              <a:latin typeface="Gill Sans MT" panose="020B0502020104020203" pitchFamily="34" charset="0"/>
+            </a:endParaRPr>
+          </a:p>
+        </p:txBody>
+      </p:sp>
+      <p:sp>
+        <p:nvSpPr>
+          <p:cNvPr id="7" name="TextBox 6"/>
+          <p:cNvSpPr txBox="1"/>
+          <p:nvPr/>
+        </p:nvSpPr>
+        <p:spPr>
+          <a:xfrm>
+            <a:off x="7536581" y="1174282"/>
+            <a:ext cx="3619099" cy="5154904"/>
+          </a:xfrm>
+          <a:prstGeom prst="rect">
+            <a:avLst/>
+          </a:prstGeom>
+        </p:spPr>
+        <p:txBody>
+          <a:bodyPr vert="horz" wrap="square" lIns="91440" tIns="45720" rIns="91440" bIns="45720" rtlCol="0" anchor="ctr">
+            <a:normAutofit fontScale="92500" lnSpcReduction="10000"/>
+          </a:bodyPr>
+          <a:lstStyle/>
+          <a:p>
+            <a:r>
+              <a:rPr lang="da-DK" dirty="0" smtClean="0">
+                <a:latin typeface="Gill Sans MT" panose="020B0502020104020203" pitchFamily="34" charset="0"/>
+              </a:rPr>
+              <a:t>Networks </a:t>
+            </a:r>
+            <a:r>
+              <a:rPr lang="da-DK" dirty="0" err="1" smtClean="0">
+                <a:latin typeface="Gill Sans MT" panose="020B0502020104020203" pitchFamily="34" charset="0"/>
+              </a:rPr>
+              <a:t>ca</a:t>
+            </a:r>
+            <a:r>
+              <a:rPr lang="da-DK" dirty="0" err="1" smtClean="0">
+                <a:latin typeface="Gill Sans MT" panose="020B0502020104020203" pitchFamily="34" charset="0"/>
+              </a:rPr>
+              <a:t>n</a:t>
+            </a:r>
+            <a:r>
+              <a:rPr lang="da-DK" dirty="0" smtClean="0">
+                <a:latin typeface="Gill Sans MT" panose="020B0502020104020203" pitchFamily="34" charset="0"/>
+              </a:rPr>
+              <a:t> </a:t>
+            </a:r>
+            <a:r>
+              <a:rPr lang="da-DK" dirty="0" err="1" smtClean="0">
+                <a:latin typeface="Gill Sans MT" panose="020B0502020104020203" pitchFamily="34" charset="0"/>
+              </a:rPr>
+              <a:t>be</a:t>
+            </a:r>
+            <a:r>
+              <a:rPr lang="da-DK" dirty="0" smtClean="0">
+                <a:latin typeface="Gill Sans MT" panose="020B0502020104020203" pitchFamily="34" charset="0"/>
+              </a:rPr>
+              <a:t> split in to subnets. A subnet has an </a:t>
+            </a:r>
+            <a:r>
+              <a:rPr lang="da-DK" dirty="0" smtClean="0">
+                <a:latin typeface="Gill Sans MT" panose="020B0502020104020203" pitchFamily="34" charset="0"/>
+              </a:rPr>
+              <a:t>IP </a:t>
+            </a:r>
+            <a:r>
+              <a:rPr lang="da-DK" dirty="0" err="1" smtClean="0">
+                <a:latin typeface="Gill Sans MT" panose="020B0502020104020203" pitchFamily="34" charset="0"/>
+              </a:rPr>
+              <a:t>a</a:t>
+            </a:r>
+            <a:r>
+              <a:rPr lang="da-DK" dirty="0" err="1" smtClean="0">
+                <a:latin typeface="Gill Sans MT" panose="020B0502020104020203" pitchFamily="34" charset="0"/>
+              </a:rPr>
+              <a:t>ddress</a:t>
+            </a:r>
+            <a:r>
+              <a:rPr lang="da-DK" dirty="0" smtClean="0">
+                <a:latin typeface="Gill Sans MT" panose="020B0502020104020203" pitchFamily="34" charset="0"/>
+              </a:rPr>
+              <a:t> range, </a:t>
+            </a:r>
+            <a:r>
+              <a:rPr lang="da-DK" dirty="0" err="1" smtClean="0">
+                <a:latin typeface="Gill Sans MT" panose="020B0502020104020203" pitchFamily="34" charset="0"/>
+              </a:rPr>
+              <a:t>which</a:t>
+            </a:r>
+            <a:r>
+              <a:rPr lang="da-DK" dirty="0" smtClean="0">
+                <a:latin typeface="Gill Sans MT" panose="020B0502020104020203" pitchFamily="34" charset="0"/>
+              </a:rPr>
+              <a:t> </a:t>
+            </a:r>
+            <a:r>
+              <a:rPr lang="da-DK" dirty="0" err="1" smtClean="0">
+                <a:latin typeface="Gill Sans MT" panose="020B0502020104020203" pitchFamily="34" charset="0"/>
+              </a:rPr>
+              <a:t>are</a:t>
+            </a:r>
+            <a:r>
+              <a:rPr lang="da-DK" dirty="0" smtClean="0">
+                <a:latin typeface="Gill Sans MT" panose="020B0502020104020203" pitchFamily="34" charset="0"/>
+              </a:rPr>
+              <a:t> the </a:t>
+            </a:r>
+            <a:r>
+              <a:rPr lang="da-DK" dirty="0" err="1" smtClean="0">
+                <a:latin typeface="Gill Sans MT" panose="020B0502020104020203" pitchFamily="34" charset="0"/>
+              </a:rPr>
+              <a:t>addresses</a:t>
+            </a:r>
+            <a:r>
+              <a:rPr lang="da-DK" dirty="0" smtClean="0">
+                <a:latin typeface="Gill Sans MT" panose="020B0502020104020203" pitchFamily="34" charset="0"/>
+              </a:rPr>
+              <a:t> </a:t>
+            </a:r>
+            <a:r>
+              <a:rPr lang="da-DK" dirty="0" err="1" smtClean="0">
+                <a:latin typeface="Gill Sans MT" panose="020B0502020104020203" pitchFamily="34" charset="0"/>
+              </a:rPr>
+              <a:t>usable</a:t>
+            </a:r>
+            <a:r>
+              <a:rPr lang="da-DK" dirty="0" smtClean="0">
+                <a:latin typeface="Gill Sans MT" panose="020B0502020104020203" pitchFamily="34" charset="0"/>
+              </a:rPr>
+              <a:t> in </a:t>
+            </a:r>
+            <a:r>
+              <a:rPr lang="da-DK" dirty="0" err="1" smtClean="0">
+                <a:latin typeface="Gill Sans MT" panose="020B0502020104020203" pitchFamily="34" charset="0"/>
+              </a:rPr>
+              <a:t>that</a:t>
+            </a:r>
+            <a:r>
+              <a:rPr lang="da-DK" dirty="0" smtClean="0">
+                <a:latin typeface="Gill Sans MT" panose="020B0502020104020203" pitchFamily="34" charset="0"/>
+              </a:rPr>
+              <a:t> </a:t>
+            </a:r>
+            <a:r>
+              <a:rPr lang="da-DK" dirty="0" err="1" smtClean="0">
+                <a:latin typeface="Gill Sans MT" panose="020B0502020104020203" pitchFamily="34" charset="0"/>
+              </a:rPr>
+              <a:t>network</a:t>
+            </a:r>
+            <a:r>
+              <a:rPr lang="da-DK" dirty="0" smtClean="0">
+                <a:latin typeface="Gill Sans MT" panose="020B0502020104020203" pitchFamily="34" charset="0"/>
+              </a:rPr>
+              <a:t>.</a:t>
+            </a:r>
+          </a:p>
+          <a:p>
+            <a:endParaRPr lang="da-DK" dirty="0" smtClean="0">
+              <a:latin typeface="Gill Sans MT" panose="020B0502020104020203" pitchFamily="34" charset="0"/>
+            </a:endParaRPr>
+          </a:p>
+          <a:p>
+            <a:r>
+              <a:rPr lang="da-DK" dirty="0" smtClean="0">
+                <a:latin typeface="Gill Sans MT" panose="020B0502020104020203" pitchFamily="34" charset="0"/>
+              </a:rPr>
+              <a:t>Data is </a:t>
+            </a:r>
+            <a:r>
+              <a:rPr lang="da-DK" dirty="0" err="1" smtClean="0">
+                <a:latin typeface="Gill Sans MT" panose="020B0502020104020203" pitchFamily="34" charset="0"/>
+              </a:rPr>
+              <a:t>routed</a:t>
+            </a:r>
+            <a:r>
+              <a:rPr lang="da-DK" dirty="0" smtClean="0">
+                <a:latin typeface="Gill Sans MT" panose="020B0502020104020203" pitchFamily="34" charset="0"/>
+              </a:rPr>
+              <a:t> </a:t>
+            </a:r>
+            <a:r>
+              <a:rPr lang="da-DK" dirty="0" err="1" smtClean="0">
+                <a:latin typeface="Gill Sans MT" panose="020B0502020104020203" pitchFamily="34" charset="0"/>
+              </a:rPr>
+              <a:t>inside</a:t>
+            </a:r>
+            <a:r>
+              <a:rPr lang="da-DK" dirty="0" smtClean="0">
+                <a:latin typeface="Gill Sans MT" panose="020B0502020104020203" pitchFamily="34" charset="0"/>
+              </a:rPr>
+              <a:t> a subnet.</a:t>
+            </a:r>
+          </a:p>
+          <a:p>
+            <a:endParaRPr lang="da-DK" dirty="0" smtClean="0">
+              <a:latin typeface="Gill Sans MT" panose="020B0502020104020203" pitchFamily="34" charset="0"/>
+            </a:endParaRPr>
+          </a:p>
+          <a:p>
+            <a:r>
+              <a:rPr lang="da-DK" dirty="0" smtClean="0">
+                <a:latin typeface="Gill Sans MT" panose="020B0502020104020203" pitchFamily="34" charset="0"/>
+              </a:rPr>
+              <a:t>The 32 bit IP </a:t>
+            </a:r>
+            <a:r>
+              <a:rPr lang="da-DK" dirty="0" err="1" smtClean="0">
+                <a:latin typeface="Gill Sans MT" panose="020B0502020104020203" pitchFamily="34" charset="0"/>
+              </a:rPr>
+              <a:t>address</a:t>
+            </a:r>
+            <a:r>
+              <a:rPr lang="da-DK" dirty="0" err="1" smtClean="0">
+                <a:latin typeface="Gill Sans MT" panose="020B0502020104020203" pitchFamily="34" charset="0"/>
+              </a:rPr>
+              <a:t>es</a:t>
+            </a:r>
+            <a:r>
+              <a:rPr lang="da-DK" dirty="0" smtClean="0">
+                <a:latin typeface="Gill Sans MT" panose="020B0502020104020203" pitchFamily="34" charset="0"/>
+              </a:rPr>
+              <a:t> </a:t>
+            </a:r>
+            <a:r>
+              <a:rPr lang="da-DK" dirty="0" err="1" smtClean="0">
+                <a:latin typeface="Gill Sans MT" panose="020B0502020104020203" pitchFamily="34" charset="0"/>
+              </a:rPr>
+              <a:t>used</a:t>
+            </a:r>
+            <a:r>
+              <a:rPr lang="da-DK" dirty="0" smtClean="0">
+                <a:latin typeface="Gill Sans MT" panose="020B0502020104020203" pitchFamily="34" charset="0"/>
+              </a:rPr>
+              <a:t> in the subnet is</a:t>
+            </a:r>
+            <a:r>
+              <a:rPr lang="da-DK" dirty="0" smtClean="0">
+                <a:latin typeface="Gill Sans MT" panose="020B0502020104020203" pitchFamily="34" charset="0"/>
+              </a:rPr>
+              <a:t> split in NETWORK and HOST parts.</a:t>
+            </a:r>
+          </a:p>
+          <a:p>
+            <a:endParaRPr lang="da-DK" dirty="0">
+              <a:latin typeface="Gill Sans MT" panose="020B0502020104020203" pitchFamily="34" charset="0"/>
+            </a:endParaRPr>
+          </a:p>
+          <a:p>
+            <a:r>
+              <a:rPr lang="da-DK" dirty="0" smtClean="0">
+                <a:latin typeface="Gill Sans MT" panose="020B0502020104020203" pitchFamily="34" charset="0"/>
+              </a:rPr>
+              <a:t>The 32 bits set to 1 in the NETMASK </a:t>
+            </a:r>
+            <a:r>
+              <a:rPr lang="da-DK" dirty="0" err="1" smtClean="0">
+                <a:latin typeface="Gill Sans MT" panose="020B0502020104020203" pitchFamily="34" charset="0"/>
+              </a:rPr>
+              <a:t>specifies</a:t>
+            </a:r>
+            <a:r>
+              <a:rPr lang="da-DK" dirty="0" smtClean="0">
+                <a:latin typeface="Gill Sans MT" panose="020B0502020104020203" pitchFamily="34" charset="0"/>
+              </a:rPr>
+              <a:t> the NETWORK part. The bits set to 0 </a:t>
+            </a:r>
+            <a:r>
+              <a:rPr lang="da-DK" dirty="0" err="1" smtClean="0">
+                <a:latin typeface="Gill Sans MT" panose="020B0502020104020203" pitchFamily="34" charset="0"/>
+              </a:rPr>
+              <a:t>defines</a:t>
+            </a:r>
+            <a:r>
+              <a:rPr lang="da-DK" dirty="0" smtClean="0">
+                <a:latin typeface="Gill Sans MT" panose="020B0502020104020203" pitchFamily="34" charset="0"/>
+              </a:rPr>
+              <a:t> the HOST parts.</a:t>
+            </a:r>
+          </a:p>
+          <a:p>
+            <a:endParaRPr lang="da-DK" dirty="0">
+              <a:latin typeface="Gill Sans MT" panose="020B0502020104020203" pitchFamily="34" charset="0"/>
+            </a:endParaRPr>
+          </a:p>
+          <a:p>
+            <a:r>
+              <a:rPr lang="da-DK" dirty="0" smtClean="0">
+                <a:latin typeface="Gill Sans MT" panose="020B0502020104020203" pitchFamily="34" charset="0"/>
+              </a:rPr>
+              <a:t>The NETWORK part of an </a:t>
+            </a:r>
+            <a:r>
+              <a:rPr lang="da-DK" dirty="0" err="1" smtClean="0">
+                <a:latin typeface="Gill Sans MT" panose="020B0502020104020203" pitchFamily="34" charset="0"/>
+              </a:rPr>
+              <a:t>address</a:t>
+            </a:r>
+            <a:r>
+              <a:rPr lang="da-DK" dirty="0" smtClean="0">
+                <a:latin typeface="Gill Sans MT" panose="020B0502020104020203" pitchFamily="34" charset="0"/>
+              </a:rPr>
+              <a:t> </a:t>
+            </a:r>
+            <a:r>
+              <a:rPr lang="da-DK" dirty="0" err="1" smtClean="0">
+                <a:latin typeface="Gill Sans MT" panose="020B0502020104020203" pitchFamily="34" charset="0"/>
+              </a:rPr>
+              <a:t>can</a:t>
+            </a:r>
+            <a:r>
+              <a:rPr lang="da-DK" dirty="0" smtClean="0">
+                <a:latin typeface="Gill Sans MT" panose="020B0502020104020203" pitchFamily="34" charset="0"/>
+              </a:rPr>
+              <a:t> </a:t>
+            </a:r>
+            <a:r>
+              <a:rPr lang="da-DK" dirty="0" err="1" smtClean="0">
+                <a:latin typeface="Gill Sans MT" panose="020B0502020104020203" pitchFamily="34" charset="0"/>
+              </a:rPr>
+              <a:t>also</a:t>
+            </a:r>
+            <a:r>
+              <a:rPr lang="da-DK" dirty="0" smtClean="0">
+                <a:latin typeface="Gill Sans MT" panose="020B0502020104020203" pitchFamily="34" charset="0"/>
+              </a:rPr>
+              <a:t> </a:t>
+            </a:r>
+            <a:r>
+              <a:rPr lang="da-DK" dirty="0" err="1" smtClean="0">
+                <a:latin typeface="Gill Sans MT" panose="020B0502020104020203" pitchFamily="34" charset="0"/>
+              </a:rPr>
+              <a:t>be</a:t>
+            </a:r>
+            <a:r>
+              <a:rPr lang="da-DK" dirty="0" smtClean="0">
+                <a:latin typeface="Gill Sans MT" panose="020B0502020104020203" pitchFamily="34" charset="0"/>
+              </a:rPr>
+              <a:t> </a:t>
+            </a:r>
+            <a:r>
+              <a:rPr lang="da-DK" dirty="0" err="1" smtClean="0">
+                <a:latin typeface="Gill Sans MT" panose="020B0502020104020203" pitchFamily="34" charset="0"/>
+              </a:rPr>
+              <a:t>specified</a:t>
+            </a:r>
+            <a:r>
+              <a:rPr lang="da-DK" dirty="0" smtClean="0">
+                <a:latin typeface="Gill Sans MT" panose="020B0502020104020203" pitchFamily="34" charset="0"/>
+              </a:rPr>
+              <a:t> in CIDR </a:t>
+            </a:r>
+            <a:r>
+              <a:rPr lang="da-DK" dirty="0">
+                <a:latin typeface="Gill Sans MT" panose="020B0502020104020203" pitchFamily="34" charset="0"/>
+              </a:rPr>
+              <a:t>format </a:t>
+            </a:r>
+            <a:r>
+              <a:rPr lang="da-DK" dirty="0" smtClean="0">
+                <a:latin typeface="Gill Sans MT" panose="020B0502020104020203" pitchFamily="34" charset="0"/>
+              </a:rPr>
+              <a:t>(</a:t>
+            </a:r>
+            <a:r>
+              <a:rPr lang="da-DK" dirty="0" err="1" smtClean="0">
+                <a:latin typeface="Gill Sans MT" panose="020B0502020104020203" pitchFamily="34" charset="0"/>
+              </a:rPr>
+              <a:t>Classless</a:t>
+            </a:r>
+            <a:r>
+              <a:rPr lang="da-DK" dirty="0" smtClean="0">
+                <a:latin typeface="Gill Sans MT" panose="020B0502020104020203" pitchFamily="34" charset="0"/>
+              </a:rPr>
+              <a:t> </a:t>
+            </a:r>
+            <a:r>
+              <a:rPr lang="da-DK" dirty="0">
+                <a:latin typeface="Gill Sans MT" panose="020B0502020104020203" pitchFamily="34" charset="0"/>
+              </a:rPr>
+              <a:t>Inter-Domain </a:t>
+            </a:r>
+            <a:r>
+              <a:rPr lang="da-DK" dirty="0" smtClean="0">
+                <a:latin typeface="Gill Sans MT" panose="020B0502020104020203" pitchFamily="34" charset="0"/>
+              </a:rPr>
+              <a:t>Routing).</a:t>
+            </a:r>
+          </a:p>
+          <a:p>
+            <a:endParaRPr lang="da-DK" dirty="0">
+              <a:latin typeface="Gill Sans MT" panose="020B0502020104020203" pitchFamily="34" charset="0"/>
+            </a:endParaRPr>
+          </a:p>
+          <a:p>
+            <a:r>
+              <a:rPr lang="da-DK" dirty="0" smtClean="0">
+                <a:latin typeface="Gill Sans MT" panose="020B0502020104020203" pitchFamily="34" charset="0"/>
+              </a:rPr>
+              <a:t>The IP </a:t>
+            </a:r>
+            <a:r>
+              <a:rPr lang="da-DK" dirty="0" err="1" smtClean="0">
+                <a:latin typeface="Gill Sans MT" panose="020B0502020104020203" pitchFamily="34" charset="0"/>
+              </a:rPr>
+              <a:t>address</a:t>
+            </a:r>
+            <a:r>
+              <a:rPr lang="da-DK" dirty="0" smtClean="0">
+                <a:latin typeface="Gill Sans MT" panose="020B0502020104020203" pitchFamily="34" charset="0"/>
+              </a:rPr>
+              <a:t> </a:t>
+            </a:r>
+            <a:r>
+              <a:rPr lang="da-DK" dirty="0" err="1" smtClean="0">
+                <a:latin typeface="Gill Sans MT" panose="020B0502020104020203" pitchFamily="34" charset="0"/>
+              </a:rPr>
+              <a:t>ending</a:t>
+            </a:r>
+            <a:r>
+              <a:rPr lang="da-DK" dirty="0" smtClean="0">
+                <a:latin typeface="Gill Sans MT" panose="020B0502020104020203" pitchFamily="34" charset="0"/>
+              </a:rPr>
+              <a:t> with .0 or .255 </a:t>
+            </a:r>
+            <a:r>
+              <a:rPr lang="da-DK" dirty="0" err="1" smtClean="0">
+                <a:latin typeface="Gill Sans MT" panose="020B0502020104020203" pitchFamily="34" charset="0"/>
+              </a:rPr>
+              <a:t>can</a:t>
+            </a:r>
+            <a:r>
+              <a:rPr lang="da-DK" dirty="0" smtClean="0">
+                <a:latin typeface="Gill Sans MT" panose="020B0502020104020203" pitchFamily="34" charset="0"/>
+              </a:rPr>
+              <a:t> not </a:t>
+            </a:r>
+            <a:r>
+              <a:rPr lang="da-DK" dirty="0" err="1" smtClean="0">
+                <a:latin typeface="Gill Sans MT" panose="020B0502020104020203" pitchFamily="34" charset="0"/>
+              </a:rPr>
+              <a:t>be</a:t>
+            </a:r>
+            <a:r>
+              <a:rPr lang="da-DK" dirty="0" smtClean="0">
+                <a:latin typeface="Gill Sans MT" panose="020B0502020104020203" pitchFamily="34" charset="0"/>
+              </a:rPr>
+              <a:t> </a:t>
+            </a:r>
+            <a:r>
+              <a:rPr lang="da-DK" dirty="0" err="1" smtClean="0">
+                <a:latin typeface="Gill Sans MT" panose="020B0502020104020203" pitchFamily="34" charset="0"/>
+              </a:rPr>
+              <a:t>used</a:t>
+            </a:r>
+            <a:r>
+              <a:rPr lang="da-DK" dirty="0" smtClean="0">
+                <a:latin typeface="Gill Sans MT" panose="020B0502020104020203" pitchFamily="34" charset="0"/>
+              </a:rPr>
+              <a:t> by a HOST.</a:t>
+            </a:r>
+            <a:endParaRPr lang="da-DK" dirty="0" smtClean="0">
+              <a:latin typeface="Gill Sans MT" panose="020B0502020104020203" pitchFamily="34" charset="0"/>
+            </a:endParaRPr>
+          </a:p>
+        </p:txBody>
+      </p:sp>
+    </p:spTree>
+    <p:extLst>
+      <p:ext uri="{BB962C8B-B14F-4D97-AF65-F5344CB8AC3E}">
+        <p14:creationId xmlns:p14="http://schemas.microsoft.com/office/powerpoint/2010/main" val="624924399"/>
+      </p:ext>
+    </p:extLst>
+  </p:cSld>
+  <p:clrMapOvr>
+    <a:masterClrMapping/>
+  </p:clrMapOvr>
+  <p:timing>
+    <p:tnLst>
+      <p:par>
+        <p:cTn id="1" dur="indefinite" restart="never" nodeType="tmRoot"/>
+      </p:par>
+    </p:tnLst>
+  </p:timing>
+</p:sld>
+</file>
+
+<file path=ppt/slides/slide12.xml><?xml version="1.0" encoding="utf-8"?>
+<p:sld xmlns:a="http://schemas.openxmlformats.org/drawingml/2006/main" xmlns:r="http://schemas.openxmlformats.org/officeDocument/2006/relationships" xmlns:p="http://schemas.openxmlformats.org/presentationml/2006/main">
+  <p:cSld>
+    <p:spTree>
+      <p:nvGrpSpPr>
+        <p:cNvPr id="1" name=""/>
+        <p:cNvGrpSpPr/>
+        <p:nvPr/>
+      </p:nvGrpSpPr>
+      <p:grpSpPr>
+        <a:xfrm>
+          <a:off x="0" y="0"/>
+          <a:ext cx="0" cy="0"/>
+          <a:chOff x="0" y="0"/>
+          <a:chExt cx="0" cy="0"/>
+        </a:xfrm>
+      </p:grpSpPr>
+      <p:sp>
+        <p:nvSpPr>
+          <p:cNvPr id="2" name="Title 1"/>
+          <p:cNvSpPr>
+            <a:spLocks noGrp="1"/>
+          </p:cNvSpPr>
+          <p:nvPr>
+            <p:ph type="title"/>
+          </p:nvPr>
+        </p:nvSpPr>
+        <p:spPr/>
+        <p:txBody>
+          <a:bodyPr/>
+          <a:lstStyle/>
+          <a:p>
+            <a:r>
+              <a:rPr lang="da-DK" dirty="0" smtClean="0"/>
+              <a:t>Local IP Networks</a:t>
+            </a:r>
+            <a:endParaRPr lang="da-DK" dirty="0"/>
+          </a:p>
+        </p:txBody>
+      </p:sp>
+      <p:sp>
+        <p:nvSpPr>
+          <p:cNvPr id="3" name="Content Placeholder 2"/>
+          <p:cNvSpPr>
+            <a:spLocks noGrp="1"/>
+          </p:cNvSpPr>
+          <p:nvPr>
+            <p:ph idx="1"/>
+          </p:nvPr>
+        </p:nvSpPr>
+        <p:spPr/>
+        <p:txBody>
+          <a:bodyPr>
+            <a:normAutofit fontScale="92500" lnSpcReduction="20000"/>
+          </a:bodyPr>
+          <a:lstStyle/>
+          <a:p>
+            <a:pPr marL="0" indent="0">
+              <a:buNone/>
+            </a:pPr>
+            <a:r>
+              <a:rPr lang="en-US" dirty="0" smtClean="0"/>
+              <a:t>Portions </a:t>
+            </a:r>
+            <a:r>
+              <a:rPr lang="en-US" dirty="0"/>
+              <a:t>of the IPv4 space </a:t>
+            </a:r>
+            <a:r>
+              <a:rPr lang="en-US" dirty="0" smtClean="0"/>
+              <a:t>are reserved </a:t>
+            </a:r>
+            <a:r>
+              <a:rPr lang="en-US" dirty="0"/>
+              <a:t>for specific uses.</a:t>
+            </a:r>
+          </a:p>
+          <a:p>
+            <a:pPr marL="0" indent="0">
+              <a:buNone/>
+            </a:pPr>
+            <a:endParaRPr lang="en-US" dirty="0" smtClean="0"/>
+          </a:p>
+          <a:p>
+            <a:pPr marL="0" indent="0">
+              <a:buNone/>
+            </a:pPr>
+            <a:r>
+              <a:rPr lang="en-US" dirty="0" smtClean="0"/>
+              <a:t>Loopback</a:t>
+            </a:r>
+          </a:p>
+          <a:p>
+            <a:pPr marL="457200" lvl="1" indent="0">
+              <a:buNone/>
+            </a:pPr>
+            <a:r>
+              <a:rPr lang="en-US" dirty="0"/>
+              <a:t>127.0.0.0 to </a:t>
+            </a:r>
+            <a:r>
+              <a:rPr lang="en-US" dirty="0" smtClean="0"/>
+              <a:t>127.255.255.255</a:t>
+            </a:r>
+          </a:p>
+          <a:p>
+            <a:pPr marL="457200" lvl="1" indent="0">
+              <a:buNone/>
+            </a:pPr>
+            <a:r>
+              <a:rPr lang="en-US" dirty="0" smtClean="0"/>
+              <a:t>Typically 127.0.0.1 is “loopback” or “localhost”</a:t>
+            </a:r>
+            <a:endParaRPr lang="en-US" dirty="0"/>
+          </a:p>
+          <a:p>
+            <a:pPr marL="0" indent="0">
+              <a:buNone/>
+            </a:pPr>
+            <a:endParaRPr lang="en-US" dirty="0" smtClean="0"/>
+          </a:p>
+          <a:p>
+            <a:pPr marL="0" indent="0">
+              <a:buNone/>
+            </a:pPr>
+            <a:r>
+              <a:rPr lang="en-US" dirty="0" smtClean="0"/>
+              <a:t>Private networks</a:t>
+            </a:r>
+          </a:p>
+          <a:p>
+            <a:pPr marL="457200" lvl="1" indent="0">
+              <a:buNone/>
+            </a:pPr>
+            <a:r>
+              <a:rPr lang="en-US" dirty="0" smtClean="0"/>
+              <a:t>10.0.0.0 to 10.255.255.255</a:t>
+            </a:r>
+          </a:p>
+          <a:p>
+            <a:pPr marL="457200" lvl="1" indent="0">
+              <a:buNone/>
+            </a:pPr>
+            <a:r>
+              <a:rPr lang="en-US" dirty="0" smtClean="0"/>
+              <a:t>172.16.0.0 to 172.31.255.255</a:t>
+            </a:r>
+          </a:p>
+          <a:p>
+            <a:pPr marL="457200" lvl="1" indent="0">
+              <a:buNone/>
+            </a:pPr>
+            <a:r>
+              <a:rPr lang="en-US" dirty="0" smtClean="0"/>
+              <a:t>192.168.0.0 to 192.168.255.255</a:t>
+            </a:r>
+            <a:endParaRPr lang="en-US" dirty="0"/>
+          </a:p>
+          <a:p>
+            <a:pPr marL="0" indent="0">
+              <a:buNone/>
+            </a:pPr>
+            <a:endParaRPr lang="en-US" dirty="0"/>
+          </a:p>
+          <a:p>
+            <a:pPr marL="0" indent="0">
+              <a:buNone/>
+            </a:pPr>
+            <a:r>
+              <a:rPr lang="en-US" dirty="0"/>
+              <a:t>Any computer that is not hooked up to the internet directly (any computer that goes through a router or other NAT system) can use these addresses at will.</a:t>
+            </a:r>
+            <a:endParaRPr lang="da-DK" dirty="0"/>
+          </a:p>
+        </p:txBody>
+      </p:sp>
+      <p:sp>
+        <p:nvSpPr>
+          <p:cNvPr id="5" name="TextBox 4"/>
+          <p:cNvSpPr txBox="1"/>
+          <p:nvPr/>
+        </p:nvSpPr>
+        <p:spPr>
+          <a:xfrm>
+            <a:off x="125128" y="6525928"/>
+            <a:ext cx="10231655" cy="240632"/>
+          </a:xfrm>
+          <a:prstGeom prst="rect">
+            <a:avLst/>
+          </a:prstGeom>
+        </p:spPr>
+        <p:txBody>
+          <a:bodyPr vert="horz" wrap="square" lIns="91440" tIns="45720" rIns="91440" bIns="45720" rtlCol="0" anchor="ctr">
+            <a:normAutofit fontScale="62500" lnSpcReduction="20000"/>
+          </a:bodyPr>
+          <a:lstStyle/>
+          <a:p>
+            <a:r>
+              <a:rPr lang="da-DK" dirty="0">
+                <a:latin typeface="Gill Sans MT" panose="020B0502020104020203" pitchFamily="34" charset="0"/>
+              </a:rPr>
+              <a:t>Source: https://www.digitalocean.com/community/tutorials/understanding-ip-addresses-subnets-and-cidr-notation-for-networking</a:t>
+            </a:r>
+            <a:endParaRPr lang="da-DK" dirty="0" smtClean="0">
+              <a:latin typeface="Gill Sans MT" panose="020B0502020104020203" pitchFamily="34" charset="0"/>
+            </a:endParaRPr>
+          </a:p>
+        </p:txBody>
+      </p:sp>
+    </p:spTree>
+    <p:extLst>
+      <p:ext uri="{BB962C8B-B14F-4D97-AF65-F5344CB8AC3E}">
+        <p14:creationId xmlns:p14="http://schemas.microsoft.com/office/powerpoint/2010/main" val="620615255"/>
+      </p:ext>
+    </p:extLst>
+  </p:cSld>
+  <p:clrMapOvr>
+    <a:masterClrMapping/>
+  </p:clrMapOvr>
+  <p:timing>
+    <p:tnLst>
+      <p:par>
+        <p:cTn id="1" dur="indefinite" restart="never" nodeType="tmRoot"/>
+      </p:par>
+    </p:tnLst>
+  </p:timing>
+</p:sld>
+</file>
+
+<file path=ppt/slides/slide13.xml><?xml version="1.0" encoding="utf-8"?>
+<p:sld xmlns:a="http://schemas.openxmlformats.org/drawingml/2006/main" xmlns:r="http://schemas.openxmlformats.org/officeDocument/2006/relationships" xmlns:p="http://schemas.openxmlformats.org/presentationml/2006/main">
+  <p:cSld>
+    <p:spTree>
+      <p:nvGrpSpPr>
+        <p:cNvPr id="1" name=""/>
+        <p:cNvGrpSpPr/>
+        <p:nvPr/>
+      </p:nvGrpSpPr>
+      <p:grpSpPr>
+        <a:xfrm>
+          <a:off x="0" y="0"/>
+          <a:ext cx="0" cy="0"/>
+          <a:chOff x="0" y="0"/>
+          <a:chExt cx="0" cy="0"/>
+        </a:xfrm>
+      </p:grpSpPr>
+      <p:sp>
+        <p:nvSpPr>
+          <p:cNvPr id="2" name="Title 1"/>
+          <p:cNvSpPr>
+            <a:spLocks noGrp="1"/>
+          </p:cNvSpPr>
+          <p:nvPr>
+            <p:ph type="title"/>
+          </p:nvPr>
+        </p:nvSpPr>
+        <p:spPr/>
+        <p:txBody>
+          <a:bodyPr/>
+          <a:lstStyle/>
+          <a:p>
+            <a:r>
+              <a:rPr lang="da-DK" dirty="0" smtClean="0"/>
+              <a:t>Public </a:t>
+            </a:r>
+            <a:r>
+              <a:rPr lang="da-DK" dirty="0" err="1" smtClean="0"/>
+              <a:t>address</a:t>
+            </a:r>
+            <a:r>
+              <a:rPr lang="da-DK" dirty="0" smtClean="0"/>
+              <a:t> vs. Local </a:t>
+            </a:r>
+            <a:r>
+              <a:rPr lang="da-DK" dirty="0" err="1" smtClean="0"/>
+              <a:t>network</a:t>
+            </a:r>
+            <a:r>
+              <a:rPr lang="da-DK" dirty="0" smtClean="0"/>
+              <a:t> </a:t>
+            </a:r>
+            <a:r>
+              <a:rPr lang="da-DK" dirty="0" err="1" smtClean="0"/>
+              <a:t>address</a:t>
+            </a:r>
+            <a:endParaRPr lang="da-DK" dirty="0"/>
+          </a:p>
+        </p:txBody>
+      </p:sp>
+      <p:sp>
+        <p:nvSpPr>
+          <p:cNvPr id="3" name="Content Placeholder 2"/>
+          <p:cNvSpPr>
+            <a:spLocks noGrp="1"/>
+          </p:cNvSpPr>
+          <p:nvPr>
+            <p:ph idx="1"/>
+          </p:nvPr>
+        </p:nvSpPr>
+        <p:spPr>
+          <a:xfrm>
+            <a:off x="8114096" y="1311965"/>
+            <a:ext cx="3239703" cy="4864998"/>
+          </a:xfrm>
+        </p:spPr>
+        <p:txBody>
+          <a:bodyPr>
+            <a:normAutofit lnSpcReduction="10000"/>
+          </a:bodyPr>
+          <a:lstStyle/>
+          <a:p>
+            <a:pPr marL="0" indent="0">
+              <a:buNone/>
+            </a:pPr>
+            <a:r>
+              <a:rPr lang="da-DK" dirty="0" err="1" smtClean="0"/>
+              <a:t>Michael’s</a:t>
+            </a:r>
+            <a:r>
+              <a:rPr lang="da-DK" dirty="0" smtClean="0"/>
+              <a:t> </a:t>
+            </a:r>
+            <a:r>
+              <a:rPr lang="da-DK" dirty="0" err="1" smtClean="0"/>
+              <a:t>network</a:t>
+            </a:r>
+            <a:r>
+              <a:rPr lang="da-DK" dirty="0" smtClean="0"/>
+              <a:t>.</a:t>
+            </a:r>
+          </a:p>
+          <a:p>
+            <a:pPr marL="0" indent="0">
+              <a:buNone/>
+            </a:pPr>
+            <a:endParaRPr lang="da-DK" dirty="0"/>
+          </a:p>
+          <a:p>
+            <a:pPr marL="0" indent="0">
+              <a:buNone/>
+            </a:pPr>
+            <a:r>
+              <a:rPr lang="da-DK" dirty="0" smtClean="0"/>
+              <a:t>192.168.99.0/24 is </a:t>
+            </a:r>
+            <a:r>
+              <a:rPr lang="da-DK" dirty="0" err="1" smtClean="0"/>
+              <a:t>local</a:t>
+            </a:r>
+            <a:r>
+              <a:rPr lang="da-DK" dirty="0" smtClean="0"/>
+              <a:t> </a:t>
+            </a:r>
+            <a:r>
+              <a:rPr lang="da-DK" dirty="0" err="1" smtClean="0"/>
+              <a:t>addresses</a:t>
+            </a:r>
+            <a:r>
+              <a:rPr lang="da-DK" dirty="0" smtClean="0"/>
+              <a:t>. </a:t>
+            </a:r>
+            <a:r>
+              <a:rPr lang="da-DK" dirty="0" err="1" smtClean="0"/>
+              <a:t>They</a:t>
+            </a:r>
+            <a:r>
+              <a:rPr lang="da-DK" dirty="0" smtClean="0"/>
+              <a:t> </a:t>
+            </a:r>
+            <a:r>
+              <a:rPr lang="da-DK" dirty="0" err="1" smtClean="0"/>
+              <a:t>are</a:t>
+            </a:r>
+            <a:r>
+              <a:rPr lang="da-DK" dirty="0" smtClean="0"/>
+              <a:t> managed by Michael.</a:t>
+            </a:r>
+          </a:p>
+          <a:p>
+            <a:pPr marL="0" indent="0">
+              <a:buNone/>
+            </a:pPr>
+            <a:endParaRPr lang="da-DK" dirty="0"/>
+          </a:p>
+          <a:p>
+            <a:pPr marL="0" indent="0">
+              <a:buNone/>
+            </a:pPr>
+            <a:r>
+              <a:rPr lang="da-DK" dirty="0" smtClean="0"/>
+              <a:t>5.186.34.131 is the public </a:t>
+            </a:r>
+            <a:r>
+              <a:rPr lang="da-DK" dirty="0" err="1" smtClean="0"/>
+              <a:t>address</a:t>
+            </a:r>
+            <a:r>
+              <a:rPr lang="da-DK" dirty="0" smtClean="0"/>
+              <a:t>. It is managed by </a:t>
+            </a:r>
+            <a:r>
+              <a:rPr lang="da-DK" dirty="0" err="1" smtClean="0"/>
+              <a:t>Fibia</a:t>
+            </a:r>
+            <a:r>
+              <a:rPr lang="da-DK" dirty="0" smtClean="0"/>
+              <a:t> (the internet </a:t>
+            </a:r>
+            <a:r>
+              <a:rPr lang="da-DK" dirty="0" err="1" smtClean="0"/>
+              <a:t>provider</a:t>
+            </a:r>
+            <a:r>
+              <a:rPr lang="da-DK" dirty="0" smtClean="0"/>
+              <a:t>).</a:t>
+            </a:r>
+            <a:endParaRPr lang="da-DK" dirty="0"/>
+          </a:p>
+        </p:txBody>
+      </p:sp>
+      <p:pic>
+        <p:nvPicPr>
+          <p:cNvPr id="32" name="Picture 31"/>
+          <p:cNvPicPr>
+            <a:picLocks noChangeAspect="1"/>
+          </p:cNvPicPr>
+          <p:nvPr/>
+        </p:nvPicPr>
+        <p:blipFill>
+          <a:blip r:embed="rId3"/>
+          <a:stretch>
+            <a:fillRect/>
+          </a:stretch>
+        </p:blipFill>
+        <p:spPr>
+          <a:xfrm>
+            <a:off x="273828" y="1277277"/>
+            <a:ext cx="7697987" cy="4934373"/>
+          </a:xfrm>
+          <a:prstGeom prst="rect">
+            <a:avLst/>
+          </a:prstGeom>
+        </p:spPr>
+      </p:pic>
+    </p:spTree>
+    <p:extLst>
+      <p:ext uri="{BB962C8B-B14F-4D97-AF65-F5344CB8AC3E}">
+        <p14:creationId xmlns:p14="http://schemas.microsoft.com/office/powerpoint/2010/main" val="2076390787"/>
+      </p:ext>
+    </p:extLst>
+  </p:cSld>
+  <p:clrMapOvr>
+    <a:masterClrMapping/>
+  </p:clrMapOvr>
+  <p:timing>
+    <p:tnLst>
+      <p:par>
+        <p:cTn id="1" dur="indefinite" restart="never" nodeType="tmRoot"/>
+      </p:par>
+    </p:tnLst>
+  </p:timing>
+</p:sld>
+</file>
+
+<file path=ppt/slides/slide14.xml><?xml version="1.0" encoding="utf-8"?>
+<p:sld xmlns:a="http://schemas.openxmlformats.org/drawingml/2006/main" xmlns:r="http://schemas.openxmlformats.org/officeDocument/2006/relationships" xmlns:p="http://schemas.openxmlformats.org/presentationml/2006/main">
+  <p:cSld>
+    <p:spTree>
+      <p:nvGrpSpPr>
+        <p:cNvPr id="1" name=""/>
+        <p:cNvGrpSpPr/>
+        <p:nvPr/>
+      </p:nvGrpSpPr>
+      <p:grpSpPr>
+        <a:xfrm>
+          <a:off x="0" y="0"/>
+          <a:ext cx="0" cy="0"/>
+          <a:chOff x="0" y="0"/>
+          <a:chExt cx="0" cy="0"/>
+        </a:xfrm>
+      </p:grpSpPr>
+      <p:sp>
+        <p:nvSpPr>
+          <p:cNvPr id="2" name="Title 1"/>
+          <p:cNvSpPr>
+            <a:spLocks noGrp="1"/>
+          </p:cNvSpPr>
+          <p:nvPr>
+            <p:ph type="title"/>
+          </p:nvPr>
+        </p:nvSpPr>
+        <p:spPr/>
+        <p:txBody>
+          <a:bodyPr/>
+          <a:lstStyle/>
+          <a:p>
+            <a:r>
+              <a:rPr lang="da-DK" dirty="0" err="1" smtClean="0"/>
+              <a:t>Exercise</a:t>
+            </a:r>
+            <a:endParaRPr lang="da-DK" dirty="0"/>
+          </a:p>
+        </p:txBody>
+      </p:sp>
+      <p:sp>
+        <p:nvSpPr>
+          <p:cNvPr id="3" name="Content Placeholder 2"/>
+          <p:cNvSpPr>
+            <a:spLocks noGrp="1"/>
+          </p:cNvSpPr>
+          <p:nvPr>
+            <p:ph idx="1"/>
+          </p:nvPr>
+        </p:nvSpPr>
+        <p:spPr/>
+        <p:txBody>
+          <a:bodyPr/>
+          <a:lstStyle/>
+          <a:p>
+            <a:r>
+              <a:rPr lang="en-US" dirty="0" smtClean="0"/>
+              <a:t>Exercise:</a:t>
+            </a:r>
+          </a:p>
+          <a:p>
+            <a:pPr lvl="1"/>
+            <a:r>
+              <a:rPr lang="en-US" dirty="0" smtClean="0"/>
+              <a:t>Find your </a:t>
+            </a:r>
+            <a:r>
+              <a:rPr lang="en-US" dirty="0" smtClean="0"/>
+              <a:t>LAN IP</a:t>
+            </a:r>
+            <a:r>
+              <a:rPr lang="en-US" dirty="0" smtClean="0"/>
+              <a:t> </a:t>
+            </a:r>
+            <a:r>
+              <a:rPr lang="en-US" dirty="0" smtClean="0"/>
+              <a:t>address and exchange address with another student.</a:t>
+            </a:r>
+          </a:p>
+          <a:p>
+            <a:pPr lvl="1"/>
+            <a:r>
+              <a:rPr lang="en-US" dirty="0" smtClean="0"/>
+              <a:t>What </a:t>
+            </a:r>
+            <a:r>
+              <a:rPr lang="en-US" dirty="0" smtClean="0"/>
+              <a:t>subnet are you on</a:t>
+            </a:r>
+            <a:r>
+              <a:rPr lang="en-US" dirty="0" smtClean="0"/>
+              <a:t>?</a:t>
+            </a:r>
+          </a:p>
+          <a:p>
+            <a:pPr lvl="1"/>
+            <a:r>
+              <a:rPr lang="en-US" dirty="0"/>
+              <a:t>Ping each others machines</a:t>
+            </a:r>
+          </a:p>
+          <a:p>
+            <a:pPr lvl="2"/>
+            <a:r>
+              <a:rPr lang="en-US" dirty="0" smtClean="0"/>
+              <a:t>Ping is probably blocked in your windows firewall.</a:t>
+            </a:r>
+          </a:p>
+          <a:p>
+            <a:pPr lvl="2"/>
+            <a:r>
+              <a:rPr lang="en-US" dirty="0" smtClean="0"/>
+              <a:t>Try to ping 8.8.8.8 (google DNS) or Michaels Raspberry Pi if he remembered to bring it.</a:t>
+            </a:r>
+          </a:p>
+          <a:p>
+            <a:pPr lvl="1"/>
+            <a:r>
+              <a:rPr lang="en-US" dirty="0" smtClean="0"/>
+              <a:t>Find your external (WAN) </a:t>
+            </a:r>
+            <a:r>
+              <a:rPr lang="en-US" dirty="0"/>
+              <a:t>IP </a:t>
+            </a:r>
+            <a:r>
+              <a:rPr lang="en-US" dirty="0" smtClean="0"/>
+              <a:t>Address using </a:t>
+            </a:r>
+            <a:r>
+              <a:rPr lang="en-US" dirty="0">
+                <a:hlinkClick r:id="rId3"/>
+              </a:rPr>
+              <a:t>https://www.whatsmyip.org</a:t>
+            </a:r>
+            <a:r>
+              <a:rPr lang="en-US" dirty="0" smtClean="0">
+                <a:hlinkClick r:id="rId3"/>
+              </a:rPr>
+              <a:t>/</a:t>
+            </a:r>
+            <a:r>
+              <a:rPr lang="en-US" dirty="0" smtClean="0"/>
+              <a:t> or </a:t>
+            </a:r>
+            <a:r>
+              <a:rPr lang="en-US" dirty="0" smtClean="0">
+                <a:hlinkClick r:id="rId4"/>
+              </a:rPr>
+              <a:t>https://ifconfig.me</a:t>
+            </a:r>
+            <a:endParaRPr lang="en-US" dirty="0" smtClean="0"/>
+          </a:p>
+          <a:p>
+            <a:pPr lvl="1"/>
+            <a:endParaRPr lang="en-US" dirty="0" smtClean="0"/>
+          </a:p>
+          <a:p>
+            <a:pPr lvl="1"/>
+            <a:endParaRPr lang="en-US" dirty="0"/>
+          </a:p>
+        </p:txBody>
+      </p:sp>
+      <p:pic>
+        <p:nvPicPr>
+          <p:cNvPr id="4" name="Picture 3"/>
+          <p:cNvPicPr>
+            <a:picLocks noChangeAspect="1"/>
+          </p:cNvPicPr>
+          <p:nvPr/>
+        </p:nvPicPr>
+        <p:blipFill>
+          <a:blip r:embed="rId5"/>
+          <a:stretch>
+            <a:fillRect/>
+          </a:stretch>
+        </p:blipFill>
+        <p:spPr>
+          <a:xfrm>
+            <a:off x="999194" y="5445411"/>
+            <a:ext cx="3672999" cy="731552"/>
+          </a:xfrm>
+          <a:prstGeom prst="rect">
+            <a:avLst/>
+          </a:prstGeom>
+        </p:spPr>
+      </p:pic>
+      <p:pic>
+        <p:nvPicPr>
+          <p:cNvPr id="5" name="Picture 4"/>
+          <p:cNvPicPr>
+            <a:picLocks noChangeAspect="1"/>
+          </p:cNvPicPr>
+          <p:nvPr/>
+        </p:nvPicPr>
+        <p:blipFill>
+          <a:blip r:embed="rId6"/>
+          <a:stretch>
+            <a:fillRect/>
+          </a:stretch>
+        </p:blipFill>
+        <p:spPr>
+          <a:xfrm>
+            <a:off x="5888486" y="5092089"/>
+            <a:ext cx="3668516" cy="1245154"/>
+          </a:xfrm>
+          <a:prstGeom prst="rect">
+            <a:avLst/>
+          </a:prstGeom>
+        </p:spPr>
+      </p:pic>
+      <p:sp>
+        <p:nvSpPr>
+          <p:cNvPr id="6" name="TextBox 5"/>
+          <p:cNvSpPr txBox="1"/>
+          <p:nvPr/>
+        </p:nvSpPr>
+        <p:spPr>
+          <a:xfrm>
+            <a:off x="924716" y="5195455"/>
+            <a:ext cx="9848579" cy="1338349"/>
+          </a:xfrm>
+          <a:prstGeom prst="rect">
+            <a:avLst/>
+          </a:prstGeom>
+        </p:spPr>
+        <p:txBody>
+          <a:bodyPr vert="horz" wrap="square" lIns="91440" tIns="45720" rIns="91440" bIns="45720" rtlCol="0" anchor="ctr">
+            <a:normAutofit/>
+          </a:bodyPr>
+          <a:lstStyle/>
+          <a:p>
+            <a:endParaRPr lang="da-DK" dirty="0" smtClean="0">
+              <a:latin typeface="Gill Sans MT" panose="020B0502020104020203" pitchFamily="34" charset="0"/>
+            </a:endParaRPr>
+          </a:p>
+        </p:txBody>
+      </p:sp>
+      <p:sp>
+        <p:nvSpPr>
+          <p:cNvPr id="7" name="TextBox 6"/>
+          <p:cNvSpPr txBox="1"/>
+          <p:nvPr/>
+        </p:nvSpPr>
+        <p:spPr>
+          <a:xfrm>
+            <a:off x="1497292" y="4479328"/>
+            <a:ext cx="8703426" cy="914400"/>
+          </a:xfrm>
+          <a:prstGeom prst="rect">
+            <a:avLst/>
+          </a:prstGeom>
+        </p:spPr>
+        <p:txBody>
+          <a:bodyPr vert="horz" wrap="none" lIns="91440" tIns="45720" rIns="91440" bIns="45720" rtlCol="0" anchor="ctr">
+            <a:normAutofit/>
+          </a:bodyPr>
+          <a:lstStyle/>
+          <a:p>
+            <a:r>
+              <a:rPr lang="en-US" dirty="0"/>
+              <a:t>	Linux / Mac:				Windows:</a:t>
+            </a:r>
+            <a:endParaRPr lang="da-DK" dirty="0"/>
+          </a:p>
+          <a:p>
+            <a:endParaRPr lang="da-DK" dirty="0" smtClean="0">
+              <a:latin typeface="Gill Sans MT" panose="020B0502020104020203" pitchFamily="34" charset="0"/>
+            </a:endParaRPr>
+          </a:p>
+        </p:txBody>
+      </p:sp>
+    </p:spTree>
+    <p:extLst>
+      <p:ext uri="{BB962C8B-B14F-4D97-AF65-F5344CB8AC3E}">
+        <p14:creationId xmlns:p14="http://schemas.microsoft.com/office/powerpoint/2010/main" val="2250437900"/>
+      </p:ext>
+    </p:extLst>
+  </p:cSld>
+  <p:clrMapOvr>
+    <a:masterClrMapping/>
+  </p:clrMapOvr>
+  <p:timing>
+    <p:tnLst>
+      <p:par>
+        <p:cTn id="1" dur="indefinite" restart="never" nodeType="tmRoot"/>
+      </p:par>
+    </p:tnLst>
+  </p:timing>
+</p:sld>
+</file>
+
+<file path=ppt/slides/slide15.xml><?xml version="1.0" encoding="utf-8"?>
+<p:sld xmlns:a="http://schemas.openxmlformats.org/drawingml/2006/main" xmlns:r="http://schemas.openxmlformats.org/officeDocument/2006/relationships" xmlns:p="http://schemas.openxmlformats.org/presentationml/2006/main">
+  <p:cSld>
+    <p:spTree>
+      <p:nvGrpSpPr>
+        <p:cNvPr id="1" name=""/>
+        <p:cNvGrpSpPr/>
+        <p:nvPr/>
+      </p:nvGrpSpPr>
+      <p:grpSpPr>
+        <a:xfrm>
+          <a:off x="0" y="0"/>
+          <a:ext cx="0" cy="0"/>
+          <a:chOff x="0" y="0"/>
+          <a:chExt cx="0" cy="0"/>
+        </a:xfrm>
+      </p:grpSpPr>
+      <p:sp>
+        <p:nvSpPr>
+          <p:cNvPr id="2" name="Title 1"/>
+          <p:cNvSpPr>
+            <a:spLocks noGrp="1"/>
+          </p:cNvSpPr>
+          <p:nvPr>
+            <p:ph type="title"/>
+          </p:nvPr>
+        </p:nvSpPr>
+        <p:spPr/>
+        <p:txBody>
+          <a:bodyPr/>
+          <a:lstStyle/>
+          <a:p>
+            <a:r>
+              <a:rPr lang="da-DK" dirty="0" smtClean="0"/>
+              <a:t>Ports</a:t>
+            </a:r>
+            <a:endParaRPr lang="da-DK" dirty="0"/>
+          </a:p>
+        </p:txBody>
+      </p:sp>
+      <p:sp>
+        <p:nvSpPr>
+          <p:cNvPr id="3" name="Content Placeholder 2"/>
+          <p:cNvSpPr>
+            <a:spLocks noGrp="1"/>
+          </p:cNvSpPr>
+          <p:nvPr>
+            <p:ph idx="1"/>
+          </p:nvPr>
+        </p:nvSpPr>
+        <p:spPr>
+          <a:xfrm>
+            <a:off x="838200" y="4196615"/>
+            <a:ext cx="10515600" cy="1980348"/>
+          </a:xfrm>
+        </p:spPr>
+        <p:txBody>
+          <a:bodyPr>
+            <a:normAutofit fontScale="92500" lnSpcReduction="20000"/>
+          </a:bodyPr>
+          <a:lstStyle/>
+          <a:p>
+            <a:pPr marL="0" indent="0">
+              <a:buNone/>
+            </a:pPr>
+            <a:r>
+              <a:rPr lang="da-DK" dirty="0" smtClean="0"/>
+              <a:t>A </a:t>
+            </a:r>
+            <a:r>
+              <a:rPr lang="da-DK" dirty="0" err="1" smtClean="0"/>
+              <a:t>machine</a:t>
+            </a:r>
+            <a:r>
+              <a:rPr lang="da-DK" dirty="0" smtClean="0"/>
+              <a:t> has an IP </a:t>
+            </a:r>
+            <a:r>
+              <a:rPr lang="da-DK" dirty="0" err="1" smtClean="0"/>
+              <a:t>address</a:t>
+            </a:r>
+            <a:r>
+              <a:rPr lang="da-DK" dirty="0" smtClean="0"/>
+              <a:t> and 65535 Ports.</a:t>
+            </a:r>
+          </a:p>
+          <a:p>
+            <a:pPr marL="0" indent="0">
+              <a:buNone/>
+            </a:pPr>
+            <a:endParaRPr lang="da-DK" dirty="0" smtClean="0"/>
+          </a:p>
+          <a:p>
+            <a:pPr marL="0" indent="0">
+              <a:buNone/>
+            </a:pPr>
+            <a:r>
+              <a:rPr lang="da-DK" dirty="0" smtClean="0"/>
+              <a:t>A program on a </a:t>
+            </a:r>
+            <a:r>
+              <a:rPr lang="da-DK" dirty="0" err="1" smtClean="0"/>
+              <a:t>machine</a:t>
+            </a:r>
+            <a:r>
+              <a:rPr lang="da-DK" dirty="0" smtClean="0"/>
+              <a:t> </a:t>
+            </a:r>
+            <a:r>
+              <a:rPr lang="da-DK" dirty="0" err="1" smtClean="0"/>
+              <a:t>can</a:t>
+            </a:r>
+            <a:r>
+              <a:rPr lang="da-DK" dirty="0" smtClean="0"/>
+              <a:t> listen to a </a:t>
+            </a:r>
+            <a:r>
+              <a:rPr lang="da-DK" dirty="0" err="1" smtClean="0"/>
+              <a:t>specific</a:t>
+            </a:r>
+            <a:r>
+              <a:rPr lang="da-DK" dirty="0" smtClean="0"/>
+              <a:t> port.</a:t>
+            </a:r>
+          </a:p>
+          <a:p>
+            <a:pPr marL="0" indent="0">
+              <a:buNone/>
+            </a:pPr>
+            <a:r>
+              <a:rPr lang="da-DK" dirty="0" smtClean="0"/>
+              <a:t>A program on </a:t>
+            </a:r>
+            <a:r>
+              <a:rPr lang="da-DK" dirty="0" err="1" smtClean="0"/>
+              <a:t>another</a:t>
+            </a:r>
+            <a:r>
+              <a:rPr lang="da-DK" dirty="0" smtClean="0"/>
+              <a:t> </a:t>
+            </a:r>
+            <a:r>
+              <a:rPr lang="da-DK" dirty="0" err="1" smtClean="0"/>
+              <a:t>machine</a:t>
+            </a:r>
+            <a:r>
+              <a:rPr lang="da-DK" dirty="0" smtClean="0"/>
+              <a:t> </a:t>
+            </a:r>
+            <a:r>
+              <a:rPr lang="da-DK" dirty="0" err="1" smtClean="0"/>
+              <a:t>will</a:t>
+            </a:r>
+            <a:r>
+              <a:rPr lang="da-DK" dirty="0" smtClean="0"/>
+              <a:t> </a:t>
+            </a:r>
+            <a:r>
+              <a:rPr lang="da-DK" dirty="0" err="1" smtClean="0"/>
+              <a:t>specify</a:t>
+            </a:r>
+            <a:r>
+              <a:rPr lang="da-DK" dirty="0" smtClean="0"/>
+              <a:t> the IP </a:t>
+            </a:r>
+            <a:r>
+              <a:rPr lang="da-DK" dirty="0" err="1" smtClean="0"/>
+              <a:t>address</a:t>
+            </a:r>
+            <a:r>
+              <a:rPr lang="da-DK" dirty="0" smtClean="0"/>
+              <a:t> and port it </a:t>
+            </a:r>
+            <a:r>
+              <a:rPr lang="da-DK" dirty="0" err="1" smtClean="0"/>
+              <a:t>wants</a:t>
+            </a:r>
+            <a:r>
+              <a:rPr lang="da-DK" dirty="0" smtClean="0"/>
+              <a:t> to </a:t>
+            </a:r>
+            <a:r>
+              <a:rPr lang="da-DK" dirty="0" err="1" smtClean="0"/>
+              <a:t>communicate</a:t>
+            </a:r>
+            <a:r>
+              <a:rPr lang="da-DK" dirty="0" smtClean="0"/>
+              <a:t> with.</a:t>
+            </a:r>
+          </a:p>
+          <a:p>
+            <a:pPr marL="0" indent="0">
+              <a:buNone/>
+            </a:pPr>
+            <a:endParaRPr lang="da-DK" dirty="0"/>
+          </a:p>
+        </p:txBody>
+      </p:sp>
+      <p:pic>
+        <p:nvPicPr>
+          <p:cNvPr id="4" name="Picture 3"/>
+          <p:cNvPicPr>
+            <a:picLocks noChangeAspect="1"/>
+          </p:cNvPicPr>
+          <p:nvPr/>
+        </p:nvPicPr>
+        <p:blipFill>
+          <a:blip r:embed="rId2"/>
+          <a:stretch>
+            <a:fillRect/>
+          </a:stretch>
+        </p:blipFill>
+        <p:spPr>
+          <a:xfrm>
+            <a:off x="1250382" y="1304091"/>
+            <a:ext cx="9440978" cy="2718922"/>
+          </a:xfrm>
+          <a:prstGeom prst="rect">
+            <a:avLst/>
+          </a:prstGeom>
+        </p:spPr>
+      </p:pic>
+    </p:spTree>
+    <p:extLst>
+      <p:ext uri="{BB962C8B-B14F-4D97-AF65-F5344CB8AC3E}">
+        <p14:creationId xmlns:p14="http://schemas.microsoft.com/office/powerpoint/2010/main" val="1071082302"/>
+      </p:ext>
+    </p:extLst>
+  </p:cSld>
+  <p:clrMapOvr>
+    <a:masterClrMapping/>
+  </p:clrMapOvr>
+  <p:timing>
+    <p:tnLst>
+      <p:par>
+        <p:cTn id="1" dur="indefinite" restart="never" nodeType="tmRoot"/>
+      </p:par>
+    </p:tnLst>
+  </p:timing>
+</p:sld>
+</file>
+
+<file path=ppt/slides/slide16.xml><?xml version="1.0" encoding="utf-8"?>
+<p:sld xmlns:a="http://schemas.openxmlformats.org/drawingml/2006/main" xmlns:r="http://schemas.openxmlformats.org/officeDocument/2006/relationships" xmlns:p="http://schemas.openxmlformats.org/presentationml/2006/main">
+  <p:cSld>
+    <p:spTree>
+      <p:nvGrpSpPr>
+        <p:cNvPr id="1" name=""/>
+        <p:cNvGrpSpPr/>
+        <p:nvPr/>
+      </p:nvGrpSpPr>
+      <p:grpSpPr>
+        <a:xfrm>
+          <a:off x="0" y="0"/>
+          <a:ext cx="0" cy="0"/>
+          <a:chOff x="0" y="0"/>
+          <a:chExt cx="0" cy="0"/>
+        </a:xfrm>
+      </p:grpSpPr>
+      <p:sp>
+        <p:nvSpPr>
+          <p:cNvPr id="2" name="Title 1"/>
+          <p:cNvSpPr>
+            <a:spLocks noGrp="1"/>
+          </p:cNvSpPr>
+          <p:nvPr>
+            <p:ph type="title"/>
+          </p:nvPr>
+        </p:nvSpPr>
+        <p:spPr/>
+        <p:txBody>
+          <a:bodyPr/>
+          <a:lstStyle/>
+          <a:p>
+            <a:r>
+              <a:rPr lang="da-DK" dirty="0" err="1" smtClean="0"/>
+              <a:t>Reserved</a:t>
+            </a:r>
+            <a:r>
+              <a:rPr lang="da-DK" dirty="0" smtClean="0"/>
+              <a:t> ports</a:t>
+            </a:r>
+            <a:endParaRPr lang="da-DK" dirty="0"/>
+          </a:p>
+        </p:txBody>
+      </p:sp>
+      <p:sp>
+        <p:nvSpPr>
+          <p:cNvPr id="3" name="Content Placeholder 2"/>
+          <p:cNvSpPr>
+            <a:spLocks noGrp="1"/>
+          </p:cNvSpPr>
+          <p:nvPr>
+            <p:ph idx="1"/>
+          </p:nvPr>
+        </p:nvSpPr>
+        <p:spPr/>
+        <p:txBody>
+          <a:bodyPr>
+            <a:normAutofit fontScale="70000" lnSpcReduction="20000"/>
+          </a:bodyPr>
+          <a:lstStyle/>
+          <a:p>
+            <a:pPr marL="0" indent="0">
+              <a:buNone/>
+            </a:pPr>
+            <a:r>
+              <a:rPr lang="da-DK" dirty="0" smtClean="0"/>
+              <a:t>Ports from 0 to 1023 </a:t>
+            </a:r>
+            <a:r>
+              <a:rPr lang="da-DK" dirty="0" err="1" smtClean="0"/>
+              <a:t>are</a:t>
+            </a:r>
+            <a:r>
+              <a:rPr lang="da-DK" dirty="0" smtClean="0"/>
+              <a:t> </a:t>
+            </a:r>
+            <a:r>
+              <a:rPr lang="da-DK" dirty="0" err="1" smtClean="0"/>
+              <a:t>reserved</a:t>
+            </a:r>
+            <a:r>
+              <a:rPr lang="da-DK" dirty="0" smtClean="0"/>
+              <a:t>.</a:t>
+            </a:r>
+          </a:p>
+          <a:p>
+            <a:pPr marL="0" indent="0">
+              <a:buNone/>
+            </a:pPr>
+            <a:endParaRPr lang="da-DK" dirty="0" smtClean="0"/>
+          </a:p>
+          <a:p>
+            <a:pPr marL="0" indent="0">
+              <a:buNone/>
+            </a:pPr>
+            <a:r>
+              <a:rPr lang="da-DK" dirty="0" err="1" smtClean="0"/>
+              <a:t>Examples</a:t>
+            </a:r>
+            <a:r>
+              <a:rPr lang="da-DK" dirty="0" smtClean="0"/>
+              <a:t>:</a:t>
+            </a:r>
+          </a:p>
+          <a:p>
+            <a:pPr marL="457200" lvl="1" indent="0">
+              <a:buNone/>
+            </a:pPr>
+            <a:r>
+              <a:rPr lang="da-DK" dirty="0"/>
+              <a:t>20  FTP — Data</a:t>
+            </a:r>
+          </a:p>
+          <a:p>
+            <a:pPr marL="457200" lvl="1" indent="0">
+              <a:buNone/>
+            </a:pPr>
+            <a:r>
+              <a:rPr lang="da-DK" dirty="0"/>
+              <a:t>21  FTP — Control</a:t>
+            </a:r>
+          </a:p>
+          <a:p>
+            <a:pPr marL="457200" lvl="1" indent="0">
+              <a:buNone/>
+            </a:pPr>
+            <a:r>
+              <a:rPr lang="da-DK" dirty="0"/>
+              <a:t>22  SSH Remote Login Protocol</a:t>
+            </a:r>
+          </a:p>
+          <a:p>
+            <a:pPr marL="457200" lvl="1" indent="0">
+              <a:buNone/>
+            </a:pPr>
+            <a:r>
+              <a:rPr lang="da-DK" dirty="0"/>
+              <a:t>23  Telnet</a:t>
+            </a:r>
+          </a:p>
+          <a:p>
+            <a:pPr marL="457200" lvl="1" indent="0">
+              <a:buNone/>
+            </a:pPr>
+            <a:r>
+              <a:rPr lang="da-DK" dirty="0"/>
+              <a:t>25  Simple Mail Transfer Protocol (SMTP)</a:t>
+            </a:r>
+          </a:p>
+          <a:p>
+            <a:pPr marL="457200" lvl="1" indent="0">
+              <a:buNone/>
+            </a:pPr>
+            <a:r>
+              <a:rPr lang="da-DK" dirty="0"/>
+              <a:t>37  Time</a:t>
+            </a:r>
+          </a:p>
+          <a:p>
+            <a:pPr marL="457200" lvl="1" indent="0">
+              <a:buNone/>
+            </a:pPr>
+            <a:r>
+              <a:rPr lang="da-DK" dirty="0"/>
+              <a:t>53  Domain </a:t>
+            </a:r>
+            <a:r>
+              <a:rPr lang="da-DK" dirty="0" err="1"/>
+              <a:t>Name</a:t>
+            </a:r>
+            <a:r>
+              <a:rPr lang="da-DK" dirty="0"/>
+              <a:t> System (DNS)</a:t>
+            </a:r>
+          </a:p>
+          <a:p>
+            <a:pPr marL="457200" lvl="1" indent="0">
+              <a:buNone/>
+            </a:pPr>
+            <a:r>
+              <a:rPr lang="da-DK" dirty="0"/>
+              <a:t>80  HTTP</a:t>
+            </a:r>
+          </a:p>
+          <a:p>
+            <a:pPr marL="457200" lvl="1" indent="0">
+              <a:buNone/>
+            </a:pPr>
+            <a:r>
+              <a:rPr lang="da-DK" dirty="0"/>
+              <a:t>110   POP3</a:t>
+            </a:r>
+          </a:p>
+          <a:p>
+            <a:pPr marL="457200" lvl="1" indent="0">
+              <a:buNone/>
+            </a:pPr>
+            <a:r>
+              <a:rPr lang="da-DK" dirty="0"/>
+              <a:t>119   </a:t>
+            </a:r>
+            <a:r>
+              <a:rPr lang="da-DK" dirty="0" err="1"/>
+              <a:t>Newsgroup</a:t>
+            </a:r>
+            <a:r>
+              <a:rPr lang="da-DK" dirty="0"/>
+              <a:t> (NNTP)</a:t>
+            </a:r>
+          </a:p>
+          <a:p>
+            <a:pPr marL="457200" lvl="1" indent="0">
+              <a:buNone/>
+            </a:pPr>
+            <a:r>
+              <a:rPr lang="da-DK" dirty="0"/>
+              <a:t>443   HTTPS</a:t>
+            </a:r>
+          </a:p>
+          <a:p>
+            <a:pPr marL="457200" lvl="1" indent="0">
+              <a:buNone/>
+            </a:pPr>
+            <a:r>
+              <a:rPr lang="da-DK" dirty="0"/>
+              <a:t>546   DHCP Client</a:t>
+            </a:r>
+          </a:p>
+          <a:p>
+            <a:pPr marL="457200" lvl="1" indent="0">
+              <a:buNone/>
+            </a:pPr>
+            <a:r>
+              <a:rPr lang="da-DK" dirty="0"/>
+              <a:t>547   DHCP Server</a:t>
+            </a:r>
+          </a:p>
+          <a:p>
+            <a:pPr marL="0" indent="0">
+              <a:buNone/>
+            </a:pPr>
+            <a:r>
+              <a:rPr lang="da-DK" dirty="0" smtClean="0"/>
+              <a:t>Wikipedia has a </a:t>
+            </a:r>
+            <a:r>
+              <a:rPr lang="da-DK" dirty="0" err="1" smtClean="0"/>
+              <a:t>complete</a:t>
+            </a:r>
+            <a:r>
+              <a:rPr lang="da-DK" dirty="0" smtClean="0"/>
+              <a:t> list of </a:t>
+            </a:r>
+            <a:r>
+              <a:rPr lang="da-DK" dirty="0" err="1" smtClean="0"/>
+              <a:t>reserved</a:t>
+            </a:r>
+            <a:r>
+              <a:rPr lang="da-DK" dirty="0" smtClean="0"/>
+              <a:t> ports:</a:t>
+            </a:r>
+          </a:p>
+          <a:p>
+            <a:pPr marL="0" indent="0">
+              <a:buNone/>
+            </a:pPr>
+            <a:r>
+              <a:rPr lang="da-DK" dirty="0">
+                <a:hlinkClick r:id="rId2"/>
+              </a:rPr>
+              <a:t>https://</a:t>
+            </a:r>
+            <a:r>
+              <a:rPr lang="da-DK" dirty="0" smtClean="0">
+                <a:hlinkClick r:id="rId2"/>
+              </a:rPr>
+              <a:t>en.wikipedia.org/wiki/List_of_TCP_and_UDP_port_numbers</a:t>
+            </a:r>
+            <a:endParaRPr lang="da-DK" dirty="0" smtClean="0"/>
+          </a:p>
+          <a:p>
+            <a:pPr marL="0" indent="0">
+              <a:buNone/>
+            </a:pPr>
+            <a:endParaRPr lang="da-DK" dirty="0"/>
+          </a:p>
+        </p:txBody>
+      </p:sp>
+    </p:spTree>
+    <p:extLst>
+      <p:ext uri="{BB962C8B-B14F-4D97-AF65-F5344CB8AC3E}">
+        <p14:creationId xmlns:p14="http://schemas.microsoft.com/office/powerpoint/2010/main" val="38334709"/>
+      </p:ext>
+    </p:extLst>
+  </p:cSld>
+  <p:clrMapOvr>
+    <a:masterClrMapping/>
+  </p:clrMapOvr>
+  <p:timing>
+    <p:tnLst>
+      <p:par>
+        <p:cTn id="1" dur="indefinite" restart="never" nodeType="tmRoot"/>
+      </p:par>
+    </p:tnLst>
+  </p:timing>
+</p:sld>
+</file>
+
+<file path=ppt/slides/slide17.xml><?xml version="1.0" encoding="utf-8"?>
+<p:sld xmlns:a="http://schemas.openxmlformats.org/drawingml/2006/main" xmlns:r="http://schemas.openxmlformats.org/officeDocument/2006/relationships" xmlns:p="http://schemas.openxmlformats.org/presentationml/2006/main">
+  <p:cSld>
+    <p:spTree>
+      <p:nvGrpSpPr>
+        <p:cNvPr id="1" name=""/>
+        <p:cNvGrpSpPr/>
+        <p:nvPr/>
+      </p:nvGrpSpPr>
+      <p:grpSpPr>
+        <a:xfrm>
+          <a:off x="0" y="0"/>
+          <a:ext cx="0" cy="0"/>
+          <a:chOff x="0" y="0"/>
+          <a:chExt cx="0" cy="0"/>
+        </a:xfrm>
+      </p:grpSpPr>
+      <p:sp>
+        <p:nvSpPr>
+          <p:cNvPr id="2" name="Title 1"/>
+          <p:cNvSpPr>
+            <a:spLocks noGrp="1"/>
+          </p:cNvSpPr>
+          <p:nvPr>
+            <p:ph type="title"/>
+          </p:nvPr>
+        </p:nvSpPr>
+        <p:spPr/>
+        <p:txBody>
+          <a:bodyPr/>
+          <a:lstStyle/>
+          <a:p>
+            <a:r>
+              <a:rPr lang="da-DK" dirty="0" smtClean="0"/>
+              <a:t>TCP / IP</a:t>
+            </a:r>
+            <a:endParaRPr lang="da-DK" dirty="0"/>
+          </a:p>
+        </p:txBody>
+      </p:sp>
+      <p:sp>
+        <p:nvSpPr>
+          <p:cNvPr id="3" name="Content Placeholder 2"/>
+          <p:cNvSpPr>
+            <a:spLocks noGrp="1"/>
+          </p:cNvSpPr>
+          <p:nvPr>
+            <p:ph idx="1"/>
+          </p:nvPr>
+        </p:nvSpPr>
+        <p:spPr/>
+        <p:txBody>
+          <a:bodyPr/>
+          <a:lstStyle/>
+          <a:p>
+            <a:pPr marL="0" indent="0">
+              <a:buNone/>
+            </a:pPr>
+            <a:r>
+              <a:rPr lang="en-US" dirty="0" smtClean="0"/>
+              <a:t>Transmission </a:t>
+            </a:r>
+            <a:r>
+              <a:rPr lang="en-US" dirty="0"/>
+              <a:t>Control Protocol (TCP) is a transport protocol that is used on top of IP to ensure reliable transmission of packets</a:t>
+            </a:r>
+            <a:r>
+              <a:rPr lang="en-US" dirty="0" smtClean="0"/>
+              <a:t>.</a:t>
+            </a:r>
+          </a:p>
+          <a:p>
+            <a:pPr marL="0" indent="0">
+              <a:buNone/>
+            </a:pPr>
+            <a:endParaRPr lang="en-US" dirty="0"/>
+          </a:p>
+          <a:p>
+            <a:pPr marL="0" indent="0">
+              <a:buNone/>
+            </a:pPr>
+            <a:r>
+              <a:rPr lang="en-US" dirty="0" smtClean="0"/>
+              <a:t>It handles retransmission of lost packages, reception of out-of-order packages and congestion control.</a:t>
+            </a:r>
+            <a:endParaRPr lang="da-DK" dirty="0"/>
+          </a:p>
+        </p:txBody>
+      </p:sp>
+    </p:spTree>
+    <p:extLst>
+      <p:ext uri="{BB962C8B-B14F-4D97-AF65-F5344CB8AC3E}">
+        <p14:creationId xmlns:p14="http://schemas.microsoft.com/office/powerpoint/2010/main" val="1769242666"/>
+      </p:ext>
+    </p:extLst>
+  </p:cSld>
+  <p:clrMapOvr>
+    <a:masterClrMapping/>
+  </p:clrMapOvr>
+  <p:timing>
+    <p:tnLst>
+      <p:par>
+        <p:cTn id="1" dur="indefinite" restart="never" nodeType="tmRoot"/>
+      </p:par>
+    </p:tnLst>
+  </p:timing>
+</p:sld>
+</file>
+
+<file path=ppt/slides/slide18.xml><?xml version="1.0" encoding="utf-8"?>
+<p:sld xmlns:a="http://schemas.openxmlformats.org/drawingml/2006/main" xmlns:r="http://schemas.openxmlformats.org/officeDocument/2006/relationships" xmlns:p="http://schemas.openxmlformats.org/presentationml/2006/main">
+  <p:cSld>
+    <p:spTree>
+      <p:nvGrpSpPr>
+        <p:cNvPr id="1" name=""/>
+        <p:cNvGrpSpPr/>
+        <p:nvPr/>
+      </p:nvGrpSpPr>
+      <p:grpSpPr>
+        <a:xfrm>
+          <a:off x="0" y="0"/>
+          <a:ext cx="0" cy="0"/>
+          <a:chOff x="0" y="0"/>
+          <a:chExt cx="0" cy="0"/>
+        </a:xfrm>
+      </p:grpSpPr>
+      <p:sp>
+        <p:nvSpPr>
+          <p:cNvPr id="2" name="Title 1"/>
+          <p:cNvSpPr>
+            <a:spLocks noGrp="1"/>
+          </p:cNvSpPr>
+          <p:nvPr>
+            <p:ph type="title"/>
+          </p:nvPr>
+        </p:nvSpPr>
+        <p:spPr/>
+        <p:txBody>
+          <a:bodyPr/>
+          <a:lstStyle/>
+          <a:p>
+            <a:r>
+              <a:rPr lang="da-DK" dirty="0" smtClean="0"/>
+              <a:t>UDP / IP</a:t>
+            </a:r>
+            <a:endParaRPr lang="da-DK" dirty="0"/>
+          </a:p>
+        </p:txBody>
+      </p:sp>
+      <p:sp>
+        <p:nvSpPr>
+          <p:cNvPr id="3" name="Content Placeholder 2"/>
+          <p:cNvSpPr>
+            <a:spLocks noGrp="1"/>
+          </p:cNvSpPr>
+          <p:nvPr>
+            <p:ph idx="1"/>
+          </p:nvPr>
+        </p:nvSpPr>
+        <p:spPr/>
+        <p:txBody>
+          <a:bodyPr>
+            <a:normAutofit/>
+          </a:bodyPr>
+          <a:lstStyle/>
+          <a:p>
+            <a:pPr marL="0" indent="0">
+              <a:buNone/>
+            </a:pPr>
+            <a:r>
+              <a:rPr lang="en-US" dirty="0" smtClean="0"/>
+              <a:t>User </a:t>
+            </a:r>
+            <a:r>
+              <a:rPr lang="en-US" dirty="0"/>
+              <a:t>Datagram Protocol (UDP) is a lightweight data transport protocol that works on top of IP.</a:t>
+            </a:r>
+          </a:p>
+          <a:p>
+            <a:endParaRPr lang="en-US" dirty="0" smtClean="0"/>
+          </a:p>
+          <a:p>
+            <a:pPr marL="0" indent="0">
+              <a:buNone/>
+            </a:pPr>
+            <a:r>
+              <a:rPr lang="en-US" dirty="0" smtClean="0"/>
+              <a:t>Detects and discards corrupt packages. Does not handle lost or out of order packages.</a:t>
+            </a:r>
+          </a:p>
+          <a:p>
+            <a:pPr marL="0" indent="0">
+              <a:buNone/>
+            </a:pPr>
+            <a:endParaRPr lang="en-US" dirty="0" smtClean="0"/>
+          </a:p>
+          <a:p>
+            <a:pPr marL="0" indent="0">
+              <a:buNone/>
+            </a:pPr>
+            <a:r>
+              <a:rPr lang="en-US" dirty="0" smtClean="0"/>
+              <a:t>It's </a:t>
+            </a:r>
+            <a:r>
+              <a:rPr lang="en-US" dirty="0"/>
+              <a:t>often used for time-sensitive applications (such as real-time video streaming) where speed is more important than accuracy.</a:t>
+            </a:r>
+            <a:endParaRPr lang="da-DK" dirty="0"/>
+          </a:p>
+        </p:txBody>
+      </p:sp>
+    </p:spTree>
+    <p:extLst>
+      <p:ext uri="{BB962C8B-B14F-4D97-AF65-F5344CB8AC3E}">
+        <p14:creationId xmlns:p14="http://schemas.microsoft.com/office/powerpoint/2010/main" val="1327279657"/>
+      </p:ext>
+    </p:extLst>
+  </p:cSld>
+  <p:clrMapOvr>
+    <a:masterClrMapping/>
+  </p:clrMapOvr>
+  <p:timing>
+    <p:tnLst>
+      <p:par>
+        <p:cTn id="1" dur="indefinite" restart="never" nodeType="tmRoot"/>
+      </p:par>
+    </p:tnLst>
+  </p:timing>
+</p:sld>
+</file>
+
+<file path=ppt/slides/slide19.xml><?xml version="1.0" encoding="utf-8"?>
+<p:sld xmlns:a="http://schemas.openxmlformats.org/drawingml/2006/main" xmlns:r="http://schemas.openxmlformats.org/officeDocument/2006/relationships" xmlns:p="http://schemas.openxmlformats.org/presentationml/2006/main">
+  <p:cSld>
+    <p:spTree>
+      <p:nvGrpSpPr>
+        <p:cNvPr id="1" name=""/>
+        <p:cNvGrpSpPr/>
+        <p:nvPr/>
+      </p:nvGrpSpPr>
+      <p:grpSpPr>
+        <a:xfrm>
+          <a:off x="0" y="0"/>
+          <a:ext cx="0" cy="0"/>
+          <a:chOff x="0" y="0"/>
+          <a:chExt cx="0" cy="0"/>
+        </a:xfrm>
+      </p:grpSpPr>
+      <p:sp>
+        <p:nvSpPr>
+          <p:cNvPr id="2" name="Title 1"/>
+          <p:cNvSpPr>
+            <a:spLocks noGrp="1"/>
+          </p:cNvSpPr>
+          <p:nvPr>
+            <p:ph type="title"/>
+          </p:nvPr>
+        </p:nvSpPr>
+        <p:spPr/>
+        <p:txBody>
+          <a:bodyPr/>
+          <a:lstStyle/>
+          <a:p>
+            <a:endParaRPr lang="da-DK"/>
+          </a:p>
+        </p:txBody>
+      </p:sp>
+      <p:sp>
+        <p:nvSpPr>
+          <p:cNvPr id="3" name="Content Placeholder 2"/>
+          <p:cNvSpPr>
+            <a:spLocks noGrp="1"/>
+          </p:cNvSpPr>
+          <p:nvPr>
+            <p:ph idx="1"/>
+          </p:nvPr>
+        </p:nvSpPr>
+        <p:spPr/>
+        <p:txBody>
+          <a:bodyPr>
+            <a:normAutofit/>
+          </a:bodyPr>
+          <a:lstStyle/>
+          <a:p>
+            <a:r>
+              <a:rPr lang="en-US" dirty="0" smtClean="0"/>
+              <a:t>Address assignment</a:t>
+            </a:r>
+          </a:p>
+          <a:p>
+            <a:pPr lvl="1"/>
+            <a:r>
+              <a:rPr lang="en-US" dirty="0" smtClean="0"/>
+              <a:t>DHCP</a:t>
+            </a:r>
+          </a:p>
+          <a:p>
+            <a:pPr lvl="1"/>
+            <a:r>
+              <a:rPr lang="en-US" dirty="0" smtClean="0"/>
+              <a:t>MAC address</a:t>
+            </a:r>
+          </a:p>
+          <a:p>
+            <a:pPr lvl="1"/>
+            <a:endParaRPr lang="en-US" dirty="0"/>
+          </a:p>
+          <a:p>
+            <a:r>
+              <a:rPr lang="en-US" dirty="0" smtClean="0"/>
+              <a:t>Naming</a:t>
+            </a:r>
+          </a:p>
+          <a:p>
+            <a:pPr lvl="1"/>
+            <a:r>
+              <a:rPr lang="en-US" dirty="0" smtClean="0"/>
+              <a:t>DNS </a:t>
+            </a:r>
+            <a:r>
+              <a:rPr lang="en-US" dirty="0" smtClean="0"/>
+              <a:t>lookup</a:t>
+            </a:r>
+            <a:endParaRPr lang="en-US" dirty="0" smtClean="0"/>
+          </a:p>
+        </p:txBody>
+      </p:sp>
+    </p:spTree>
+    <p:extLst>
+      <p:ext uri="{BB962C8B-B14F-4D97-AF65-F5344CB8AC3E}">
+        <p14:creationId xmlns:p14="http://schemas.microsoft.com/office/powerpoint/2010/main" val="4275741268"/>
+      </p:ext>
+    </p:extLst>
+  </p:cSld>
+  <p:clrMapOvr>
+    <a:masterClrMapping/>
+  </p:clrMapOvr>
+  <p:timing>
+    <p:tnLst>
+      <p:par>
+        <p:cTn id="1" dur="indefinite" restart="never" nodeType="tmRoot"/>
+      </p:par>
+    </p:tnLst>
+  </p:timing>
+</p:sld>
+</file>
+
+<file path=ppt/slides/slide2.xml><?xml version="1.0" encoding="utf-8"?>
+<p:sld xmlns:a="http://schemas.openxmlformats.org/drawingml/2006/main" xmlns:r="http://schemas.openxmlformats.org/officeDocument/2006/relationships" xmlns:p="http://schemas.openxmlformats.org/presentationml/2006/main">
+  <p:cSld>
+    <p:spTree>
+      <p:nvGrpSpPr>
+        <p:cNvPr id="1" name=""/>
+        <p:cNvGrpSpPr/>
+        <p:nvPr/>
+      </p:nvGrpSpPr>
+      <p:grpSpPr>
+        <a:xfrm>
+          <a:off x="0" y="0"/>
+          <a:ext cx="0" cy="0"/>
+          <a:chOff x="0" y="0"/>
+          <a:chExt cx="0" cy="0"/>
+        </a:xfrm>
+      </p:grpSpPr>
+      <p:sp>
+        <p:nvSpPr>
+          <p:cNvPr id="4" name="Title 3"/>
+          <p:cNvSpPr>
+            <a:spLocks noGrp="1"/>
+          </p:cNvSpPr>
+          <p:nvPr>
+            <p:ph type="title"/>
+          </p:nvPr>
+        </p:nvSpPr>
+        <p:spPr/>
+        <p:txBody>
+          <a:bodyPr>
+            <a:normAutofit/>
+          </a:bodyPr>
+          <a:lstStyle/>
+          <a:p>
+            <a:r>
+              <a:rPr lang="en-US" dirty="0"/>
+              <a:t> “Hourglass design</a:t>
+            </a:r>
+            <a:r>
+              <a:rPr lang="en-US" dirty="0" smtClean="0"/>
+              <a:t>” of the internet</a:t>
+            </a:r>
+            <a:endParaRPr lang="da-DK" dirty="0"/>
+          </a:p>
+        </p:txBody>
+      </p:sp>
+      <p:pic>
+        <p:nvPicPr>
+          <p:cNvPr id="6" name="Content Placeholder 5"/>
+          <p:cNvPicPr>
+            <a:picLocks noGrp="1" noChangeAspect="1"/>
+          </p:cNvPicPr>
+          <p:nvPr>
+            <p:ph idx="1"/>
+          </p:nvPr>
+        </p:nvPicPr>
+        <p:blipFill>
+          <a:blip r:embed="rId2">
+            <a:extLst>
+              <a:ext uri="{28A0092B-C50C-407E-A947-70E740481C1C}">
+                <a14:useLocalDpi xmlns:a14="http://schemas.microsoft.com/office/drawing/2010/main" val="0"/>
+              </a:ext>
+            </a:extLst>
+          </a:blip>
+          <a:stretch>
+            <a:fillRect/>
+          </a:stretch>
+        </p:blipFill>
+        <p:spPr>
+          <a:xfrm>
+            <a:off x="1022490" y="1351915"/>
+            <a:ext cx="5663074" cy="4865688"/>
+          </a:xfrm>
+        </p:spPr>
+      </p:pic>
+      <p:sp>
+        <p:nvSpPr>
+          <p:cNvPr id="7" name="TextBox 6"/>
+          <p:cNvSpPr txBox="1"/>
+          <p:nvPr/>
+        </p:nvSpPr>
+        <p:spPr>
+          <a:xfrm>
+            <a:off x="176107" y="6543040"/>
+            <a:ext cx="7098453" cy="196427"/>
+          </a:xfrm>
+          <a:prstGeom prst="rect">
+            <a:avLst/>
+          </a:prstGeom>
+        </p:spPr>
+        <p:txBody>
+          <a:bodyPr vert="horz" wrap="square" lIns="91440" tIns="45720" rIns="91440" bIns="45720" rtlCol="0" anchor="ctr">
+            <a:normAutofit fontScale="40000" lnSpcReduction="20000"/>
+          </a:bodyPr>
+          <a:lstStyle/>
+          <a:p>
+            <a:r>
+              <a:rPr lang="da-DK" dirty="0">
+                <a:latin typeface="Gill Sans MT" panose="020B0502020104020203" pitchFamily="34" charset="0"/>
+              </a:rPr>
+              <a:t>Source: </a:t>
+            </a:r>
+            <a:r>
+              <a:rPr lang="da-DK" dirty="0">
+                <a:latin typeface="Gill Sans MT" panose="020B0502020104020203" pitchFamily="34" charset="0"/>
+                <a:hlinkClick r:id="rId3"/>
+              </a:rPr>
+              <a:t>https://oer.gitlab.io/DS/DS02-Internet.html#/</a:t>
+            </a:r>
+            <a:r>
+              <a:rPr lang="da-DK" dirty="0" smtClean="0">
+                <a:latin typeface="Gill Sans MT" panose="020B0502020104020203" pitchFamily="34" charset="0"/>
+                <a:hlinkClick r:id="rId3"/>
+              </a:rPr>
+              <a:t>slide-internet-architecture</a:t>
+            </a:r>
+            <a:endParaRPr lang="da-DK" dirty="0" smtClean="0">
+              <a:latin typeface="Gill Sans MT" panose="020B0502020104020203" pitchFamily="34" charset="0"/>
+            </a:endParaRPr>
+          </a:p>
+        </p:txBody>
+      </p:sp>
+      <p:sp>
+        <p:nvSpPr>
+          <p:cNvPr id="8" name="TextBox 7"/>
+          <p:cNvSpPr txBox="1"/>
+          <p:nvPr/>
+        </p:nvSpPr>
+        <p:spPr>
+          <a:xfrm>
+            <a:off x="7044267" y="1351915"/>
+            <a:ext cx="4605866" cy="4798272"/>
+          </a:xfrm>
+          <a:prstGeom prst="rect">
+            <a:avLst/>
+          </a:prstGeom>
+        </p:spPr>
+        <p:txBody>
+          <a:bodyPr vert="horz" wrap="square" lIns="91440" tIns="45720" rIns="91440" bIns="45720" rtlCol="0" anchor="ctr">
+            <a:normAutofit/>
+          </a:bodyPr>
+          <a:lstStyle/>
+          <a:p>
+            <a:endParaRPr lang="en-US" dirty="0">
+              <a:latin typeface="Gill Sans MT" panose="020B0502020104020203" pitchFamily="34" charset="0"/>
+            </a:endParaRPr>
+          </a:p>
+          <a:p>
+            <a:r>
+              <a:rPr lang="en-US" dirty="0">
+                <a:latin typeface="Gill Sans MT" panose="020B0502020104020203" pitchFamily="34" charset="0"/>
+              </a:rPr>
+              <a:t>    Internet Architecture with narrow waist</a:t>
+            </a:r>
+          </a:p>
+          <a:p>
+            <a:endParaRPr lang="en-US" dirty="0">
+              <a:latin typeface="Gill Sans MT" panose="020B0502020104020203" pitchFamily="34" charset="0"/>
+            </a:endParaRPr>
+          </a:p>
+          <a:p>
+            <a:r>
+              <a:rPr lang="en-US" dirty="0">
+                <a:latin typeface="Gill Sans MT" panose="020B0502020104020203" pitchFamily="34" charset="0"/>
+              </a:rPr>
+              <a:t>    IP is focal point</a:t>
+            </a:r>
+          </a:p>
+          <a:p>
+            <a:r>
+              <a:rPr lang="en-US" dirty="0">
+                <a:latin typeface="Gill Sans MT" panose="020B0502020104020203" pitchFamily="34" charset="0"/>
+              </a:rPr>
+              <a:t>        “Narrow waist</a:t>
+            </a:r>
+            <a:r>
+              <a:rPr lang="en-US" dirty="0" smtClean="0">
+                <a:latin typeface="Gill Sans MT" panose="020B0502020104020203" pitchFamily="34" charset="0"/>
+              </a:rPr>
+              <a:t>”</a:t>
+            </a:r>
+          </a:p>
+          <a:p>
+            <a:endParaRPr lang="en-US" dirty="0">
+              <a:latin typeface="Gill Sans MT" panose="020B0502020104020203" pitchFamily="34" charset="0"/>
+            </a:endParaRPr>
+          </a:p>
+          <a:p>
+            <a:r>
+              <a:rPr lang="en-US" dirty="0">
+                <a:latin typeface="Gill Sans MT" panose="020B0502020104020203" pitchFamily="34" charset="0"/>
+              </a:rPr>
+              <a:t>        Application independent!</a:t>
+            </a:r>
+          </a:p>
+          <a:p>
+            <a:r>
+              <a:rPr lang="en-US" dirty="0">
+                <a:latin typeface="Gill Sans MT" panose="020B0502020104020203" pitchFamily="34" charset="0"/>
+              </a:rPr>
+              <a:t>            Everything over </a:t>
+            </a:r>
+            <a:r>
+              <a:rPr lang="en-US" dirty="0" smtClean="0">
+                <a:latin typeface="Gill Sans MT" panose="020B0502020104020203" pitchFamily="34" charset="0"/>
+              </a:rPr>
+              <a:t>IP</a:t>
+            </a:r>
+          </a:p>
+          <a:p>
+            <a:endParaRPr lang="en-US" dirty="0">
+              <a:latin typeface="Gill Sans MT" panose="020B0502020104020203" pitchFamily="34" charset="0"/>
+            </a:endParaRPr>
+          </a:p>
+          <a:p>
+            <a:r>
+              <a:rPr lang="en-US" dirty="0">
+                <a:latin typeface="Gill Sans MT" panose="020B0502020104020203" pitchFamily="34" charset="0"/>
+              </a:rPr>
+              <a:t>        Network independent!</a:t>
+            </a:r>
+          </a:p>
+          <a:p>
+            <a:r>
+              <a:rPr lang="en-US" dirty="0">
+                <a:latin typeface="Gill Sans MT" panose="020B0502020104020203" pitchFamily="34" charset="0"/>
+              </a:rPr>
+              <a:t>            IP over everything</a:t>
+            </a:r>
+            <a:endParaRPr lang="da-DK" dirty="0" smtClean="0">
+              <a:latin typeface="Gill Sans MT" panose="020B0502020104020203" pitchFamily="34" charset="0"/>
+            </a:endParaRPr>
+          </a:p>
+        </p:txBody>
+      </p:sp>
+    </p:spTree>
+    <p:extLst>
+      <p:ext uri="{BB962C8B-B14F-4D97-AF65-F5344CB8AC3E}">
+        <p14:creationId xmlns:p14="http://schemas.microsoft.com/office/powerpoint/2010/main" val="2787371038"/>
+      </p:ext>
+    </p:extLst>
+  </p:cSld>
+  <p:clrMapOvr>
+    <a:masterClrMapping/>
+  </p:clrMapOvr>
+  <p:timing>
+    <p:tnLst>
+      <p:par>
+        <p:cTn id="1" dur="indefinite" restart="never" nodeType="tmRoot"/>
+      </p:par>
+    </p:tnLst>
+  </p:timing>
+</p:sld>
+</file>
+
+<file path=ppt/slides/slide20.xml><?xml version="1.0" encoding="utf-8"?>
+<p:sld xmlns:a="http://schemas.openxmlformats.org/drawingml/2006/main" xmlns:r="http://schemas.openxmlformats.org/officeDocument/2006/relationships" xmlns:p="http://schemas.openxmlformats.org/presentationml/2006/main">
+  <p:cSld>
+    <p:spTree>
+      <p:nvGrpSpPr>
+        <p:cNvPr id="1" name=""/>
+        <p:cNvGrpSpPr/>
+        <p:nvPr/>
+      </p:nvGrpSpPr>
+      <p:grpSpPr>
+        <a:xfrm>
+          <a:off x="0" y="0"/>
+          <a:ext cx="0" cy="0"/>
+          <a:chOff x="0" y="0"/>
+          <a:chExt cx="0" cy="0"/>
+        </a:xfrm>
+      </p:grpSpPr>
+      <p:sp>
+        <p:nvSpPr>
+          <p:cNvPr id="4" name="Title 3"/>
+          <p:cNvSpPr>
+            <a:spLocks noGrp="1"/>
+          </p:cNvSpPr>
+          <p:nvPr>
+            <p:ph type="title"/>
+          </p:nvPr>
+        </p:nvSpPr>
+        <p:spPr/>
+        <p:txBody>
+          <a:bodyPr/>
+          <a:lstStyle/>
+          <a:p>
+            <a:r>
+              <a:rPr lang="da-DK" dirty="0" err="1" smtClean="0"/>
+              <a:t>Example</a:t>
+            </a:r>
+            <a:r>
+              <a:rPr lang="da-DK" dirty="0" smtClean="0"/>
+              <a:t> router </a:t>
+            </a:r>
+            <a:r>
+              <a:rPr lang="da-DK" dirty="0" err="1" smtClean="0"/>
+              <a:t>setup</a:t>
+            </a:r>
+            <a:endParaRPr lang="da-DK" dirty="0"/>
+          </a:p>
+        </p:txBody>
+      </p:sp>
+      <p:sp>
+        <p:nvSpPr>
+          <p:cNvPr id="5" name="Text Placeholder 4"/>
+          <p:cNvSpPr>
+            <a:spLocks noGrp="1"/>
+          </p:cNvSpPr>
+          <p:nvPr>
+            <p:ph type="body" idx="1"/>
+          </p:nvPr>
+        </p:nvSpPr>
+        <p:spPr/>
+        <p:txBody>
+          <a:bodyPr/>
+          <a:lstStyle/>
+          <a:p>
+            <a:endParaRPr lang="da-DK"/>
+          </a:p>
+        </p:txBody>
+      </p:sp>
+    </p:spTree>
+    <p:extLst>
+      <p:ext uri="{BB962C8B-B14F-4D97-AF65-F5344CB8AC3E}">
+        <p14:creationId xmlns:p14="http://schemas.microsoft.com/office/powerpoint/2010/main" val="2500906000"/>
+      </p:ext>
+    </p:extLst>
+  </p:cSld>
+  <p:clrMapOvr>
+    <a:masterClrMapping/>
+  </p:clrMapOvr>
+  <p:timing>
+    <p:tnLst>
+      <p:par>
+        <p:cTn id="1" dur="indefinite" restart="never" nodeType="tmRoot"/>
+      </p:par>
+    </p:tnLst>
+  </p:timing>
+</p:sld>
+</file>
+
+<file path=ppt/slides/slide21.xml><?xml version="1.0" encoding="utf-8"?>
+<p:sld xmlns:a="http://schemas.openxmlformats.org/drawingml/2006/main" xmlns:r="http://schemas.openxmlformats.org/officeDocument/2006/relationships" xmlns:p="http://schemas.openxmlformats.org/presentationml/2006/main">
+  <p:cSld>
+    <p:spTree>
+      <p:nvGrpSpPr>
+        <p:cNvPr id="1" name=""/>
+        <p:cNvGrpSpPr/>
+        <p:nvPr/>
+      </p:nvGrpSpPr>
+      <p:grpSpPr>
+        <a:xfrm>
+          <a:off x="0" y="0"/>
+          <a:ext cx="0" cy="0"/>
+          <a:chOff x="0" y="0"/>
+          <a:chExt cx="0" cy="0"/>
+        </a:xfrm>
+      </p:grpSpPr>
+      <p:sp>
+        <p:nvSpPr>
+          <p:cNvPr id="2" name="Title 1"/>
+          <p:cNvSpPr>
+            <a:spLocks noGrp="1"/>
+          </p:cNvSpPr>
+          <p:nvPr>
+            <p:ph type="title"/>
+          </p:nvPr>
+        </p:nvSpPr>
+        <p:spPr/>
+        <p:txBody>
+          <a:bodyPr/>
+          <a:lstStyle/>
+          <a:p>
+            <a:endParaRPr lang="da-DK"/>
+          </a:p>
+        </p:txBody>
+      </p:sp>
+      <p:sp>
+        <p:nvSpPr>
+          <p:cNvPr id="3" name="Content Placeholder 2"/>
+          <p:cNvSpPr>
+            <a:spLocks noGrp="1"/>
+          </p:cNvSpPr>
+          <p:nvPr>
+            <p:ph idx="1"/>
+          </p:nvPr>
+        </p:nvSpPr>
+        <p:spPr/>
+        <p:txBody>
+          <a:bodyPr/>
+          <a:lstStyle/>
+          <a:p>
+            <a:endParaRPr lang="da-DK"/>
+          </a:p>
+        </p:txBody>
+      </p:sp>
+      <p:pic>
+        <p:nvPicPr>
+          <p:cNvPr id="4" name="Picture 3"/>
+          <p:cNvPicPr>
+            <a:picLocks noChangeAspect="1"/>
+          </p:cNvPicPr>
+          <p:nvPr/>
+        </p:nvPicPr>
+        <p:blipFill>
+          <a:blip r:embed="rId2"/>
+          <a:stretch>
+            <a:fillRect/>
+          </a:stretch>
+        </p:blipFill>
+        <p:spPr>
+          <a:xfrm>
+            <a:off x="1328072" y="285311"/>
+            <a:ext cx="9535856" cy="6287377"/>
+          </a:xfrm>
+          <a:prstGeom prst="rect">
+            <a:avLst/>
+          </a:prstGeom>
+        </p:spPr>
+      </p:pic>
+    </p:spTree>
+    <p:extLst>
+      <p:ext uri="{BB962C8B-B14F-4D97-AF65-F5344CB8AC3E}">
+        <p14:creationId xmlns:p14="http://schemas.microsoft.com/office/powerpoint/2010/main" val="2846506926"/>
+      </p:ext>
+    </p:extLst>
+  </p:cSld>
+  <p:clrMapOvr>
+    <a:masterClrMapping/>
+  </p:clrMapOvr>
+  <p:timing>
+    <p:tnLst>
+      <p:par>
+        <p:cTn id="1" dur="indefinite" restart="never" nodeType="tmRoot"/>
+      </p:par>
+    </p:tnLst>
+  </p:timing>
+</p:sld>
+</file>
+
+<file path=ppt/slides/slide22.xml><?xml version="1.0" encoding="utf-8"?>
+<p:sld xmlns:a="http://schemas.openxmlformats.org/drawingml/2006/main" xmlns:r="http://schemas.openxmlformats.org/officeDocument/2006/relationships" xmlns:p="http://schemas.openxmlformats.org/presentationml/2006/main">
+  <p:cSld>
+    <p:spTree>
+      <p:nvGrpSpPr>
+        <p:cNvPr id="1" name=""/>
+        <p:cNvGrpSpPr/>
+        <p:nvPr/>
+      </p:nvGrpSpPr>
+      <p:grpSpPr>
+        <a:xfrm>
+          <a:off x="0" y="0"/>
+          <a:ext cx="0" cy="0"/>
+          <a:chOff x="0" y="0"/>
+          <a:chExt cx="0" cy="0"/>
+        </a:xfrm>
+      </p:grpSpPr>
+      <p:sp>
+        <p:nvSpPr>
+          <p:cNvPr id="2" name="Title 1"/>
+          <p:cNvSpPr>
+            <a:spLocks noGrp="1"/>
+          </p:cNvSpPr>
+          <p:nvPr>
+            <p:ph type="title"/>
+          </p:nvPr>
+        </p:nvSpPr>
+        <p:spPr/>
+        <p:txBody>
+          <a:bodyPr/>
+          <a:lstStyle/>
+          <a:p>
+            <a:endParaRPr lang="da-DK"/>
+          </a:p>
+        </p:txBody>
+      </p:sp>
+      <p:sp>
+        <p:nvSpPr>
+          <p:cNvPr id="3" name="Content Placeholder 2"/>
+          <p:cNvSpPr>
+            <a:spLocks noGrp="1"/>
+          </p:cNvSpPr>
+          <p:nvPr>
+            <p:ph idx="1"/>
+          </p:nvPr>
+        </p:nvSpPr>
+        <p:spPr/>
+        <p:txBody>
+          <a:bodyPr/>
+          <a:lstStyle/>
+          <a:p>
+            <a:endParaRPr lang="da-DK"/>
+          </a:p>
+        </p:txBody>
+      </p:sp>
+      <p:pic>
+        <p:nvPicPr>
+          <p:cNvPr id="4" name="Picture 3"/>
+          <p:cNvPicPr>
+            <a:picLocks noChangeAspect="1"/>
+          </p:cNvPicPr>
+          <p:nvPr/>
+        </p:nvPicPr>
+        <p:blipFill>
+          <a:blip r:embed="rId2"/>
+          <a:stretch>
+            <a:fillRect/>
+          </a:stretch>
+        </p:blipFill>
+        <p:spPr>
+          <a:xfrm>
+            <a:off x="1456677" y="518706"/>
+            <a:ext cx="9278645" cy="5820587"/>
+          </a:xfrm>
+          <a:prstGeom prst="rect">
+            <a:avLst/>
+          </a:prstGeom>
+        </p:spPr>
+      </p:pic>
+    </p:spTree>
+    <p:extLst>
+      <p:ext uri="{BB962C8B-B14F-4D97-AF65-F5344CB8AC3E}">
+        <p14:creationId xmlns:p14="http://schemas.microsoft.com/office/powerpoint/2010/main" val="3635576126"/>
+      </p:ext>
+    </p:extLst>
+  </p:cSld>
+  <p:clrMapOvr>
+    <a:masterClrMapping/>
+  </p:clrMapOvr>
+  <p:timing>
+    <p:tnLst>
+      <p:par>
+        <p:cTn id="1" dur="indefinite" restart="never" nodeType="tmRoot"/>
+      </p:par>
+    </p:tnLst>
+  </p:timing>
+</p:sld>
+</file>
+
+<file path=ppt/slides/slide23.xml><?xml version="1.0" encoding="utf-8"?>
+<p:sld xmlns:a="http://schemas.openxmlformats.org/drawingml/2006/main" xmlns:r="http://schemas.openxmlformats.org/officeDocument/2006/relationships" xmlns:p="http://schemas.openxmlformats.org/presentationml/2006/main">
+  <p:cSld>
+    <p:spTree>
+      <p:nvGrpSpPr>
+        <p:cNvPr id="1" name=""/>
+        <p:cNvGrpSpPr/>
+        <p:nvPr/>
+      </p:nvGrpSpPr>
+      <p:grpSpPr>
+        <a:xfrm>
+          <a:off x="0" y="0"/>
+          <a:ext cx="0" cy="0"/>
+          <a:chOff x="0" y="0"/>
+          <a:chExt cx="0" cy="0"/>
+        </a:xfrm>
+      </p:grpSpPr>
+      <p:sp>
+        <p:nvSpPr>
+          <p:cNvPr id="2" name="Title 1"/>
+          <p:cNvSpPr>
+            <a:spLocks noGrp="1"/>
+          </p:cNvSpPr>
+          <p:nvPr>
+            <p:ph type="title"/>
+          </p:nvPr>
+        </p:nvSpPr>
+        <p:spPr/>
+        <p:txBody>
+          <a:bodyPr/>
+          <a:lstStyle/>
+          <a:p>
+            <a:endParaRPr lang="da-DK"/>
+          </a:p>
+        </p:txBody>
+      </p:sp>
+      <p:sp>
+        <p:nvSpPr>
+          <p:cNvPr id="3" name="Content Placeholder 2"/>
+          <p:cNvSpPr>
+            <a:spLocks noGrp="1"/>
+          </p:cNvSpPr>
+          <p:nvPr>
+            <p:ph idx="1"/>
+          </p:nvPr>
+        </p:nvSpPr>
+        <p:spPr/>
+        <p:txBody>
+          <a:bodyPr/>
+          <a:lstStyle/>
+          <a:p>
+            <a:endParaRPr lang="da-DK"/>
+          </a:p>
+        </p:txBody>
+      </p:sp>
+      <p:pic>
+        <p:nvPicPr>
+          <p:cNvPr id="4" name="Picture 3"/>
+          <p:cNvPicPr>
+            <a:picLocks noChangeAspect="1"/>
+          </p:cNvPicPr>
+          <p:nvPr/>
+        </p:nvPicPr>
+        <p:blipFill>
+          <a:blip r:embed="rId2"/>
+          <a:stretch>
+            <a:fillRect/>
+          </a:stretch>
+        </p:blipFill>
+        <p:spPr>
+          <a:xfrm>
+            <a:off x="1423335" y="1776182"/>
+            <a:ext cx="9345329" cy="3305636"/>
+          </a:xfrm>
+          <a:prstGeom prst="rect">
+            <a:avLst/>
+          </a:prstGeom>
+        </p:spPr>
+      </p:pic>
+    </p:spTree>
+    <p:extLst>
+      <p:ext uri="{BB962C8B-B14F-4D97-AF65-F5344CB8AC3E}">
+        <p14:creationId xmlns:p14="http://schemas.microsoft.com/office/powerpoint/2010/main" val="2185069632"/>
+      </p:ext>
+    </p:extLst>
+  </p:cSld>
+  <p:clrMapOvr>
+    <a:masterClrMapping/>
+  </p:clrMapOvr>
+  <p:timing>
+    <p:tnLst>
+      <p:par>
+        <p:cTn id="1" dur="indefinite" restart="never" nodeType="tmRoot"/>
+      </p:par>
+    </p:tnLst>
+  </p:timing>
+</p:sld>
+</file>
+
+<file path=ppt/slides/slide24.xml><?xml version="1.0" encoding="utf-8"?>
+<p:sld xmlns:a="http://schemas.openxmlformats.org/drawingml/2006/main" xmlns:r="http://schemas.openxmlformats.org/officeDocument/2006/relationships" xmlns:p="http://schemas.openxmlformats.org/presentationml/2006/main">
+  <p:cSld>
+    <p:spTree>
+      <p:nvGrpSpPr>
+        <p:cNvPr id="1" name=""/>
+        <p:cNvGrpSpPr/>
+        <p:nvPr/>
+      </p:nvGrpSpPr>
+      <p:grpSpPr>
+        <a:xfrm>
+          <a:off x="0" y="0"/>
+          <a:ext cx="0" cy="0"/>
+          <a:chOff x="0" y="0"/>
+          <a:chExt cx="0" cy="0"/>
+        </a:xfrm>
+      </p:grpSpPr>
+      <p:sp>
+        <p:nvSpPr>
+          <p:cNvPr id="2" name="Title 1"/>
+          <p:cNvSpPr>
+            <a:spLocks noGrp="1"/>
+          </p:cNvSpPr>
+          <p:nvPr>
+            <p:ph type="title"/>
+          </p:nvPr>
+        </p:nvSpPr>
+        <p:spPr/>
+        <p:txBody>
+          <a:bodyPr/>
+          <a:lstStyle/>
+          <a:p>
+            <a:endParaRPr lang="da-DK"/>
+          </a:p>
+        </p:txBody>
+      </p:sp>
+      <p:sp>
+        <p:nvSpPr>
+          <p:cNvPr id="3" name="Content Placeholder 2"/>
+          <p:cNvSpPr>
+            <a:spLocks noGrp="1"/>
+          </p:cNvSpPr>
+          <p:nvPr>
+            <p:ph idx="1"/>
+          </p:nvPr>
+        </p:nvSpPr>
+        <p:spPr/>
+        <p:txBody>
+          <a:bodyPr/>
+          <a:lstStyle/>
+          <a:p>
+            <a:endParaRPr lang="da-DK"/>
+          </a:p>
+        </p:txBody>
+      </p:sp>
+      <p:pic>
+        <p:nvPicPr>
+          <p:cNvPr id="4" name="Picture 3"/>
+          <p:cNvPicPr>
+            <a:picLocks noChangeAspect="1"/>
+          </p:cNvPicPr>
+          <p:nvPr/>
+        </p:nvPicPr>
+        <p:blipFill>
+          <a:blip r:embed="rId2"/>
+          <a:stretch>
+            <a:fillRect/>
+          </a:stretch>
+        </p:blipFill>
+        <p:spPr>
+          <a:xfrm>
+            <a:off x="1375704" y="1733313"/>
+            <a:ext cx="9440592" cy="3391373"/>
+          </a:xfrm>
+          <a:prstGeom prst="rect">
+            <a:avLst/>
+          </a:prstGeom>
+        </p:spPr>
+      </p:pic>
+    </p:spTree>
+    <p:extLst>
+      <p:ext uri="{BB962C8B-B14F-4D97-AF65-F5344CB8AC3E}">
+        <p14:creationId xmlns:p14="http://schemas.microsoft.com/office/powerpoint/2010/main" val="1645545193"/>
+      </p:ext>
+    </p:extLst>
+  </p:cSld>
+  <p:clrMapOvr>
+    <a:masterClrMapping/>
+  </p:clrMapOvr>
+  <p:timing>
+    <p:tnLst>
+      <p:par>
+        <p:cTn id="1" dur="indefinite" restart="never" nodeType="tmRoot"/>
+      </p:par>
+    </p:tnLst>
+  </p:timing>
+</p:sld>
+</file>
+
+<file path=ppt/slides/slide25.xml><?xml version="1.0" encoding="utf-8"?>
+<p:sld xmlns:a="http://schemas.openxmlformats.org/drawingml/2006/main" xmlns:r="http://schemas.openxmlformats.org/officeDocument/2006/relationships" xmlns:p="http://schemas.openxmlformats.org/presentationml/2006/main">
+  <p:cSld>
+    <p:spTree>
+      <p:nvGrpSpPr>
+        <p:cNvPr id="1" name=""/>
+        <p:cNvGrpSpPr/>
+        <p:nvPr/>
+      </p:nvGrpSpPr>
+      <p:grpSpPr>
+        <a:xfrm>
+          <a:off x="0" y="0"/>
+          <a:ext cx="0" cy="0"/>
+          <a:chOff x="0" y="0"/>
+          <a:chExt cx="0" cy="0"/>
+        </a:xfrm>
+      </p:grpSpPr>
+      <p:sp>
+        <p:nvSpPr>
+          <p:cNvPr id="2" name="Title 1"/>
+          <p:cNvSpPr>
+            <a:spLocks noGrp="1"/>
+          </p:cNvSpPr>
+          <p:nvPr>
+            <p:ph type="title"/>
+          </p:nvPr>
+        </p:nvSpPr>
+        <p:spPr/>
+        <p:txBody>
+          <a:bodyPr/>
+          <a:lstStyle/>
+          <a:p>
+            <a:endParaRPr lang="da-DK"/>
+          </a:p>
+        </p:txBody>
+      </p:sp>
+      <p:sp>
+        <p:nvSpPr>
+          <p:cNvPr id="3" name="Content Placeholder 2"/>
+          <p:cNvSpPr>
+            <a:spLocks noGrp="1"/>
+          </p:cNvSpPr>
+          <p:nvPr>
+            <p:ph idx="1"/>
+          </p:nvPr>
+        </p:nvSpPr>
+        <p:spPr/>
+        <p:txBody>
+          <a:bodyPr/>
+          <a:lstStyle/>
+          <a:p>
+            <a:endParaRPr lang="da-DK"/>
+          </a:p>
+        </p:txBody>
+      </p:sp>
+      <p:pic>
+        <p:nvPicPr>
+          <p:cNvPr id="4" name="Picture 3"/>
+          <p:cNvPicPr>
+            <a:picLocks noChangeAspect="1"/>
+          </p:cNvPicPr>
+          <p:nvPr/>
+        </p:nvPicPr>
+        <p:blipFill>
+          <a:blip r:embed="rId2"/>
+          <a:stretch>
+            <a:fillRect/>
+          </a:stretch>
+        </p:blipFill>
+        <p:spPr>
+          <a:xfrm>
+            <a:off x="1366177" y="1414181"/>
+            <a:ext cx="9459645" cy="4029637"/>
+          </a:xfrm>
+          <a:prstGeom prst="rect">
+            <a:avLst/>
+          </a:prstGeom>
+        </p:spPr>
+      </p:pic>
+    </p:spTree>
+    <p:extLst>
+      <p:ext uri="{BB962C8B-B14F-4D97-AF65-F5344CB8AC3E}">
+        <p14:creationId xmlns:p14="http://schemas.microsoft.com/office/powerpoint/2010/main" val="1231043846"/>
+      </p:ext>
+    </p:extLst>
+  </p:cSld>
+  <p:clrMapOvr>
+    <a:masterClrMapping/>
+  </p:clrMapOvr>
+  <p:timing>
+    <p:tnLst>
+      <p:par>
+        <p:cTn id="1" dur="indefinite" restart="never" nodeType="tmRoot"/>
+      </p:par>
+    </p:tnLst>
+  </p:timing>
+</p:sld>
+</file>
+
+<file path=ppt/slides/slide26.xml><?xml version="1.0" encoding="utf-8"?>
+<p:sld xmlns:a="http://schemas.openxmlformats.org/drawingml/2006/main" xmlns:r="http://schemas.openxmlformats.org/officeDocument/2006/relationships" xmlns:p="http://schemas.openxmlformats.org/presentationml/2006/main">
+  <p:cSld>
+    <p:spTree>
+      <p:nvGrpSpPr>
+        <p:cNvPr id="1" name=""/>
+        <p:cNvGrpSpPr/>
+        <p:nvPr/>
+      </p:nvGrpSpPr>
+      <p:grpSpPr>
+        <a:xfrm>
+          <a:off x="0" y="0"/>
+          <a:ext cx="0" cy="0"/>
+          <a:chOff x="0" y="0"/>
+          <a:chExt cx="0" cy="0"/>
+        </a:xfrm>
+      </p:grpSpPr>
+      <p:sp>
+        <p:nvSpPr>
+          <p:cNvPr id="2" name="Title 1"/>
+          <p:cNvSpPr>
+            <a:spLocks noGrp="1"/>
+          </p:cNvSpPr>
+          <p:nvPr>
+            <p:ph type="title"/>
+          </p:nvPr>
+        </p:nvSpPr>
+        <p:spPr/>
+        <p:txBody>
+          <a:bodyPr/>
+          <a:lstStyle/>
+          <a:p>
+            <a:endParaRPr lang="da-DK"/>
+          </a:p>
+        </p:txBody>
+      </p:sp>
+      <p:sp>
+        <p:nvSpPr>
+          <p:cNvPr id="3" name="Content Placeholder 2"/>
+          <p:cNvSpPr>
+            <a:spLocks noGrp="1"/>
+          </p:cNvSpPr>
+          <p:nvPr>
+            <p:ph idx="1"/>
+          </p:nvPr>
+        </p:nvSpPr>
+        <p:spPr/>
+        <p:txBody>
+          <a:bodyPr/>
+          <a:lstStyle/>
+          <a:p>
+            <a:endParaRPr lang="da-DK"/>
+          </a:p>
+        </p:txBody>
+      </p:sp>
+      <p:pic>
+        <p:nvPicPr>
+          <p:cNvPr id="4" name="Picture 3"/>
+          <p:cNvPicPr>
+            <a:picLocks noChangeAspect="1"/>
+          </p:cNvPicPr>
+          <p:nvPr/>
+        </p:nvPicPr>
+        <p:blipFill>
+          <a:blip r:embed="rId2"/>
+          <a:stretch>
+            <a:fillRect/>
+          </a:stretch>
+        </p:blipFill>
+        <p:spPr>
+          <a:xfrm>
+            <a:off x="1380467" y="1485629"/>
+            <a:ext cx="9431066" cy="3886742"/>
+          </a:xfrm>
+          <a:prstGeom prst="rect">
+            <a:avLst/>
+          </a:prstGeom>
+        </p:spPr>
+      </p:pic>
+    </p:spTree>
+    <p:extLst>
+      <p:ext uri="{BB962C8B-B14F-4D97-AF65-F5344CB8AC3E}">
+        <p14:creationId xmlns:p14="http://schemas.microsoft.com/office/powerpoint/2010/main" val="1586706192"/>
+      </p:ext>
+    </p:extLst>
+  </p:cSld>
+  <p:clrMapOvr>
+    <a:masterClrMapping/>
+  </p:clrMapOvr>
+  <p:timing>
+    <p:tnLst>
+      <p:par>
+        <p:cTn id="1" dur="indefinite" restart="never" nodeType="tmRoot"/>
+      </p:par>
+    </p:tnLst>
+  </p:timing>
+</p:sld>
+</file>
+
+<file path=ppt/slides/slide27.xml><?xml version="1.0" encoding="utf-8"?>
+<p:sld xmlns:a="http://schemas.openxmlformats.org/drawingml/2006/main" xmlns:r="http://schemas.openxmlformats.org/officeDocument/2006/relationships" xmlns:p="http://schemas.openxmlformats.org/presentationml/2006/main">
+  <p:cSld>
+    <p:spTree>
+      <p:nvGrpSpPr>
+        <p:cNvPr id="1" name=""/>
+        <p:cNvGrpSpPr/>
+        <p:nvPr/>
+      </p:nvGrpSpPr>
+      <p:grpSpPr>
+        <a:xfrm>
+          <a:off x="0" y="0"/>
+          <a:ext cx="0" cy="0"/>
+          <a:chOff x="0" y="0"/>
+          <a:chExt cx="0" cy="0"/>
+        </a:xfrm>
+      </p:grpSpPr>
+      <p:sp>
+        <p:nvSpPr>
+          <p:cNvPr id="2" name="Title 1"/>
+          <p:cNvSpPr>
+            <a:spLocks noGrp="1"/>
+          </p:cNvSpPr>
+          <p:nvPr>
+            <p:ph type="title"/>
+          </p:nvPr>
+        </p:nvSpPr>
+        <p:spPr/>
+        <p:txBody>
+          <a:bodyPr/>
+          <a:lstStyle/>
+          <a:p>
+            <a:endParaRPr lang="da-DK"/>
+          </a:p>
+        </p:txBody>
+      </p:sp>
+      <p:sp>
+        <p:nvSpPr>
+          <p:cNvPr id="3" name="Content Placeholder 2"/>
+          <p:cNvSpPr>
+            <a:spLocks noGrp="1"/>
+          </p:cNvSpPr>
+          <p:nvPr>
+            <p:ph idx="1"/>
+          </p:nvPr>
+        </p:nvSpPr>
+        <p:spPr/>
+        <p:txBody>
+          <a:bodyPr/>
+          <a:lstStyle/>
+          <a:p>
+            <a:endParaRPr lang="da-DK"/>
+          </a:p>
+        </p:txBody>
+      </p:sp>
+      <p:pic>
+        <p:nvPicPr>
+          <p:cNvPr id="4" name="Picture 3"/>
+          <p:cNvPicPr>
+            <a:picLocks noChangeAspect="1"/>
+          </p:cNvPicPr>
+          <p:nvPr/>
+        </p:nvPicPr>
+        <p:blipFill>
+          <a:blip r:embed="rId2"/>
+          <a:stretch>
+            <a:fillRect/>
+          </a:stretch>
+        </p:blipFill>
+        <p:spPr>
+          <a:xfrm>
+            <a:off x="1394756" y="1437997"/>
+            <a:ext cx="9402487" cy="3982006"/>
+          </a:xfrm>
+          <a:prstGeom prst="rect">
+            <a:avLst/>
+          </a:prstGeom>
+        </p:spPr>
+      </p:pic>
+    </p:spTree>
+    <p:extLst>
+      <p:ext uri="{BB962C8B-B14F-4D97-AF65-F5344CB8AC3E}">
+        <p14:creationId xmlns:p14="http://schemas.microsoft.com/office/powerpoint/2010/main" val="486315070"/>
+      </p:ext>
+    </p:extLst>
+  </p:cSld>
+  <p:clrMapOvr>
+    <a:masterClrMapping/>
+  </p:clrMapOvr>
+  <p:timing>
+    <p:tnLst>
+      <p:par>
+        <p:cTn id="1" dur="indefinite" restart="never" nodeType="tmRoot"/>
+      </p:par>
+    </p:tnLst>
+  </p:timing>
+</p:sld>
+</file>
+
+<file path=ppt/slides/slide28.xml><?xml version="1.0" encoding="utf-8"?>
+<p:sld xmlns:a="http://schemas.openxmlformats.org/drawingml/2006/main" xmlns:r="http://schemas.openxmlformats.org/officeDocument/2006/relationships" xmlns:p="http://schemas.openxmlformats.org/presentationml/2006/main">
+  <p:cSld>
+    <p:spTree>
+      <p:nvGrpSpPr>
+        <p:cNvPr id="1" name=""/>
+        <p:cNvGrpSpPr/>
+        <p:nvPr/>
+      </p:nvGrpSpPr>
+      <p:grpSpPr>
+        <a:xfrm>
+          <a:off x="0" y="0"/>
+          <a:ext cx="0" cy="0"/>
+          <a:chOff x="0" y="0"/>
+          <a:chExt cx="0" cy="0"/>
+        </a:xfrm>
+      </p:grpSpPr>
+      <p:sp>
+        <p:nvSpPr>
+          <p:cNvPr id="4" name="Title 3"/>
+          <p:cNvSpPr>
+            <a:spLocks noGrp="1"/>
+          </p:cNvSpPr>
+          <p:nvPr>
+            <p:ph type="title"/>
+          </p:nvPr>
+        </p:nvSpPr>
+        <p:spPr/>
+        <p:txBody>
+          <a:bodyPr/>
+          <a:lstStyle/>
+          <a:p>
+            <a:endParaRPr lang="da-DK"/>
+          </a:p>
+        </p:txBody>
+      </p:sp>
+    </p:spTree>
+    <p:extLst>
+      <p:ext uri="{BB962C8B-B14F-4D97-AF65-F5344CB8AC3E}">
+        <p14:creationId xmlns:p14="http://schemas.microsoft.com/office/powerpoint/2010/main" val="3808375499"/>
+      </p:ext>
+    </p:extLst>
+  </p:cSld>
+  <p:clrMapOvr>
+    <a:masterClrMapping/>
+  </p:clrMapOvr>
+  <p:timing>
+    <p:tnLst>
+      <p:par>
+        <p:cTn id="1" dur="indefinite" restart="never" nodeType="tmRoot"/>
+      </p:par>
+    </p:tnLst>
+  </p:timing>
+</p:sld>
+</file>
+
+<file path=ppt/slides/slide29.xml><?xml version="1.0" encoding="utf-8"?>
+<p:sld xmlns:a="http://schemas.openxmlformats.org/drawingml/2006/main" xmlns:r="http://schemas.openxmlformats.org/officeDocument/2006/relationships" xmlns:p="http://schemas.openxmlformats.org/presentationml/2006/main">
+  <p:cSld>
+    <p:spTree>
+      <p:nvGrpSpPr>
+        <p:cNvPr id="1" name=""/>
+        <p:cNvGrpSpPr/>
+        <p:nvPr/>
+      </p:nvGrpSpPr>
+      <p:grpSpPr>
+        <a:xfrm>
+          <a:off x="0" y="0"/>
+          <a:ext cx="0" cy="0"/>
+          <a:chOff x="0" y="0"/>
+          <a:chExt cx="0" cy="0"/>
+        </a:xfrm>
+      </p:grpSpPr>
+      <p:sp>
+        <p:nvSpPr>
+          <p:cNvPr id="3" name="Title 2"/>
+          <p:cNvSpPr>
+            <a:spLocks noGrp="1"/>
+          </p:cNvSpPr>
+          <p:nvPr>
+            <p:ph type="title"/>
+          </p:nvPr>
+        </p:nvSpPr>
+        <p:spPr/>
+        <p:txBody>
+          <a:bodyPr/>
+          <a:lstStyle/>
+          <a:p>
+            <a:r>
+              <a:rPr lang="da-DK" dirty="0" smtClean="0"/>
+              <a:t>References and image </a:t>
+            </a:r>
+            <a:r>
+              <a:rPr lang="da-DK" dirty="0" err="1" smtClean="0"/>
+              <a:t>sources</a:t>
+            </a:r>
+            <a:endParaRPr lang="da-DK" dirty="0"/>
+          </a:p>
+        </p:txBody>
+      </p:sp>
+      <p:sp>
+        <p:nvSpPr>
+          <p:cNvPr id="4" name="Content Placeholder 3"/>
+          <p:cNvSpPr>
+            <a:spLocks noGrp="1"/>
+          </p:cNvSpPr>
+          <p:nvPr>
+            <p:ph idx="1"/>
+          </p:nvPr>
+        </p:nvSpPr>
+        <p:spPr/>
+        <p:txBody>
+          <a:bodyPr/>
+          <a:lstStyle/>
+          <a:p>
+            <a:pPr marL="0" indent="0">
+              <a:buNone/>
+            </a:pPr>
+            <a:r>
+              <a:rPr lang="da-DK" dirty="0">
+                <a:hlinkClick r:id="rId2"/>
+              </a:rPr>
+              <a:t>https://</a:t>
+            </a:r>
+            <a:r>
+              <a:rPr lang="da-DK" dirty="0" smtClean="0">
+                <a:hlinkClick r:id="rId2"/>
+              </a:rPr>
+              <a:t>www.digitalocean.com/community/tutorials/understanding-ip-addresses-subnets-and-cidr-notation-for-networking</a:t>
+            </a:r>
+            <a:endParaRPr lang="da-DK" dirty="0" smtClean="0"/>
+          </a:p>
+          <a:p>
+            <a:pPr marL="0" indent="0">
+              <a:buNone/>
+            </a:pPr>
+            <a:r>
+              <a:rPr lang="da-DK" dirty="0">
+                <a:hlinkClick r:id="rId3"/>
+              </a:rPr>
+              <a:t>https://</a:t>
+            </a:r>
+            <a:r>
+              <a:rPr lang="da-DK" dirty="0" smtClean="0">
+                <a:hlinkClick r:id="rId3"/>
+              </a:rPr>
+              <a:t>fab.cba.mit.edu/classes/961.04/people/neil/ip.pdf</a:t>
+            </a:r>
+            <a:endParaRPr lang="da-DK" dirty="0" smtClean="0"/>
+          </a:p>
+          <a:p>
+            <a:pPr marL="0" indent="0">
+              <a:buNone/>
+            </a:pPr>
+            <a:r>
+              <a:rPr lang="da-DK" dirty="0">
+                <a:hlinkClick r:id="rId4"/>
+              </a:rPr>
+              <a:t>https://iximiuz.com/en/posts/computer-networking-101</a:t>
+            </a:r>
+            <a:r>
+              <a:rPr lang="da-DK" dirty="0" smtClean="0">
+                <a:hlinkClick r:id="rId4"/>
+              </a:rPr>
+              <a:t>/</a:t>
+            </a:r>
+            <a:endParaRPr lang="da-DK" dirty="0" smtClean="0"/>
+          </a:p>
+          <a:p>
+            <a:pPr marL="0" indent="0">
+              <a:buNone/>
+            </a:pPr>
+            <a:r>
+              <a:rPr lang="da-DK" dirty="0">
+                <a:hlinkClick r:id="rId5"/>
+              </a:rPr>
+              <a:t>https://</a:t>
+            </a:r>
+            <a:r>
+              <a:rPr lang="da-DK" dirty="0" smtClean="0">
+                <a:hlinkClick r:id="rId5"/>
+              </a:rPr>
+              <a:t>www.youtube.com/watch?v=PwWhJEJVGl4</a:t>
+            </a:r>
+            <a:endParaRPr lang="da-DK" dirty="0" smtClean="0"/>
+          </a:p>
+          <a:p>
+            <a:pPr marL="0" indent="0">
+              <a:buNone/>
+            </a:pPr>
+            <a:r>
+              <a:rPr lang="da-DK" dirty="0">
+                <a:hlinkClick r:id="rId6"/>
+              </a:rPr>
+              <a:t>https://</a:t>
+            </a:r>
+            <a:r>
+              <a:rPr lang="da-DK" dirty="0" smtClean="0">
+                <a:hlinkClick r:id="rId6"/>
+              </a:rPr>
+              <a:t>www.youtube.com/watch?v=NyZWSvSj8ek</a:t>
+            </a:r>
+            <a:endParaRPr lang="da-DK" dirty="0" smtClean="0"/>
+          </a:p>
+          <a:p>
+            <a:pPr marL="0" indent="0">
+              <a:buNone/>
+            </a:pPr>
+            <a:r>
+              <a:rPr lang="da-DK" dirty="0">
+                <a:hlinkClick r:id="rId7"/>
+              </a:rPr>
+              <a:t>https://</a:t>
+            </a:r>
+            <a:r>
+              <a:rPr lang="da-DK" dirty="0" smtClean="0">
+                <a:hlinkClick r:id="rId7"/>
+              </a:rPr>
+              <a:t>www.youtube.com/playlist?list=PL7zRJGi6nMRzg0LdsR7F3olyLGoBcIvvg</a:t>
+            </a:r>
+            <a:endParaRPr lang="da-DK" dirty="0" smtClean="0"/>
+          </a:p>
+          <a:p>
+            <a:pPr marL="0" indent="0">
+              <a:buNone/>
+            </a:pPr>
+            <a:endParaRPr lang="da-DK" dirty="0"/>
+          </a:p>
+        </p:txBody>
+      </p:sp>
+    </p:spTree>
+    <p:extLst>
+      <p:ext uri="{BB962C8B-B14F-4D97-AF65-F5344CB8AC3E}">
+        <p14:creationId xmlns:p14="http://schemas.microsoft.com/office/powerpoint/2010/main" val="3336927857"/>
+      </p:ext>
+    </p:extLst>
+  </p:cSld>
+  <p:clrMapOvr>
+    <a:masterClrMapping/>
+  </p:clrMapOvr>
+  <p:timing>
+    <p:tnLst>
+      <p:par>
+        <p:cTn id="1" dur="indefinite" restart="never" nodeType="tmRoot"/>
+      </p:par>
+    </p:tnLst>
+  </p:timing>
+</p:sld>
+</file>
+
+<file path=ppt/slides/slide3.xml><?xml version="1.0" encoding="utf-8"?>
+<p:sld xmlns:a="http://schemas.openxmlformats.org/drawingml/2006/main" xmlns:r="http://schemas.openxmlformats.org/officeDocument/2006/relationships" xmlns:p="http://schemas.openxmlformats.org/presentationml/2006/main">
+  <p:cSld>
+    <p:spTree>
+      <p:nvGrpSpPr>
+        <p:cNvPr id="1" name=""/>
+        <p:cNvGrpSpPr/>
+        <p:nvPr/>
+      </p:nvGrpSpPr>
+      <p:grpSpPr>
+        <a:xfrm>
+          <a:off x="0" y="0"/>
+          <a:ext cx="0" cy="0"/>
+          <a:chOff x="0" y="0"/>
+          <a:chExt cx="0" cy="0"/>
+        </a:xfrm>
+      </p:grpSpPr>
+      <p:sp>
+        <p:nvSpPr>
+          <p:cNvPr id="4" name="Title 3"/>
+          <p:cNvSpPr>
+            <a:spLocks noGrp="1"/>
+          </p:cNvSpPr>
+          <p:nvPr>
+            <p:ph type="title"/>
+          </p:nvPr>
+        </p:nvSpPr>
+        <p:spPr/>
+        <p:txBody>
+          <a:bodyPr/>
+          <a:lstStyle/>
+          <a:p>
+            <a:r>
+              <a:rPr lang="en-US" dirty="0" smtClean="0"/>
+              <a:t>IP Addresses on a network</a:t>
+            </a:r>
+            <a:endParaRPr lang="da-DK" dirty="0"/>
+          </a:p>
+        </p:txBody>
+      </p:sp>
+      <p:sp>
+        <p:nvSpPr>
+          <p:cNvPr id="5" name="Text Placeholder 4"/>
+          <p:cNvSpPr>
+            <a:spLocks noGrp="1"/>
+          </p:cNvSpPr>
+          <p:nvPr>
+            <p:ph type="body" idx="1"/>
+          </p:nvPr>
+        </p:nvSpPr>
+        <p:spPr/>
+        <p:txBody>
+          <a:bodyPr/>
+          <a:lstStyle/>
+          <a:p>
+            <a:endParaRPr lang="da-DK"/>
+          </a:p>
+        </p:txBody>
+      </p:sp>
+    </p:spTree>
+    <p:extLst>
+      <p:ext uri="{BB962C8B-B14F-4D97-AF65-F5344CB8AC3E}">
+        <p14:creationId xmlns:p14="http://schemas.microsoft.com/office/powerpoint/2010/main" val="3146177037"/>
+      </p:ext>
+    </p:extLst>
+  </p:cSld>
+  <p:clrMapOvr>
+    <a:masterClrMapping/>
+  </p:clrMapOvr>
+  <p:timing>
+    <p:tnLst>
+      <p:par>
+        <p:cTn id="1" dur="indefinite" restart="never" nodeType="tmRoot"/>
+      </p:par>
+    </p:tnLst>
+  </p:timing>
+</p:sld>
+</file>
+
+<file path=ppt/slides/slide4.xml><?xml version="1.0" encoding="utf-8"?>
+<p:sld xmlns:a="http://schemas.openxmlformats.org/drawingml/2006/main" xmlns:r="http://schemas.openxmlformats.org/officeDocument/2006/relationships" xmlns:p="http://schemas.openxmlformats.org/presentationml/2006/main">
+  <p:cSld>
+    <p:spTree>
+      <p:nvGrpSpPr>
+        <p:cNvPr id="1" name=""/>
+        <p:cNvGrpSpPr/>
+        <p:nvPr/>
+      </p:nvGrpSpPr>
+      <p:grpSpPr>
+        <a:xfrm>
+          <a:off x="0" y="0"/>
+          <a:ext cx="0" cy="0"/>
+          <a:chOff x="0" y="0"/>
+          <a:chExt cx="0" cy="0"/>
+        </a:xfrm>
+      </p:grpSpPr>
+      <p:sp>
+        <p:nvSpPr>
+          <p:cNvPr id="4" name="Title 3"/>
+          <p:cNvSpPr>
+            <a:spLocks noGrp="1"/>
+          </p:cNvSpPr>
+          <p:nvPr>
+            <p:ph type="title"/>
+          </p:nvPr>
+        </p:nvSpPr>
+        <p:spPr/>
+        <p:txBody>
+          <a:bodyPr/>
+          <a:lstStyle/>
+          <a:p>
+            <a:endParaRPr lang="da-DK"/>
+          </a:p>
+        </p:txBody>
+      </p:sp>
+      <p:sp>
+        <p:nvSpPr>
+          <p:cNvPr id="5" name="Content Placeholder 4"/>
+          <p:cNvSpPr>
+            <a:spLocks noGrp="1"/>
+          </p:cNvSpPr>
+          <p:nvPr>
+            <p:ph idx="1"/>
+          </p:nvPr>
+        </p:nvSpPr>
+        <p:spPr>
+          <a:xfrm>
+            <a:off x="838200" y="4264269"/>
+            <a:ext cx="10515600" cy="1912694"/>
+          </a:xfrm>
+        </p:spPr>
+        <p:txBody>
+          <a:bodyPr/>
+          <a:lstStyle/>
+          <a:p>
+            <a:pPr marL="0" indent="0">
+              <a:buNone/>
+            </a:pPr>
+            <a:r>
+              <a:rPr lang="en-US" dirty="0" smtClean="0"/>
+              <a:t>We want to communicate from one computer to another.</a:t>
+            </a:r>
+            <a:endParaRPr lang="da-DK" dirty="0"/>
+          </a:p>
+        </p:txBody>
+      </p:sp>
+      <p:pic>
+        <p:nvPicPr>
+          <p:cNvPr id="9" name="Picture 8"/>
+          <p:cNvPicPr>
+            <a:picLocks noChangeAspect="1"/>
+          </p:cNvPicPr>
+          <p:nvPr/>
+        </p:nvPicPr>
+        <p:blipFill>
+          <a:blip r:embed="rId2"/>
+          <a:stretch>
+            <a:fillRect/>
+          </a:stretch>
+        </p:blipFill>
+        <p:spPr>
+          <a:xfrm>
+            <a:off x="838200" y="1839636"/>
+            <a:ext cx="1889390" cy="1369558"/>
+          </a:xfrm>
+          <a:prstGeom prst="rect">
+            <a:avLst/>
+          </a:prstGeom>
+        </p:spPr>
+      </p:pic>
+      <p:pic>
+        <p:nvPicPr>
+          <p:cNvPr id="10" name="Picture 9"/>
+          <p:cNvPicPr>
+            <a:picLocks noChangeAspect="1"/>
+          </p:cNvPicPr>
+          <p:nvPr/>
+        </p:nvPicPr>
+        <p:blipFill>
+          <a:blip r:embed="rId2"/>
+          <a:stretch>
+            <a:fillRect/>
+          </a:stretch>
+        </p:blipFill>
+        <p:spPr>
+          <a:xfrm>
+            <a:off x="3446401" y="1839636"/>
+            <a:ext cx="1889390" cy="1369558"/>
+          </a:xfrm>
+          <a:prstGeom prst="rect">
+            <a:avLst/>
+          </a:prstGeom>
+        </p:spPr>
+      </p:pic>
+      <p:pic>
+        <p:nvPicPr>
+          <p:cNvPr id="11" name="Picture 10"/>
+          <p:cNvPicPr>
+            <a:picLocks noChangeAspect="1"/>
+          </p:cNvPicPr>
+          <p:nvPr/>
+        </p:nvPicPr>
+        <p:blipFill>
+          <a:blip r:embed="rId2"/>
+          <a:stretch>
+            <a:fillRect/>
+          </a:stretch>
+        </p:blipFill>
+        <p:spPr>
+          <a:xfrm>
+            <a:off x="6145274" y="1839636"/>
+            <a:ext cx="1889390" cy="1369558"/>
+          </a:xfrm>
+          <a:prstGeom prst="rect">
+            <a:avLst/>
+          </a:prstGeom>
+        </p:spPr>
+      </p:pic>
+      <p:pic>
+        <p:nvPicPr>
+          <p:cNvPr id="12" name="Picture 11"/>
+          <p:cNvPicPr>
+            <a:picLocks noChangeAspect="1"/>
+          </p:cNvPicPr>
+          <p:nvPr/>
+        </p:nvPicPr>
+        <p:blipFill>
+          <a:blip r:embed="rId2"/>
+          <a:stretch>
+            <a:fillRect/>
+          </a:stretch>
+        </p:blipFill>
+        <p:spPr>
+          <a:xfrm>
+            <a:off x="8753475" y="1839636"/>
+            <a:ext cx="1889390" cy="1369558"/>
+          </a:xfrm>
+          <a:prstGeom prst="rect">
+            <a:avLst/>
+          </a:prstGeom>
+        </p:spPr>
+      </p:pic>
+    </p:spTree>
+    <p:extLst>
+      <p:ext uri="{BB962C8B-B14F-4D97-AF65-F5344CB8AC3E}">
+        <p14:creationId xmlns:p14="http://schemas.microsoft.com/office/powerpoint/2010/main" val="3357163894"/>
+      </p:ext>
+    </p:extLst>
+  </p:cSld>
+  <p:clrMapOvr>
+    <a:masterClrMapping/>
+  </p:clrMapOvr>
+  <p:timing>
+    <p:tnLst>
+      <p:par>
+        <p:cTn id="1" dur="indefinite" restart="never" nodeType="tmRoot"/>
+      </p:par>
+    </p:tnLst>
+  </p:timing>
+</p:sld>
+</file>
+
+<file path=ppt/slides/slide5.xml><?xml version="1.0" encoding="utf-8"?>
+<p:sld xmlns:a="http://schemas.openxmlformats.org/drawingml/2006/main" xmlns:r="http://schemas.openxmlformats.org/officeDocument/2006/relationships" xmlns:p="http://schemas.openxmlformats.org/presentationml/2006/main">
+  <p:cSld>
+    <p:spTree>
+      <p:nvGrpSpPr>
+        <p:cNvPr id="1" name=""/>
+        <p:cNvGrpSpPr/>
+        <p:nvPr/>
+      </p:nvGrpSpPr>
+      <p:grpSpPr>
+        <a:xfrm>
+          <a:off x="0" y="0"/>
+          <a:ext cx="0" cy="0"/>
+          <a:chOff x="0" y="0"/>
+          <a:chExt cx="0" cy="0"/>
+        </a:xfrm>
+      </p:grpSpPr>
+      <p:sp>
+        <p:nvSpPr>
+          <p:cNvPr id="4" name="Title 3"/>
+          <p:cNvSpPr>
+            <a:spLocks noGrp="1"/>
+          </p:cNvSpPr>
+          <p:nvPr>
+            <p:ph type="title"/>
+          </p:nvPr>
+        </p:nvSpPr>
+        <p:spPr/>
+        <p:txBody>
+          <a:bodyPr/>
+          <a:lstStyle/>
+          <a:p>
+            <a:endParaRPr lang="da-DK"/>
+          </a:p>
+        </p:txBody>
+      </p:sp>
+      <p:pic>
+        <p:nvPicPr>
+          <p:cNvPr id="9" name="Picture 8"/>
+          <p:cNvPicPr>
+            <a:picLocks noChangeAspect="1"/>
+          </p:cNvPicPr>
+          <p:nvPr/>
+        </p:nvPicPr>
+        <p:blipFill>
+          <a:blip r:embed="rId2"/>
+          <a:stretch>
+            <a:fillRect/>
+          </a:stretch>
+        </p:blipFill>
+        <p:spPr>
+          <a:xfrm>
+            <a:off x="838200" y="1839636"/>
+            <a:ext cx="1889390" cy="1369558"/>
+          </a:xfrm>
+          <a:prstGeom prst="rect">
+            <a:avLst/>
+          </a:prstGeom>
+        </p:spPr>
+      </p:pic>
+      <p:pic>
+        <p:nvPicPr>
+          <p:cNvPr id="10" name="Picture 9"/>
+          <p:cNvPicPr>
+            <a:picLocks noChangeAspect="1"/>
+          </p:cNvPicPr>
+          <p:nvPr/>
+        </p:nvPicPr>
+        <p:blipFill>
+          <a:blip r:embed="rId2"/>
+          <a:stretch>
+            <a:fillRect/>
+          </a:stretch>
+        </p:blipFill>
+        <p:spPr>
+          <a:xfrm>
+            <a:off x="3446401" y="1839636"/>
+            <a:ext cx="1889390" cy="1369558"/>
+          </a:xfrm>
+          <a:prstGeom prst="rect">
+            <a:avLst/>
+          </a:prstGeom>
+        </p:spPr>
+      </p:pic>
+      <p:pic>
+        <p:nvPicPr>
+          <p:cNvPr id="11" name="Picture 10"/>
+          <p:cNvPicPr>
+            <a:picLocks noChangeAspect="1"/>
+          </p:cNvPicPr>
+          <p:nvPr/>
+        </p:nvPicPr>
+        <p:blipFill>
+          <a:blip r:embed="rId2"/>
+          <a:stretch>
+            <a:fillRect/>
+          </a:stretch>
+        </p:blipFill>
+        <p:spPr>
+          <a:xfrm>
+            <a:off x="6145274" y="1839636"/>
+            <a:ext cx="1889390" cy="1369558"/>
+          </a:xfrm>
+          <a:prstGeom prst="rect">
+            <a:avLst/>
+          </a:prstGeom>
+        </p:spPr>
+      </p:pic>
+      <p:pic>
+        <p:nvPicPr>
+          <p:cNvPr id="12" name="Picture 11"/>
+          <p:cNvPicPr>
+            <a:picLocks noChangeAspect="1"/>
+          </p:cNvPicPr>
+          <p:nvPr/>
+        </p:nvPicPr>
+        <p:blipFill>
+          <a:blip r:embed="rId2"/>
+          <a:stretch>
+            <a:fillRect/>
+          </a:stretch>
+        </p:blipFill>
+        <p:spPr>
+          <a:xfrm>
+            <a:off x="8753475" y="1839636"/>
+            <a:ext cx="1889390" cy="1369558"/>
+          </a:xfrm>
+          <a:prstGeom prst="rect">
+            <a:avLst/>
+          </a:prstGeom>
+        </p:spPr>
+      </p:pic>
+      <p:sp>
+        <p:nvSpPr>
+          <p:cNvPr id="2" name="Rectangle 1"/>
+          <p:cNvSpPr/>
+          <p:nvPr/>
+        </p:nvSpPr>
+        <p:spPr>
+          <a:xfrm>
+            <a:off x="984738" y="3736865"/>
+            <a:ext cx="9658127" cy="140676"/>
+          </a:xfrm>
+          <a:prstGeom prst="rect">
+            <a:avLst/>
+          </a:prstGeom>
+        </p:spPr>
+        <p:style>
+          <a:lnRef idx="2">
+            <a:schemeClr val="accent1">
+              <a:shade val="50000"/>
+            </a:schemeClr>
+          </a:lnRef>
+          <a:fillRef idx="1">
+            <a:schemeClr val="accent1"/>
+          </a:fillRef>
+          <a:effectRef idx="0">
+            <a:schemeClr val="accent1"/>
+          </a:effectRef>
+          <a:fontRef idx="minor">
+            <a:schemeClr val="lt1"/>
+          </a:fontRef>
+        </p:style>
+        <p:txBody>
+          <a:bodyPr rtlCol="0" anchor="ctr"/>
+          <a:lstStyle/>
+          <a:p>
+            <a:pPr algn="ctr"/>
+            <a:endParaRPr lang="da-DK"/>
+          </a:p>
+        </p:txBody>
+      </p:sp>
+      <p:sp>
+        <p:nvSpPr>
+          <p:cNvPr id="3" name="Rectangle 2"/>
+          <p:cNvSpPr/>
+          <p:nvPr/>
+        </p:nvSpPr>
+        <p:spPr>
+          <a:xfrm>
+            <a:off x="1034379" y="2964619"/>
+            <a:ext cx="117413" cy="912922"/>
+          </a:xfrm>
+          <a:prstGeom prst="rect">
+            <a:avLst/>
+          </a:prstGeom>
+        </p:spPr>
+        <p:style>
+          <a:lnRef idx="2">
+            <a:schemeClr val="accent1">
+              <a:shade val="50000"/>
+            </a:schemeClr>
+          </a:lnRef>
+          <a:fillRef idx="1">
+            <a:schemeClr val="accent1"/>
+          </a:fillRef>
+          <a:effectRef idx="0">
+            <a:schemeClr val="accent1"/>
+          </a:effectRef>
+          <a:fontRef idx="minor">
+            <a:schemeClr val="lt1"/>
+          </a:fontRef>
+        </p:style>
+        <p:txBody>
+          <a:bodyPr rtlCol="0" anchor="ctr"/>
+          <a:lstStyle/>
+          <a:p>
+            <a:pPr algn="ctr"/>
+            <a:endParaRPr lang="da-DK"/>
+          </a:p>
+        </p:txBody>
+      </p:sp>
+      <p:sp>
+        <p:nvSpPr>
+          <p:cNvPr id="16" name="Rectangle 15"/>
+          <p:cNvSpPr/>
+          <p:nvPr/>
+        </p:nvSpPr>
+        <p:spPr>
+          <a:xfrm>
+            <a:off x="3630856" y="2964619"/>
+            <a:ext cx="117413" cy="912922"/>
+          </a:xfrm>
+          <a:prstGeom prst="rect">
+            <a:avLst/>
+          </a:prstGeom>
+        </p:spPr>
+        <p:style>
+          <a:lnRef idx="2">
+            <a:schemeClr val="accent1">
+              <a:shade val="50000"/>
+            </a:schemeClr>
+          </a:lnRef>
+          <a:fillRef idx="1">
+            <a:schemeClr val="accent1"/>
+          </a:fillRef>
+          <a:effectRef idx="0">
+            <a:schemeClr val="accent1"/>
+          </a:effectRef>
+          <a:fontRef idx="minor">
+            <a:schemeClr val="lt1"/>
+          </a:fontRef>
+        </p:style>
+        <p:txBody>
+          <a:bodyPr rtlCol="0" anchor="ctr"/>
+          <a:lstStyle/>
+          <a:p>
+            <a:pPr algn="ctr"/>
+            <a:endParaRPr lang="da-DK"/>
+          </a:p>
+        </p:txBody>
+      </p:sp>
+      <p:sp>
+        <p:nvSpPr>
+          <p:cNvPr id="17" name="Rectangle 16"/>
+          <p:cNvSpPr/>
+          <p:nvPr/>
+        </p:nvSpPr>
+        <p:spPr>
+          <a:xfrm>
+            <a:off x="6336652" y="2964619"/>
+            <a:ext cx="117413" cy="912922"/>
+          </a:xfrm>
+          <a:prstGeom prst="rect">
+            <a:avLst/>
+          </a:prstGeom>
+        </p:spPr>
+        <p:style>
+          <a:lnRef idx="2">
+            <a:schemeClr val="accent1">
+              <a:shade val="50000"/>
+            </a:schemeClr>
+          </a:lnRef>
+          <a:fillRef idx="1">
+            <a:schemeClr val="accent1"/>
+          </a:fillRef>
+          <a:effectRef idx="0">
+            <a:schemeClr val="accent1"/>
+          </a:effectRef>
+          <a:fontRef idx="minor">
+            <a:schemeClr val="lt1"/>
+          </a:fontRef>
+        </p:style>
+        <p:txBody>
+          <a:bodyPr rtlCol="0" anchor="ctr"/>
+          <a:lstStyle/>
+          <a:p>
+            <a:pPr algn="ctr"/>
+            <a:endParaRPr lang="da-DK"/>
+          </a:p>
+        </p:txBody>
+      </p:sp>
+      <p:sp>
+        <p:nvSpPr>
+          <p:cNvPr id="18" name="Rectangle 17"/>
+          <p:cNvSpPr/>
+          <p:nvPr/>
+        </p:nvSpPr>
+        <p:spPr>
+          <a:xfrm>
+            <a:off x="8927963" y="2964619"/>
+            <a:ext cx="117413" cy="912922"/>
+          </a:xfrm>
+          <a:prstGeom prst="rect">
+            <a:avLst/>
+          </a:prstGeom>
+        </p:spPr>
+        <p:style>
+          <a:lnRef idx="2">
+            <a:schemeClr val="accent1">
+              <a:shade val="50000"/>
+            </a:schemeClr>
+          </a:lnRef>
+          <a:fillRef idx="1">
+            <a:schemeClr val="accent1"/>
+          </a:fillRef>
+          <a:effectRef idx="0">
+            <a:schemeClr val="accent1"/>
+          </a:effectRef>
+          <a:fontRef idx="minor">
+            <a:schemeClr val="lt1"/>
+          </a:fontRef>
+        </p:style>
+        <p:txBody>
+          <a:bodyPr rtlCol="0" anchor="ctr"/>
+          <a:lstStyle/>
+          <a:p>
+            <a:pPr algn="ctr"/>
+            <a:endParaRPr lang="da-DK"/>
+          </a:p>
+        </p:txBody>
+      </p:sp>
+      <p:sp>
+        <p:nvSpPr>
+          <p:cNvPr id="13" name="Content Placeholder 4"/>
+          <p:cNvSpPr txBox="1">
+            <a:spLocks/>
+          </p:cNvSpPr>
+          <p:nvPr/>
+        </p:nvSpPr>
+        <p:spPr>
+          <a:xfrm>
+            <a:off x="838200" y="4264269"/>
+            <a:ext cx="10515600" cy="1912694"/>
+          </a:xfrm>
+          <a:prstGeom prst="rect">
+            <a:avLst/>
+          </a:prstGeom>
+        </p:spPr>
+        <p:txBody>
+          <a:bodyPr vert="horz" lIns="91440" tIns="45720" rIns="91440" bIns="45720" rtlCol="0">
+            <a:normAutofit/>
+          </a:bodyPr>
+          <a:lstStyle>
+            <a:lvl1pPr marL="228600" indent="-228600" algn="l" defTabSz="914400" rtl="0" eaLnBrk="1" latinLnBrk="0" hangingPunct="1">
+              <a:lnSpc>
+                <a:spcPct val="90000"/>
+              </a:lnSpc>
+              <a:spcBef>
+                <a:spcPts val="1000"/>
+              </a:spcBef>
+              <a:buFont typeface="Arial" panose="020B0604020202020204" pitchFamily="34" charset="0"/>
+              <a:buChar char="•"/>
+              <a:defRPr sz="2800" kern="1200">
+                <a:solidFill>
+                  <a:schemeClr val="tx1"/>
+                </a:solidFill>
+                <a:latin typeface="Gill Sans MT" panose="020B0502020104020203" pitchFamily="34" charset="0"/>
+                <a:ea typeface="+mn-ea"/>
+                <a:cs typeface="+mn-cs"/>
+              </a:defRPr>
+            </a:lvl1pPr>
+            <a:lvl2pPr marL="685800" indent="-228600" algn="l" defTabSz="914400" rtl="0" eaLnBrk="1" latinLnBrk="0" hangingPunct="1">
+              <a:lnSpc>
+                <a:spcPct val="90000"/>
+              </a:lnSpc>
+              <a:spcBef>
+                <a:spcPts val="500"/>
+              </a:spcBef>
+              <a:buFont typeface="Arial" panose="020B0604020202020204" pitchFamily="34" charset="0"/>
+              <a:buChar char="•"/>
+              <a:defRPr sz="2400" kern="1200">
+                <a:solidFill>
+                  <a:schemeClr val="tx1"/>
+                </a:solidFill>
+                <a:latin typeface="Gill Sans MT" panose="020B0502020104020203" pitchFamily="34" charset="0"/>
+                <a:ea typeface="+mn-ea"/>
+                <a:cs typeface="+mn-cs"/>
+              </a:defRPr>
+            </a:lvl2pPr>
+            <a:lvl3pPr marL="1143000" indent="-228600" algn="l" defTabSz="914400" rtl="0" eaLnBrk="1" latinLnBrk="0" hangingPunct="1">
+              <a:lnSpc>
+                <a:spcPct val="90000"/>
+              </a:lnSpc>
+              <a:spcBef>
+                <a:spcPts val="500"/>
+              </a:spcBef>
+              <a:buFont typeface="Arial" panose="020B0604020202020204" pitchFamily="34" charset="0"/>
+              <a:buChar char="•"/>
+              <a:defRPr sz="2000" kern="1200">
+                <a:solidFill>
+                  <a:schemeClr val="tx1"/>
+                </a:solidFill>
+                <a:latin typeface="Gill Sans MT" panose="020B0502020104020203" pitchFamily="34" charset="0"/>
+                <a:ea typeface="+mn-ea"/>
+                <a:cs typeface="+mn-cs"/>
+              </a:defRPr>
+            </a:lvl3pPr>
+            <a:lvl4pPr marL="1600200" indent="-228600" algn="l" defTabSz="914400" rtl="0" eaLnBrk="1" latinLnBrk="0" hangingPunct="1">
+              <a:lnSpc>
+                <a:spcPct val="90000"/>
+              </a:lnSpc>
+              <a:spcBef>
+                <a:spcPts val="500"/>
+              </a:spcBef>
+              <a:buFont typeface="Arial" panose="020B0604020202020204" pitchFamily="34" charset="0"/>
+              <a:buChar char="•"/>
+              <a:defRPr sz="1800" kern="1200">
+                <a:solidFill>
+                  <a:schemeClr val="tx1"/>
+                </a:solidFill>
+                <a:latin typeface="Gill Sans MT" panose="020B0502020104020203" pitchFamily="34" charset="0"/>
+                <a:ea typeface="+mn-ea"/>
+                <a:cs typeface="+mn-cs"/>
+              </a:defRPr>
+            </a:lvl4pPr>
+            <a:lvl5pPr marL="2057400" indent="-228600" algn="l" defTabSz="914400" rtl="0" eaLnBrk="1" latinLnBrk="0" hangingPunct="1">
+              <a:lnSpc>
+                <a:spcPct val="90000"/>
+              </a:lnSpc>
+              <a:spcBef>
+                <a:spcPts val="500"/>
+              </a:spcBef>
+              <a:buFont typeface="Arial" panose="020B0604020202020204" pitchFamily="34" charset="0"/>
+              <a:buChar char="•"/>
+              <a:defRPr sz="1800" kern="1200">
+                <a:solidFill>
+                  <a:schemeClr val="tx1"/>
+                </a:solidFill>
+                <a:latin typeface="Gill Sans MT" panose="020B0502020104020203" pitchFamily="34" charset="0"/>
+                <a:ea typeface="+mn-ea"/>
+                <a:cs typeface="+mn-cs"/>
+              </a:defRPr>
+            </a:lvl5pPr>
+            <a:lvl6pPr marL="2514600" indent="-228600" algn="l" defTabSz="914400" rtl="0" eaLnBrk="1" latinLnBrk="0" hangingPunct="1">
+              <a:lnSpc>
+                <a:spcPct val="90000"/>
+              </a:lnSpc>
+              <a:spcBef>
+                <a:spcPts val="500"/>
+              </a:spcBef>
+              <a:buFont typeface="Arial" panose="020B0604020202020204" pitchFamily="34" charset="0"/>
+              <a:buChar char="•"/>
+              <a:defRPr sz="1800" kern="1200">
+                <a:solidFill>
+                  <a:schemeClr val="tx1"/>
+                </a:solidFill>
+                <a:latin typeface="+mn-lt"/>
+                <a:ea typeface="+mn-ea"/>
+                <a:cs typeface="+mn-cs"/>
+              </a:defRPr>
+            </a:lvl6pPr>
+            <a:lvl7pPr marL="2971800" indent="-228600" algn="l" defTabSz="914400" rtl="0" eaLnBrk="1" latinLnBrk="0" hangingPunct="1">
+              <a:lnSpc>
+                <a:spcPct val="90000"/>
+              </a:lnSpc>
+              <a:spcBef>
+                <a:spcPts val="500"/>
+              </a:spcBef>
+              <a:buFont typeface="Arial" panose="020B0604020202020204" pitchFamily="34" charset="0"/>
+              <a:buChar char="•"/>
+              <a:defRPr sz="1800" kern="1200">
+                <a:solidFill>
+                  <a:schemeClr val="tx1"/>
+                </a:solidFill>
+                <a:latin typeface="+mn-lt"/>
+                <a:ea typeface="+mn-ea"/>
+                <a:cs typeface="+mn-cs"/>
+              </a:defRPr>
+            </a:lvl7pPr>
+            <a:lvl8pPr marL="3429000" indent="-228600" algn="l" defTabSz="914400" rtl="0" eaLnBrk="1" latinLnBrk="0" hangingPunct="1">
+              <a:lnSpc>
+                <a:spcPct val="90000"/>
+              </a:lnSpc>
+              <a:spcBef>
+                <a:spcPts val="500"/>
+              </a:spcBef>
+              <a:buFont typeface="Arial" panose="020B0604020202020204" pitchFamily="34" charset="0"/>
+              <a:buChar char="•"/>
+              <a:defRPr sz="1800" kern="1200">
+                <a:solidFill>
+                  <a:schemeClr val="tx1"/>
+                </a:solidFill>
+                <a:latin typeface="+mn-lt"/>
+                <a:ea typeface="+mn-ea"/>
+                <a:cs typeface="+mn-cs"/>
+              </a:defRPr>
+            </a:lvl8pPr>
+            <a:lvl9pPr marL="3886200" indent="-228600" algn="l" defTabSz="914400" rtl="0" eaLnBrk="1" latinLnBrk="0" hangingPunct="1">
+              <a:lnSpc>
+                <a:spcPct val="90000"/>
+              </a:lnSpc>
+              <a:spcBef>
+                <a:spcPts val="500"/>
+              </a:spcBef>
+              <a:buFont typeface="Arial" panose="020B0604020202020204" pitchFamily="34" charset="0"/>
+              <a:buChar char="•"/>
+              <a:defRPr sz="1800" kern="1200">
+                <a:solidFill>
+                  <a:schemeClr val="tx1"/>
+                </a:solidFill>
+                <a:latin typeface="+mn-lt"/>
+                <a:ea typeface="+mn-ea"/>
+                <a:cs typeface="+mn-cs"/>
+              </a:defRPr>
+            </a:lvl9pPr>
+          </a:lstStyle>
+          <a:p>
+            <a:pPr marL="0" indent="0">
+              <a:buFont typeface="Arial" panose="020B0604020202020204" pitchFamily="34" charset="0"/>
+              <a:buNone/>
+            </a:pPr>
+            <a:r>
+              <a:rPr lang="en-US" dirty="0" smtClean="0"/>
               <a:t>We want to communicate from one computer to another.</a:t>
             </a:r>
           </a:p>
@@ -4982,7 +9354,7 @@
 </p:sld>
 </file>
 
-<file path=ppt/slides/slide5.xml><?xml version="1.0" encoding="utf-8"?>
+<file path=ppt/slides/slide6.xml><?xml version="1.0" encoding="utf-8"?>
 <p:sld xmlns:a="http://schemas.openxmlformats.org/drawingml/2006/main" xmlns:r="http://schemas.openxmlformats.org/officeDocument/2006/relationships" xmlns:p="http://schemas.openxmlformats.org/presentationml/2006/main">
   <p:cSld>
     <p:spTree>
@@ -5790,729 +10162,6 @@
 </p:sld>
 </file>
 
-<file path=ppt/slides/slide6.xml><?xml version="1.0" encoding="utf-8"?>
-<p:sld xmlns:a="http://schemas.openxmlformats.org/drawingml/2006/main" xmlns:r="http://schemas.openxmlformats.org/officeDocument/2006/relationships" xmlns:p="http://schemas.openxmlformats.org/presentationml/2006/main">
-  <p:cSld>
-    <p:spTree>
-      <p:nvGrpSpPr>
-        <p:cNvPr id="1" name=""/>
-        <p:cNvGrpSpPr/>
-        <p:nvPr/>
-      </p:nvGrpSpPr>
-      <p:grpSpPr>
-        <a:xfrm>
-          <a:off x="0" y="0"/>
-          <a:ext cx="0" cy="0"/>
-          <a:chOff x="0" y="0"/>
-          <a:chExt cx="0" cy="0"/>
-        </a:xfrm>
-      </p:grpSpPr>
-      <p:sp>
-        <p:nvSpPr>
-          <p:cNvPr id="2" name="Title 1"/>
-          <p:cNvSpPr>
-            <a:spLocks noGrp="1"/>
-          </p:cNvSpPr>
-          <p:nvPr>
-            <p:ph type="title"/>
-          </p:nvPr>
-        </p:nvSpPr>
-        <p:spPr/>
-        <p:txBody>
-          <a:bodyPr/>
-          <a:lstStyle/>
-          <a:p>
-            <a:endParaRPr lang="da-DK"/>
-          </a:p>
-        </p:txBody>
-      </p:sp>
-      <p:sp>
-        <p:nvSpPr>
-          <p:cNvPr id="3" name="Content Placeholder 2"/>
-          <p:cNvSpPr>
-            <a:spLocks noGrp="1"/>
-          </p:cNvSpPr>
-          <p:nvPr>
-            <p:ph idx="1"/>
-          </p:nvPr>
-        </p:nvSpPr>
-        <p:spPr/>
-        <p:txBody>
-          <a:bodyPr/>
-          <a:lstStyle/>
-          <a:p>
-            <a:endParaRPr lang="da-DK" dirty="0"/>
-          </a:p>
-        </p:txBody>
-      </p:sp>
-      <p:pic>
-        <p:nvPicPr>
-          <p:cNvPr id="4" name="Picture 3"/>
-          <p:cNvPicPr>
-            <a:picLocks noChangeAspect="1"/>
-          </p:cNvPicPr>
-          <p:nvPr/>
-        </p:nvPicPr>
-        <p:blipFill>
-          <a:blip r:embed="rId2"/>
-          <a:stretch>
-            <a:fillRect/>
-          </a:stretch>
-        </p:blipFill>
-        <p:spPr>
-          <a:xfrm>
-            <a:off x="838200" y="1839636"/>
-            <a:ext cx="1889390" cy="1369558"/>
-          </a:xfrm>
-          <a:prstGeom prst="rect">
-            <a:avLst/>
-          </a:prstGeom>
-        </p:spPr>
-      </p:pic>
-      <p:pic>
-        <p:nvPicPr>
-          <p:cNvPr id="5" name="Picture 4"/>
-          <p:cNvPicPr>
-            <a:picLocks noChangeAspect="1"/>
-          </p:cNvPicPr>
-          <p:nvPr/>
-        </p:nvPicPr>
-        <p:blipFill>
-          <a:blip r:embed="rId2"/>
-          <a:stretch>
-            <a:fillRect/>
-          </a:stretch>
-        </p:blipFill>
-        <p:spPr>
-          <a:xfrm>
-            <a:off x="3446401" y="1839636"/>
-            <a:ext cx="1889390" cy="1369558"/>
-          </a:xfrm>
-          <a:prstGeom prst="rect">
-            <a:avLst/>
-          </a:prstGeom>
-        </p:spPr>
-      </p:pic>
-      <p:pic>
-        <p:nvPicPr>
-          <p:cNvPr id="6" name="Picture 5"/>
-          <p:cNvPicPr>
-            <a:picLocks noChangeAspect="1"/>
-          </p:cNvPicPr>
-          <p:nvPr/>
-        </p:nvPicPr>
-        <p:blipFill>
-          <a:blip r:embed="rId2"/>
-          <a:stretch>
-            <a:fillRect/>
-          </a:stretch>
-        </p:blipFill>
-        <p:spPr>
-          <a:xfrm>
-            <a:off x="6145274" y="1839636"/>
-            <a:ext cx="1889390" cy="1369558"/>
-          </a:xfrm>
-          <a:prstGeom prst="rect">
-            <a:avLst/>
-          </a:prstGeom>
-        </p:spPr>
-      </p:pic>
-      <p:pic>
-        <p:nvPicPr>
-          <p:cNvPr id="7" name="Picture 6"/>
-          <p:cNvPicPr>
-            <a:picLocks noChangeAspect="1"/>
-          </p:cNvPicPr>
-          <p:nvPr/>
-        </p:nvPicPr>
-        <p:blipFill>
-          <a:blip r:embed="rId2"/>
-          <a:stretch>
-            <a:fillRect/>
-          </a:stretch>
-        </p:blipFill>
-        <p:spPr>
-          <a:xfrm>
-            <a:off x="8753475" y="1839636"/>
-            <a:ext cx="1889390" cy="1369558"/>
-          </a:xfrm>
-          <a:prstGeom prst="rect">
-            <a:avLst/>
-          </a:prstGeom>
-        </p:spPr>
-      </p:pic>
-      <p:sp>
-        <p:nvSpPr>
-          <p:cNvPr id="8" name="Rectangle 7"/>
-          <p:cNvSpPr/>
-          <p:nvPr/>
-        </p:nvSpPr>
-        <p:spPr>
-          <a:xfrm>
-            <a:off x="984738" y="3736865"/>
-            <a:ext cx="9658127" cy="140676"/>
-          </a:xfrm>
-          <a:prstGeom prst="rect">
-            <a:avLst/>
-          </a:prstGeom>
-        </p:spPr>
-        <p:style>
-          <a:lnRef idx="2">
-            <a:schemeClr val="accent1">
-              <a:shade val="50000"/>
-            </a:schemeClr>
-          </a:lnRef>
-          <a:fillRef idx="1">
-            <a:schemeClr val="accent1"/>
-          </a:fillRef>
-          <a:effectRef idx="0">
-            <a:schemeClr val="accent1"/>
-          </a:effectRef>
-          <a:fontRef idx="minor">
-            <a:schemeClr val="lt1"/>
-          </a:fontRef>
-        </p:style>
-        <p:txBody>
-          <a:bodyPr rtlCol="0" anchor="ctr"/>
-          <a:lstStyle/>
-          <a:p>
-            <a:pPr algn="ctr"/>
-            <a:endParaRPr lang="da-DK"/>
-          </a:p>
-        </p:txBody>
-      </p:sp>
-      <p:sp>
-        <p:nvSpPr>
-          <p:cNvPr id="9" name="Rectangle 8"/>
-          <p:cNvSpPr/>
-          <p:nvPr/>
-        </p:nvSpPr>
-        <p:spPr>
-          <a:xfrm>
-            <a:off x="1034379" y="2964619"/>
-            <a:ext cx="117413" cy="912922"/>
-          </a:xfrm>
-          <a:prstGeom prst="rect">
-            <a:avLst/>
-          </a:prstGeom>
-        </p:spPr>
-        <p:style>
-          <a:lnRef idx="2">
-            <a:schemeClr val="accent1">
-              <a:shade val="50000"/>
-            </a:schemeClr>
-          </a:lnRef>
-          <a:fillRef idx="1">
-            <a:schemeClr val="accent1"/>
-          </a:fillRef>
-          <a:effectRef idx="0">
-            <a:schemeClr val="accent1"/>
-          </a:effectRef>
-          <a:fontRef idx="minor">
-            <a:schemeClr val="lt1"/>
-          </a:fontRef>
-        </p:style>
-        <p:txBody>
-          <a:bodyPr rtlCol="0" anchor="ctr"/>
-          <a:lstStyle/>
-          <a:p>
-            <a:pPr algn="ctr"/>
-            <a:endParaRPr lang="da-DK"/>
-          </a:p>
-        </p:txBody>
-      </p:sp>
-      <p:sp>
-        <p:nvSpPr>
-          <p:cNvPr id="10" name="Rectangle 9"/>
-          <p:cNvSpPr/>
-          <p:nvPr/>
-        </p:nvSpPr>
-        <p:spPr>
-          <a:xfrm>
-            <a:off x="3630856" y="2964619"/>
-            <a:ext cx="117413" cy="912922"/>
-          </a:xfrm>
-          <a:prstGeom prst="rect">
-            <a:avLst/>
-          </a:prstGeom>
-        </p:spPr>
-        <p:style>
-          <a:lnRef idx="2">
-            <a:schemeClr val="accent1">
-              <a:shade val="50000"/>
-            </a:schemeClr>
-          </a:lnRef>
-          <a:fillRef idx="1">
-            <a:schemeClr val="accent1"/>
-          </a:fillRef>
-          <a:effectRef idx="0">
-            <a:schemeClr val="accent1"/>
-          </a:effectRef>
-          <a:fontRef idx="minor">
-            <a:schemeClr val="lt1"/>
-          </a:fontRef>
-        </p:style>
-        <p:txBody>
-          <a:bodyPr rtlCol="0" anchor="ctr"/>
-          <a:lstStyle/>
-          <a:p>
-            <a:pPr algn="ctr"/>
-            <a:endParaRPr lang="da-DK"/>
-          </a:p>
-        </p:txBody>
-      </p:sp>
-      <p:sp>
-        <p:nvSpPr>
-          <p:cNvPr id="11" name="Rectangle 10"/>
-          <p:cNvSpPr/>
-          <p:nvPr/>
-        </p:nvSpPr>
-        <p:spPr>
-          <a:xfrm>
-            <a:off x="6336652" y="2964619"/>
-            <a:ext cx="117413" cy="912922"/>
-          </a:xfrm>
-          <a:prstGeom prst="rect">
-            <a:avLst/>
-          </a:prstGeom>
-        </p:spPr>
-        <p:style>
-          <a:lnRef idx="2">
-            <a:schemeClr val="accent1">
-              <a:shade val="50000"/>
-            </a:schemeClr>
-          </a:lnRef>
-          <a:fillRef idx="1">
-            <a:schemeClr val="accent1"/>
-          </a:fillRef>
-          <a:effectRef idx="0">
-            <a:schemeClr val="accent1"/>
-          </a:effectRef>
-          <a:fontRef idx="minor">
-            <a:schemeClr val="lt1"/>
-          </a:fontRef>
-        </p:style>
-        <p:txBody>
-          <a:bodyPr rtlCol="0" anchor="ctr"/>
-          <a:lstStyle/>
-          <a:p>
-            <a:pPr algn="ctr"/>
-            <a:endParaRPr lang="da-DK"/>
-          </a:p>
-        </p:txBody>
-      </p:sp>
-      <p:sp>
-        <p:nvSpPr>
-          <p:cNvPr id="12" name="Rectangle 11"/>
-          <p:cNvSpPr/>
-          <p:nvPr/>
-        </p:nvSpPr>
-        <p:spPr>
-          <a:xfrm>
-            <a:off x="8927963" y="2964619"/>
-            <a:ext cx="117413" cy="912922"/>
-          </a:xfrm>
-          <a:prstGeom prst="rect">
-            <a:avLst/>
-          </a:prstGeom>
-        </p:spPr>
-        <p:style>
-          <a:lnRef idx="2">
-            <a:schemeClr val="accent1">
-              <a:shade val="50000"/>
-            </a:schemeClr>
-          </a:lnRef>
-          <a:fillRef idx="1">
-            <a:schemeClr val="accent1"/>
-          </a:fillRef>
-          <a:effectRef idx="0">
-            <a:schemeClr val="accent1"/>
-          </a:effectRef>
-          <a:fontRef idx="minor">
-            <a:schemeClr val="lt1"/>
-          </a:fontRef>
-        </p:style>
-        <p:txBody>
-          <a:bodyPr rtlCol="0" anchor="ctr"/>
-          <a:lstStyle/>
-          <a:p>
-            <a:pPr algn="ctr"/>
-            <a:endParaRPr lang="da-DK"/>
-          </a:p>
-        </p:txBody>
-      </p:sp>
-      <p:sp>
-        <p:nvSpPr>
-          <p:cNvPr id="13" name="Rounded Rectangle 12"/>
-          <p:cNvSpPr/>
-          <p:nvPr/>
-        </p:nvSpPr>
-        <p:spPr>
-          <a:xfrm>
-            <a:off x="1275070" y="3319095"/>
-            <a:ext cx="1802238" cy="290146"/>
-          </a:xfrm>
-          <a:prstGeom prst="roundRect">
-            <a:avLst/>
-          </a:prstGeom>
-          <a:solidFill>
-            <a:schemeClr val="tx2">
-              <a:lumMod val="20000"/>
-              <a:lumOff val="80000"/>
-            </a:schemeClr>
-          </a:solidFill>
-        </p:spPr>
-        <p:style>
-          <a:lnRef idx="2">
-            <a:schemeClr val="accent1">
-              <a:shade val="50000"/>
-            </a:schemeClr>
-          </a:lnRef>
-          <a:fillRef idx="1">
-            <a:schemeClr val="accent1"/>
-          </a:fillRef>
-          <a:effectRef idx="0">
-            <a:schemeClr val="accent1"/>
-          </a:effectRef>
-          <a:fontRef idx="minor">
-            <a:schemeClr val="lt1"/>
-          </a:fontRef>
-        </p:style>
-        <p:txBody>
-          <a:bodyPr rtlCol="0" anchor="ctr"/>
-          <a:lstStyle/>
-          <a:p>
-            <a:pPr algn="ctr"/>
-            <a:r>
-              <a:rPr lang="en-US" dirty="0" smtClean="0">
-                <a:solidFill>
-                  <a:schemeClr val="tx1"/>
-                </a:solidFill>
-              </a:rPr>
-              <a:t>100</a:t>
-            </a:r>
-            <a:endParaRPr lang="da-DK" dirty="0">
-              <a:solidFill>
-                <a:schemeClr val="tx1"/>
-              </a:solidFill>
-            </a:endParaRPr>
-          </a:p>
-        </p:txBody>
-      </p:sp>
-      <p:sp>
-        <p:nvSpPr>
-          <p:cNvPr id="14" name="Rounded Rectangle 13"/>
-          <p:cNvSpPr/>
-          <p:nvPr/>
-        </p:nvSpPr>
-        <p:spPr>
-          <a:xfrm>
-            <a:off x="3917482" y="3323559"/>
-            <a:ext cx="1802238" cy="290146"/>
-          </a:xfrm>
-          <a:prstGeom prst="roundRect">
-            <a:avLst/>
-          </a:prstGeom>
-          <a:solidFill>
-            <a:schemeClr val="tx2">
-              <a:lumMod val="20000"/>
-              <a:lumOff val="80000"/>
-            </a:schemeClr>
-          </a:solidFill>
-        </p:spPr>
-        <p:style>
-          <a:lnRef idx="2">
-            <a:schemeClr val="accent1">
-              <a:shade val="50000"/>
-            </a:schemeClr>
-          </a:lnRef>
-          <a:fillRef idx="1">
-            <a:schemeClr val="accent1"/>
-          </a:fillRef>
-          <a:effectRef idx="0">
-            <a:schemeClr val="accent1"/>
-          </a:effectRef>
-          <a:fontRef idx="minor">
-            <a:schemeClr val="lt1"/>
-          </a:fontRef>
-        </p:style>
-        <p:txBody>
-          <a:bodyPr rtlCol="0" anchor="ctr"/>
-          <a:lstStyle/>
-          <a:p>
-            <a:pPr algn="ctr"/>
-            <a:r>
-              <a:rPr lang="en-US" dirty="0" smtClean="0">
-                <a:solidFill>
-                  <a:schemeClr val="tx1"/>
-                </a:solidFill>
-              </a:rPr>
-              <a:t>2</a:t>
-            </a:r>
-            <a:endParaRPr lang="da-DK" dirty="0">
-              <a:solidFill>
-                <a:schemeClr val="tx1"/>
-              </a:solidFill>
-            </a:endParaRPr>
-          </a:p>
-        </p:txBody>
-      </p:sp>
-      <p:sp>
-        <p:nvSpPr>
-          <p:cNvPr id="15" name="Rounded Rectangle 14"/>
-          <p:cNvSpPr/>
-          <p:nvPr/>
-        </p:nvSpPr>
-        <p:spPr>
-          <a:xfrm>
-            <a:off x="6630023" y="3314836"/>
-            <a:ext cx="1802238" cy="290146"/>
-          </a:xfrm>
-          <a:prstGeom prst="roundRect">
-            <a:avLst/>
-          </a:prstGeom>
-          <a:solidFill>
-            <a:schemeClr val="tx2">
-              <a:lumMod val="20000"/>
-              <a:lumOff val="80000"/>
-            </a:schemeClr>
-          </a:solidFill>
-        </p:spPr>
-        <p:style>
-          <a:lnRef idx="2">
-            <a:schemeClr val="accent1">
-              <a:shade val="50000"/>
-            </a:schemeClr>
-          </a:lnRef>
-          <a:fillRef idx="1">
-            <a:schemeClr val="accent1"/>
-          </a:fillRef>
-          <a:effectRef idx="0">
-            <a:schemeClr val="accent1"/>
-          </a:effectRef>
-          <a:fontRef idx="minor">
-            <a:schemeClr val="lt1"/>
-          </a:fontRef>
-        </p:style>
-        <p:txBody>
-          <a:bodyPr rtlCol="0" anchor="ctr"/>
-          <a:lstStyle/>
-          <a:p>
-            <a:pPr algn="ctr"/>
-            <a:r>
-              <a:rPr lang="en-US" dirty="0" smtClean="0">
-                <a:solidFill>
-                  <a:schemeClr val="tx1"/>
-                </a:solidFill>
-              </a:rPr>
-              <a:t>15</a:t>
-            </a:r>
-            <a:endParaRPr lang="da-DK" dirty="0">
-              <a:solidFill>
-                <a:schemeClr val="tx1"/>
-              </a:solidFill>
-            </a:endParaRPr>
-          </a:p>
-        </p:txBody>
-      </p:sp>
-      <p:sp>
-        <p:nvSpPr>
-          <p:cNvPr id="16" name="Rounded Rectangle 15"/>
-          <p:cNvSpPr/>
-          <p:nvPr/>
-        </p:nvSpPr>
-        <p:spPr>
-          <a:xfrm>
-            <a:off x="9219864" y="3314836"/>
-            <a:ext cx="1802238" cy="290146"/>
-          </a:xfrm>
-          <a:prstGeom prst="roundRect">
-            <a:avLst/>
-          </a:prstGeom>
-          <a:solidFill>
-            <a:schemeClr val="tx2">
-              <a:lumMod val="20000"/>
-              <a:lumOff val="80000"/>
-            </a:schemeClr>
-          </a:solidFill>
-        </p:spPr>
-        <p:style>
-          <a:lnRef idx="2">
-            <a:schemeClr val="accent1">
-              <a:shade val="50000"/>
-            </a:schemeClr>
-          </a:lnRef>
-          <a:fillRef idx="1">
-            <a:schemeClr val="accent1"/>
-          </a:fillRef>
-          <a:effectRef idx="0">
-            <a:schemeClr val="accent1"/>
-          </a:effectRef>
-          <a:fontRef idx="minor">
-            <a:schemeClr val="lt1"/>
-          </a:fontRef>
-        </p:style>
-        <p:txBody>
-          <a:bodyPr rtlCol="0" anchor="ctr"/>
-          <a:lstStyle/>
-          <a:p>
-            <a:pPr algn="ctr"/>
-            <a:r>
-              <a:rPr lang="en-US" dirty="0" smtClean="0">
-                <a:solidFill>
-                  <a:schemeClr val="tx1"/>
-                </a:solidFill>
-              </a:rPr>
-              <a:t>1</a:t>
-            </a:r>
-            <a:endParaRPr lang="da-DK" dirty="0">
-              <a:solidFill>
-                <a:schemeClr val="tx1"/>
-              </a:solidFill>
-            </a:endParaRPr>
-          </a:p>
-        </p:txBody>
-      </p:sp>
-      <p:sp>
-        <p:nvSpPr>
-          <p:cNvPr id="17" name="Rounded Rectangle 16"/>
-          <p:cNvSpPr/>
-          <p:nvPr/>
-        </p:nvSpPr>
-        <p:spPr>
-          <a:xfrm>
-            <a:off x="1022143" y="2152615"/>
-            <a:ext cx="1369181" cy="873002"/>
-          </a:xfrm>
-          <a:prstGeom prst="roundRect">
-            <a:avLst/>
-          </a:prstGeom>
-          <a:solidFill>
-            <a:schemeClr val="accent4">
-              <a:lumMod val="40000"/>
-              <a:lumOff val="60000"/>
-            </a:schemeClr>
-          </a:solidFill>
-        </p:spPr>
-        <p:style>
-          <a:lnRef idx="2">
-            <a:schemeClr val="accent1">
-              <a:shade val="50000"/>
-            </a:schemeClr>
-          </a:lnRef>
-          <a:fillRef idx="1">
-            <a:schemeClr val="accent1"/>
-          </a:fillRef>
-          <a:effectRef idx="0">
-            <a:schemeClr val="accent1"/>
-          </a:effectRef>
-          <a:fontRef idx="minor">
-            <a:schemeClr val="lt1"/>
-          </a:fontRef>
-        </p:style>
-        <p:txBody>
-          <a:bodyPr rtlCol="0" anchor="ctr"/>
-          <a:lstStyle/>
-          <a:p>
-            <a:r>
-              <a:rPr lang="en-US" dirty="0" smtClean="0">
-                <a:solidFill>
-                  <a:schemeClr val="tx1"/>
-                </a:solidFill>
-              </a:rPr>
-              <a:t>From: 100</a:t>
-            </a:r>
-          </a:p>
-          <a:p>
-            <a:r>
-              <a:rPr lang="en-US" dirty="0" smtClean="0">
-                <a:solidFill>
-                  <a:schemeClr val="tx1"/>
-                </a:solidFill>
-              </a:rPr>
-              <a:t>To: 15</a:t>
-            </a:r>
-          </a:p>
-          <a:p>
-            <a:r>
-              <a:rPr lang="en-US" dirty="0" smtClean="0">
-                <a:solidFill>
-                  <a:schemeClr val="tx1"/>
-                </a:solidFill>
-              </a:rPr>
-              <a:t>Data: hello</a:t>
-            </a:r>
-            <a:endParaRPr lang="da-DK" dirty="0">
-              <a:solidFill>
-                <a:schemeClr val="tx1"/>
-              </a:solidFill>
-            </a:endParaRPr>
-          </a:p>
-        </p:txBody>
-      </p:sp>
-      <p:sp>
-        <p:nvSpPr>
-          <p:cNvPr id="18" name="Down Arrow 17"/>
-          <p:cNvSpPr/>
-          <p:nvPr/>
-        </p:nvSpPr>
-        <p:spPr>
-          <a:xfrm>
-            <a:off x="1618318" y="3102354"/>
-            <a:ext cx="233768" cy="627145"/>
-          </a:xfrm>
-          <a:prstGeom prst="downArrow">
-            <a:avLst/>
-          </a:prstGeom>
-          <a:solidFill>
-            <a:schemeClr val="accent2"/>
-          </a:solidFill>
-        </p:spPr>
-        <p:style>
-          <a:lnRef idx="2">
-            <a:schemeClr val="accent1">
-              <a:shade val="50000"/>
-            </a:schemeClr>
-          </a:lnRef>
-          <a:fillRef idx="1">
-            <a:schemeClr val="accent1"/>
-          </a:fillRef>
-          <a:effectRef idx="0">
-            <a:schemeClr val="accent1"/>
-          </a:effectRef>
-          <a:fontRef idx="minor">
-            <a:schemeClr val="lt1"/>
-          </a:fontRef>
-        </p:style>
-        <p:txBody>
-          <a:bodyPr rtlCol="0" anchor="ctr"/>
-          <a:lstStyle/>
-          <a:p>
-            <a:pPr algn="ctr"/>
-            <a:endParaRPr lang="da-DK"/>
-          </a:p>
-        </p:txBody>
-      </p:sp>
-    </p:spTree>
-    <p:extLst>
-      <p:ext uri="{BB962C8B-B14F-4D97-AF65-F5344CB8AC3E}">
-        <p14:creationId xmlns:p14="http://schemas.microsoft.com/office/powerpoint/2010/main" val="2436919211"/>
-      </p:ext>
-    </p:extLst>
-  </p:cSld>
-  <p:clrMapOvr>
-    <a:masterClrMapping/>
-  </p:clrMapOvr>
-  <p:timing>
-    <p:tnLst>
-      <p:par>
-        <p:cTn id="1" dur="indefinite" restart="never" nodeType="tmRoot"/>
-      </p:par>
-    </p:tnLst>
-  </p:timing>
-</p:sld>
-</file>
-
 <file path=ppt/slides/slide7.xml><?xml version="1.0" encoding="utf-8"?>
 <p:sld xmlns:a="http://schemas.openxmlformats.org/drawingml/2006/main" xmlns:r="http://schemas.openxmlformats.org/officeDocument/2006/relationships" xmlns:p="http://schemas.openxmlformats.org/presentationml/2006/main">
   <p:cSld>
@@ -6559,12 +10208,7 @@
             <p:ph idx="1"/>
           </p:nvPr>
         </p:nvSpPr>
-        <p:spPr>
-          <a:xfrm>
-            <a:off x="838200" y="4821381"/>
-            <a:ext cx="10515600" cy="1355581"/>
-          </a:xfrm>
-        </p:spPr>
+        <p:spPr/>
         <p:txBody>
           <a:bodyPr/>
           <a:lstStyle/>
@@ -7109,7 +10753,7 @@
         </p:nvSpPr>
         <p:spPr>
           <a:xfrm>
-            <a:off x="4071462" y="3728070"/>
+            <a:off x="1022143" y="2152615"/>
             <a:ext cx="1369181" cy="873002"/>
           </a:xfrm>
           <a:prstGeom prst="roundRect">
@@ -7185,8 +10829,8 @@
           <p:nvPr/>
         </p:nvSpPr>
         <p:spPr>
-          <a:xfrm rot="10800000">
-            <a:off x="4577111" y="3077217"/>
+          <a:xfrm>
+            <a:off x="1618318" y="3102354"/>
             <a:ext cx="233768" cy="627145"/>
           </a:xfrm>
           <a:prstGeom prst="downArrow">
@@ -7221,250 +10865,10 @@
           </a:p>
         </p:txBody>
       </p:sp>
-      <p:sp>
-        <p:nvSpPr>
-          <p:cNvPr id="22" name="Rounded Rectangle 21"/>
-          <p:cNvSpPr/>
-          <p:nvPr/>
-        </p:nvSpPr>
-        <p:spPr>
-          <a:xfrm>
-            <a:off x="6645443" y="3736865"/>
-            <a:ext cx="1369181" cy="873002"/>
-          </a:xfrm>
-          <a:prstGeom prst="roundRect">
-            <a:avLst/>
-          </a:prstGeom>
-          <a:solidFill>
-            <a:schemeClr val="accent4">
-              <a:lumMod val="40000"/>
-              <a:lumOff val="60000"/>
-            </a:schemeClr>
-          </a:solidFill>
-        </p:spPr>
-        <p:style>
-          <a:lnRef idx="2">
-            <a:schemeClr val="accent1">
-              <a:shade val="50000"/>
-            </a:schemeClr>
-          </a:lnRef>
-          <a:fillRef idx="1">
-            <a:schemeClr val="accent1"/>
-          </a:fillRef>
-          <a:effectRef idx="0">
-            <a:schemeClr val="accent1"/>
-          </a:effectRef>
-          <a:fontRef idx="minor">
-            <a:schemeClr val="lt1"/>
-          </a:fontRef>
-        </p:style>
-        <p:txBody>
-          <a:bodyPr rtlCol="0" anchor="ctr"/>
-          <a:lstStyle/>
-          <a:p>
-            <a:r>
-              <a:rPr lang="en-US" dirty="0" smtClean="0">
-                <a:solidFill>
-                  <a:schemeClr val="tx1"/>
-                </a:solidFill>
-              </a:rPr>
-              <a:t>From: 100</a:t>
-            </a:r>
-          </a:p>
-          <a:p>
-            <a:r>
-              <a:rPr lang="en-US" dirty="0" smtClean="0">
-                <a:solidFill>
-                  <a:schemeClr val="tx1"/>
-                </a:solidFill>
-              </a:rPr>
-              <a:t>To: 15</a:t>
-            </a:r>
-          </a:p>
-          <a:p>
-            <a:r>
-              <a:rPr lang="en-US" dirty="0" smtClean="0">
-                <a:solidFill>
-                  <a:schemeClr val="tx1"/>
-                </a:solidFill>
-              </a:rPr>
-              <a:t>Data: hello</a:t>
-            </a:r>
-            <a:endParaRPr lang="da-DK" dirty="0">
-              <a:solidFill>
-                <a:schemeClr val="tx1"/>
-              </a:solidFill>
-            </a:endParaRPr>
-          </a:p>
-        </p:txBody>
-      </p:sp>
-      <p:sp>
-        <p:nvSpPr>
-          <p:cNvPr id="23" name="Down Arrow 22"/>
-          <p:cNvSpPr/>
-          <p:nvPr/>
-        </p:nvSpPr>
-        <p:spPr>
-          <a:xfrm rot="10800000">
-            <a:off x="7151092" y="3086012"/>
-            <a:ext cx="233768" cy="627145"/>
-          </a:xfrm>
-          <a:prstGeom prst="downArrow">
-            <a:avLst/>
-          </a:prstGeom>
-          <a:solidFill>
-            <a:schemeClr val="accent2"/>
-          </a:solidFill>
-        </p:spPr>
-        <p:style>
-          <a:lnRef idx="2">
-            <a:schemeClr val="accent1">
-              <a:shade val="50000"/>
-            </a:schemeClr>
-          </a:lnRef>
-          <a:fillRef idx="1">
-            <a:schemeClr val="accent1"/>
-          </a:fillRef>
-          <a:effectRef idx="0">
-            <a:schemeClr val="accent1"/>
-          </a:effectRef>
-          <a:fontRef idx="minor">
-            <a:schemeClr val="lt1"/>
-          </a:fontRef>
-        </p:style>
-        <p:txBody>
-          <a:bodyPr rtlCol="0" anchor="ctr"/>
-          <a:lstStyle/>
-          <a:p>
-            <a:pPr algn="ctr"/>
-            <a:endParaRPr lang="da-DK"/>
-          </a:p>
-        </p:txBody>
-      </p:sp>
-      <p:sp>
-        <p:nvSpPr>
-          <p:cNvPr id="24" name="Rounded Rectangle 23"/>
-          <p:cNvSpPr/>
-          <p:nvPr/>
-        </p:nvSpPr>
-        <p:spPr>
-          <a:xfrm>
-            <a:off x="9191494" y="3744370"/>
-            <a:ext cx="1369181" cy="873002"/>
-          </a:xfrm>
-          <a:prstGeom prst="roundRect">
-            <a:avLst/>
-          </a:prstGeom>
-          <a:solidFill>
-            <a:schemeClr val="accent4">
-              <a:lumMod val="40000"/>
-              <a:lumOff val="60000"/>
-            </a:schemeClr>
-          </a:solidFill>
-        </p:spPr>
-        <p:style>
-          <a:lnRef idx="2">
-            <a:schemeClr val="accent1">
-              <a:shade val="50000"/>
-            </a:schemeClr>
-          </a:lnRef>
-          <a:fillRef idx="1">
-            <a:schemeClr val="accent1"/>
-          </a:fillRef>
-          <a:effectRef idx="0">
-            <a:schemeClr val="accent1"/>
-          </a:effectRef>
-          <a:fontRef idx="minor">
-            <a:schemeClr val="lt1"/>
-          </a:fontRef>
-        </p:style>
-        <p:txBody>
-          <a:bodyPr rtlCol="0" anchor="ctr"/>
-          <a:lstStyle/>
-          <a:p>
-            <a:r>
-              <a:rPr lang="en-US" dirty="0" smtClean="0">
-                <a:solidFill>
-                  <a:schemeClr val="tx1"/>
-                </a:solidFill>
-              </a:rPr>
-              <a:t>From: 100</a:t>
-            </a:r>
-          </a:p>
-          <a:p>
-            <a:r>
-              <a:rPr lang="en-US" dirty="0" smtClean="0">
-                <a:solidFill>
-                  <a:schemeClr val="tx1"/>
-                </a:solidFill>
-              </a:rPr>
-              <a:t>To: 15</a:t>
-            </a:r>
-          </a:p>
-          <a:p>
-            <a:r>
-              <a:rPr lang="en-US" dirty="0" smtClean="0">
-                <a:solidFill>
-                  <a:schemeClr val="tx1"/>
-                </a:solidFill>
-              </a:rPr>
-              <a:t>Data: hello</a:t>
-            </a:r>
-            <a:endParaRPr lang="da-DK" dirty="0">
-              <a:solidFill>
-                <a:schemeClr val="tx1"/>
-              </a:solidFill>
-            </a:endParaRPr>
-          </a:p>
-        </p:txBody>
-      </p:sp>
-      <p:sp>
-        <p:nvSpPr>
-          <p:cNvPr id="25" name="Down Arrow 24"/>
-          <p:cNvSpPr/>
-          <p:nvPr/>
-        </p:nvSpPr>
-        <p:spPr>
-          <a:xfrm rot="10800000">
-            <a:off x="9697143" y="3093517"/>
-            <a:ext cx="233768" cy="627145"/>
-          </a:xfrm>
-          <a:prstGeom prst="downArrow">
-            <a:avLst/>
-          </a:prstGeom>
-          <a:solidFill>
-            <a:schemeClr val="accent2"/>
-          </a:solidFill>
-        </p:spPr>
-        <p:style>
-          <a:lnRef idx="2">
-            <a:schemeClr val="accent1">
-              <a:shade val="50000"/>
-            </a:schemeClr>
-          </a:lnRef>
-          <a:fillRef idx="1">
-            <a:schemeClr val="accent1"/>
-          </a:fillRef>
-          <a:effectRef idx="0">
-            <a:schemeClr val="accent1"/>
-          </a:effectRef>
-          <a:fontRef idx="minor">
-            <a:schemeClr val="lt1"/>
-          </a:fontRef>
-        </p:style>
-        <p:txBody>
-          <a:bodyPr rtlCol="0" anchor="ctr"/>
-          <a:lstStyle/>
-          <a:p>
-            <a:pPr algn="ctr"/>
-            <a:endParaRPr lang="da-DK"/>
-          </a:p>
-        </p:txBody>
-      </p:sp>
     </p:spTree>
     <p:extLst>
       <p:ext uri="{BB962C8B-B14F-4D97-AF65-F5344CB8AC3E}">
-        <p14:creationId xmlns:p14="http://schemas.microsoft.com/office/powerpoint/2010/main" val="431022792"/>
+        <p14:creationId xmlns:p14="http://schemas.microsoft.com/office/powerpoint/2010/main" val="2436919211"/>
       </p:ext>
     </p:extLst>
   </p:cSld>
@@ -8429,231 +11833,10 @@
           </a:p>
         </p:txBody>
       </p:sp>
-      <p:sp>
-        <p:nvSpPr>
-          <p:cNvPr id="20" name="Rounded Rectangular Callout 19"/>
-          <p:cNvSpPr/>
-          <p:nvPr/>
-        </p:nvSpPr>
-        <p:spPr>
-          <a:xfrm>
-            <a:off x="3917482" y="1870942"/>
-            <a:ext cx="1940824" cy="1059829"/>
-          </a:xfrm>
-          <a:prstGeom prst="wedgeRoundRectCallout">
-            <a:avLst/>
-          </a:prstGeom>
-          <a:solidFill>
-            <a:schemeClr val="tx2">
-              <a:lumMod val="40000"/>
-              <a:lumOff val="60000"/>
-            </a:schemeClr>
-          </a:solidFill>
-        </p:spPr>
-        <p:style>
-          <a:lnRef idx="2">
-            <a:schemeClr val="accent1">
-              <a:shade val="50000"/>
-            </a:schemeClr>
-          </a:lnRef>
-          <a:fillRef idx="1">
-            <a:schemeClr val="accent1"/>
-          </a:fillRef>
-          <a:effectRef idx="0">
-            <a:schemeClr val="accent1"/>
-          </a:effectRef>
-          <a:fontRef idx="minor">
-            <a:schemeClr val="lt1"/>
-          </a:fontRef>
-        </p:style>
-        <p:txBody>
-          <a:bodyPr rtlCol="0" anchor="ctr"/>
-          <a:lstStyle/>
-          <a:p>
-            <a:pPr algn="ctr"/>
-            <a:r>
-              <a:rPr lang="en-US" dirty="0" smtClean="0">
-                <a:solidFill>
-                  <a:schemeClr val="tx1"/>
-                </a:solidFill>
-              </a:rPr>
-              <a:t>Not for me.</a:t>
-            </a:r>
-          </a:p>
-          <a:p>
-            <a:pPr algn="ctr"/>
-            <a:r>
-              <a:rPr lang="en-US" dirty="0" smtClean="0">
-                <a:solidFill>
-                  <a:schemeClr val="tx1"/>
-                </a:solidFill>
-              </a:rPr>
-              <a:t>Ignore!</a:t>
-            </a:r>
-            <a:endParaRPr lang="da-DK" dirty="0">
-              <a:solidFill>
-                <a:schemeClr val="tx1"/>
-              </a:solidFill>
-            </a:endParaRPr>
-          </a:p>
-        </p:txBody>
-      </p:sp>
-      <p:sp>
-        <p:nvSpPr>
-          <p:cNvPr id="26" name="Rounded Rectangular Callout 25"/>
-          <p:cNvSpPr/>
-          <p:nvPr/>
-        </p:nvSpPr>
-        <p:spPr>
-          <a:xfrm>
-            <a:off x="9219864" y="1839636"/>
-            <a:ext cx="1940824" cy="1059829"/>
-          </a:xfrm>
-          <a:prstGeom prst="wedgeRoundRectCallout">
-            <a:avLst/>
-          </a:prstGeom>
-          <a:solidFill>
-            <a:schemeClr val="tx2">
-              <a:lumMod val="40000"/>
-              <a:lumOff val="60000"/>
-            </a:schemeClr>
-          </a:solidFill>
-        </p:spPr>
-        <p:style>
-          <a:lnRef idx="2">
-            <a:schemeClr val="accent1">
-              <a:shade val="50000"/>
-            </a:schemeClr>
-          </a:lnRef>
-          <a:fillRef idx="1">
-            <a:schemeClr val="accent1"/>
-          </a:fillRef>
-          <a:effectRef idx="0">
-            <a:schemeClr val="accent1"/>
-          </a:effectRef>
-          <a:fontRef idx="minor">
-            <a:schemeClr val="lt1"/>
-          </a:fontRef>
-        </p:style>
-        <p:txBody>
-          <a:bodyPr rtlCol="0" anchor="ctr"/>
-          <a:lstStyle/>
-          <a:p>
-            <a:pPr algn="ctr"/>
-            <a:r>
-              <a:rPr lang="en-US" dirty="0" smtClean="0">
-                <a:solidFill>
-                  <a:schemeClr val="tx1"/>
-                </a:solidFill>
-              </a:rPr>
-              <a:t>Not for me.</a:t>
-            </a:r>
-          </a:p>
-          <a:p>
-            <a:pPr algn="ctr"/>
-            <a:r>
-              <a:rPr lang="en-US" dirty="0" smtClean="0">
-                <a:solidFill>
-                  <a:schemeClr val="tx1"/>
-                </a:solidFill>
-              </a:rPr>
-              <a:t>Ignore!</a:t>
-            </a:r>
-            <a:endParaRPr lang="da-DK" dirty="0">
-              <a:solidFill>
-                <a:schemeClr val="tx1"/>
-              </a:solidFill>
-            </a:endParaRPr>
-          </a:p>
-        </p:txBody>
-      </p:sp>
-      <p:sp>
-        <p:nvSpPr>
-          <p:cNvPr id="27" name="Rounded Rectangular Callout 26"/>
-          <p:cNvSpPr/>
-          <p:nvPr/>
-        </p:nvSpPr>
-        <p:spPr>
-          <a:xfrm>
-            <a:off x="6492595" y="1894300"/>
-            <a:ext cx="1940824" cy="1059829"/>
-          </a:xfrm>
-          <a:prstGeom prst="wedgeRoundRectCallout">
-            <a:avLst/>
-          </a:prstGeom>
-          <a:solidFill>
-            <a:schemeClr val="accent6">
-              <a:lumMod val="60000"/>
-              <a:lumOff val="40000"/>
-            </a:schemeClr>
-          </a:solidFill>
-        </p:spPr>
-        <p:style>
-          <a:lnRef idx="2">
-            <a:schemeClr val="accent1">
-              <a:shade val="50000"/>
-            </a:schemeClr>
-          </a:lnRef>
-          <a:fillRef idx="1">
-            <a:schemeClr val="accent1"/>
-          </a:fillRef>
-          <a:effectRef idx="0">
-            <a:schemeClr val="accent1"/>
-          </a:effectRef>
-          <a:fontRef idx="minor">
-            <a:schemeClr val="lt1"/>
-          </a:fontRef>
-        </p:style>
-        <p:txBody>
-          <a:bodyPr rtlCol="0" anchor="ctr"/>
-          <a:lstStyle/>
-          <a:p>
-            <a:pPr algn="ctr"/>
-            <a:r>
-              <a:rPr lang="en-US" dirty="0" smtClean="0">
-                <a:solidFill>
-                  <a:schemeClr val="tx1"/>
-                </a:solidFill>
-              </a:rPr>
-              <a:t>For me </a:t>
-            </a:r>
-            <a:r>
-              <a:rPr lang="en-US" dirty="0" smtClean="0">
-                <a:solidFill>
-                  <a:schemeClr val="tx1"/>
-                </a:solidFill>
-                <a:sym typeface="Wingdings" panose="05000000000000000000" pitchFamily="2" charset="2"/>
-              </a:rPr>
-              <a:t></a:t>
-            </a:r>
-            <a:endParaRPr lang="en-US" dirty="0" smtClean="0">
-              <a:solidFill>
-                <a:schemeClr val="tx1"/>
-              </a:solidFill>
-            </a:endParaRPr>
-          </a:p>
-          <a:p>
-            <a:pPr algn="ctr"/>
-            <a:r>
-              <a:rPr lang="en-US" dirty="0" smtClean="0">
-                <a:solidFill>
-                  <a:schemeClr val="tx1"/>
-                </a:solidFill>
-              </a:rPr>
-              <a:t>Accept data.</a:t>
-            </a:r>
-            <a:endParaRPr lang="da-DK" dirty="0">
-              <a:solidFill>
-                <a:schemeClr val="tx1"/>
-              </a:solidFill>
-            </a:endParaRPr>
-          </a:p>
-        </p:txBody>
-      </p:sp>
     </p:spTree>
     <p:extLst>
       <p:ext uri="{BB962C8B-B14F-4D97-AF65-F5344CB8AC3E}">
-        <p14:creationId xmlns:p14="http://schemas.microsoft.com/office/powerpoint/2010/main" val="3765068371"/>
+        <p14:creationId xmlns:p14="http://schemas.microsoft.com/office/powerpoint/2010/main" val="431022792"/>
       </p:ext>
     </p:extLst>
   </p:cSld>
@@ -8689,7 +11872,7 @@
       </p:grpSpPr>
       <p:sp>
         <p:nvSpPr>
-          <p:cNvPr id="4" name="Title 3"/>
+          <p:cNvPr id="2" name="Title 1"/>
           <p:cNvSpPr>
             <a:spLocks noGrp="1"/>
           </p:cNvSpPr>
@@ -8702,17 +11885,37 @@
           <a:bodyPr/>
           <a:lstStyle/>
           <a:p>
-            <a:r>
-              <a:rPr lang="en-US" dirty="0" smtClean="0"/>
-              <a:t>IPv4 addresses</a:t>
-            </a:r>
+            <a:endParaRPr lang="da-DK"/>
+          </a:p>
+        </p:txBody>
+      </p:sp>
+      <p:sp>
+        <p:nvSpPr>
+          <p:cNvPr id="3" name="Content Placeholder 2"/>
+          <p:cNvSpPr>
+            <a:spLocks noGrp="1"/>
+          </p:cNvSpPr>
+          <p:nvPr>
+            <p:ph idx="1"/>
+          </p:nvPr>
+        </p:nvSpPr>
+        <p:spPr>
+          <a:xfrm>
+            <a:off x="838200" y="4821381"/>
+            <a:ext cx="10515600" cy="1355581"/>
+          </a:xfrm>
+        </p:spPr>
+        <p:txBody>
+          <a:bodyPr/>
+          <a:lstStyle/>
+          <a:p>
             <a:endParaRPr lang="da-DK" dirty="0"/>
           </a:p>
         </p:txBody>
       </p:sp>
       <p:pic>
         <p:nvPicPr>
-          <p:cNvPr id="9" name="Picture 8"/>
+          <p:cNvPr id="4" name="Picture 3"/>
           <p:cNvPicPr>
             <a:picLocks noChangeAspect="1"/>
           </p:cNvPicPr>
@@ -8736,7 +11939,7 @@
       </p:pic>
       <p:pic>
         <p:nvPicPr>
-          <p:cNvPr id="10" name="Picture 9"/>
+          <p:cNvPr id="5" name="Picture 4"/>
           <p:cNvPicPr>
             <a:picLocks noChangeAspect="1"/>
           </p:cNvPicPr>
@@ -8760,7 +11963,7 @@
       </p:pic>
       <p:pic>
         <p:nvPicPr>
-          <p:cNvPr id="11" name="Picture 10"/>
+          <p:cNvPr id="6" name="Picture 5"/>
           <p:cNvPicPr>
             <a:picLocks noChangeAspect="1"/>
           </p:cNvPicPr>
@@ -8784,7 +11987,7 @@
       </p:pic>
       <p:pic>
         <p:nvPicPr>
-          <p:cNvPr id="12" name="Picture 11"/>
+          <p:cNvPr id="7" name="Picture 6"/>
           <p:cNvPicPr>
             <a:picLocks noChangeAspect="1"/>
           </p:cNvPicPr>
@@ -8808,7 +12011,7 @@
       </p:pic>
       <p:sp>
         <p:nvSpPr>
-          <p:cNvPr id="2" name="Rectangle 1"/>
+          <p:cNvPr id="8" name="Rectangle 7"/>
           <p:cNvSpPr/>
           <p:nvPr/>
         </p:nvSpPr>
@@ -8848,7 +12051,7 @@
       </p:sp>
       <p:sp>
         <p:nvSpPr>
-          <p:cNvPr id="3" name="Rectangle 2"/>
+          <p:cNvPr id="9" name="Rectangle 8"/>
           <p:cNvSpPr/>
           <p:nvPr/>
         </p:nvSpPr>
@@ -8888,7 +12091,7 @@
       </p:sp>
       <p:sp>
         <p:nvSpPr>
-          <p:cNvPr id="16" name="Rectangle 15"/>
+          <p:cNvPr id="10" name="Rectangle 9"/>
           <p:cNvSpPr/>
           <p:nvPr/>
         </p:nvSpPr>
@@ -8928,7 +12131,7 @@
       </p:sp>
       <p:sp>
         <p:nvSpPr>
-          <p:cNvPr id="17" name="Rectangle 16"/>
+          <p:cNvPr id="11" name="Rectangle 10"/>
           <p:cNvSpPr/>
           <p:nvPr/>
         </p:nvSpPr>
@@ -8968,7 +12171,7 @@
       </p:sp>
       <p:sp>
         <p:nvSpPr>
-          <p:cNvPr id="18" name="Rectangle 17"/>
+          <p:cNvPr id="12" name="Rectangle 11"/>
           <p:cNvSpPr/>
           <p:nvPr/>
         </p:nvSpPr>
@@ -9008,7 +12211,7 @@
       </p:sp>
       <p:sp>
         <p:nvSpPr>
-          <p:cNvPr id="6" name="Rounded Rectangle 5"/>
+          <p:cNvPr id="13" name="Rounded Rectangle 12"/>
           <p:cNvSpPr/>
           <p:nvPr/>
         </p:nvSpPr>
@@ -9054,7 +12257,7 @@
                   <a:schemeClr val="tx1"/>
                 </a:solidFill>
               </a:rPr>
-              <a:t>192.168.1.100</a:t>
+              <a:t>100</a:t>
             </a:r>
             <a:endParaRPr lang="da-DK" dirty="0">
               <a:solidFill>
@@ -9066,7 +12269,7 @@
       </p:sp>
       <p:sp>
         <p:nvSpPr>
-          <p:cNvPr id="20" name="Rounded Rectangle 19"/>
+          <p:cNvPr id="14" name="Rounded Rectangle 13"/>
           <p:cNvSpPr/>
           <p:nvPr/>
         </p:nvSpPr>
@@ -9107,12 +12310,12 @@
           <a:p>
             <a:pPr algn="ctr"/>
             <a:r>
-              <a:rPr lang="en-US" dirty="0">
+              <a:rPr lang="en-US" dirty="0" smtClean="0">
                 <a:solidFill>
                   <a:schemeClr val="tx1"/>
                 </a:solidFill>
               </a:rPr>
-              <a:t>192.168.1.2</a:t>
+              <a:t>2</a:t>
             </a:r>
             <a:endParaRPr lang="da-DK" dirty="0">
               <a:solidFill>
@@ -9124,7 +12327,7 @@
       </p:sp>
       <p:sp>
         <p:nvSpPr>
-          <p:cNvPr id="21" name="Rounded Rectangle 20"/>
+          <p:cNvPr id="15" name="Rounded Rectangle 14"/>
           <p:cNvSpPr/>
           <p:nvPr/>
         </p:nvSpPr>
@@ -9165,12 +12368,12 @@
           <a:p>
             <a:pPr algn="ctr"/>
             <a:r>
-              <a:rPr lang="en-US" dirty="0">
+              <a:rPr lang="en-US" dirty="0" smtClean="0">
                 <a:solidFill>
                   <a:schemeClr val="tx1"/>
                 </a:solidFill>
               </a:rPr>
-              <a:t>192.168.1.15</a:t>
+              <a:t>15</a:t>
             </a:r>
             <a:endParaRPr lang="da-DK" dirty="0">
               <a:solidFill>
@@ -9182,7 +12385,7 @@
       </p:sp>
       <p:sp>
         <p:nvSpPr>
-          <p:cNvPr id="22" name="Rounded Rectangle 21"/>
+          <p:cNvPr id="16" name="Rounded Rectangle 15"/>
           <p:cNvSpPr/>
           <p:nvPr/>
         </p:nvSpPr>
@@ -9223,12 +12426,12 @@
           <a:p>
             <a:pPr algn="ctr"/>
             <a:r>
-              <a:rPr lang="en-US" dirty="0">
+              <a:rPr lang="en-US" dirty="0" smtClean="0">
                 <a:solidFill>
                   <a:schemeClr val="tx1"/>
                 </a:solidFill>
               </a:rPr>
-              <a:t>192.168.1.1</a:t>
+              <a:t>1</a:t>
             </a:r>
             <a:endParaRPr lang="da-DK" dirty="0">
               <a:solidFill>
@@ -9240,216 +12443,589 @@
       </p:sp>
       <p:sp>
         <p:nvSpPr>
-          <p:cNvPr id="19" name="Content Placeholder 4"/>
-          <p:cNvSpPr txBox="1">
-            <a:spLocks/>
-          </p:cNvSpPr>
+          <p:cNvPr id="17" name="Rounded Rectangle 16"/>
+          <p:cNvSpPr/>
           <p:nvPr/>
         </p:nvSpPr>
         <p:spPr>
           <a:xfrm>
-            <a:off x="838200" y="4264269"/>
-            <a:ext cx="10515600" cy="1912694"/>
-          </a:xfrm>
-          <a:prstGeom prst="rect">
+            <a:off x="4071462" y="3728070"/>
+            <a:ext cx="1369181" cy="873002"/>
+          </a:xfrm>
+          <a:prstGeom prst="roundRect">
             <a:avLst/>
           </a:prstGeom>
-        </p:spPr>
-        <p:txBody>
-          <a:bodyPr vert="horz" lIns="91440" tIns="45720" rIns="91440" bIns="45720" rtlCol="0">
-            <a:normAutofit/>
-          </a:bodyPr>
-          <a:lstStyle>
-            <a:lvl1pPr marL="228600" indent="-228600" algn="l" defTabSz="914400" rtl="0" eaLnBrk="1" latinLnBrk="0" hangingPunct="1">
-              <a:lnSpc>
-                <a:spcPct val="90000"/>
-              </a:lnSpc>
-              <a:spcBef>
-                <a:spcPts val="1000"/>
-              </a:spcBef>
-              <a:buFont typeface="Arial" panose="020B0604020202020204" pitchFamily="34" charset="0"/>
-              <a:buChar char="•"/>
-              <a:defRPr sz="2800" kern="1200">
+          <a:solidFill>
+            <a:schemeClr val="accent4">
+              <a:lumMod val="40000"/>
+              <a:lumOff val="60000"/>
+            </a:schemeClr>
+          </a:solidFill>
+        </p:spPr>
+        <p:style>
+          <a:lnRef idx="2">
+            <a:schemeClr val="accent1">
+              <a:shade val="50000"/>
+            </a:schemeClr>
+          </a:lnRef>
+          <a:fillRef idx="1">
+            <a:schemeClr val="accent1"/>
+          </a:fillRef>
+          <a:effectRef idx="0">
+            <a:schemeClr val="accent1"/>
+          </a:effectRef>
+          <a:fontRef idx="minor">
+            <a:schemeClr val="lt1"/>
+          </a:fontRef>
+        </p:style>
+        <p:txBody>
+          <a:bodyPr rtlCol="0" anchor="ctr"/>
+          <a:lstStyle/>
+          <a:p>
+            <a:r>
+              <a:rPr lang="en-US" dirty="0" smtClean="0">
                 <a:solidFill>
                   <a:schemeClr val="tx1"/>
                 </a:solidFill>
-                <a:latin typeface="Gill Sans MT" panose="020B0502020104020203" pitchFamily="34" charset="0"/>
-                <a:ea typeface="+mn-ea"/>
-                <a:cs typeface="+mn-cs"/>
-              </a:defRPr>
-            </a:lvl1pPr>
-            <a:lvl2pPr marL="685800" indent="-228600" algn="l" defTabSz="914400" rtl="0" eaLnBrk="1" latinLnBrk="0" hangingPunct="1">
-              <a:lnSpc>
-                <a:spcPct val="90000"/>
-              </a:lnSpc>
-              <a:spcBef>
-                <a:spcPts val="500"/>
-              </a:spcBef>
-              <a:buFont typeface="Arial" panose="020B0604020202020204" pitchFamily="34" charset="0"/>
-              <a:buChar char="•"/>
-              <a:defRPr sz="2400" kern="1200">
+              </a:rPr>
+              <a:t>From: 100</a:t>
+            </a:r>
+          </a:p>
+          <a:p>
+            <a:r>
+              <a:rPr lang="en-US" dirty="0" smtClean="0">
                 <a:solidFill>
                   <a:schemeClr val="tx1"/>
                 </a:solidFill>
-                <a:latin typeface="Gill Sans MT" panose="020B0502020104020203" pitchFamily="34" charset="0"/>
-                <a:ea typeface="+mn-ea"/>
-                <a:cs typeface="+mn-cs"/>
-              </a:defRPr>
-            </a:lvl2pPr>
-            <a:lvl3pPr marL="1143000" indent="-228600" algn="l" defTabSz="914400" rtl="0" eaLnBrk="1" latinLnBrk="0" hangingPunct="1">
-              <a:lnSpc>
-                <a:spcPct val="90000"/>
-              </a:lnSpc>
-              <a:spcBef>
-                <a:spcPts val="500"/>
-              </a:spcBef>
-              <a:buFont typeface="Arial" panose="020B0604020202020204" pitchFamily="34" charset="0"/>
-              <a:buChar char="•"/>
-              <a:defRPr sz="2000" kern="1200">
+              </a:rPr>
+              <a:t>To: 15</a:t>
+            </a:r>
+          </a:p>
+          <a:p>
+            <a:r>
+              <a:rPr lang="en-US" dirty="0" smtClean="0">
                 <a:solidFill>
                   <a:schemeClr val="tx1"/>
                 </a:solidFill>
-                <a:latin typeface="Gill Sans MT" panose="020B0502020104020203" pitchFamily="34" charset="0"/>
-                <a:ea typeface="+mn-ea"/>
-                <a:cs typeface="+mn-cs"/>
-              </a:defRPr>
-            </a:lvl3pPr>
-            <a:lvl4pPr marL="1600200" indent="-228600" algn="l" defTabSz="914400" rtl="0" eaLnBrk="1" latinLnBrk="0" hangingPunct="1">
-              <a:lnSpc>
-                <a:spcPct val="90000"/>
-              </a:lnSpc>
-              <a:spcBef>
-                <a:spcPts val="500"/>
-              </a:spcBef>
-              <a:buFont typeface="Arial" panose="020B0604020202020204" pitchFamily="34" charset="0"/>
-              <a:buChar char="•"/>
-              <a:defRPr sz="1800" kern="1200">
+              </a:rPr>
+              <a:t>Data: hello</a:t>
+            </a:r>
+            <a:endParaRPr lang="da-DK" dirty="0">
+              <a:solidFill>
+                <a:schemeClr val="tx1"/>
+              </a:solidFill>
+            </a:endParaRPr>
+          </a:p>
+        </p:txBody>
+      </p:sp>
+      <p:sp>
+        <p:nvSpPr>
+          <p:cNvPr id="18" name="Down Arrow 17"/>
+          <p:cNvSpPr/>
+          <p:nvPr/>
+        </p:nvSpPr>
+        <p:spPr>
+          <a:xfrm rot="10800000">
+            <a:off x="4577111" y="3077217"/>
+            <a:ext cx="233768" cy="627145"/>
+          </a:xfrm>
+          <a:prstGeom prst="downArrow">
+            <a:avLst/>
+          </a:prstGeom>
+          <a:solidFill>
+            <a:schemeClr val="accent2"/>
+          </a:solidFill>
+        </p:spPr>
+        <p:style>
+          <a:lnRef idx="2">
+            <a:schemeClr val="accent1">
+              <a:shade val="50000"/>
+            </a:schemeClr>
+          </a:lnRef>
+          <a:fillRef idx="1">
+            <a:schemeClr val="accent1"/>
+          </a:fillRef>
+          <a:effectRef idx="0">
+            <a:schemeClr val="accent1"/>
+          </a:effectRef>
+          <a:fontRef idx="minor">
+            <a:schemeClr val="lt1"/>
+          </a:fontRef>
+        </p:style>
+        <p:txBody>
+          <a:bodyPr rtlCol="0" anchor="ctr"/>
+          <a:lstStyle/>
+          <a:p>
+            <a:pPr algn="ctr"/>
+            <a:endParaRPr lang="da-DK"/>
+          </a:p>
+        </p:txBody>
+      </p:sp>
+      <p:sp>
+        <p:nvSpPr>
+          <p:cNvPr id="22" name="Rounded Rectangle 21"/>
+          <p:cNvSpPr/>
+          <p:nvPr/>
+        </p:nvSpPr>
+        <p:spPr>
+          <a:xfrm>
+            <a:off x="6645443" y="3736865"/>
+            <a:ext cx="1369181" cy="873002"/>
+          </a:xfrm>
+          <a:prstGeom prst="roundRect">
+            <a:avLst/>
+          </a:prstGeom>
+          <a:solidFill>
+            <a:schemeClr val="accent4">
+              <a:lumMod val="40000"/>
+              <a:lumOff val="60000"/>
+            </a:schemeClr>
+          </a:solidFill>
+        </p:spPr>
+        <p:style>
+          <a:lnRef idx="2">
+            <a:schemeClr val="accent1">
+              <a:shade val="50000"/>
+            </a:schemeClr>
+          </a:lnRef>
+          <a:fillRef idx="1">
+            <a:schemeClr val="accent1"/>
+          </a:fillRef>
+          <a:effectRef idx="0">
+            <a:schemeClr val="accent1"/>
+          </a:effectRef>
+          <a:fontRef idx="minor">
+            <a:schemeClr val="lt1"/>
+          </a:fontRef>
+        </p:style>
+        <p:txBody>
+          <a:bodyPr rtlCol="0" anchor="ctr"/>
+          <a:lstStyle/>
+          <a:p>
+            <a:r>
+              <a:rPr lang="en-US" dirty="0" smtClean="0">
                 <a:solidFill>
                   <a:schemeClr val="tx1"/>
                 </a:solidFill>
-                <a:latin typeface="Gill Sans MT" panose="020B0502020104020203" pitchFamily="34" charset="0"/>
-                <a:ea typeface="+mn-ea"/>
-                <a:cs typeface="+mn-cs"/>
-              </a:defRPr>
-            </a:lvl4pPr>
-            <a:lvl5pPr marL="2057400" indent="-228600" algn="l" defTabSz="914400" rtl="0" eaLnBrk="1" latinLnBrk="0" hangingPunct="1">
-              <a:lnSpc>
-                <a:spcPct val="90000"/>
-              </a:lnSpc>
-              <a:spcBef>
-                <a:spcPts val="500"/>
-              </a:spcBef>
-              <a:buFont typeface="Arial" panose="020B0604020202020204" pitchFamily="34" charset="0"/>
-              <a:buChar char="•"/>
-              <a:defRPr sz="1800" kern="1200">
+              </a:rPr>
+              <a:t>From: 100</a:t>
+            </a:r>
+          </a:p>
+          <a:p>
+            <a:r>
+              <a:rPr lang="en-US" dirty="0" smtClean="0">
                 <a:solidFill>
                   <a:schemeClr val="tx1"/>
                 </a:solidFill>
-                <a:latin typeface="Gill Sans MT" panose="020B0502020104020203" pitchFamily="34" charset="0"/>
-                <a:ea typeface="+mn-ea"/>
-                <a:cs typeface="+mn-cs"/>
-              </a:defRPr>
-            </a:lvl5pPr>
-            <a:lvl6pPr marL="2514600" indent="-228600" algn="l" defTabSz="914400" rtl="0" eaLnBrk="1" latinLnBrk="0" hangingPunct="1">
-              <a:lnSpc>
-                <a:spcPct val="90000"/>
-              </a:lnSpc>
-              <a:spcBef>
-                <a:spcPts val="500"/>
-              </a:spcBef>
-              <a:buFont typeface="Arial" panose="020B0604020202020204" pitchFamily="34" charset="0"/>
-              <a:buChar char="•"/>
-              <a:defRPr sz="1800" kern="1200">
+              </a:rPr>
+              <a:t>To: 15</a:t>
+            </a:r>
+          </a:p>
+          <a:p>
+            <a:r>
+              <a:rPr lang="en-US" dirty="0" smtClean="0">
                 <a:solidFill>
                   <a:schemeClr val="tx1"/>
                 </a:solidFill>
-                <a:latin typeface="+mn-lt"/>
-                <a:ea typeface="+mn-ea"/>
-                <a:cs typeface="+mn-cs"/>
-              </a:defRPr>
-            </a:lvl6pPr>
-            <a:lvl7pPr marL="2971800" indent="-228600" algn="l" defTabSz="914400" rtl="0" eaLnBrk="1" latinLnBrk="0" hangingPunct="1">
-              <a:lnSpc>
-                <a:spcPct val="90000"/>
-              </a:lnSpc>
-              <a:spcBef>
-                <a:spcPts val="500"/>
-              </a:spcBef>
-              <a:buFont typeface="Arial" panose="020B0604020202020204" pitchFamily="34" charset="0"/>
-              <a:buChar char="•"/>
-              <a:defRPr sz="1800" kern="1200">
+              </a:rPr>
+              <a:t>Data: hello</a:t>
+            </a:r>
+            <a:endParaRPr lang="da-DK" dirty="0">
+              <a:solidFill>
+                <a:schemeClr val="tx1"/>
+              </a:solidFill>
+            </a:endParaRPr>
+          </a:p>
+        </p:txBody>
+      </p:sp>
+      <p:sp>
+        <p:nvSpPr>
+          <p:cNvPr id="23" name="Down Arrow 22"/>
+          <p:cNvSpPr/>
+          <p:nvPr/>
+        </p:nvSpPr>
+        <p:spPr>
+          <a:xfrm rot="10800000">
+            <a:off x="7151092" y="3086012"/>
+            <a:ext cx="233768" cy="627145"/>
+          </a:xfrm>
+          <a:prstGeom prst="downArrow">
+            <a:avLst/>
+          </a:prstGeom>
+          <a:solidFill>
+            <a:schemeClr val="accent2"/>
+          </a:solidFill>
+        </p:spPr>
+        <p:style>
+          <a:lnRef idx="2">
+            <a:schemeClr val="accent1">
+              <a:shade val="50000"/>
+            </a:schemeClr>
+          </a:lnRef>
+          <a:fillRef idx="1">
+            <a:schemeClr val="accent1"/>
+          </a:fillRef>
+          <a:effectRef idx="0">
+            <a:schemeClr val="accent1"/>
+          </a:effectRef>
+          <a:fontRef idx="minor">
+            <a:schemeClr val="lt1"/>
+          </a:fontRef>
+        </p:style>
+        <p:txBody>
+          <a:bodyPr rtlCol="0" anchor="ctr"/>
+          <a:lstStyle/>
+          <a:p>
+            <a:pPr algn="ctr"/>
+            <a:endParaRPr lang="da-DK"/>
+          </a:p>
+        </p:txBody>
+      </p:sp>
+      <p:sp>
+        <p:nvSpPr>
+          <p:cNvPr id="24" name="Rounded Rectangle 23"/>
+          <p:cNvSpPr/>
+          <p:nvPr/>
+        </p:nvSpPr>
+        <p:spPr>
+          <a:xfrm>
+            <a:off x="9191494" y="3744370"/>
+            <a:ext cx="1369181" cy="873002"/>
+          </a:xfrm>
+          <a:prstGeom prst="roundRect">
+            <a:avLst/>
+          </a:prstGeom>
+          <a:solidFill>
+            <a:schemeClr val="accent4">
+              <a:lumMod val="40000"/>
+              <a:lumOff val="60000"/>
+            </a:schemeClr>
+          </a:solidFill>
+        </p:spPr>
+        <p:style>
+          <a:lnRef idx="2">
+            <a:schemeClr val="accent1">
+              <a:shade val="50000"/>
+            </a:schemeClr>
+          </a:lnRef>
+          <a:fillRef idx="1">
+            <a:schemeClr val="accent1"/>
+          </a:fillRef>
+          <a:effectRef idx="0">
+            <a:schemeClr val="accent1"/>
+          </a:effectRef>
+          <a:fontRef idx="minor">
+            <a:schemeClr val="lt1"/>
+          </a:fontRef>
+        </p:style>
+        <p:txBody>
+          <a:bodyPr rtlCol="0" anchor="ctr"/>
+          <a:lstStyle/>
+          <a:p>
+            <a:r>
+              <a:rPr lang="en-US" dirty="0" smtClean="0">
                 <a:solidFill>
                   <a:schemeClr val="tx1"/>
                 </a:solidFill>
-                <a:latin typeface="+mn-lt"/>
-                <a:ea typeface="+mn-ea"/>
-                <a:cs typeface="+mn-cs"/>
-              </a:defRPr>
-            </a:lvl7pPr>
-            <a:lvl8pPr marL="3429000" indent="-228600" algn="l" defTabSz="914400" rtl="0" eaLnBrk="1" latinLnBrk="0" hangingPunct="1">
-              <a:lnSpc>
-                <a:spcPct val="90000"/>
-              </a:lnSpc>
-              <a:spcBef>
-                <a:spcPts val="500"/>
-              </a:spcBef>
-              <a:buFont typeface="Arial" panose="020B0604020202020204" pitchFamily="34" charset="0"/>
-              <a:buChar char="•"/>
-              <a:defRPr sz="1800" kern="1200">
+              </a:rPr>
+              <a:t>From: 100</a:t>
+            </a:r>
+          </a:p>
+          <a:p>
+            <a:r>
+              <a:rPr lang="en-US" dirty="0" smtClean="0">
                 <a:solidFill>
                   <a:schemeClr val="tx1"/>
                 </a:solidFill>
-                <a:latin typeface="+mn-lt"/>
-                <a:ea typeface="+mn-ea"/>
-                <a:cs typeface="+mn-cs"/>
-              </a:defRPr>
-            </a:lvl8pPr>
-            <a:lvl9pPr marL="3886200" indent="-228600" algn="l" defTabSz="914400" rtl="0" eaLnBrk="1" latinLnBrk="0" hangingPunct="1">
-              <a:lnSpc>
-                <a:spcPct val="90000"/>
-              </a:lnSpc>
-              <a:spcBef>
-                <a:spcPts val="500"/>
-              </a:spcBef>
-              <a:buFont typeface="Arial" panose="020B0604020202020204" pitchFamily="34" charset="0"/>
-              <a:buChar char="•"/>
-              <a:defRPr sz="1800" kern="1200">
+              </a:rPr>
+              <a:t>To: 15</a:t>
+            </a:r>
+          </a:p>
+          <a:p>
+            <a:r>
+              <a:rPr lang="en-US" dirty="0" smtClean="0">
                 <a:solidFill>
                   <a:schemeClr val="tx1"/>
                 </a:solidFill>
-                <a:latin typeface="+mn-lt"/>
-                <a:ea typeface="+mn-ea"/>
-                <a:cs typeface="+mn-cs"/>
-              </a:defRPr>
-            </a:lvl9pPr>
-          </a:lstStyle>
-          <a:p>
-            <a:pPr marL="0" indent="0">
-              <a:buFont typeface="Arial" panose="020B0604020202020204" pitchFamily="34" charset="0"/>
-              <a:buNone/>
-            </a:pPr>
-            <a:r>
-              <a:rPr lang="en-US" dirty="0" smtClean="0"/>
-              <a:t>IPv4 addresses are 32 bits long. They are written as 4 bytes.</a:t>
-            </a:r>
-          </a:p>
-          <a:p>
-            <a:pPr marL="0" indent="0">
-              <a:buFont typeface="Arial" panose="020B0604020202020204" pitchFamily="34" charset="0"/>
-              <a:buNone/>
-            </a:pPr>
-            <a:r>
-              <a:rPr lang="en-US" dirty="0" smtClean="0"/>
-              <a:t>E.g. 192.168.1.100</a:t>
-            </a:r>
-            <a:endParaRPr lang="da-DK" dirty="0"/>
+              </a:rPr>
+              <a:t>Data: hello</a:t>
+            </a:r>
+            <a:endParaRPr lang="da-DK" dirty="0">
+              <a:solidFill>
+                <a:schemeClr val="tx1"/>
+              </a:solidFill>
+            </a:endParaRPr>
+          </a:p>
+        </p:txBody>
+      </p:sp>
+      <p:sp>
+        <p:nvSpPr>
+          <p:cNvPr id="25" name="Down Arrow 24"/>
+          <p:cNvSpPr/>
+          <p:nvPr/>
+        </p:nvSpPr>
+        <p:spPr>
+          <a:xfrm rot="10800000">
+            <a:off x="9697143" y="3093517"/>
+            <a:ext cx="233768" cy="627145"/>
+          </a:xfrm>
+          <a:prstGeom prst="downArrow">
+            <a:avLst/>
+          </a:prstGeom>
+          <a:solidFill>
+            <a:schemeClr val="accent2"/>
+          </a:solidFill>
+        </p:spPr>
+        <p:style>
+          <a:lnRef idx="2">
+            <a:schemeClr val="accent1">
+              <a:shade val="50000"/>
+            </a:schemeClr>
+          </a:lnRef>
+          <a:fillRef idx="1">
+            <a:schemeClr val="accent1"/>
+          </a:fillRef>
+          <a:effectRef idx="0">
+            <a:schemeClr val="accent1"/>
+          </a:effectRef>
+          <a:fontRef idx="minor">
+            <a:schemeClr val="lt1"/>
+          </a:fontRef>
+        </p:style>
+        <p:txBody>
+          <a:bodyPr rtlCol="0" anchor="ctr"/>
+          <a:lstStyle/>
+          <a:p>
+            <a:pPr algn="ctr"/>
+            <a:endParaRPr lang="da-DK"/>
+          </a:p>
+        </p:txBody>
+      </p:sp>
+      <p:sp>
+        <p:nvSpPr>
+          <p:cNvPr id="20" name="Rounded Rectangular Callout 19"/>
+          <p:cNvSpPr/>
+          <p:nvPr/>
+        </p:nvSpPr>
+        <p:spPr>
+          <a:xfrm>
+            <a:off x="3917482" y="1870942"/>
+            <a:ext cx="1940824" cy="1059829"/>
+          </a:xfrm>
+          <a:prstGeom prst="wedgeRoundRectCallout">
+            <a:avLst/>
+          </a:prstGeom>
+          <a:solidFill>
+            <a:schemeClr val="tx2">
+              <a:lumMod val="40000"/>
+              <a:lumOff val="60000"/>
+            </a:schemeClr>
+          </a:solidFill>
+        </p:spPr>
+        <p:style>
+          <a:lnRef idx="2">
+            <a:schemeClr val="accent1">
+              <a:shade val="50000"/>
+            </a:schemeClr>
+          </a:lnRef>
+          <a:fillRef idx="1">
+            <a:schemeClr val="accent1"/>
+          </a:fillRef>
+          <a:effectRef idx="0">
+            <a:schemeClr val="accent1"/>
+          </a:effectRef>
+          <a:fontRef idx="minor">
+            <a:schemeClr val="lt1"/>
+          </a:fontRef>
+        </p:style>
+        <p:txBody>
+          <a:bodyPr rtlCol="0" anchor="ctr"/>
+          <a:lstStyle/>
+          <a:p>
+            <a:pPr algn="ctr"/>
+            <a:r>
+              <a:rPr lang="en-US" dirty="0" smtClean="0">
+                <a:solidFill>
+                  <a:schemeClr val="tx1"/>
+                </a:solidFill>
+              </a:rPr>
+              <a:t>Not for me.</a:t>
+            </a:r>
+          </a:p>
+          <a:p>
+            <a:pPr algn="ctr"/>
+            <a:r>
+              <a:rPr lang="en-US" dirty="0" smtClean="0">
+                <a:solidFill>
+                  <a:schemeClr val="tx1"/>
+                </a:solidFill>
+              </a:rPr>
+              <a:t>Ignore!</a:t>
+            </a:r>
+            <a:endParaRPr lang="da-DK" dirty="0">
+              <a:solidFill>
+                <a:schemeClr val="tx1"/>
+              </a:solidFill>
+            </a:endParaRPr>
+          </a:p>
+        </p:txBody>
+      </p:sp>
+      <p:sp>
+        <p:nvSpPr>
+          <p:cNvPr id="26" name="Rounded Rectangular Callout 25"/>
+          <p:cNvSpPr/>
+          <p:nvPr/>
+        </p:nvSpPr>
+        <p:spPr>
+          <a:xfrm>
+            <a:off x="9219864" y="1839636"/>
+            <a:ext cx="1940824" cy="1059829"/>
+          </a:xfrm>
+          <a:prstGeom prst="wedgeRoundRectCallout">
+            <a:avLst/>
+          </a:prstGeom>
+          <a:solidFill>
+            <a:schemeClr val="tx2">
+              <a:lumMod val="40000"/>
+              <a:lumOff val="60000"/>
+            </a:schemeClr>
+          </a:solidFill>
+        </p:spPr>
+        <p:style>
+          <a:lnRef idx="2">
+            <a:schemeClr val="accent1">
+              <a:shade val="50000"/>
+            </a:schemeClr>
+          </a:lnRef>
+          <a:fillRef idx="1">
+            <a:schemeClr val="accent1"/>
+          </a:fillRef>
+          <a:effectRef idx="0">
+            <a:schemeClr val="accent1"/>
+          </a:effectRef>
+          <a:fontRef idx="minor">
+            <a:schemeClr val="lt1"/>
+          </a:fontRef>
+        </p:style>
+        <p:txBody>
+          <a:bodyPr rtlCol="0" anchor="ctr"/>
+          <a:lstStyle/>
+          <a:p>
+            <a:pPr algn="ctr"/>
+            <a:r>
+              <a:rPr lang="en-US" dirty="0" smtClean="0">
+                <a:solidFill>
+                  <a:schemeClr val="tx1"/>
+                </a:solidFill>
+              </a:rPr>
+              <a:t>Not for me.</a:t>
+            </a:r>
+          </a:p>
+          <a:p>
+            <a:pPr algn="ctr"/>
+            <a:r>
+              <a:rPr lang="en-US" dirty="0" smtClean="0">
+                <a:solidFill>
+                  <a:schemeClr val="tx1"/>
+                </a:solidFill>
+              </a:rPr>
+              <a:t>Ignore!</a:t>
+            </a:r>
+            <a:endParaRPr lang="da-DK" dirty="0">
+              <a:solidFill>
+                <a:schemeClr val="tx1"/>
+              </a:solidFill>
+            </a:endParaRPr>
+          </a:p>
+        </p:txBody>
+      </p:sp>
+      <p:sp>
+        <p:nvSpPr>
+          <p:cNvPr id="27" name="Rounded Rectangular Callout 26"/>
+          <p:cNvSpPr/>
+          <p:nvPr/>
+        </p:nvSpPr>
+        <p:spPr>
+          <a:xfrm>
+            <a:off x="6492595" y="1894300"/>
+            <a:ext cx="1940824" cy="1059829"/>
+          </a:xfrm>
+          <a:prstGeom prst="wedgeRoundRectCallout">
+            <a:avLst/>
+          </a:prstGeom>
+          <a:solidFill>
+            <a:schemeClr val="accent6">
+              <a:lumMod val="60000"/>
+              <a:lumOff val="40000"/>
+            </a:schemeClr>
+          </a:solidFill>
+        </p:spPr>
+        <p:style>
+          <a:lnRef idx="2">
+            <a:schemeClr val="accent1">
+              <a:shade val="50000"/>
+            </a:schemeClr>
+          </a:lnRef>
+          <a:fillRef idx="1">
+            <a:schemeClr val="accent1"/>
+          </a:fillRef>
+          <a:effectRef idx="0">
+            <a:schemeClr val="accent1"/>
+          </a:effectRef>
+          <a:fontRef idx="minor">
+            <a:schemeClr val="lt1"/>
+          </a:fontRef>
+        </p:style>
+        <p:txBody>
+          <a:bodyPr rtlCol="0" anchor="ctr"/>
+          <a:lstStyle/>
+          <a:p>
+            <a:pPr algn="ctr"/>
+            <a:r>
+              <a:rPr lang="en-US" dirty="0" smtClean="0">
+                <a:solidFill>
+                  <a:schemeClr val="tx1"/>
+                </a:solidFill>
+              </a:rPr>
+              <a:t>For me </a:t>
+            </a:r>
+            <a:r>
+              <a:rPr lang="en-US" dirty="0" smtClean="0">
+                <a:solidFill>
+                  <a:schemeClr val="tx1"/>
+                </a:solidFill>
+                <a:sym typeface="Wingdings" panose="05000000000000000000" pitchFamily="2" charset="2"/>
+              </a:rPr>
+              <a:t></a:t>
+            </a:r>
+            <a:endParaRPr lang="en-US" dirty="0" smtClean="0">
+              <a:solidFill>
+                <a:schemeClr val="tx1"/>
+              </a:solidFill>
+            </a:endParaRPr>
+          </a:p>
+          <a:p>
+            <a:pPr algn="ctr"/>
+            <a:r>
+              <a:rPr lang="en-US" dirty="0" smtClean="0">
+                <a:solidFill>
+                  <a:schemeClr val="tx1"/>
+                </a:solidFill>
+              </a:rPr>
+              <a:t>Accept data.</a:t>
+            </a:r>
+            <a:endParaRPr lang="da-DK" dirty="0">
+              <a:solidFill>
+                <a:schemeClr val="tx1"/>
+              </a:solidFill>
+            </a:endParaRPr>
           </a:p>
         </p:txBody>
       </p:sp>
     </p:spTree>
     <p:extLst>
       <p:ext uri="{BB962C8B-B14F-4D97-AF65-F5344CB8AC3E}">
-        <p14:creationId xmlns:p14="http://schemas.microsoft.com/office/powerpoint/2010/main" val="3655972232"/>
+        <p14:creationId xmlns:p14="http://schemas.microsoft.com/office/powerpoint/2010/main" val="3765068371"/>
       </p:ext>
     </p:extLst>
   </p:cSld>
@@ -9739,4 +13315,567 @@
     </a:ext>
   </a:extLst>
 </a:theme>
+</file>
+
+<file path=ppt/theme/theme2.xml><?xml version="1.0" encoding="utf-8"?>
+<a:theme xmlns:a="http://schemas.openxmlformats.org/drawingml/2006/main" name="Office Theme">
+  <a:themeElements>
+    <a:clrScheme name="Office">
+      <a:dk1>
+        <a:sysClr val="windowText" lastClr="000000"/>
+      </a:dk1>
+      <a:lt1>
+        <a:sysClr val="window" lastClr="FFFFFF"/>
+      </a:lt1>
+      <a:dk2>
+        <a:srgbClr val="44546A"/>
+      </a:dk2>
+      <a:lt2>
+        <a:srgbClr val="E7E6E6"/>
+      </a:lt2>
+      <a:accent1>
+        <a:srgbClr val="5B9BD5"/>
+      </a:accent1>
+      <a:accent2>
+        <a:srgbClr val="ED7D31"/>
+      </a:accent2>
+      <a:accent3>
+        <a:srgbClr val="A5A5A5"/>
+      </a:accent3>
+      <a:accent4>
+        <a:srgbClr val="FFC000"/>
+      </a:accent4>
+      <a:accent5>
+        <a:srgbClr val="4472C4"/>
+      </a:accent5>
+      <a:accent6>
+        <a:srgbClr val="70AD47"/>
+      </a:accent6>
+      <a:hlink>
+        <a:srgbClr val="0563C1"/>
+      </a:hlink>
+      <a:folHlink>
+        <a:srgbClr val="954F72"/>
+      </a:folHlink>
+    </a:clrScheme>
+    <a:fontScheme name="Office">
+      <a:majorFont>
+        <a:latin typeface="Calibri Light" panose="020F0302020204030204"/>
+        <a:ea typeface=""/>
+        <a:cs typeface=""/>
+        <a:font script="Jpan" typeface="游ゴシック Light"/>
+        <a:font script="Hang" typeface="맑은 고딕"/>
+        <a:font script="Hans" typeface="等线 Light"/>
+        <a:font script="Hant" typeface="新細明體"/>
+        <a:font script="Arab" typeface="Times New Roman"/>
+        <a:font script="Hebr" typeface="Times New Roman"/>
+        <a:font script="Thai" typeface="Angsana New"/>
+        <a:font script="Ethi" typeface="Nyala"/>
+        <a:font script="Beng" typeface="Vrinda"/>
+        <a:font script="Gujr" typeface="Shruti"/>
+        <a:font script="Khmr" typeface="MoolBoran"/>
+        <a:font script="Knda" typeface="Tunga"/>
+        <a:font script="Guru" typeface="Raavi"/>
+        <a:font script="Cans" typeface="Euphemia"/>
+        <a:font script="Cher" typeface="Plantagenet Cherokee"/>
+        <a:font script="Yiii" typeface="Microsoft Yi Baiti"/>
+        <a:font script="Tibt" typeface="Microsoft Himalaya"/>
+        <a:font script="Thaa" typeface="MV Boli"/>
+        <a:font script="Deva" typeface="Mangal"/>
+        <a:font script="Telu" typeface="Gautami"/>
+        <a:font script="Taml" typeface="Latha"/>
+        <a:font script="Syrc" typeface="Estrangelo Edessa"/>
+        <a:font script="Orya" typeface="Kalinga"/>
+        <a:font script="Mlym" typeface="Kartika"/>
+        <a:font script="Laoo" typeface="DokChampa"/>
+        <a:font script="Sinh" typeface="Iskoola Pota"/>
+        <a:font script="Mong" typeface="Mongolian Baiti"/>
+        <a:font script="Viet" typeface="Times New Roman"/>
+        <a:font script="Uigh" typeface="Microsoft Uighur"/>
+        <a:font script="Geor" typeface="Sylfaen"/>
+      </a:majorFont>
+      <a:minorFont>
+        <a:latin typeface="Calibri" panose="020F0502020204030204"/>
+        <a:ea typeface=""/>
+        <a:cs typeface=""/>
+        <a:font script="Jpan" typeface="游ゴシック"/>
+        <a:font script="Hang" typeface="맑은 고딕"/>
+        <a:font script="Hans" typeface="等线"/>
+        <a:font script="Hant" typeface="新細明體"/>
+        <a:font script="Arab" typeface="Arial"/>
+        <a:font script="Hebr" typeface="Arial"/>
+        <a:font script="Thai" typeface="Cordia New"/>
+        <a:font script="Ethi" typeface="Nyala"/>
+        <a:font script="Beng" typeface="Vrinda"/>
+        <a:font script="Gujr" typeface="Shruti"/>
+        <a:font script="Khmr" typeface="DaunPenh"/>
+        <a:font script="Knda" typeface="Tunga"/>
+        <a:font script="Guru" typeface="Raavi"/>
+        <a:font script="Cans" typeface="Euphemia"/>
+        <a:font script="Cher" typeface="Plantagenet Cherokee"/>
+        <a:font script="Yiii" typeface="Microsoft Yi Baiti"/>
+        <a:font script="Tibt" typeface="Microsoft Himalaya"/>
+        <a:font script="Thaa" typeface="MV Boli"/>
+        <a:font script="Deva" typeface="Mangal"/>
+        <a:font script="Telu" typeface="Gautami"/>
+        <a:font script="Taml" typeface="Latha"/>
+        <a:font script="Syrc" typeface="Estrangelo Edessa"/>
+        <a:font script="Orya" typeface="Kalinga"/>
+        <a:font script="Mlym" typeface="Kartika"/>
+        <a:font script="Laoo" typeface="DokChampa"/>
+        <a:font script="Sinh" typeface="Iskoola Pota"/>
+        <a:font script="Mong" typeface="Mongolian Baiti"/>
+        <a:font script="Viet" typeface="Arial"/>
+        <a:font script="Uigh" typeface="Microsoft Uighur"/>
+        <a:font script="Geor" typeface="Sylfaen"/>
+      </a:minorFont>
+    </a:fontScheme>
+    <a:fmtScheme name="Office">
+      <a:fillStyleLst>
+        <a:solidFill>
+          <a:schemeClr val="phClr"/>
+        </a:solidFill>
+        <a:gradFill rotWithShape="1">
+          <a:gsLst>
+            <a:gs pos="0">
+              <a:schemeClr val="phClr">
+                <a:lumMod val="110000"/>
+                <a:satMod val="105000"/>
+                <a:tint val="67000"/>
+              </a:schemeClr>
+            </a:gs>
+            <a:gs pos="50000">
+              <a:schemeClr val="phClr">
+                <a:lumMod val="105000"/>
+                <a:satMod val="103000"/>
+                <a:tint val="73000"/>
+              </a:schemeClr>
+            </a:gs>
+            <a:gs pos="100000">
+              <a:schemeClr val="phClr">
+                <a:lumMod val="105000"/>
+                <a:satMod val="109000"/>
+                <a:tint val="81000"/>
+              </a:schemeClr>
+            </a:gs>
+          </a:gsLst>
+          <a:lin ang="5400000" scaled="0"/>
+        </a:gradFill>
+        <a:gradFill rotWithShape="1">
+          <a:gsLst>
+            <a:gs pos="0">
+              <a:schemeClr val="phClr">
+                <a:satMod val="103000"/>
+                <a:lumMod val="102000"/>
+                <a:tint val="94000"/>
+              </a:schemeClr>
+            </a:gs>
+            <a:gs pos="50000">
+              <a:schemeClr val="phClr">
+                <a:satMod val="110000"/>
+                <a:lumMod val="100000"/>
+                <a:shade val="100000"/>
+              </a:schemeClr>
+            </a:gs>
+            <a:gs pos="100000">
+              <a:schemeClr val="phClr">
+                <a:lumMod val="99000"/>
+                <a:satMod val="120000"/>
+                <a:shade val="78000"/>
+              </a:schemeClr>
+            </a:gs>
+          </a:gsLst>
+          <a:lin ang="5400000" scaled="0"/>
+        </a:gradFill>
+      </a:fillStyleLst>
+      <a:lnStyleLst>
+        <a:ln w="6350" cap="flat" cmpd="sng" algn="ctr">
+          <a:solidFill>
+            <a:schemeClr val="phClr"/>
+          </a:solidFill>
+          <a:prstDash val="solid"/>
+          <a:miter lim="800000"/>
+        </a:ln>
+        <a:ln w="12700" cap="flat" cmpd="sng" algn="ctr">
+          <a:solidFill>
+            <a:schemeClr val="phClr"/>
+          </a:solidFill>
+          <a:prstDash val="solid"/>
+          <a:miter lim="800000"/>
+        </a:ln>
+        <a:ln w="19050" cap="flat" cmpd="sng" algn="ctr">
+          <a:solidFill>
+            <a:schemeClr val="phClr"/>
+          </a:solidFill>
+          <a:prstDash val="solid"/>
+          <a:miter lim="800000"/>
+        </a:ln>
+      </a:lnStyleLst>
+      <a:effectStyleLst>
+        <a:effectStyle>
+          <a:effectLst/>
+        </a:effectStyle>
+        <a:effectStyle>
+          <a:effectLst/>
+        </a:effectStyle>
+        <a:effectStyle>
+          <a:effectLst>
+            <a:outerShdw blurRad="57150" dist="19050" dir="5400000" algn="ctr" rotWithShape="0">
+              <a:srgbClr val="000000">
+                <a:alpha val="63000"/>
+              </a:srgbClr>
+            </a:outerShdw>
+          </a:effectLst>
+        </a:effectStyle>
+      </a:effectStyleLst>
+      <a:bgFillStyleLst>
+        <a:solidFill>
+          <a:schemeClr val="phClr"/>
+        </a:solidFill>
+        <a:solidFill>
+          <a:schemeClr val="phClr">
+            <a:tint val="95000"/>
+            <a:satMod val="170000"/>
+          </a:schemeClr>
+        </a:solidFill>
+        <a:gradFill rotWithShape="1">
+          <a:gsLst>
+            <a:gs pos="0">
+              <a:schemeClr val="phClr">
+                <a:tint val="93000"/>
+                <a:satMod val="150000"/>
+                <a:shade val="98000"/>
+                <a:lumMod val="102000"/>
+              </a:schemeClr>
+            </a:gs>
+            <a:gs pos="50000">
+              <a:schemeClr val="phClr">
+                <a:tint val="98000"/>
+                <a:satMod val="130000"/>
+                <a:shade val="90000"/>
+                <a:lumMod val="103000"/>
+              </a:schemeClr>
+            </a:gs>
+            <a:gs pos="100000">
+              <a:schemeClr val="phClr">
+                <a:shade val="63000"/>
+                <a:satMod val="120000"/>
+              </a:schemeClr>
+            </a:gs>
+          </a:gsLst>
+          <a:lin ang="5400000" scaled="0"/>
+        </a:gradFill>
+      </a:bgFillStyleLst>
+    </a:fmtScheme>
+  </a:themeElements>
+  <a:objectDefaults/>
+  <a:extraClrSchemeLst/>
+  <a:extLst>
+    <a:ext uri="{05A4C25C-085E-4340-85A3-A5531E510DB2}">
+      <thm15:themeFamily xmlns:thm15="http://schemas.microsoft.com/office/thememl/2012/main" name="Office Theme" id="{62F939B6-93AF-4DB8-9C6B-D6C7DFDC589F}" vid="{4A3C46E8-61CC-4603-A589-7422A47A8E4A}"/>
+    </a:ext>
+  </a:extLst>
+</a:theme>
+</file>
+
+<file path=customXml/item1.xml><?xml version="1.0" encoding="utf-8"?>
+<p:properties xmlns:p="http://schemas.microsoft.com/office/2006/metadata/properties" xmlns:xsi="http://www.w3.org/2001/XMLSchema-instance" xmlns:pc="http://schemas.microsoft.com/office/infopath/2007/PartnerControls">
+  <documentManagement>
+    <_activity xmlns="f659a008-7c21-4ee3-a745-e38581e13101" xsi:nil="true"/>
+  </documentManagement>
+</p:properties>
+</file>
+
+<file path=customXml/item2.xml><?xml version="1.0" encoding="utf-8"?>
+<?mso-contentType ?>
+<FormTemplates xmlns="http://schemas.microsoft.com/sharepoint/v3/contenttype/forms">
+  <Display>DocumentLibraryForm</Display>
+  <Edit>DocumentLibraryForm</Edit>
+  <New>DocumentLibraryForm</New>
+</FormTemplates>
+</file>
+
+<file path=customXml/item3.xml><?xml version="1.0" encoding="utf-8"?>
+<ct:contentTypeSchema xmlns:ct="http://schemas.microsoft.com/office/2006/metadata/contentType" xmlns:ma="http://schemas.microsoft.com/office/2006/metadata/properties/metaAttributes" ct:_="" ma:_="" ma:contentTypeName="Dokument" ma:contentTypeID="0x01010056836BC33D1E5846BD77C269C61838DB" ma:contentTypeVersion="16" ma:contentTypeDescription="Opret et nyt dokument." ma:contentTypeScope="" ma:versionID="cf1ca5d62ca2c3f16706730f3e7e88ce">
+  <xsd:schema xmlns:xsd="http://www.w3.org/2001/XMLSchema" xmlns:xs="http://www.w3.org/2001/XMLSchema" xmlns:p="http://schemas.microsoft.com/office/2006/metadata/properties" xmlns:ns3="f659a008-7c21-4ee3-a745-e38581e13101" xmlns:ns4="e064323b-8959-406a-a3e9-bb6e93638192" targetNamespace="http://schemas.microsoft.com/office/2006/metadata/properties" ma:root="true" ma:fieldsID="78568a83f89cbc40c7c4ca69691bd5a8" ns3:_="" ns4:_="">
+    <xsd:import namespace="f659a008-7c21-4ee3-a745-e38581e13101"/>
+    <xsd:import namespace="e064323b-8959-406a-a3e9-bb6e93638192"/>
+    <xsd:element name="properties">
+      <xsd:complexType>
+        <xsd:sequence>
+          <xsd:element name="documentManagement">
+            <xsd:complexType>
+              <xsd:all>
+                <xsd:element ref="ns3:MediaServiceMetadata" minOccurs="0"/>
+                <xsd:element ref="ns3:MediaServiceFastMetadata" minOccurs="0"/>
+                <xsd:element ref="ns3:MediaServiceDateTaken" minOccurs="0"/>
+                <xsd:element ref="ns3:MediaLengthInSeconds" minOccurs="0"/>
+                <xsd:element ref="ns3:MediaServiceAutoTags" minOccurs="0"/>
+                <xsd:element ref="ns3:MediaServiceOCR" minOccurs="0"/>
+                <xsd:element ref="ns3:MediaServiceGenerationTime" minOccurs="0"/>
+                <xsd:element ref="ns3:MediaServiceEventHashCode" minOccurs="0"/>
+                <xsd:element ref="ns3:MediaServiceLocation" minOccurs="0"/>
+                <xsd:element ref="ns3:MediaServiceAutoKeyPoints" minOccurs="0"/>
+                <xsd:element ref="ns3:MediaServiceKeyPoints" minOccurs="0"/>
+                <xsd:element ref="ns4:SharedWithUsers" minOccurs="0"/>
+                <xsd:element ref="ns4:SharedWithDetails" minOccurs="0"/>
+                <xsd:element ref="ns4:SharingHintHash" minOccurs="0"/>
+                <xsd:element ref="ns3:_activity" minOccurs="0"/>
+                <xsd:element ref="ns3:MediaServiceObjectDetectorVersions" minOccurs="0"/>
+              </xsd:all>
+            </xsd:complexType>
+          </xsd:element>
+        </xsd:sequence>
+      </xsd:complexType>
+    </xsd:element>
+  </xsd:schema>
+  <xsd:schema xmlns:xsd="http://www.w3.org/2001/XMLSchema" xmlns:xs="http://www.w3.org/2001/XMLSchema" xmlns:dms="http://schemas.microsoft.com/office/2006/documentManagement/types" xmlns:pc="http://schemas.microsoft.com/office/infopath/2007/PartnerControls" targetNamespace="f659a008-7c21-4ee3-a745-e38581e13101" elementFormDefault="qualified">
+    <xsd:import namespace="http://schemas.microsoft.com/office/2006/documentManagement/types"/>
+    <xsd:import namespace="http://schemas.microsoft.com/office/infopath/2007/PartnerControls"/>
+    <xsd:element name="MediaServiceMetadata" ma:index="8" nillable="true" ma:displayName="MediaServiceMetadata" ma:hidden="true" ma:internalName="MediaServiceMetadata" ma:readOnly="true">
+      <xsd:simpleType>
+        <xsd:restriction base="dms:Note"/>
+      </xsd:simpleType>
+    </xsd:element>
+    <xsd:element name="MediaServiceFastMetadata" ma:index="9" nillable="true" ma:displayName="MediaServiceFastMetadata" ma:hidden="true" ma:internalName="MediaServiceFastMetadata" ma:readOnly="true">
+      <xsd:simpleType>
+        <xsd:restriction base="dms:Note"/>
+      </xsd:simpleType>
+    </xsd:element>
+    <xsd:element name="MediaServiceDateTaken" ma:index="10" nillable="true" ma:displayName="MediaServiceDateTaken" ma:hidden="true" ma:internalName="MediaServiceDateTaken" ma:readOnly="true">
+      <xsd:simpleType>
+        <xsd:restriction base="dms:Text"/>
+      </xsd:simpleType>
+    </xsd:element>
+    <xsd:element name="MediaLengthInSeconds" ma:index="11" nillable="true" ma:displayName="Length (seconds)" ma:internalName="MediaLengthInSeconds" ma:readOnly="true">
+      <xsd:simpleType>
+        <xsd:restriction base="dms:Unknown"/>
+      </xsd:simpleType>
+    </xsd:element>
+    <xsd:element name="MediaServiceAutoTags" ma:index="12" nillable="true" ma:displayName="Tags" ma:internalName="MediaServiceAutoTags" ma:readOnly="true">
+      <xsd:simpleType>
+        <xsd:restriction base="dms:Text"/>
+      </xsd:simpleType>
+    </xsd:element>
+    <xsd:element name="MediaServiceOCR" ma:index="13" nillable="true" ma:displayName="Extracted Text" ma:internalName="MediaServiceOCR" ma:readOnly="true">
+      <xsd:simpleType>
+        <xsd:restriction base="dms:Note">
+          <xsd:maxLength value="255"/>
+        </xsd:restriction>
+      </xsd:simpleType>
+    </xsd:element>
+    <xsd:element name="MediaServiceGenerationTime" ma:index="14" nillable="true" ma:displayName="MediaServiceGenerationTime" ma:hidden="true" ma:internalName="MediaServiceGenerationTime" ma:readOnly="true">
+      <xsd:simpleType>
+        <xsd:restriction base="dms:Text"/>
+      </xsd:simpleType>
+    </xsd:element>
+    <xsd:element name="MediaServiceEventHashCode" ma:index="15" nillable="true" ma:displayName="MediaServiceEventHashCode" ma:hidden="true" ma:internalName="MediaServiceEventHashCode" ma:readOnly="true">
+      <xsd:simpleType>
+        <xsd:restriction base="dms:Text"/>
+      </xsd:simpleType>
+    </xsd:element>
+    <xsd:element name="MediaServiceLocation" ma:index="16" nillable="true" ma:displayName="Location" ma:internalName="MediaServiceLocation" ma:readOnly="true">
+      <xsd:simpleType>
+        <xsd:restriction base="dms:Text"/>
+      </xsd:simpleType>
+    </xsd:element>
+    <xsd:element name="MediaServiceAutoKeyPoints" ma:index="17" nillable="true" ma:displayName="MediaServiceAutoKeyPoints" ma:hidden="true" ma:internalName="MediaServiceAutoKeyPoints" ma:readOnly="true">
+      <xsd:simpleType>
+        <xsd:restriction base="dms:Note"/>
+      </xsd:simpleType>
+    </xsd:element>
+    <xsd:element name="MediaServiceKeyPoints" ma:index="18" nillable="true" ma:displayName="KeyPoints" ma:internalName="MediaServiceKeyPoints" ma:readOnly="true">
+      <xsd:simpleType>
+        <xsd:restriction base="dms:Note">
+          <xsd:maxLength value="255"/>
+        </xsd:restriction>
+      </xsd:simpleType>
+    </xsd:element>
+    <xsd:element name="_activity" ma:index="22" nillable="true" ma:displayName="_activity" ma:hidden="true" ma:internalName="_activity">
+      <xsd:simpleType>
+        <xsd:restriction base="dms:Note"/>
+      </xsd:simpleType>
+    </xsd:element>
+    <xsd:element name="MediaServiceObjectDetectorVersions" ma:index="23" nillable="true" ma:displayName="MediaServiceObjectDetectorVersions" ma:description="" ma:hidden="true" ma:indexed="true" ma:internalName="MediaServiceObjectDetectorVersions" ma:readOnly="true">
+      <xsd:simpleType>
+        <xsd:restriction base="dms:Text"/>
+      </xsd:simpleType>
+    </xsd:element>
+  </xsd:schema>
+  <xsd:schema xmlns:xsd="http://www.w3.org/2001/XMLSchema" xmlns:xs="http://www.w3.org/2001/XMLSchema" xmlns:dms="http://schemas.microsoft.com/office/2006/documentManagement/types" xmlns:pc="http://schemas.microsoft.com/office/infopath/2007/PartnerControls" targetNamespace="e064323b-8959-406a-a3e9-bb6e93638192" elementFormDefault="qualified">
+    <xsd:import namespace="http://schemas.microsoft.com/office/2006/documentManagement/types"/>
+    <xsd:import namespace="http://schemas.microsoft.com/office/infopath/2007/PartnerControls"/>
+    <xsd:element name="SharedWithUsers" ma:index="19" nillable="true" ma:displayName="Delt med" ma:internalName="SharedWithUsers" ma:readOnly="true">
+      <xsd:complexType>
+        <xsd:complexContent>
+          <xsd:extension base="dms:UserMulti">
+            <xsd:sequence>
+              <xsd:element name="UserInfo" minOccurs="0" maxOccurs="unbounded">
+                <xsd:complexType>
+                  <xsd:sequence>
+                    <xsd:element name="DisplayName" type="xsd:string" minOccurs="0"/>
+                    <xsd:element name="AccountId" type="dms:UserId" minOccurs="0" nillable="true"/>
+                    <xsd:element name="AccountType" type="xsd:string" minOccurs="0"/>
+                  </xsd:sequence>
+                </xsd:complexType>
+              </xsd:element>
+            </xsd:sequence>
+          </xsd:extension>
+        </xsd:complexContent>
+      </xsd:complexType>
+    </xsd:element>
+    <xsd:element name="SharedWithDetails" ma:index="20" nillable="true" ma:displayName="Delt med detaljer" ma:internalName="SharedWithDetails" ma:readOnly="true">
+      <xsd:simpleType>
+        <xsd:restriction base="dms:Note">
+          <xsd:maxLength value="255"/>
+        </xsd:restriction>
+      </xsd:simpleType>
+    </xsd:element>
+    <xsd:element name="SharingHintHash" ma:index="21" nillable="true" ma:displayName="Hashværdi for deling" ma:hidden="true" ma:internalName="SharingHintHash" ma:readOnly="true">
+      <xsd:simpleType>
+        <xsd:restriction base="dms:Text"/>
+      </xsd:simpleType>
+    </xsd:element>
+  </xsd:schema>
+  <xsd:schema xmlns="http://schemas.openxmlformats.org/package/2006/metadata/core-properties" xmlns:xsd="http://www.w3.org/2001/XMLSchema" xmlns:xsi="http://www.w3.org/2001/XMLSchema-instance" xmlns:dc="http://purl.org/dc/elements/1.1/" xmlns:dcterms="http://purl.org/dc/terms/" xmlns:odoc="http://schemas.microsoft.com/internal/obd" targetNamespace="http://schemas.openxmlformats.org/package/2006/metadata/core-properties" elementFormDefault="qualified" attributeFormDefault="unqualified" blockDefault="#all">
+    <xsd:import namespace="http://purl.org/dc/elements/1.1/" schemaLocation="http://dublincore.org/schemas/xmls/qdc/2003/04/02/dc.xsd"/>
+    <xsd:import namespace="http://purl.org/dc/terms/" schemaLocation="http://dublincore.org/schemas/xmls/qdc/2003/04/02/dcterms.xsd"/>
+    <xsd:element name="coreProperties" type="CT_coreProperties"/>
+    <xsd:complexType name="CT_coreProperties">
+      <xsd:all>
+        <xsd:element ref="dc:creator" minOccurs="0" maxOccurs="1"/>
+        <xsd:element ref="dcterms:created" minOccurs="0" maxOccurs="1"/>
+        <xsd:element ref="dc:identifier" minOccurs="0" maxOccurs="1"/>
+        <xsd:element name="contentType" minOccurs="0" maxOccurs="1" type="xsd:string" ma:index="0" ma:displayName="Indholdstype"/>
+        <xsd:element ref="dc:title" minOccurs="0" maxOccurs="1" ma:index="4" ma:displayName="Titel"/>
+        <xsd:element ref="dc:subject" minOccurs="0" maxOccurs="1"/>
+        <xsd:element ref="dc:description" minOccurs="0" maxOccurs="1"/>
+        <xsd:element name="keywords" minOccurs="0" maxOccurs="1" type="xsd:string"/>
+        <xsd:element ref="dc:language" minOccurs="0" maxOccurs="1"/>
+        <xsd:element name="category" minOccurs="0" maxOccurs="1" type="xsd:string"/>
+        <xsd:element name="version" minOccurs="0" maxOccurs="1" type="xsd:string"/>
+        <xsd:element name="revision" minOccurs="0" maxOccurs="1" type="xsd:string">
+          <xsd:annotation>
+            <xsd:documentation>
+                        This value indicates the number of saves or revisions. The application is responsible for updating this value after each revision.
+                    </xsd:documentation>
+          </xsd:annotation>
+        </xsd:element>
+        <xsd:element name="lastModifiedBy" minOccurs="0" maxOccurs="1" type="xsd:string"/>
+        <xsd:element ref="dcterms:modified" minOccurs="0" maxOccurs="1"/>
+        <xsd:element name="contentStatus" minOccurs="0" maxOccurs="1" type="xsd:string"/>
+      </xsd:all>
+    </xsd:complexType>
+  </xsd:schema>
+  <xs:schema xmlns:pc="http://schemas.microsoft.com/office/infopath/2007/PartnerControls" xmlns:xs="http://www.w3.org/2001/XMLSchema" targetNamespace="http://schemas.microsoft.com/office/infopath/2007/PartnerControls" elementFormDefault="qualified" attributeFormDefault="unqualified">
+    <xs:element name="Person">
+      <xs:complexType>
+        <xs:sequence>
+          <xs:element ref="pc:DisplayName" minOccurs="0"/>
+          <xs:element ref="pc:AccountId" minOccurs="0"/>
+          <xs:element ref="pc:AccountType" minOccurs="0"/>
+        </xs:sequence>
+      </xs:complexType>
+    </xs:element>
+    <xs:element name="DisplayName" type="xs:string"/>
+    <xs:element name="AccountId" type="xs:string"/>
+    <xs:element name="AccountType" type="xs:string"/>
+    <xs:element name="BDCAssociatedEntity">
+      <xs:complexType>
+        <xs:sequence>
+          <xs:element ref="pc:BDCEntity" minOccurs="0" maxOccurs="unbounded"/>
+        </xs:sequence>
+        <xs:attribute ref="pc:EntityNamespace"/>
+        <xs:attribute ref="pc:EntityName"/>
+        <xs:attribute ref="pc:SystemInstanceName"/>
+        <xs:attribute ref="pc:AssociationName"/>
+      </xs:complexType>
+    </xs:element>
+    <xs:attribute name="EntityNamespace" type="xs:string"/>
+    <xs:attribute name="EntityName" type="xs:string"/>
+    <xs:attribute name="SystemInstanceName" type="xs:string"/>
+    <xs:attribute name="AssociationName" type="xs:string"/>
+    <xs:element name="BDCEntity">
+      <xs:complexType>
+        <xs:sequence>
+          <xs:element ref="pc:EntityDisplayName" minOccurs="0"/>
+          <xs:element ref="pc:EntityInstanceReference" minOccurs="0"/>
+          <xs:element ref="pc:EntityId1" minOccurs="0"/>
+          <xs:element ref="pc:EntityId2" minOccurs="0"/>
+          <xs:element ref="pc:EntityId3" minOccurs="0"/>
+          <xs:element ref="pc:EntityId4" minOccurs="0"/>
+          <xs:element ref="pc:EntityId5" minOccurs="0"/>
+        </xs:sequence>
+      </xs:complexType>
+    </xs:element>
+    <xs:element name="EntityDisplayName" type="xs:string"/>
+    <xs:element name="EntityInstanceReference" type="xs:string"/>
+    <xs:element name="EntityId1" type="xs:string"/>
+    <xs:element name="EntityId2" type="xs:string"/>
+    <xs:element name="EntityId3" type="xs:string"/>
+    <xs:element name="EntityId4" type="xs:string"/>
+    <xs:element name="EntityId5" type="xs:string"/>
+    <xs:element name="Terms">
+      <xs:complexType>
+        <xs:sequence>
+          <xs:element ref="pc:TermInfo" minOccurs="0" maxOccurs="unbounded"/>
+        </xs:sequence>
+      </xs:complexType>
+    </xs:element>
+    <xs:element name="TermInfo">
+      <xs:complexType>
+        <xs:sequence>
+          <xs:element ref="pc:TermName" minOccurs="0"/>
+          <xs:element ref="pc:TermId" minOccurs="0"/>
+        </xs:sequence>
+      </xs:complexType>
+    </xs:element>
+    <xs:element name="TermName" type="xs:string"/>
+    <xs:element name="TermId" type="xs:string"/>
+  </xs:schema>
+</ct:contentTypeSchema>
+</file>
+
+<file path=customXml/itemProps1.xml><?xml version="1.0" encoding="utf-8"?>
+<ds:datastoreItem xmlns:ds="http://schemas.openxmlformats.org/officeDocument/2006/customXml" ds:itemID="{66EA5955-CC75-4F9F-A5F2-48A97D85758B}">
+  <ds:schemaRefs>
+    <ds:schemaRef ds:uri="http://purl.org/dc/dcmitype/"/>
+    <ds:schemaRef ds:uri="http://schemas.microsoft.com/office/2006/metadata/properties"/>
+    <ds:schemaRef ds:uri="http://purl.org/dc/elements/1.1/"/>
+    <ds:schemaRef ds:uri="http://schemas.microsoft.com/office/2006/documentManagement/types"/>
+    <ds:schemaRef ds:uri="http://schemas.openxmlformats.org/package/2006/metadata/core-properties"/>
+    <ds:schemaRef ds:uri="http://purl.org/dc/terms/"/>
+    <ds:schemaRef ds:uri="http://schemas.microsoft.com/office/infopath/2007/PartnerControls"/>
+    <ds:schemaRef ds:uri="e064323b-8959-406a-a3e9-bb6e93638192"/>
+    <ds:schemaRef ds:uri="f659a008-7c21-4ee3-a745-e38581e13101"/>
+    <ds:schemaRef ds:uri="http://www.w3.org/XML/1998/namespace"/>
+  </ds:schemaRefs>
+</ds:datastoreItem>
+</file>
+
+<file path=customXml/itemProps2.xml><?xml version="1.0" encoding="utf-8"?>
+<ds:datastoreItem xmlns:ds="http://schemas.openxmlformats.org/officeDocument/2006/customXml" ds:itemID="{80563C55-4051-4AC4-AC2D-4F13263FB0D3}">
+  <ds:schemaRefs>
+    <ds:schemaRef ds:uri="http://schemas.microsoft.com/sharepoint/v3/contenttype/forms"/>
+  </ds:schemaRefs>
+</ds:datastoreItem>
+</file>
+
+<file path=customXml/itemProps3.xml><?xml version="1.0" encoding="utf-8"?>
+<ds:datastoreItem xmlns:ds="http://schemas.openxmlformats.org/officeDocument/2006/customXml" ds:itemID="{E35A2568-DB77-42D7-AEBC-52735A082B99}">
+  <ds:schemaRefs>
+    <ds:schemaRef ds:uri="http://schemas.microsoft.com/office/2006/metadata/contentType"/>
+    <ds:schemaRef ds:uri="http://schemas.microsoft.com/office/2006/metadata/properties/metaAttributes"/>
+    <ds:schemaRef ds:uri="http://www.w3.org/2001/XMLSchema"/>
+    <ds:schemaRef ds:uri="http://schemas.microsoft.com/office/2006/metadata/properties"/>
+    <ds:schemaRef ds:uri="f659a008-7c21-4ee3-a745-e38581e13101"/>
+    <ds:schemaRef ds:uri="e064323b-8959-406a-a3e9-bb6e93638192"/>
+    <ds:schemaRef ds:uri="http://schemas.microsoft.com/office/2006/documentManagement/types"/>
+    <ds:schemaRef ds:uri="http://schemas.microsoft.com/office/infopath/2007/PartnerControls"/>
+    <ds:schemaRef ds:uri="http://schemas.openxmlformats.org/package/2006/metadata/core-properties"/>
+    <ds:schemaRef ds:uri="http://purl.org/dc/elements/1.1/"/>
+    <ds:schemaRef ds:uri="http://purl.org/dc/terms/"/>
+    <ds:schemaRef ds:uri="http://schemas.microsoft.com/internal/obd"/>
+  </ds:schemaRefs>
+</ds:datastoreItem>
 </file>
--- a/07 Networks/Networks.pptx
+++ b/07 Networks/Networks.pptx
@@ -143,6 +143,35 @@
 </p:presentation>
 </file>
 
+<file path=ppt/changesInfos/changesInfo1.xml><?xml version="1.0" encoding="utf-8"?>
+<pc:chgInfo xmlns:a="http://schemas.openxmlformats.org/drawingml/2006/main" xmlns:r="http://schemas.openxmlformats.org/officeDocument/2006/relationships" xmlns:ac="http://schemas.microsoft.com/office/drawing/2013/main/command" xmlns:pc="http://schemas.microsoft.com/office/powerpoint/2013/main/command">
+  <pc:docChgLst>
+    <pc:chgData name="Michael Sørensen Loft" userId="42949a3e-5aba-4e5d-931a-6d7b2cf6ec97" providerId="ADAL" clId="{FA52C119-A23A-4EFB-B8A5-4BE503ADFC14}"/>
+    <pc:docChg chg="custSel modSld">
+      <pc:chgData name="Michael Sørensen Loft" userId="42949a3e-5aba-4e5d-931a-6d7b2cf6ec97" providerId="ADAL" clId="{FA52C119-A23A-4EFB-B8A5-4BE503ADFC14}" dt="2025-10-22T18:50:13.686" v="31" actId="27636"/>
+      <pc:docMkLst>
+        <pc:docMk/>
+      </pc:docMkLst>
+      <pc:sldChg chg="modSp mod">
+        <pc:chgData name="Michael Sørensen Loft" userId="42949a3e-5aba-4e5d-931a-6d7b2cf6ec97" providerId="ADAL" clId="{FA52C119-A23A-4EFB-B8A5-4BE503ADFC14}" dt="2025-10-22T18:50:13.686" v="31" actId="27636"/>
+        <pc:sldMkLst>
+          <pc:docMk/>
+          <pc:sldMk cId="624924399" sldId="279"/>
+        </pc:sldMkLst>
+        <pc:spChg chg="mod">
+          <ac:chgData name="Michael Sørensen Loft" userId="42949a3e-5aba-4e5d-931a-6d7b2cf6ec97" providerId="ADAL" clId="{FA52C119-A23A-4EFB-B8A5-4BE503ADFC14}" dt="2025-10-22T18:50:13.686" v="31" actId="27636"/>
+          <ac:spMkLst>
+            <pc:docMk/>
+            <pc:sldMk cId="624924399" sldId="279"/>
+            <ac:spMk id="7" creationId="{00000000-0000-0000-0000-000000000000}"/>
+          </ac:spMkLst>
+        </pc:spChg>
+      </pc:sldChg>
+    </pc:docChg>
+  </pc:docChgLst>
+</pc:chgInfo>
+</file>
+
 <file path=ppt/notesMasters/notesMaster1.xml><?xml version="1.0" encoding="utf-8"?>
 <p:notesMaster xmlns:a="http://schemas.openxmlformats.org/drawingml/2006/main" xmlns:r="http://schemas.openxmlformats.org/officeDocument/2006/relationships" xmlns:p="http://schemas.openxmlformats.org/presentationml/2006/main">
   <p:cSld>
@@ -225,7 +254,7 @@
           <a:p>
             <a:fld id="{7F09E5E5-2B1F-4F5F-B049-EA3946971FAA}" type="datetimeFigureOut">
               <a:rPr lang="da-DK" smtClean="0"/>
-              <a:t>11-10-2023</a:t>
+              <a:t>22-10-2025</a:t>
             </a:fld>
             <a:endParaRPr lang="da-DK"/>
           </a:p>
@@ -289,35 +318,35 @@
           <a:p>
             <a:pPr lvl="0"/>
             <a:r>
-              <a:rPr lang="en-US" smtClean="0"/>
+              <a:rPr lang="en-US"/>
               <a:t>Edit Master text styles</a:t>
             </a:r>
           </a:p>
           <a:p>
             <a:pPr lvl="1"/>
             <a:r>
-              <a:rPr lang="en-US" smtClean="0"/>
+              <a:rPr lang="en-US"/>
               <a:t>Second level</a:t>
             </a:r>
           </a:p>
           <a:p>
             <a:pPr lvl="2"/>
             <a:r>
-              <a:rPr lang="en-US" smtClean="0"/>
+              <a:rPr lang="en-US"/>
               <a:t>Third level</a:t>
             </a:r>
           </a:p>
           <a:p>
             <a:pPr lvl="3"/>
             <a:r>
-              <a:rPr lang="en-US" smtClean="0"/>
+              <a:rPr lang="en-US"/>
               <a:t>Fourth level</a:t>
             </a:r>
           </a:p>
           <a:p>
             <a:pPr lvl="4"/>
             <a:r>
-              <a:rPr lang="en-US" smtClean="0"/>
+              <a:rPr lang="en-US"/>
               <a:t>Fifth level</a:t>
             </a:r>
             <a:endParaRPr lang="da-DK"/>
@@ -548,7 +577,7 @@
             <a:spLocks noGrp="1"/>
           </p:cNvSpPr>
           <p:nvPr>
-            <p:ph type="sldNum" sz="quarter" idx="10"/>
+            <p:ph type="sldNum" sz="quarter" idx="5"/>
           </p:nvPr>
         </p:nvSpPr>
         <p:spPr/>
@@ -558,7 +587,7 @@
           <a:p>
             <a:fld id="{C5452D39-A60D-4913-8D65-C58A0C43AED7}" type="slidenum">
               <a:rPr lang="da-DK" smtClean="0"/>
-              <a:t>11</a:t>
+              <a:t>1</a:t>
             </a:fld>
             <a:endParaRPr lang="da-DK"/>
           </a:p>
@@ -567,7 +596,7 @@
     </p:spTree>
     <p:extLst>
       <p:ext uri="{BB962C8B-B14F-4D97-AF65-F5344CB8AC3E}">
-        <p14:creationId xmlns:p14="http://schemas.microsoft.com/office/powerpoint/2010/main" val="3620817442"/>
+        <p14:creationId xmlns:p14="http://schemas.microsoft.com/office/powerpoint/2010/main" val="587654228"/>
       </p:ext>
     </p:extLst>
   </p:cSld>
@@ -621,40 +650,6 @@
           <a:bodyPr/>
           <a:lstStyle/>
           <a:p>
-            <a:r>
-              <a:rPr lang="en-US" dirty="0" smtClean="0"/>
-              <a:t>There are also some portions of the IPv4 space that are reserved for specific uses.</a:t>
-            </a:r>
-          </a:p>
-          <a:p>
-            <a:endParaRPr lang="en-US" dirty="0" smtClean="0"/>
-          </a:p>
-          <a:p>
-            <a:r>
-              <a:rPr lang="en-US" dirty="0" smtClean="0"/>
-              <a:t>One of the most useful reserved ranges is the loopback range specified by addresses from 127.0.0.0 to 127.255.255.255. This range is used by each host to test networking to itself. Typically, this is expressed by the first address in this range: 127.0.0.1.</a:t>
-            </a:r>
-          </a:p>
-          <a:p>
-            <a:endParaRPr lang="en-US" dirty="0" smtClean="0"/>
-          </a:p>
-          <a:p>
-            <a:r>
-              <a:rPr lang="en-US" dirty="0" smtClean="0"/>
-              <a:t>Each of the normal classes also have a range within them that is used to designate private network addresses. For instance, for class A addresses, the addresses from 10.0.0.0 to 10.255.255.255 are reserved for private network assignment. For class B, this range is 172.16.0.0 to 172.31.255.255. For class C, the range of 192.168.0.0 to 192.168.255.255 is reserved for private usage.</a:t>
-            </a:r>
-          </a:p>
-          <a:p>
-            <a:endParaRPr lang="en-US" dirty="0" smtClean="0"/>
-          </a:p>
-          <a:p>
-            <a:r>
-              <a:rPr lang="en-US" dirty="0" smtClean="0"/>
-              <a:t>Any computer that is not hooked up to the internet directly (any computer that goes through a router or other NAT system) can use these addresses at will.</a:t>
-            </a:r>
-            <a:endParaRPr lang="da-DK" dirty="0" smtClean="0"/>
-          </a:p>
-          <a:p>
             <a:endParaRPr lang="da-DK" dirty="0"/>
           </a:p>
         </p:txBody>
@@ -676,7 +671,7 @@
           <a:p>
             <a:fld id="{C5452D39-A60D-4913-8D65-C58A0C43AED7}" type="slidenum">
               <a:rPr lang="da-DK" smtClean="0"/>
-              <a:t>12</a:t>
+              <a:t>11</a:t>
             </a:fld>
             <a:endParaRPr lang="da-DK"/>
           </a:p>
@@ -685,7 +680,7 @@
     </p:spTree>
     <p:extLst>
       <p:ext uri="{BB962C8B-B14F-4D97-AF65-F5344CB8AC3E}">
-        <p14:creationId xmlns:p14="http://schemas.microsoft.com/office/powerpoint/2010/main" val="3247975632"/>
+        <p14:creationId xmlns:p14="http://schemas.microsoft.com/office/powerpoint/2010/main" val="3620817442"/>
       </p:ext>
     </p:extLst>
   </p:cSld>
@@ -739,6 +734,40 @@
           <a:bodyPr/>
           <a:lstStyle/>
           <a:p>
+            <a:r>
+              <a:rPr lang="en-US" dirty="0"/>
+              <a:t>There are also some portions of the IPv4 space that are reserved for specific uses.</a:t>
+            </a:r>
+          </a:p>
+          <a:p>
+            <a:endParaRPr lang="en-US" dirty="0"/>
+          </a:p>
+          <a:p>
+            <a:r>
+              <a:rPr lang="en-US" dirty="0"/>
+              <a:t>One of the most useful reserved ranges is the loopback range specified by addresses from 127.0.0.0 to 127.255.255.255. This range is used by each host to test networking to itself. Typically, this is expressed by the first address in this range: 127.0.0.1.</a:t>
+            </a:r>
+          </a:p>
+          <a:p>
+            <a:endParaRPr lang="en-US" dirty="0"/>
+          </a:p>
+          <a:p>
+            <a:r>
+              <a:rPr lang="en-US" dirty="0"/>
+              <a:t>Each of the normal classes also have a range within them that is used to designate private network addresses. For instance, for class A addresses, the addresses from 10.0.0.0 to 10.255.255.255 are reserved for private network assignment. For class B, this range is 172.16.0.0 to 172.31.255.255. For class C, the range of 192.168.0.0 to 192.168.255.255 is reserved for private usage.</a:t>
+            </a:r>
+          </a:p>
+          <a:p>
+            <a:endParaRPr lang="en-US" dirty="0"/>
+          </a:p>
+          <a:p>
+            <a:r>
+              <a:rPr lang="en-US" dirty="0"/>
+              <a:t>Any computer that is not hooked up to the internet directly (any computer that goes through a router or other NAT system) can use these addresses at will.</a:t>
+            </a:r>
+            <a:endParaRPr lang="da-DK" dirty="0"/>
+          </a:p>
+          <a:p>
             <a:endParaRPr lang="da-DK" dirty="0"/>
           </a:p>
         </p:txBody>
@@ -760,7 +789,7 @@
           <a:p>
             <a:fld id="{C5452D39-A60D-4913-8D65-C58A0C43AED7}" type="slidenum">
               <a:rPr lang="da-DK" smtClean="0"/>
-              <a:t>13</a:t>
+              <a:t>12</a:t>
             </a:fld>
             <a:endParaRPr lang="da-DK"/>
           </a:p>
@@ -769,7 +798,7 @@
     </p:spTree>
     <p:extLst>
       <p:ext uri="{BB962C8B-B14F-4D97-AF65-F5344CB8AC3E}">
-        <p14:creationId xmlns:p14="http://schemas.microsoft.com/office/powerpoint/2010/main" val="4231426185"/>
+        <p14:creationId xmlns:p14="http://schemas.microsoft.com/office/powerpoint/2010/main" val="3247975632"/>
       </p:ext>
     </p:extLst>
   </p:cSld>
@@ -823,8 +852,92 @@
           <a:bodyPr/>
           <a:lstStyle/>
           <a:p>
-            <a:r>
-              <a:rPr lang="da-DK" dirty="0" smtClean="0"/>
+            <a:endParaRPr lang="da-DK" dirty="0"/>
+          </a:p>
+        </p:txBody>
+      </p:sp>
+      <p:sp>
+        <p:nvSpPr>
+          <p:cNvPr id="4" name="Slide Number Placeholder 3"/>
+          <p:cNvSpPr>
+            <a:spLocks noGrp="1"/>
+          </p:cNvSpPr>
+          <p:nvPr>
+            <p:ph type="sldNum" sz="quarter" idx="10"/>
+          </p:nvPr>
+        </p:nvSpPr>
+        <p:spPr/>
+        <p:txBody>
+          <a:bodyPr/>
+          <a:lstStyle/>
+          <a:p>
+            <a:fld id="{C5452D39-A60D-4913-8D65-C58A0C43AED7}" type="slidenum">
+              <a:rPr lang="da-DK" smtClean="0"/>
+              <a:t>13</a:t>
+            </a:fld>
+            <a:endParaRPr lang="da-DK"/>
+          </a:p>
+        </p:txBody>
+      </p:sp>
+    </p:spTree>
+    <p:extLst>
+      <p:ext uri="{BB962C8B-B14F-4D97-AF65-F5344CB8AC3E}">
+        <p14:creationId xmlns:p14="http://schemas.microsoft.com/office/powerpoint/2010/main" val="4231426185"/>
+      </p:ext>
+    </p:extLst>
+  </p:cSld>
+  <p:clrMapOvr>
+    <a:masterClrMapping/>
+  </p:clrMapOvr>
+</p:notes>
+</file>
+
+<file path=ppt/notesSlides/notesSlide5.xml><?xml version="1.0" encoding="utf-8"?>
+<p:notes xmlns:a="http://schemas.openxmlformats.org/drawingml/2006/main" xmlns:r="http://schemas.openxmlformats.org/officeDocument/2006/relationships" xmlns:p="http://schemas.openxmlformats.org/presentationml/2006/main">
+  <p:cSld>
+    <p:spTree>
+      <p:nvGrpSpPr>
+        <p:cNvPr id="1" name=""/>
+        <p:cNvGrpSpPr/>
+        <p:nvPr/>
+      </p:nvGrpSpPr>
+      <p:grpSpPr>
+        <a:xfrm>
+          <a:off x="0" y="0"/>
+          <a:ext cx="0" cy="0"/>
+          <a:chOff x="0" y="0"/>
+          <a:chExt cx="0" cy="0"/>
+        </a:xfrm>
+      </p:grpSpPr>
+      <p:sp>
+        <p:nvSpPr>
+          <p:cNvPr id="2" name="Slide Image Placeholder 1"/>
+          <p:cNvSpPr>
+            <a:spLocks noGrp="1" noRot="1" noChangeAspect="1"/>
+          </p:cNvSpPr>
+          <p:nvPr>
+            <p:ph type="sldImg"/>
+          </p:nvPr>
+        </p:nvSpPr>
+        <p:spPr/>
+      </p:sp>
+      <p:sp>
+        <p:nvSpPr>
+          <p:cNvPr id="3" name="Notes Placeholder 2"/>
+          <p:cNvSpPr>
+            <a:spLocks noGrp="1"/>
+          </p:cNvSpPr>
+          <p:nvPr>
+            <p:ph type="body" idx="1"/>
+          </p:nvPr>
+        </p:nvSpPr>
+        <p:spPr/>
+        <p:txBody>
+          <a:bodyPr/>
+          <a:lstStyle/>
+          <a:p>
+            <a:r>
+              <a:rPr lang="da-DK" dirty="0"/>
               <a:t>https://www.thewindowsclub.com/how-to-allow-pings-icmp-echo-requests-through-windows-firewall</a:t>
             </a:r>
           </a:p>
@@ -902,7 +1015,7 @@
           <a:lstStyle/>
           <a:p>
             <a:r>
-              <a:rPr lang="en-US" smtClean="0"/>
+              <a:rPr lang="en-US"/>
               <a:t>Click to edit Master title style</a:t>
             </a:r>
             <a:endParaRPr lang="da-DK"/>
@@ -1009,10 +1122,9 @@
           <a:p>
             <a:pPr lvl="0"/>
             <a:r>
-              <a:rPr lang="en-GB" dirty="0" smtClean="0"/>
+              <a:rPr lang="en-GB" dirty="0"/>
               <a:t>Subtitle</a:t>
             </a:r>
-            <a:endParaRPr lang="en-GB" dirty="0"/>
           </a:p>
         </p:txBody>
       </p:sp>
@@ -1232,7 +1344,7 @@
               </a:defRPr>
             </a:pPr>
             <a:r>
-              <a:rPr lang="en-GB" sz="700" b="0" i="0" u="none" strike="noStrike" kern="1200" cap="all" spc="0" baseline="0" dirty="0" smtClean="0">
+              <a:rPr lang="en-GB" sz="700" b="0" i="0" u="none" strike="noStrike" kern="1200" cap="all" spc="0" baseline="0" dirty="0">
                 <a:solidFill>
                   <a:srgbClr val="FFFFFF"/>
                 </a:solidFill>
@@ -1263,7 +1375,7 @@
               </a:defRPr>
             </a:pPr>
             <a:r>
-              <a:rPr lang="en-GB" sz="700" b="0" i="0" u="none" strike="noStrike" kern="1200" cap="all" spc="0" baseline="0" dirty="0" smtClean="0">
+              <a:rPr lang="en-GB" sz="700" b="0" i="0" u="none" strike="noStrike" kern="1200" cap="all" spc="0" baseline="0" dirty="0">
                 <a:solidFill>
                   <a:srgbClr val="FFFFFF"/>
                 </a:solidFill>
@@ -1272,13 +1384,6 @@
               </a:rPr>
               <a:t>ml@ase.au.dk</a:t>
             </a:r>
-            <a:endParaRPr lang="en-GB" sz="700" b="0" i="0" u="none" strike="noStrike" kern="1200" cap="all" spc="0" baseline="0" dirty="0">
-              <a:solidFill>
-                <a:srgbClr val="FFFFFF"/>
-              </a:solidFill>
-              <a:uFillTx/>
-              <a:latin typeface="Gill Sans MT" panose="020B0502020104020203" pitchFamily="34" charset="0"/>
-            </a:endParaRPr>
           </a:p>
         </p:txBody>
       </p:sp>
@@ -1330,7 +1435,7 @@
           <a:p>
             <a:pPr lvl="0"/>
             <a:r>
-              <a:rPr lang="en-US" dirty="0" smtClean="0"/>
+              <a:rPr lang="en-US" dirty="0"/>
               <a:t>Title</a:t>
             </a:r>
           </a:p>
@@ -1391,7 +1496,7 @@
           </a:lstStyle>
           <a:p>
             <a:r>
-              <a:rPr lang="en-US" smtClean="0"/>
+              <a:rPr lang="en-US"/>
               <a:t>Click to edit Master title style</a:t>
             </a:r>
             <a:endParaRPr lang="da-DK"/>
@@ -1518,7 +1623,7 @@
           <a:p>
             <a:pPr lvl="0"/>
             <a:r>
-              <a:rPr lang="en-US" smtClean="0"/>
+              <a:rPr lang="en-US"/>
               <a:t>Click to edit Master text styles</a:t>
             </a:r>
           </a:p>
@@ -1612,7 +1717,7 @@
           <a:lstStyle/>
           <a:p>
             <a:r>
-              <a:rPr lang="en-US" smtClean="0"/>
+              <a:rPr lang="en-US"/>
               <a:t>Click to edit Master title style</a:t>
             </a:r>
             <a:endParaRPr lang="da-DK"/>
@@ -1636,35 +1741,35 @@
           <a:p>
             <a:pPr lvl="0"/>
             <a:r>
-              <a:rPr lang="en-US" smtClean="0"/>
+              <a:rPr lang="en-US"/>
               <a:t>Click to edit Master text styles</a:t>
             </a:r>
           </a:p>
           <a:p>
             <a:pPr lvl="1"/>
             <a:r>
-              <a:rPr lang="en-US" smtClean="0"/>
+              <a:rPr lang="en-US"/>
               <a:t>Second level</a:t>
             </a:r>
           </a:p>
           <a:p>
             <a:pPr lvl="2"/>
             <a:r>
-              <a:rPr lang="en-US" smtClean="0"/>
+              <a:rPr lang="en-US"/>
               <a:t>Third level</a:t>
             </a:r>
           </a:p>
           <a:p>
             <a:pPr lvl="3"/>
             <a:r>
-              <a:rPr lang="en-US" smtClean="0"/>
+              <a:rPr lang="en-US"/>
               <a:t>Fourth level</a:t>
             </a:r>
           </a:p>
           <a:p>
             <a:pPr lvl="4"/>
             <a:r>
-              <a:rPr lang="en-US" smtClean="0"/>
+              <a:rPr lang="en-US"/>
               <a:t>Fifth level</a:t>
             </a:r>
             <a:endParaRPr lang="da-DK"/>
@@ -1764,7 +1869,7 @@
           <a:lstStyle/>
           <a:p>
             <a:r>
-              <a:rPr lang="en-US" smtClean="0"/>
+              <a:rPr lang="en-US"/>
               <a:t>Click to edit Master title style</a:t>
             </a:r>
             <a:endParaRPr lang="da-DK"/>
@@ -1793,35 +1898,35 @@
           <a:p>
             <a:pPr lvl="0"/>
             <a:r>
-              <a:rPr lang="en-US" smtClean="0"/>
+              <a:rPr lang="en-US"/>
               <a:t>Click to edit Master text styles</a:t>
             </a:r>
           </a:p>
           <a:p>
             <a:pPr lvl="1"/>
             <a:r>
-              <a:rPr lang="en-US" smtClean="0"/>
+              <a:rPr lang="en-US"/>
               <a:t>Second level</a:t>
             </a:r>
           </a:p>
           <a:p>
             <a:pPr lvl="2"/>
             <a:r>
-              <a:rPr lang="en-US" smtClean="0"/>
+              <a:rPr lang="en-US"/>
               <a:t>Third level</a:t>
             </a:r>
           </a:p>
           <a:p>
             <a:pPr lvl="3"/>
             <a:r>
-              <a:rPr lang="en-US" smtClean="0"/>
+              <a:rPr lang="en-US"/>
               <a:t>Fourth level</a:t>
             </a:r>
           </a:p>
           <a:p>
             <a:pPr lvl="4"/>
             <a:r>
-              <a:rPr lang="en-US" smtClean="0"/>
+              <a:rPr lang="en-US"/>
               <a:t>Fifth level</a:t>
             </a:r>
             <a:endParaRPr lang="da-DK"/>
@@ -1916,7 +2021,7 @@
           <a:lstStyle/>
           <a:p>
             <a:r>
-              <a:rPr lang="en-US" smtClean="0"/>
+              <a:rPr lang="en-US"/>
               <a:t>Click to edit Master title style</a:t>
             </a:r>
             <a:endParaRPr lang="da-DK"/>
@@ -2130,7 +2235,7 @@
           </a:lstStyle>
           <a:p>
             <a:r>
-              <a:rPr lang="en-US" dirty="0" smtClean="0"/>
+              <a:rPr lang="en-US" dirty="0"/>
               <a:t>Click to edit Master title style</a:t>
             </a:r>
             <a:endParaRPr lang="da-DK" dirty="0"/>
@@ -2195,7 +2300,7 @@
           </a:lstStyle>
           <a:p>
             <a:r>
-              <a:rPr lang="en-US" smtClean="0"/>
+              <a:rPr lang="en-US"/>
               <a:t>Click to edit Master subtitle style</a:t>
             </a:r>
             <a:endParaRPr lang="da-DK"/>
@@ -2290,7 +2395,7 @@
           <a:lstStyle/>
           <a:p>
             <a:r>
-              <a:rPr lang="en-US" dirty="0" smtClean="0"/>
+              <a:rPr lang="en-US" dirty="0"/>
               <a:t>Click to edit Master title style</a:t>
             </a:r>
             <a:endParaRPr lang="da-DK" dirty="0"/>
@@ -2314,35 +2419,35 @@
           <a:p>
             <a:pPr lvl="0"/>
             <a:r>
-              <a:rPr lang="en-US" smtClean="0"/>
+              <a:rPr lang="en-US"/>
               <a:t>Click to edit Master text styles</a:t>
             </a:r>
           </a:p>
           <a:p>
             <a:pPr lvl="1"/>
             <a:r>
-              <a:rPr lang="en-US" smtClean="0"/>
+              <a:rPr lang="en-US"/>
               <a:t>Second level</a:t>
             </a:r>
           </a:p>
           <a:p>
             <a:pPr lvl="2"/>
             <a:r>
-              <a:rPr lang="en-US" smtClean="0"/>
+              <a:rPr lang="en-US"/>
               <a:t>Third level</a:t>
             </a:r>
           </a:p>
           <a:p>
             <a:pPr lvl="3"/>
             <a:r>
-              <a:rPr lang="en-US" smtClean="0"/>
+              <a:rPr lang="en-US"/>
               <a:t>Fourth level</a:t>
             </a:r>
           </a:p>
           <a:p>
             <a:pPr lvl="4"/>
             <a:r>
-              <a:rPr lang="en-US" smtClean="0"/>
+              <a:rPr lang="en-US"/>
               <a:t>Fifth level</a:t>
             </a:r>
             <a:endParaRPr lang="da-DK"/>
@@ -2446,7 +2551,7 @@
           </a:lstStyle>
           <a:p>
             <a:r>
-              <a:rPr lang="en-US" smtClean="0"/>
+              <a:rPr lang="en-US"/>
               <a:t>Click to edit Master title style</a:t>
             </a:r>
             <a:endParaRPr lang="da-DK"/>
@@ -2566,7 +2671,7 @@
           <a:p>
             <a:pPr lvl="0"/>
             <a:r>
-              <a:rPr lang="en-US" smtClean="0"/>
+              <a:rPr lang="en-US"/>
               <a:t>Click to edit Master text styles</a:t>
             </a:r>
           </a:p>
@@ -2660,7 +2765,7 @@
           <a:lstStyle/>
           <a:p>
             <a:r>
-              <a:rPr lang="en-US" smtClean="0"/>
+              <a:rPr lang="en-US"/>
               <a:t>Click to edit Master title style</a:t>
             </a:r>
             <a:endParaRPr lang="da-DK"/>
@@ -2689,35 +2794,35 @@
           <a:p>
             <a:pPr lvl="0"/>
             <a:r>
-              <a:rPr lang="en-US" smtClean="0"/>
+              <a:rPr lang="en-US"/>
               <a:t>Click to edit Master text styles</a:t>
             </a:r>
           </a:p>
           <a:p>
             <a:pPr lvl="1"/>
             <a:r>
-              <a:rPr lang="en-US" smtClean="0"/>
+              <a:rPr lang="en-US"/>
               <a:t>Second level</a:t>
             </a:r>
           </a:p>
           <a:p>
             <a:pPr lvl="2"/>
             <a:r>
-              <a:rPr lang="en-US" smtClean="0"/>
+              <a:rPr lang="en-US"/>
               <a:t>Third level</a:t>
             </a:r>
           </a:p>
           <a:p>
             <a:pPr lvl="3"/>
             <a:r>
-              <a:rPr lang="en-US" smtClean="0"/>
+              <a:rPr lang="en-US"/>
               <a:t>Fourth level</a:t>
             </a:r>
           </a:p>
           <a:p>
             <a:pPr lvl="4"/>
             <a:r>
-              <a:rPr lang="en-US" smtClean="0"/>
+              <a:rPr lang="en-US"/>
               <a:t>Fifth level</a:t>
             </a:r>
             <a:endParaRPr lang="da-DK"/>
@@ -2746,35 +2851,35 @@
           <a:p>
             <a:pPr lvl="0"/>
             <a:r>
-              <a:rPr lang="en-US" smtClean="0"/>
+              <a:rPr lang="en-US"/>
               <a:t>Click to edit Master text styles</a:t>
             </a:r>
           </a:p>
           <a:p>
             <a:pPr lvl="1"/>
             <a:r>
-              <a:rPr lang="en-US" smtClean="0"/>
+              <a:rPr lang="en-US"/>
               <a:t>Second level</a:t>
             </a:r>
           </a:p>
           <a:p>
             <a:pPr lvl="2"/>
             <a:r>
-              <a:rPr lang="en-US" smtClean="0"/>
+              <a:rPr lang="en-US"/>
               <a:t>Third level</a:t>
             </a:r>
           </a:p>
           <a:p>
             <a:pPr lvl="3"/>
             <a:r>
-              <a:rPr lang="en-US" smtClean="0"/>
+              <a:rPr lang="en-US"/>
               <a:t>Fourth level</a:t>
             </a:r>
           </a:p>
           <a:p>
             <a:pPr lvl="4"/>
             <a:r>
-              <a:rPr lang="en-US" smtClean="0"/>
+              <a:rPr lang="en-US"/>
               <a:t>Fifth level</a:t>
             </a:r>
             <a:endParaRPr lang="da-DK"/>
@@ -2874,7 +2979,7 @@
           <a:lstStyle/>
           <a:p>
             <a:r>
-              <a:rPr lang="en-US" smtClean="0"/>
+              <a:rPr lang="en-US"/>
               <a:t>Click to edit Master title style</a:t>
             </a:r>
             <a:endParaRPr lang="da-DK"/>
@@ -2940,7 +3045,7 @@
           <a:p>
             <a:pPr lvl="0"/>
             <a:r>
-              <a:rPr lang="en-US" smtClean="0"/>
+              <a:rPr lang="en-US"/>
               <a:t>Click to edit Master text styles</a:t>
             </a:r>
           </a:p>
@@ -2968,35 +3073,35 @@
           <a:p>
             <a:pPr lvl="0"/>
             <a:r>
-              <a:rPr lang="en-US" smtClean="0"/>
+              <a:rPr lang="en-US"/>
               <a:t>Click to edit Master text styles</a:t>
             </a:r>
           </a:p>
           <a:p>
             <a:pPr lvl="1"/>
             <a:r>
-              <a:rPr lang="en-US" smtClean="0"/>
+              <a:rPr lang="en-US"/>
               <a:t>Second level</a:t>
             </a:r>
           </a:p>
           <a:p>
             <a:pPr lvl="2"/>
             <a:r>
-              <a:rPr lang="en-US" smtClean="0"/>
+              <a:rPr lang="en-US"/>
               <a:t>Third level</a:t>
             </a:r>
           </a:p>
           <a:p>
             <a:pPr lvl="3"/>
             <a:r>
-              <a:rPr lang="en-US" smtClean="0"/>
+              <a:rPr lang="en-US"/>
               <a:t>Fourth level</a:t>
             </a:r>
           </a:p>
           <a:p>
             <a:pPr lvl="4"/>
             <a:r>
-              <a:rPr lang="en-US" smtClean="0"/>
+              <a:rPr lang="en-US"/>
               <a:t>Fifth level</a:t>
             </a:r>
             <a:endParaRPr lang="da-DK"/>
@@ -3062,7 +3167,7 @@
           <a:p>
             <a:pPr lvl="0"/>
             <a:r>
-              <a:rPr lang="en-US" smtClean="0"/>
+              <a:rPr lang="en-US"/>
               <a:t>Click to edit Master text styles</a:t>
             </a:r>
           </a:p>
@@ -3090,35 +3195,35 @@
           <a:p>
             <a:pPr lvl="0"/>
             <a:r>
-              <a:rPr lang="en-US" smtClean="0"/>
+              <a:rPr lang="en-US"/>
               <a:t>Click to edit Master text styles</a:t>
             </a:r>
           </a:p>
           <a:p>
             <a:pPr lvl="1"/>
             <a:r>
-              <a:rPr lang="en-US" smtClean="0"/>
+              <a:rPr lang="en-US"/>
               <a:t>Second level</a:t>
             </a:r>
           </a:p>
           <a:p>
             <a:pPr lvl="2"/>
             <a:r>
-              <a:rPr lang="en-US" smtClean="0"/>
+              <a:rPr lang="en-US"/>
               <a:t>Third level</a:t>
             </a:r>
           </a:p>
           <a:p>
             <a:pPr lvl="3"/>
             <a:r>
-              <a:rPr lang="en-US" smtClean="0"/>
+              <a:rPr lang="en-US"/>
               <a:t>Fourth level</a:t>
             </a:r>
           </a:p>
           <a:p>
             <a:pPr lvl="4"/>
             <a:r>
-              <a:rPr lang="en-US" smtClean="0"/>
+              <a:rPr lang="en-US"/>
               <a:t>Fifth level</a:t>
             </a:r>
             <a:endParaRPr lang="da-DK"/>
@@ -3213,7 +3318,7 @@
           <a:lstStyle/>
           <a:p>
             <a:r>
-              <a:rPr lang="en-US" smtClean="0"/>
+              <a:rPr lang="en-US"/>
               <a:t>Click to edit Master title style</a:t>
             </a:r>
             <a:endParaRPr lang="da-DK"/>
@@ -3389,7 +3494,7 @@
           </a:lstStyle>
           <a:p>
             <a:r>
-              <a:rPr lang="en-US" smtClean="0"/>
+              <a:rPr lang="en-US"/>
               <a:t>Click to edit Master title style</a:t>
             </a:r>
             <a:endParaRPr lang="da-DK"/>
@@ -3446,35 +3551,35 @@
           <a:p>
             <a:pPr lvl="0"/>
             <a:r>
-              <a:rPr lang="en-US" smtClean="0"/>
+              <a:rPr lang="en-US"/>
               <a:t>Click to edit Master text styles</a:t>
             </a:r>
           </a:p>
           <a:p>
             <a:pPr lvl="1"/>
             <a:r>
-              <a:rPr lang="en-US" smtClean="0"/>
+              <a:rPr lang="en-US"/>
               <a:t>Second level</a:t>
             </a:r>
           </a:p>
           <a:p>
             <a:pPr lvl="2"/>
             <a:r>
-              <a:rPr lang="en-US" smtClean="0"/>
+              <a:rPr lang="en-US"/>
               <a:t>Third level</a:t>
             </a:r>
           </a:p>
           <a:p>
             <a:pPr lvl="3"/>
             <a:r>
-              <a:rPr lang="en-US" smtClean="0"/>
+              <a:rPr lang="en-US"/>
               <a:t>Fourth level</a:t>
             </a:r>
           </a:p>
           <a:p>
             <a:pPr lvl="4"/>
             <a:r>
-              <a:rPr lang="en-US" smtClean="0"/>
+              <a:rPr lang="en-US"/>
               <a:t>Fifth level</a:t>
             </a:r>
             <a:endParaRPr lang="da-DK"/>
@@ -3540,7 +3645,7 @@
           <a:p>
             <a:pPr lvl="0"/>
             <a:r>
-              <a:rPr lang="en-US" smtClean="0"/>
+              <a:rPr lang="en-US"/>
               <a:t>Click to edit Master text styles</a:t>
             </a:r>
           </a:p>
@@ -3649,7 +3754,7 @@
           <a:lstStyle/>
           <a:p>
             <a:r>
-              <a:rPr lang="en-US" dirty="0" smtClean="0"/>
+              <a:rPr lang="en-US" dirty="0"/>
               <a:t>Click to edit Master title style</a:t>
             </a:r>
             <a:endParaRPr lang="da-DK" dirty="0"/>
@@ -3683,35 +3788,35 @@
           <a:p>
             <a:pPr lvl="0"/>
             <a:r>
-              <a:rPr lang="en-US" dirty="0" smtClean="0"/>
+              <a:rPr lang="en-US" dirty="0"/>
               <a:t>Click to edit Master text styles</a:t>
             </a:r>
           </a:p>
           <a:p>
             <a:pPr lvl="1"/>
             <a:r>
-              <a:rPr lang="en-US" dirty="0" smtClean="0"/>
+              <a:rPr lang="en-US" dirty="0"/>
               <a:t>Second level</a:t>
             </a:r>
           </a:p>
           <a:p>
             <a:pPr lvl="2"/>
             <a:r>
-              <a:rPr lang="en-US" dirty="0" smtClean="0"/>
+              <a:rPr lang="en-US" dirty="0"/>
               <a:t>Third level</a:t>
             </a:r>
           </a:p>
           <a:p>
             <a:pPr lvl="3"/>
             <a:r>
-              <a:rPr lang="en-US" dirty="0" smtClean="0"/>
+              <a:rPr lang="en-US" dirty="0"/>
               <a:t>Fourth level</a:t>
             </a:r>
           </a:p>
           <a:p>
             <a:pPr lvl="4"/>
             <a:r>
-              <a:rPr lang="en-US" dirty="0" smtClean="0"/>
+              <a:rPr lang="en-US" dirty="0"/>
               <a:t>Fifth level</a:t>
             </a:r>
             <a:endParaRPr lang="da-DK" dirty="0"/>
@@ -4173,10 +4278,9 @@
           <a:lstStyle/>
           <a:p>
             <a:r>
-              <a:rPr lang="da-DK" dirty="0" smtClean="0"/>
+              <a:rPr lang="da-DK" dirty="0"/>
               <a:t>IP Networks</a:t>
             </a:r>
-            <a:endParaRPr lang="da-DK" dirty="0"/>
           </a:p>
         </p:txBody>
       </p:sp>
@@ -4190,13 +4294,6 @@
   <p:clrMapOvr>
     <a:masterClrMapping/>
   </p:clrMapOvr>
-  <p:timing>
-    <p:tnLst>
-      <p:par>
-        <p:cTn id="1" dur="indefinite" restart="never" nodeType="tmRoot"/>
-      </p:par>
-    </p:tnLst>
-  </p:timing>
 </p:sld>
 </file>
 
@@ -4233,7 +4330,7 @@
           <a:lstStyle/>
           <a:p>
             <a:r>
-              <a:rPr lang="en-US" dirty="0" smtClean="0"/>
+              <a:rPr lang="en-US" dirty="0"/>
               <a:t>IPv4 addresses</a:t>
             </a:r>
             <a:endParaRPr lang="da-DK" dirty="0"/>
@@ -4579,7 +4676,7 @@
           <a:p>
             <a:pPr algn="ctr"/>
             <a:r>
-              <a:rPr lang="en-US" dirty="0" smtClean="0">
+              <a:rPr lang="en-US" dirty="0">
                 <a:solidFill>
                   <a:schemeClr val="tx1"/>
                 </a:solidFill>
@@ -4959,7 +5056,7 @@
               <a:buNone/>
             </a:pPr>
             <a:r>
-              <a:rPr lang="en-US" dirty="0" smtClean="0"/>
+              <a:rPr lang="en-US" dirty="0"/>
               <a:t>IPv4 addresses are 32 bits long. They are written as 4 bytes.</a:t>
             </a:r>
           </a:p>
@@ -4969,7 +5066,7 @@
               <a:buNone/>
             </a:pPr>
             <a:r>
-              <a:rPr lang="en-US" dirty="0" smtClean="0"/>
+              <a:rPr lang="en-US" dirty="0"/>
               <a:t>E.g. 192.168.1.100</a:t>
             </a:r>
             <a:endParaRPr lang="da-DK" dirty="0"/>
@@ -4986,13 +5083,6 @@
   <p:clrMapOvr>
     <a:masterClrMapping/>
   </p:clrMapOvr>
-  <p:timing>
-    <p:tnLst>
-      <p:par>
-        <p:cTn id="1" dur="indefinite" restart="never" nodeType="tmRoot"/>
-      </p:par>
-    </p:tnLst>
-  </p:timing>
 </p:sld>
 </file>
 
@@ -5029,10 +5119,9 @@
           <a:lstStyle/>
           <a:p>
             <a:r>
-              <a:rPr lang="da-DK" dirty="0" smtClean="0"/>
+              <a:rPr lang="da-DK" dirty="0"/>
               <a:t>IP Address format</a:t>
             </a:r>
-            <a:endParaRPr lang="da-DK" dirty="0"/>
           </a:p>
         </p:txBody>
       </p:sp>
@@ -5088,16 +5177,9 @@
                 <a:latin typeface="Gill Sans MT" panose="020B0502020104020203" pitchFamily="34" charset="0"/>
                 <a:hlinkClick r:id="rId4"/>
               </a:rPr>
-              <a:t>https://cidr.xyz</a:t>
-            </a:r>
-            <a:r>
-              <a:rPr lang="da-DK" dirty="0" smtClean="0">
-                <a:latin typeface="Gill Sans MT" panose="020B0502020104020203" pitchFamily="34" charset="0"/>
-                <a:hlinkClick r:id="rId4"/>
-              </a:rPr>
-              <a:t>/</a:t>
-            </a:r>
-            <a:endParaRPr lang="da-DK" dirty="0" smtClean="0">
+              <a:t>https://cidr.xyz/</a:t>
+            </a:r>
+            <a:endParaRPr lang="da-DK" dirty="0">
               <a:latin typeface="Gill Sans MT" panose="020B0502020104020203" pitchFamily="34" charset="0"/>
             </a:endParaRPr>
           </a:p>
@@ -5125,445 +5207,388 @@
           <a:lstStyle/>
           <a:p>
             <a:r>
-              <a:rPr lang="da-DK" dirty="0" smtClean="0">
+              <a:rPr lang="da-DK" dirty="0">
                 <a:latin typeface="Gill Sans MT" panose="020B0502020104020203" pitchFamily="34" charset="0"/>
               </a:rPr>
               <a:t>Networks </a:t>
             </a:r>
             <a:r>
-              <a:rPr lang="da-DK" dirty="0" err="1" smtClean="0">
+              <a:rPr lang="da-DK" dirty="0" err="1">
                 <a:latin typeface="Gill Sans MT" panose="020B0502020104020203" pitchFamily="34" charset="0"/>
               </a:rPr>
-              <a:t>ca</a:t>
-            </a:r>
-            <a:r>
-              <a:rPr lang="da-DK" dirty="0" err="1" smtClean="0">
-                <a:latin typeface="Gill Sans MT" panose="020B0502020104020203" pitchFamily="34" charset="0"/>
-              </a:rPr>
-              <a:t>n</a:t>
-            </a:r>
-            <a:r>
-              <a:rPr lang="da-DK" dirty="0" smtClean="0">
+              <a:t>can</a:t>
+            </a:r>
+            <a:r>
+              <a:rPr lang="da-DK" dirty="0">
                 <a:latin typeface="Gill Sans MT" panose="020B0502020104020203" pitchFamily="34" charset="0"/>
               </a:rPr>
               <a:t> </a:t>
             </a:r>
             <a:r>
-              <a:rPr lang="da-DK" dirty="0" err="1" smtClean="0">
+              <a:rPr lang="da-DK" dirty="0" err="1">
                 <a:latin typeface="Gill Sans MT" panose="020B0502020104020203" pitchFamily="34" charset="0"/>
               </a:rPr>
               <a:t>be</a:t>
             </a:r>
             <a:r>
-              <a:rPr lang="da-DK" dirty="0" smtClean="0">
+              <a:rPr lang="da-DK" dirty="0">
                 <a:latin typeface="Gill Sans MT" panose="020B0502020104020203" pitchFamily="34" charset="0"/>
               </a:rPr>
-              <a:t> split in to subnets. A subnet has an </a:t>
-            </a:r>
-            <a:r>
-              <a:rPr lang="da-DK" dirty="0" smtClean="0">
+              <a:t> split in to subnets. A subnet has an IP </a:t>
+            </a:r>
+            <a:r>
+              <a:rPr lang="da-DK" dirty="0" err="1">
                 <a:latin typeface="Gill Sans MT" panose="020B0502020104020203" pitchFamily="34" charset="0"/>
               </a:rPr>
-              <a:t>IP </a:t>
-            </a:r>
-            <a:r>
-              <a:rPr lang="da-DK" dirty="0" err="1" smtClean="0">
-                <a:latin typeface="Gill Sans MT" panose="020B0502020104020203" pitchFamily="34" charset="0"/>
-              </a:rPr>
-              <a:t>a</a:t>
-            </a:r>
-            <a:r>
-              <a:rPr lang="da-DK" dirty="0" err="1" smtClean="0">
-                <a:latin typeface="Gill Sans MT" panose="020B0502020104020203" pitchFamily="34" charset="0"/>
-              </a:rPr>
-              <a:t>ddress</a:t>
-            </a:r>
-            <a:r>
-              <a:rPr lang="da-DK" dirty="0" smtClean="0">
+              <a:t>address</a:t>
+            </a:r>
+            <a:r>
+              <a:rPr lang="da-DK" dirty="0">
                 <a:latin typeface="Gill Sans MT" panose="020B0502020104020203" pitchFamily="34" charset="0"/>
               </a:rPr>
               <a:t> range, </a:t>
             </a:r>
             <a:r>
-              <a:rPr lang="da-DK" dirty="0" err="1" smtClean="0">
+              <a:rPr lang="da-DK" dirty="0" err="1">
                 <a:latin typeface="Gill Sans MT" panose="020B0502020104020203" pitchFamily="34" charset="0"/>
               </a:rPr>
               <a:t>which</a:t>
             </a:r>
             <a:r>
-              <a:rPr lang="da-DK" dirty="0" smtClean="0">
+              <a:rPr lang="da-DK" dirty="0">
                 <a:latin typeface="Gill Sans MT" panose="020B0502020104020203" pitchFamily="34" charset="0"/>
               </a:rPr>
               <a:t> </a:t>
             </a:r>
             <a:r>
-              <a:rPr lang="da-DK" dirty="0" err="1" smtClean="0">
+              <a:rPr lang="da-DK" dirty="0" err="1">
                 <a:latin typeface="Gill Sans MT" panose="020B0502020104020203" pitchFamily="34" charset="0"/>
               </a:rPr>
               <a:t>are</a:t>
             </a:r>
             <a:r>
-              <a:rPr lang="da-DK" dirty="0" smtClean="0">
+              <a:rPr lang="da-DK" dirty="0">
                 <a:latin typeface="Gill Sans MT" panose="020B0502020104020203" pitchFamily="34" charset="0"/>
               </a:rPr>
               <a:t> the </a:t>
             </a:r>
             <a:r>
-              <a:rPr lang="da-DK" dirty="0" err="1" smtClean="0">
+              <a:rPr lang="da-DK" dirty="0" err="1">
                 <a:latin typeface="Gill Sans MT" panose="020B0502020104020203" pitchFamily="34" charset="0"/>
               </a:rPr>
               <a:t>addresses</a:t>
             </a:r>
             <a:r>
-              <a:rPr lang="da-DK" dirty="0" smtClean="0">
+              <a:rPr lang="da-DK" dirty="0">
                 <a:latin typeface="Gill Sans MT" panose="020B0502020104020203" pitchFamily="34" charset="0"/>
               </a:rPr>
               <a:t> </a:t>
             </a:r>
             <a:r>
-              <a:rPr lang="da-DK" dirty="0" err="1" smtClean="0">
+              <a:rPr lang="da-DK" dirty="0" err="1">
                 <a:latin typeface="Gill Sans MT" panose="020B0502020104020203" pitchFamily="34" charset="0"/>
               </a:rPr>
               <a:t>usable</a:t>
             </a:r>
             <a:r>
-              <a:rPr lang="da-DK" dirty="0" smtClean="0">
+              <a:rPr lang="da-DK" dirty="0">
                 <a:latin typeface="Gill Sans MT" panose="020B0502020104020203" pitchFamily="34" charset="0"/>
               </a:rPr>
               <a:t> in </a:t>
             </a:r>
             <a:r>
-              <a:rPr lang="da-DK" dirty="0" err="1" smtClean="0">
+              <a:rPr lang="da-DK" dirty="0" err="1">
                 <a:latin typeface="Gill Sans MT" panose="020B0502020104020203" pitchFamily="34" charset="0"/>
               </a:rPr>
               <a:t>that</a:t>
             </a:r>
             <a:r>
-              <a:rPr lang="da-DK" dirty="0" smtClean="0">
+              <a:rPr lang="da-DK" dirty="0">
                 <a:latin typeface="Gill Sans MT" panose="020B0502020104020203" pitchFamily="34" charset="0"/>
               </a:rPr>
               <a:t> </a:t>
             </a:r>
             <a:r>
-              <a:rPr lang="da-DK" dirty="0" err="1" smtClean="0">
+              <a:rPr lang="da-DK" dirty="0" err="1">
                 <a:latin typeface="Gill Sans MT" panose="020B0502020104020203" pitchFamily="34" charset="0"/>
               </a:rPr>
               <a:t>network</a:t>
             </a:r>
             <a:r>
-              <a:rPr lang="da-DK" dirty="0" smtClean="0">
+              <a:rPr lang="da-DK" dirty="0">
                 <a:latin typeface="Gill Sans MT" panose="020B0502020104020203" pitchFamily="34" charset="0"/>
               </a:rPr>
               <a:t>.</a:t>
             </a:r>
           </a:p>
           <a:p>
-            <a:endParaRPr lang="da-DK" dirty="0" smtClean="0">
+            <a:endParaRPr lang="da-DK" dirty="0">
               <a:latin typeface="Gill Sans MT" panose="020B0502020104020203" pitchFamily="34" charset="0"/>
             </a:endParaRPr>
           </a:p>
           <a:p>
             <a:r>
-              <a:rPr lang="da-DK" dirty="0" smtClean="0">
+              <a:rPr lang="da-DK" dirty="0">
                 <a:latin typeface="Gill Sans MT" panose="020B0502020104020203" pitchFamily="34" charset="0"/>
               </a:rPr>
               <a:t>Data is </a:t>
             </a:r>
             <a:r>
-              <a:rPr lang="da-DK" dirty="0" err="1" smtClean="0">
+              <a:rPr lang="da-DK" dirty="0" err="1">
                 <a:latin typeface="Gill Sans MT" panose="020B0502020104020203" pitchFamily="34" charset="0"/>
               </a:rPr>
               <a:t>routed</a:t>
             </a:r>
             <a:r>
-              <a:rPr lang="da-DK" dirty="0" smtClean="0">
+              <a:rPr lang="da-DK" dirty="0">
                 <a:latin typeface="Gill Sans MT" panose="020B0502020104020203" pitchFamily="34" charset="0"/>
               </a:rPr>
               <a:t> </a:t>
             </a:r>
             <a:r>
-              <a:rPr lang="da-DK" dirty="0" err="1" smtClean="0">
+              <a:rPr lang="da-DK" dirty="0" err="1">
                 <a:latin typeface="Gill Sans MT" panose="020B0502020104020203" pitchFamily="34" charset="0"/>
               </a:rPr>
               <a:t>inside</a:t>
             </a:r>
             <a:r>
-              <a:rPr lang="da-DK" dirty="0" smtClean="0">
+              <a:rPr lang="da-DK" dirty="0">
                 <a:latin typeface="Gill Sans MT" panose="020B0502020104020203" pitchFamily="34" charset="0"/>
               </a:rPr>
               <a:t> a subnet.</a:t>
             </a:r>
           </a:p>
           <a:p>
-            <a:endParaRPr lang="da-DK" dirty="0" smtClean="0">
+            <a:endParaRPr lang="da-DK" dirty="0">
               <a:latin typeface="Gill Sans MT" panose="020B0502020104020203" pitchFamily="34" charset="0"/>
             </a:endParaRPr>
           </a:p>
           <a:p>
             <a:r>
-              <a:rPr lang="da-DK" dirty="0" smtClean="0">
+              <a:rPr lang="da-DK" dirty="0">
                 <a:latin typeface="Gill Sans MT" panose="020B0502020104020203" pitchFamily="34" charset="0"/>
               </a:rPr>
               <a:t>The 32 bit IP </a:t>
             </a:r>
             <a:r>
-              <a:rPr lang="da-DK" dirty="0" err="1" smtClean="0">
+              <a:rPr lang="da-DK" dirty="0" err="1">
+                <a:latin typeface="Gill Sans MT" panose="020B0502020104020203" pitchFamily="34" charset="0"/>
+              </a:rPr>
+              <a:t>addresses</a:t>
+            </a:r>
+            <a:r>
+              <a:rPr lang="da-DK" dirty="0">
+                <a:latin typeface="Gill Sans MT" panose="020B0502020104020203" pitchFamily="34" charset="0"/>
+              </a:rPr>
+              <a:t> </a:t>
+            </a:r>
+            <a:r>
+              <a:rPr lang="da-DK" dirty="0" err="1">
+                <a:latin typeface="Gill Sans MT" panose="020B0502020104020203" pitchFamily="34" charset="0"/>
+              </a:rPr>
+              <a:t>used</a:t>
+            </a:r>
+            <a:r>
+              <a:rPr lang="da-DK" dirty="0">
+                <a:latin typeface="Gill Sans MT" panose="020B0502020104020203" pitchFamily="34" charset="0"/>
+              </a:rPr>
+              <a:t> in the subnet is split in NETWORK and HOST parts.</a:t>
+            </a:r>
+          </a:p>
+          <a:p>
+            <a:endParaRPr lang="da-DK" dirty="0">
+              <a:latin typeface="Gill Sans MT" panose="020B0502020104020203" pitchFamily="34" charset="0"/>
+            </a:endParaRPr>
+          </a:p>
+          <a:p>
+            <a:r>
+              <a:rPr lang="da-DK" dirty="0">
+                <a:latin typeface="Gill Sans MT" panose="020B0502020104020203" pitchFamily="34" charset="0"/>
+              </a:rPr>
+              <a:t>In the 32 bit NETMASK, the bits set to 1 </a:t>
+            </a:r>
+            <a:r>
+              <a:rPr lang="da-DK" dirty="0" err="1">
+                <a:latin typeface="Gill Sans MT" panose="020B0502020104020203" pitchFamily="34" charset="0"/>
+              </a:rPr>
+              <a:t>specifies</a:t>
+            </a:r>
+            <a:r>
+              <a:rPr lang="da-DK" dirty="0">
+                <a:latin typeface="Gill Sans MT" panose="020B0502020104020203" pitchFamily="34" charset="0"/>
+              </a:rPr>
+              <a:t> the NETWORK part. The bits set to 0 </a:t>
+            </a:r>
+            <a:r>
+              <a:rPr lang="da-DK" dirty="0" err="1">
+                <a:latin typeface="Gill Sans MT" panose="020B0502020104020203" pitchFamily="34" charset="0"/>
+              </a:rPr>
+              <a:t>defines</a:t>
+            </a:r>
+            <a:r>
+              <a:rPr lang="da-DK" dirty="0">
+                <a:latin typeface="Gill Sans MT" panose="020B0502020104020203" pitchFamily="34" charset="0"/>
+              </a:rPr>
+              <a:t> the HOST parts.</a:t>
+            </a:r>
+          </a:p>
+          <a:p>
+            <a:endParaRPr lang="da-DK" dirty="0">
+              <a:latin typeface="Gill Sans MT" panose="020B0502020104020203" pitchFamily="34" charset="0"/>
+            </a:endParaRPr>
+          </a:p>
+          <a:p>
+            <a:r>
+              <a:rPr lang="da-DK" dirty="0">
+                <a:latin typeface="Gill Sans MT" panose="020B0502020104020203" pitchFamily="34" charset="0"/>
+              </a:rPr>
+              <a:t>The NETWORK part of an </a:t>
+            </a:r>
+            <a:r>
+              <a:rPr lang="da-DK" dirty="0" err="1">
                 <a:latin typeface="Gill Sans MT" panose="020B0502020104020203" pitchFamily="34" charset="0"/>
               </a:rPr>
               <a:t>address</a:t>
             </a:r>
             <a:r>
-              <a:rPr lang="da-DK" dirty="0" err="1" smtClean="0">
-                <a:latin typeface="Gill Sans MT" panose="020B0502020104020203" pitchFamily="34" charset="0"/>
-              </a:rPr>
-              <a:t>es</a:t>
-            </a:r>
-            <a:r>
-              <a:rPr lang="da-DK" dirty="0" smtClean="0">
+              <a:rPr lang="da-DK" dirty="0">
                 <a:latin typeface="Gill Sans MT" panose="020B0502020104020203" pitchFamily="34" charset="0"/>
               </a:rPr>
               <a:t> </a:t>
             </a:r>
             <a:r>
-              <a:rPr lang="da-DK" dirty="0" err="1" smtClean="0">
+              <a:rPr lang="da-DK" dirty="0" err="1">
+                <a:latin typeface="Gill Sans MT" panose="020B0502020104020203" pitchFamily="34" charset="0"/>
+              </a:rPr>
+              <a:t>can</a:t>
+            </a:r>
+            <a:r>
+              <a:rPr lang="da-DK" dirty="0">
+                <a:latin typeface="Gill Sans MT" panose="020B0502020104020203" pitchFamily="34" charset="0"/>
+              </a:rPr>
+              <a:t> </a:t>
+            </a:r>
+            <a:r>
+              <a:rPr lang="da-DK" dirty="0" err="1">
+                <a:latin typeface="Gill Sans MT" panose="020B0502020104020203" pitchFamily="34" charset="0"/>
+              </a:rPr>
+              <a:t>also</a:t>
+            </a:r>
+            <a:r>
+              <a:rPr lang="da-DK" dirty="0">
+                <a:latin typeface="Gill Sans MT" panose="020B0502020104020203" pitchFamily="34" charset="0"/>
+              </a:rPr>
+              <a:t> </a:t>
+            </a:r>
+            <a:r>
+              <a:rPr lang="da-DK" dirty="0" err="1">
+                <a:latin typeface="Gill Sans MT" panose="020B0502020104020203" pitchFamily="34" charset="0"/>
+              </a:rPr>
+              <a:t>be</a:t>
+            </a:r>
+            <a:r>
+              <a:rPr lang="da-DK" dirty="0">
+                <a:latin typeface="Gill Sans MT" panose="020B0502020104020203" pitchFamily="34" charset="0"/>
+              </a:rPr>
+              <a:t> </a:t>
+            </a:r>
+            <a:r>
+              <a:rPr lang="da-DK" dirty="0" err="1">
+                <a:latin typeface="Gill Sans MT" panose="020B0502020104020203" pitchFamily="34" charset="0"/>
+              </a:rPr>
+              <a:t>specified</a:t>
+            </a:r>
+            <a:r>
+              <a:rPr lang="da-DK" dirty="0">
+                <a:latin typeface="Gill Sans MT" panose="020B0502020104020203" pitchFamily="34" charset="0"/>
+              </a:rPr>
+              <a:t> in CIDR format (</a:t>
+            </a:r>
+            <a:r>
+              <a:rPr lang="da-DK" dirty="0" err="1">
+                <a:latin typeface="Gill Sans MT" panose="020B0502020104020203" pitchFamily="34" charset="0"/>
+              </a:rPr>
+              <a:t>Classless</a:t>
+            </a:r>
+            <a:r>
+              <a:rPr lang="da-DK" dirty="0">
+                <a:latin typeface="Gill Sans MT" panose="020B0502020104020203" pitchFamily="34" charset="0"/>
+              </a:rPr>
+              <a:t> Inter-Domain Routing).</a:t>
+            </a:r>
+          </a:p>
+          <a:p>
+            <a:endParaRPr lang="da-DK" dirty="0">
+              <a:latin typeface="Gill Sans MT" panose="020B0502020104020203" pitchFamily="34" charset="0"/>
+            </a:endParaRPr>
+          </a:p>
+          <a:p>
+            <a:r>
+              <a:rPr lang="da-DK" dirty="0">
+                <a:latin typeface="Gill Sans MT" panose="020B0502020104020203" pitchFamily="34" charset="0"/>
+              </a:rPr>
+              <a:t>The IP </a:t>
+            </a:r>
+            <a:r>
+              <a:rPr lang="da-DK" dirty="0" err="1">
+                <a:latin typeface="Gill Sans MT" panose="020B0502020104020203" pitchFamily="34" charset="0"/>
+              </a:rPr>
+              <a:t>address</a:t>
+            </a:r>
+            <a:r>
+              <a:rPr lang="da-DK" dirty="0">
+                <a:latin typeface="Gill Sans MT" panose="020B0502020104020203" pitchFamily="34" charset="0"/>
+              </a:rPr>
+              <a:t> </a:t>
+            </a:r>
+            <a:r>
+              <a:rPr lang="da-DK" dirty="0" err="1">
+                <a:latin typeface="Gill Sans MT" panose="020B0502020104020203" pitchFamily="34" charset="0"/>
+              </a:rPr>
+              <a:t>ending</a:t>
+            </a:r>
+            <a:r>
+              <a:rPr lang="da-DK" dirty="0">
+                <a:latin typeface="Gill Sans MT" panose="020B0502020104020203" pitchFamily="34" charset="0"/>
+              </a:rPr>
+              <a:t> with .0 or .255 </a:t>
+            </a:r>
+            <a:r>
+              <a:rPr lang="da-DK" dirty="0" err="1">
+                <a:latin typeface="Gill Sans MT" panose="020B0502020104020203" pitchFamily="34" charset="0"/>
+              </a:rPr>
+              <a:t>can</a:t>
+            </a:r>
+            <a:r>
+              <a:rPr lang="da-DK" dirty="0">
+                <a:latin typeface="Gill Sans MT" panose="020B0502020104020203" pitchFamily="34" charset="0"/>
+              </a:rPr>
+              <a:t> not </a:t>
+            </a:r>
+            <a:r>
+              <a:rPr lang="da-DK" dirty="0" err="1">
+                <a:latin typeface="Gill Sans MT" panose="020B0502020104020203" pitchFamily="34" charset="0"/>
+              </a:rPr>
+              <a:t>be</a:t>
+            </a:r>
+            <a:r>
+              <a:rPr lang="da-DK" dirty="0">
+                <a:latin typeface="Gill Sans MT" panose="020B0502020104020203" pitchFamily="34" charset="0"/>
+              </a:rPr>
+              <a:t> </a:t>
+            </a:r>
+            <a:r>
+              <a:rPr lang="da-DK" dirty="0" err="1">
                 <a:latin typeface="Gill Sans MT" panose="020B0502020104020203" pitchFamily="34" charset="0"/>
               </a:rPr>
               <a:t>used</a:t>
             </a:r>
             <a:r>
-              <a:rPr lang="da-DK" dirty="0" smtClean="0">
-                <a:latin typeface="Gill Sans MT" panose="020B0502020104020203" pitchFamily="34" charset="0"/>
-              </a:rPr>
-              <a:t> in the subnet is</a:t>
-            </a:r>
-            <a:r>
-              <a:rPr lang="da-DK" dirty="0" smtClean="0">
-                <a:latin typeface="Gill Sans MT" panose="020B0502020104020203" pitchFamily="34" charset="0"/>
-              </a:rPr>
-              <a:t> split in NETWORK and HOST parts.</a:t>
-            </a:r>
-          </a:p>
-          <a:p>
-            <a:endParaRPr lang="da-DK" dirty="0">
-              <a:latin typeface="Gill Sans MT" panose="020B0502020104020203" pitchFamily="34" charset="0"/>
-            </a:endParaRPr>
-          </a:p>
-          <a:p>
-            <a:r>
-              <a:rPr lang="da-DK" dirty="0" smtClean="0">
-                <a:latin typeface="Gill Sans MT" panose="020B0502020104020203" pitchFamily="34" charset="0"/>
-              </a:rPr>
-              <a:t>The 32 bits set to 1 in the NETMASK </a:t>
-            </a:r>
-            <a:r>
-              <a:rPr lang="da-DK" dirty="0" err="1" smtClean="0">
-                <a:latin typeface="Gill Sans MT" panose="020B0502020104020203" pitchFamily="34" charset="0"/>
-              </a:rPr>
-              <a:t>specifies</a:t>
-            </a:r>
-            <a:r>
-              <a:rPr lang="da-DK" dirty="0" smtClean="0">
-                <a:latin typeface="Gill Sans MT" panose="020B0502020104020203" pitchFamily="34" charset="0"/>
-              </a:rPr>
-              <a:t> the NETWORK part. The bits set to 0 </a:t>
-            </a:r>
-            <a:r>
-              <a:rPr lang="da-DK" dirty="0" err="1" smtClean="0">
-                <a:latin typeface="Gill Sans MT" panose="020B0502020104020203" pitchFamily="34" charset="0"/>
-              </a:rPr>
-              <a:t>defines</a:t>
-            </a:r>
-            <a:r>
-              <a:rPr lang="da-DK" dirty="0" smtClean="0">
-                <a:latin typeface="Gill Sans MT" panose="020B0502020104020203" pitchFamily="34" charset="0"/>
-              </a:rPr>
-              <a:t> the HOST parts.</a:t>
-            </a:r>
-          </a:p>
-          <a:p>
-            <a:endParaRPr lang="da-DK" dirty="0">
-              <a:latin typeface="Gill Sans MT" panose="020B0502020104020203" pitchFamily="34" charset="0"/>
-            </a:endParaRPr>
-          </a:p>
-          <a:p>
-            <a:r>
-              <a:rPr lang="da-DK" dirty="0" smtClean="0">
-                <a:latin typeface="Gill Sans MT" panose="020B0502020104020203" pitchFamily="34" charset="0"/>
-              </a:rPr>
-              <a:t>The NETWORK part of an </a:t>
-            </a:r>
-            <a:r>
-              <a:rPr lang="da-DK" dirty="0" err="1" smtClean="0">
-                <a:latin typeface="Gill Sans MT" panose="020B0502020104020203" pitchFamily="34" charset="0"/>
-              </a:rPr>
-              <a:t>address</a:t>
-            </a:r>
-            <a:r>
-              <a:rPr lang="da-DK" dirty="0" smtClean="0">
-                <a:latin typeface="Gill Sans MT" panose="020B0502020104020203" pitchFamily="34" charset="0"/>
-              </a:rPr>
-              <a:t> </a:t>
-            </a:r>
-            <a:r>
-              <a:rPr lang="da-DK" dirty="0" err="1" smtClean="0">
-                <a:latin typeface="Gill Sans MT" panose="020B0502020104020203" pitchFamily="34" charset="0"/>
-              </a:rPr>
-              <a:t>can</a:t>
-            </a:r>
-            <a:r>
-              <a:rPr lang="da-DK" dirty="0" smtClean="0">
-                <a:latin typeface="Gill Sans MT" panose="020B0502020104020203" pitchFamily="34" charset="0"/>
-              </a:rPr>
-              <a:t> </a:t>
-            </a:r>
-            <a:r>
-              <a:rPr lang="da-DK" dirty="0" err="1" smtClean="0">
-                <a:latin typeface="Gill Sans MT" panose="020B0502020104020203" pitchFamily="34" charset="0"/>
-              </a:rPr>
-              <a:t>also</a:t>
-            </a:r>
-            <a:r>
-              <a:rPr lang="da-DK" dirty="0" smtClean="0">
-                <a:latin typeface="Gill Sans MT" panose="020B0502020104020203" pitchFamily="34" charset="0"/>
-              </a:rPr>
-              <a:t> </a:t>
-            </a:r>
-            <a:r>
-              <a:rPr lang="da-DK" dirty="0" err="1" smtClean="0">
-                <a:latin typeface="Gill Sans MT" panose="020B0502020104020203" pitchFamily="34" charset="0"/>
-              </a:rPr>
-              <a:t>be</a:t>
-            </a:r>
-            <a:r>
-              <a:rPr lang="da-DK" dirty="0" smtClean="0">
-                <a:latin typeface="Gill Sans MT" panose="020B0502020104020203" pitchFamily="34" charset="0"/>
-              </a:rPr>
-              <a:t> </a:t>
-            </a:r>
-            <a:r>
-              <a:rPr lang="da-DK" dirty="0" err="1" smtClean="0">
-                <a:latin typeface="Gill Sans MT" panose="020B0502020104020203" pitchFamily="34" charset="0"/>
-              </a:rPr>
-              <a:t>specified</a:t>
-            </a:r>
-            <a:r>
-              <a:rPr lang="da-DK" dirty="0" smtClean="0">
-                <a:latin typeface="Gill Sans MT" panose="020B0502020104020203" pitchFamily="34" charset="0"/>
-              </a:rPr>
-              <a:t> in CIDR </a:t>
-            </a:r>
-            <a:r>
               <a:rPr lang="da-DK" dirty="0">
                 <a:latin typeface="Gill Sans MT" panose="020B0502020104020203" pitchFamily="34" charset="0"/>
               </a:rPr>
-              <a:t>format </a:t>
-            </a:r>
-            <a:r>
-              <a:rPr lang="da-DK" dirty="0" smtClean="0">
-                <a:latin typeface="Gill Sans MT" panose="020B0502020104020203" pitchFamily="34" charset="0"/>
-              </a:rPr>
-              <a:t>(</a:t>
-            </a:r>
-            <a:r>
-              <a:rPr lang="da-DK" dirty="0" err="1" smtClean="0">
-                <a:latin typeface="Gill Sans MT" panose="020B0502020104020203" pitchFamily="34" charset="0"/>
-              </a:rPr>
-              <a:t>Classless</a:t>
-            </a:r>
-            <a:r>
-              <a:rPr lang="da-DK" dirty="0" smtClean="0">
-                <a:latin typeface="Gill Sans MT" panose="020B0502020104020203" pitchFamily="34" charset="0"/>
-              </a:rPr>
-              <a:t> </a:t>
-            </a:r>
-            <a:r>
-              <a:rPr lang="da-DK" dirty="0">
-                <a:latin typeface="Gill Sans MT" panose="020B0502020104020203" pitchFamily="34" charset="0"/>
-              </a:rPr>
-              <a:t>Inter-Domain </a:t>
-            </a:r>
-            <a:r>
-              <a:rPr lang="da-DK" dirty="0" smtClean="0">
-                <a:latin typeface="Gill Sans MT" panose="020B0502020104020203" pitchFamily="34" charset="0"/>
-              </a:rPr>
-              <a:t>Routing).</a:t>
-            </a:r>
-          </a:p>
-          <a:p>
-            <a:endParaRPr lang="da-DK" dirty="0">
-              <a:latin typeface="Gill Sans MT" panose="020B0502020104020203" pitchFamily="34" charset="0"/>
-            </a:endParaRPr>
-          </a:p>
-          <a:p>
-            <a:r>
-              <a:rPr lang="da-DK" dirty="0" smtClean="0">
-                <a:latin typeface="Gill Sans MT" panose="020B0502020104020203" pitchFamily="34" charset="0"/>
-              </a:rPr>
-              <a:t>The IP </a:t>
-            </a:r>
-            <a:r>
-              <a:rPr lang="da-DK" dirty="0" err="1" smtClean="0">
-                <a:latin typeface="Gill Sans MT" panose="020B0502020104020203" pitchFamily="34" charset="0"/>
-              </a:rPr>
-              <a:t>address</a:t>
-            </a:r>
-            <a:r>
-              <a:rPr lang="da-DK" dirty="0" smtClean="0">
-                <a:latin typeface="Gill Sans MT" panose="020B0502020104020203" pitchFamily="34" charset="0"/>
-              </a:rPr>
-              <a:t> </a:t>
-            </a:r>
-            <a:r>
-              <a:rPr lang="da-DK" dirty="0" err="1" smtClean="0">
-                <a:latin typeface="Gill Sans MT" panose="020B0502020104020203" pitchFamily="34" charset="0"/>
-              </a:rPr>
-              <a:t>ending</a:t>
-            </a:r>
-            <a:r>
-              <a:rPr lang="da-DK" dirty="0" smtClean="0">
-                <a:latin typeface="Gill Sans MT" panose="020B0502020104020203" pitchFamily="34" charset="0"/>
-              </a:rPr>
-              <a:t> with .0 or .255 </a:t>
-            </a:r>
-            <a:r>
-              <a:rPr lang="da-DK" dirty="0" err="1" smtClean="0">
-                <a:latin typeface="Gill Sans MT" panose="020B0502020104020203" pitchFamily="34" charset="0"/>
-              </a:rPr>
-              <a:t>can</a:t>
-            </a:r>
-            <a:r>
-              <a:rPr lang="da-DK" dirty="0" smtClean="0">
-                <a:latin typeface="Gill Sans MT" panose="020B0502020104020203" pitchFamily="34" charset="0"/>
-              </a:rPr>
-              <a:t> not </a:t>
-            </a:r>
-            <a:r>
-              <a:rPr lang="da-DK" dirty="0" err="1" smtClean="0">
-                <a:latin typeface="Gill Sans MT" panose="020B0502020104020203" pitchFamily="34" charset="0"/>
-              </a:rPr>
-              <a:t>be</a:t>
-            </a:r>
-            <a:r>
-              <a:rPr lang="da-DK" dirty="0" smtClean="0">
-                <a:latin typeface="Gill Sans MT" panose="020B0502020104020203" pitchFamily="34" charset="0"/>
-              </a:rPr>
-              <a:t> </a:t>
-            </a:r>
-            <a:r>
-              <a:rPr lang="da-DK" dirty="0" err="1" smtClean="0">
-                <a:latin typeface="Gill Sans MT" panose="020B0502020104020203" pitchFamily="34" charset="0"/>
-              </a:rPr>
-              <a:t>used</a:t>
-            </a:r>
-            <a:r>
-              <a:rPr lang="da-DK" dirty="0" smtClean="0">
-                <a:latin typeface="Gill Sans MT" panose="020B0502020104020203" pitchFamily="34" charset="0"/>
-              </a:rPr>
               <a:t> by a HOST.</a:t>
             </a:r>
-            <a:endParaRPr lang="da-DK" dirty="0" smtClean="0">
-              <a:latin typeface="Gill Sans MT" panose="020B0502020104020203" pitchFamily="34" charset="0"/>
-            </a:endParaRPr>
           </a:p>
         </p:txBody>
       </p:sp>
@@ -5577,13 +5602,6 @@
   <p:clrMapOvr>
     <a:masterClrMapping/>
   </p:clrMapOvr>
-  <p:timing>
-    <p:tnLst>
-      <p:par>
-        <p:cTn id="1" dur="indefinite" restart="never" nodeType="tmRoot"/>
-      </p:par>
-    </p:tnLst>
-  </p:timing>
 </p:sld>
 </file>
 
@@ -5620,10 +5638,9 @@
           <a:lstStyle/>
           <a:p>
             <a:r>
-              <a:rPr lang="da-DK" dirty="0" smtClean="0"/>
+              <a:rPr lang="da-DK" dirty="0"/>
               <a:t>Local IP Networks</a:t>
             </a:r>
-            <a:endParaRPr lang="da-DK" dirty="0"/>
           </a:p>
         </p:txBody>
       </p:sp>
@@ -5648,35 +5665,56 @@
               <a:buNone/>
             </a:pPr>
             <a:r>
-              <a:rPr lang="en-US" dirty="0" smtClean="0"/>
-              <a:t>Portions </a:t>
-            </a:r>
-            <a:r>
               <a:rPr lang="en-US" dirty="0"/>
-              <a:t>of the IPv4 space </a:t>
-            </a:r>
-            <a:r>
-              <a:rPr lang="en-US" dirty="0" smtClean="0"/>
-              <a:t>are reserved </a:t>
-            </a:r>
+              <a:t>Portions of the IPv4 space are reserved for specific uses.</a:t>
+            </a:r>
+          </a:p>
+          <a:p>
+            <a:pPr marL="0" indent="0">
+              <a:buNone/>
+            </a:pPr>
+            <a:endParaRPr lang="en-US" dirty="0"/>
+          </a:p>
+          <a:p>
+            <a:pPr marL="0" indent="0">
+              <a:buNone/>
+            </a:pPr>
             <a:r>
               <a:rPr lang="en-US" dirty="0"/>
-              <a:t>for specific uses.</a:t>
+              <a:t>Loopback</a:t>
+            </a:r>
+          </a:p>
+          <a:p>
+            <a:pPr marL="457200" lvl="1" indent="0">
+              <a:buNone/>
+            </a:pPr>
+            <a:r>
+              <a:rPr lang="en-US" dirty="0"/>
+              <a:t>127.0.0.0 to 127.255.255.255</a:t>
+            </a:r>
+          </a:p>
+          <a:p>
+            <a:pPr marL="457200" lvl="1" indent="0">
+              <a:buNone/>
+            </a:pPr>
+            <a:r>
+              <a:rPr lang="en-US" dirty="0"/>
+              <a:t>Typically 127.0.0.1 is “loopback” or “localhost”</a:t>
             </a:r>
           </a:p>
           <a:p>
             <a:pPr marL="0" indent="0">
               <a:buNone/>
             </a:pPr>
-            <a:endParaRPr lang="en-US" dirty="0" smtClean="0"/>
+            <a:endParaRPr lang="en-US" dirty="0"/>
           </a:p>
           <a:p>
             <a:pPr marL="0" indent="0">
               <a:buNone/>
             </a:pPr>
             <a:r>
-              <a:rPr lang="en-US" dirty="0" smtClean="0"/>
-              <a:t>Loopback</a:t>
+              <a:rPr lang="en-US" dirty="0"/>
+              <a:t>Private networks</a:t>
             </a:r>
           </a:p>
           <a:p>
@@ -5685,11 +5723,7 @@
             </a:pPr>
             <a:r>
               <a:rPr lang="en-US" dirty="0"/>
-              <a:t>127.0.0.0 to </a:t>
-            </a:r>
-            <a:r>
-              <a:rPr lang="en-US" dirty="0" smtClean="0"/>
-              <a:t>127.255.255.255</a:t>
+              <a:t>10.0.0.0 to 10.255.255.255</a:t>
             </a:r>
           </a:p>
           <a:p>
@@ -5697,53 +5731,18 @@
               <a:buNone/>
             </a:pPr>
             <a:r>
-              <a:rPr lang="en-US" dirty="0" smtClean="0"/>
-              <a:t>Typically 127.0.0.1 is “loopback” or “localhost”</a:t>
-            </a:r>
-            <a:endParaRPr lang="en-US" dirty="0"/>
-          </a:p>
-          <a:p>
-            <a:pPr marL="0" indent="0">
+              <a:rPr lang="en-US" dirty="0"/>
+              <a:t>172.16.0.0 to 172.31.255.255</a:t>
+            </a:r>
+          </a:p>
+          <a:p>
+            <a:pPr marL="457200" lvl="1" indent="0">
               <a:buNone/>
             </a:pPr>
-            <a:endParaRPr lang="en-US" dirty="0" smtClean="0"/>
-          </a:p>
-          <a:p>
-            <a:pPr marL="0" indent="0">
-              <a:buNone/>
-            </a:pPr>
-            <a:r>
-              <a:rPr lang="en-US" dirty="0" smtClean="0"/>
-              <a:t>Private networks</a:t>
-            </a:r>
-          </a:p>
-          <a:p>
-            <a:pPr marL="457200" lvl="1" indent="0">
-              <a:buNone/>
-            </a:pPr>
-            <a:r>
-              <a:rPr lang="en-US" dirty="0" smtClean="0"/>
-              <a:t>10.0.0.0 to 10.255.255.255</a:t>
-            </a:r>
-          </a:p>
-          <a:p>
-            <a:pPr marL="457200" lvl="1" indent="0">
-              <a:buNone/>
-            </a:pPr>
-            <a:r>
-              <a:rPr lang="en-US" dirty="0" smtClean="0"/>
-              <a:t>172.16.0.0 to 172.31.255.255</a:t>
-            </a:r>
-          </a:p>
-          <a:p>
-            <a:pPr marL="457200" lvl="1" indent="0">
-              <a:buNone/>
-            </a:pPr>
-            <a:r>
-              <a:rPr lang="en-US" dirty="0" smtClean="0"/>
+            <a:r>
+              <a:rPr lang="en-US" dirty="0"/>
               <a:t>192.168.0.0 to 192.168.255.255</a:t>
             </a:r>
-            <a:endParaRPr lang="en-US" dirty="0"/>
           </a:p>
           <a:p>
             <a:pPr marL="0" indent="0">
@@ -5790,9 +5789,6 @@
               </a:rPr>
               <a:t>Source: https://www.digitalocean.com/community/tutorials/understanding-ip-addresses-subnets-and-cidr-notation-for-networking</a:t>
             </a:r>
-            <a:endParaRPr lang="da-DK" dirty="0" smtClean="0">
-              <a:latin typeface="Gill Sans MT" panose="020B0502020104020203" pitchFamily="34" charset="0"/>
-            </a:endParaRPr>
           </a:p>
         </p:txBody>
       </p:sp>
@@ -5806,13 +5802,6 @@
   <p:clrMapOvr>
     <a:masterClrMapping/>
   </p:clrMapOvr>
-  <p:timing>
-    <p:tnLst>
-      <p:par>
-        <p:cTn id="1" dur="indefinite" restart="never" nodeType="tmRoot"/>
-      </p:par>
-    </p:tnLst>
-  </p:timing>
 </p:sld>
 </file>
 
@@ -5849,27 +5838,27 @@
           <a:lstStyle/>
           <a:p>
             <a:r>
-              <a:rPr lang="da-DK" dirty="0" smtClean="0"/>
+              <a:rPr lang="da-DK" dirty="0"/>
               <a:t>Public </a:t>
             </a:r>
             <a:r>
-              <a:rPr lang="da-DK" dirty="0" err="1" smtClean="0"/>
+              <a:rPr lang="da-DK" dirty="0" err="1"/>
               <a:t>address</a:t>
             </a:r>
             <a:r>
-              <a:rPr lang="da-DK" dirty="0" smtClean="0"/>
+              <a:rPr lang="da-DK" dirty="0"/>
               <a:t> vs. Local </a:t>
             </a:r>
             <a:r>
-              <a:rPr lang="da-DK" dirty="0" err="1" smtClean="0"/>
+              <a:rPr lang="da-DK" dirty="0" err="1"/>
               <a:t>network</a:t>
             </a:r>
             <a:r>
-              <a:rPr lang="da-DK" dirty="0" smtClean="0"/>
+              <a:rPr lang="da-DK" dirty="0"/>
               <a:t> </a:t>
             </a:r>
             <a:r>
-              <a:rPr lang="da-DK" dirty="0" err="1" smtClean="0"/>
+              <a:rPr lang="da-DK" dirty="0" err="1"/>
               <a:t>address</a:t>
             </a:r>
             <a:endParaRPr lang="da-DK" dirty="0"/>
@@ -5902,19 +5891,19 @@
               <a:buNone/>
             </a:pPr>
             <a:r>
-              <a:rPr lang="da-DK" dirty="0" err="1" smtClean="0"/>
+              <a:rPr lang="da-DK" dirty="0" err="1"/>
               <a:t>Michael’s</a:t>
             </a:r>
             <a:r>
-              <a:rPr lang="da-DK" dirty="0" smtClean="0"/>
+              <a:rPr lang="da-DK" dirty="0"/>
               <a:t> </a:t>
             </a:r>
             <a:r>
-              <a:rPr lang="da-DK" dirty="0" err="1" smtClean="0"/>
+              <a:rPr lang="da-DK" dirty="0" err="1"/>
               <a:t>network</a:t>
             </a:r>
             <a:r>
-              <a:rPr lang="da-DK" dirty="0" smtClean="0"/>
+              <a:rPr lang="da-DK" dirty="0"/>
               <a:t>.</a:t>
             </a:r>
           </a:p>
@@ -5929,39 +5918,39 @@
               <a:buNone/>
             </a:pPr>
             <a:r>
-              <a:rPr lang="da-DK" dirty="0" smtClean="0"/>
+              <a:rPr lang="da-DK" dirty="0"/>
               <a:t>192.168.99.0/24 is </a:t>
             </a:r>
             <a:r>
-              <a:rPr lang="da-DK" dirty="0" err="1" smtClean="0"/>
+              <a:rPr lang="da-DK" dirty="0" err="1"/>
               <a:t>local</a:t>
             </a:r>
             <a:r>
-              <a:rPr lang="da-DK" dirty="0" smtClean="0"/>
+              <a:rPr lang="da-DK" dirty="0"/>
               <a:t> </a:t>
             </a:r>
             <a:r>
-              <a:rPr lang="da-DK" dirty="0" err="1" smtClean="0"/>
+              <a:rPr lang="da-DK" dirty="0" err="1"/>
               <a:t>addresses</a:t>
             </a:r>
             <a:r>
-              <a:rPr lang="da-DK" dirty="0" smtClean="0"/>
+              <a:rPr lang="da-DK" dirty="0"/>
               <a:t>. </a:t>
             </a:r>
             <a:r>
-              <a:rPr lang="da-DK" dirty="0" err="1" smtClean="0"/>
+              <a:rPr lang="da-DK" dirty="0" err="1"/>
               <a:t>They</a:t>
             </a:r>
             <a:r>
-              <a:rPr lang="da-DK" dirty="0" smtClean="0"/>
+              <a:rPr lang="da-DK" dirty="0"/>
               <a:t> </a:t>
             </a:r>
             <a:r>
-              <a:rPr lang="da-DK" dirty="0" err="1" smtClean="0"/>
+              <a:rPr lang="da-DK" dirty="0" err="1"/>
               <a:t>are</a:t>
             </a:r>
             <a:r>
-              <a:rPr lang="da-DK" dirty="0" smtClean="0"/>
+              <a:rPr lang="da-DK" dirty="0"/>
               <a:t> managed by Michael.</a:t>
             </a:r>
           </a:p>
@@ -5976,34 +5965,33 @@
               <a:buNone/>
             </a:pPr>
             <a:r>
-              <a:rPr lang="da-DK" dirty="0" smtClean="0"/>
+              <a:rPr lang="da-DK" dirty="0"/>
               <a:t>5.186.34.131 is the public </a:t>
             </a:r>
             <a:r>
-              <a:rPr lang="da-DK" dirty="0" err="1" smtClean="0"/>
+              <a:rPr lang="da-DK" dirty="0" err="1"/>
               <a:t>address</a:t>
             </a:r>
             <a:r>
-              <a:rPr lang="da-DK" dirty="0" smtClean="0"/>
+              <a:rPr lang="da-DK" dirty="0"/>
               <a:t>. It is managed by </a:t>
             </a:r>
             <a:r>
-              <a:rPr lang="da-DK" dirty="0" err="1" smtClean="0"/>
+              <a:rPr lang="da-DK" dirty="0" err="1"/>
               <a:t>Fibia</a:t>
             </a:r>
             <a:r>
-              <a:rPr lang="da-DK" dirty="0" smtClean="0"/>
+              <a:rPr lang="da-DK" dirty="0"/>
               <a:t> (the internet </a:t>
             </a:r>
             <a:r>
-              <a:rPr lang="da-DK" dirty="0" err="1" smtClean="0"/>
+              <a:rPr lang="da-DK" dirty="0" err="1"/>
               <a:t>provider</a:t>
             </a:r>
             <a:r>
-              <a:rPr lang="da-DK" dirty="0" smtClean="0"/>
+              <a:rPr lang="da-DK" dirty="0"/>
               <a:t>).</a:t>
             </a:r>
-            <a:endParaRPr lang="da-DK" dirty="0"/>
           </a:p>
         </p:txBody>
       </p:sp>
@@ -6041,13 +6029,6 @@
   <p:clrMapOvr>
     <a:masterClrMapping/>
   </p:clrMapOvr>
-  <p:timing>
-    <p:tnLst>
-      <p:par>
-        <p:cTn id="1" dur="indefinite" restart="never" nodeType="tmRoot"/>
-      </p:par>
-    </p:tnLst>
-  </p:timing>
 </p:sld>
 </file>
 
@@ -6084,7 +6065,7 @@
           <a:lstStyle/>
           <a:p>
             <a:r>
-              <a:rPr lang="da-DK" dirty="0" err="1" smtClean="0"/>
+              <a:rPr lang="da-DK" dirty="0" err="1"/>
               <a:t>Exercise</a:t>
             </a:r>
             <a:endParaRPr lang="da-DK" dirty="0"/>
@@ -6107,42 +6088,22 @@
           <a:lstStyle/>
           <a:p>
             <a:r>
-              <a:rPr lang="en-US" dirty="0" smtClean="0"/>
+              <a:rPr lang="en-US" dirty="0"/>
               <a:t>Exercise:</a:t>
             </a:r>
           </a:p>
           <a:p>
             <a:pPr lvl="1"/>
             <a:r>
-              <a:rPr lang="en-US" dirty="0" smtClean="0"/>
-              <a:t>Find your </a:t>
-            </a:r>
-            <a:r>
-              <a:rPr lang="en-US" dirty="0" smtClean="0"/>
-              <a:t>LAN IP</a:t>
-            </a:r>
-            <a:r>
-              <a:rPr lang="en-US" dirty="0" smtClean="0"/>
-              <a:t> </a:t>
-            </a:r>
-            <a:r>
-              <a:rPr lang="en-US" dirty="0" smtClean="0"/>
-              <a:t>address and exchange address with another student.</a:t>
+              <a:rPr lang="en-US" dirty="0"/>
+              <a:t>Find your LAN IP address and exchange address with another student.</a:t>
             </a:r>
           </a:p>
           <a:p>
             <a:pPr lvl="1"/>
             <a:r>
-              <a:rPr lang="en-US" dirty="0" smtClean="0"/>
-              <a:t>What </a:t>
-            </a:r>
-            <a:r>
-              <a:rPr lang="en-US" dirty="0" smtClean="0"/>
-              <a:t>subnet are you on</a:t>
-            </a:r>
-            <a:r>
-              <a:rPr lang="en-US" dirty="0" smtClean="0"/>
-              <a:t>?</a:t>
+              <a:rPr lang="en-US" dirty="0"/>
+              <a:t>What subnet are you on?</a:t>
             </a:r>
           </a:p>
           <a:p>
@@ -6155,58 +6116,44 @@
           <a:p>
             <a:pPr lvl="2"/>
             <a:r>
-              <a:rPr lang="en-US" dirty="0" smtClean="0"/>
+              <a:rPr lang="en-US" dirty="0"/>
               <a:t>Ping is probably blocked in your windows firewall.</a:t>
             </a:r>
           </a:p>
           <a:p>
             <a:pPr lvl="2"/>
             <a:r>
-              <a:rPr lang="en-US" dirty="0" smtClean="0"/>
+              <a:rPr lang="en-US" dirty="0"/>
               <a:t>Try to ping 8.8.8.8 (google DNS) or Michaels Raspberry Pi if he remembered to bring it.</a:t>
             </a:r>
           </a:p>
           <a:p>
             <a:pPr lvl="1"/>
             <a:r>
-              <a:rPr lang="en-US" dirty="0" smtClean="0"/>
-              <a:t>Find your external (WAN) </a:t>
-            </a:r>
-            <a:r>
               <a:rPr lang="en-US" dirty="0"/>
-              <a:t>IP </a:t>
-            </a:r>
-            <a:r>
-              <a:rPr lang="en-US" dirty="0" smtClean="0"/>
-              <a:t>Address using </a:t>
+              <a:t>Find your external (WAN) IP Address using </a:t>
             </a:r>
             <a:r>
               <a:rPr lang="en-US" dirty="0">
                 <a:hlinkClick r:id="rId3"/>
               </a:rPr>
-              <a:t>https://www.whatsmyip.org</a:t>
-            </a:r>
-            <a:r>
-              <a:rPr lang="en-US" dirty="0" smtClean="0">
-                <a:hlinkClick r:id="rId3"/>
-              </a:rPr>
-              <a:t>/</a:t>
-            </a:r>
-            <a:r>
-              <a:rPr lang="en-US" dirty="0" smtClean="0"/>
+              <a:t>https://www.whatsmyip.org/</a:t>
+            </a:r>
+            <a:r>
+              <a:rPr lang="en-US" dirty="0"/>
               <a:t> or </a:t>
             </a:r>
             <a:r>
-              <a:rPr lang="en-US" dirty="0" smtClean="0">
+              <a:rPr lang="en-US" dirty="0">
                 <a:hlinkClick r:id="rId4"/>
               </a:rPr>
               <a:t>https://ifconfig.me</a:t>
             </a:r>
-            <a:endParaRPr lang="en-US" dirty="0" smtClean="0"/>
+            <a:endParaRPr lang="en-US" dirty="0"/>
           </a:p>
           <a:p>
             <a:pPr lvl="1"/>
-            <a:endParaRPr lang="en-US" dirty="0" smtClean="0"/>
+            <a:endParaRPr lang="en-US" dirty="0"/>
           </a:p>
           <a:p>
             <a:pPr lvl="1"/>
@@ -6283,7 +6230,7 @@
           </a:bodyPr>
           <a:lstStyle/>
           <a:p>
-            <a:endParaRPr lang="da-DK" dirty="0" smtClean="0">
+            <a:endParaRPr lang="da-DK" dirty="0">
               <a:latin typeface="Gill Sans MT" panose="020B0502020104020203" pitchFamily="34" charset="0"/>
             </a:endParaRPr>
           </a:p>
@@ -6317,7 +6264,7 @@
             <a:endParaRPr lang="da-DK" dirty="0"/>
           </a:p>
           <a:p>
-            <a:endParaRPr lang="da-DK" dirty="0" smtClean="0">
+            <a:endParaRPr lang="da-DK" dirty="0">
               <a:latin typeface="Gill Sans MT" panose="020B0502020104020203" pitchFamily="34" charset="0"/>
             </a:endParaRPr>
           </a:p>
@@ -6333,13 +6280,6 @@
   <p:clrMapOvr>
     <a:masterClrMapping/>
   </p:clrMapOvr>
-  <p:timing>
-    <p:tnLst>
-      <p:par>
-        <p:cTn id="1" dur="indefinite" restart="never" nodeType="tmRoot"/>
-      </p:par>
-    </p:tnLst>
-  </p:timing>
 </p:sld>
 </file>
 
@@ -6376,10 +6316,9 @@
           <a:lstStyle/>
           <a:p>
             <a:r>
-              <a:rPr lang="da-DK" dirty="0" smtClean="0"/>
+              <a:rPr lang="da-DK" dirty="0"/>
               <a:t>Ports</a:t>
             </a:r>
-            <a:endParaRPr lang="da-DK" dirty="0"/>
           </a:p>
         </p:txBody>
       </p:sp>
@@ -6409,23 +6348,23 @@
               <a:buNone/>
             </a:pPr>
             <a:r>
-              <a:rPr lang="da-DK" dirty="0" smtClean="0"/>
+              <a:rPr lang="da-DK" dirty="0"/>
               <a:t>A </a:t>
             </a:r>
             <a:r>
-              <a:rPr lang="da-DK" dirty="0" err="1" smtClean="0"/>
+              <a:rPr lang="da-DK" dirty="0" err="1"/>
               <a:t>machine</a:t>
             </a:r>
             <a:r>
-              <a:rPr lang="da-DK" dirty="0" smtClean="0"/>
+              <a:rPr lang="da-DK" dirty="0"/>
               <a:t> has an IP </a:t>
             </a:r>
             <a:r>
-              <a:rPr lang="da-DK" dirty="0" err="1" smtClean="0"/>
+              <a:rPr lang="da-DK" dirty="0" err="1"/>
               <a:t>address</a:t>
             </a:r>
             <a:r>
-              <a:rPr lang="da-DK" dirty="0" smtClean="0"/>
+              <a:rPr lang="da-DK" dirty="0"/>
               <a:t> and 65535 Ports.</a:t>
             </a:r>
           </a:p>
@@ -6433,38 +6372,38 @@
             <a:pPr marL="0" indent="0">
               <a:buNone/>
             </a:pPr>
-            <a:endParaRPr lang="da-DK" dirty="0" smtClean="0"/>
+            <a:endParaRPr lang="da-DK" dirty="0"/>
           </a:p>
           <a:p>
             <a:pPr marL="0" indent="0">
               <a:buNone/>
             </a:pPr>
             <a:r>
-              <a:rPr lang="da-DK" dirty="0" smtClean="0"/>
+              <a:rPr lang="da-DK" dirty="0"/>
               <a:t>A program on a </a:t>
             </a:r>
             <a:r>
-              <a:rPr lang="da-DK" dirty="0" err="1" smtClean="0"/>
+              <a:rPr lang="da-DK" dirty="0" err="1"/>
               <a:t>machine</a:t>
             </a:r>
             <a:r>
-              <a:rPr lang="da-DK" dirty="0" smtClean="0"/>
+              <a:rPr lang="da-DK" dirty="0"/>
               <a:t> </a:t>
             </a:r>
             <a:r>
-              <a:rPr lang="da-DK" dirty="0" err="1" smtClean="0"/>
+              <a:rPr lang="da-DK" dirty="0" err="1"/>
               <a:t>can</a:t>
             </a:r>
             <a:r>
-              <a:rPr lang="da-DK" dirty="0" smtClean="0"/>
+              <a:rPr lang="da-DK" dirty="0"/>
               <a:t> listen to a </a:t>
             </a:r>
             <a:r>
-              <a:rPr lang="da-DK" dirty="0" err="1" smtClean="0"/>
+              <a:rPr lang="da-DK" dirty="0" err="1"/>
               <a:t>specific</a:t>
             </a:r>
             <a:r>
-              <a:rPr lang="da-DK" dirty="0" smtClean="0"/>
+              <a:rPr lang="da-DK" dirty="0"/>
               <a:t> port.</a:t>
             </a:r>
           </a:p>
@@ -6473,63 +6412,63 @@
               <a:buNone/>
             </a:pPr>
             <a:r>
-              <a:rPr lang="da-DK" dirty="0" smtClean="0"/>
+              <a:rPr lang="da-DK" dirty="0"/>
               <a:t>A program on </a:t>
             </a:r>
             <a:r>
-              <a:rPr lang="da-DK" dirty="0" err="1" smtClean="0"/>
+              <a:rPr lang="da-DK" dirty="0" err="1"/>
               <a:t>another</a:t>
             </a:r>
             <a:r>
-              <a:rPr lang="da-DK" dirty="0" smtClean="0"/>
+              <a:rPr lang="da-DK" dirty="0"/>
               <a:t> </a:t>
             </a:r>
             <a:r>
-              <a:rPr lang="da-DK" dirty="0" err="1" smtClean="0"/>
+              <a:rPr lang="da-DK" dirty="0" err="1"/>
               <a:t>machine</a:t>
             </a:r>
             <a:r>
-              <a:rPr lang="da-DK" dirty="0" smtClean="0"/>
+              <a:rPr lang="da-DK" dirty="0"/>
               <a:t> </a:t>
             </a:r>
             <a:r>
-              <a:rPr lang="da-DK" dirty="0" err="1" smtClean="0"/>
+              <a:rPr lang="da-DK" dirty="0" err="1"/>
               <a:t>will</a:t>
             </a:r>
             <a:r>
-              <a:rPr lang="da-DK" dirty="0" smtClean="0"/>
+              <a:rPr lang="da-DK" dirty="0"/>
               <a:t> </a:t>
             </a:r>
             <a:r>
-              <a:rPr lang="da-DK" dirty="0" err="1" smtClean="0"/>
+              <a:rPr lang="da-DK" dirty="0" err="1"/>
               <a:t>specify</a:t>
             </a:r>
             <a:r>
-              <a:rPr lang="da-DK" dirty="0" smtClean="0"/>
+              <a:rPr lang="da-DK" dirty="0"/>
               <a:t> the IP </a:t>
             </a:r>
             <a:r>
-              <a:rPr lang="da-DK" dirty="0" err="1" smtClean="0"/>
+              <a:rPr lang="da-DK" dirty="0" err="1"/>
               <a:t>address</a:t>
             </a:r>
             <a:r>
-              <a:rPr lang="da-DK" dirty="0" smtClean="0"/>
+              <a:rPr lang="da-DK" dirty="0"/>
               <a:t> and port it </a:t>
             </a:r>
             <a:r>
-              <a:rPr lang="da-DK" dirty="0" err="1" smtClean="0"/>
+              <a:rPr lang="da-DK" dirty="0" err="1"/>
               <a:t>wants</a:t>
             </a:r>
             <a:r>
-              <a:rPr lang="da-DK" dirty="0" smtClean="0"/>
+              <a:rPr lang="da-DK" dirty="0"/>
               <a:t> to </a:t>
             </a:r>
             <a:r>
-              <a:rPr lang="da-DK" dirty="0" err="1" smtClean="0"/>
+              <a:rPr lang="da-DK" dirty="0" err="1"/>
               <a:t>communicate</a:t>
             </a:r>
             <a:r>
-              <a:rPr lang="da-DK" dirty="0" smtClean="0"/>
+              <a:rPr lang="da-DK" dirty="0"/>
               <a:t> with.</a:t>
             </a:r>
           </a:p>
@@ -6575,13 +6514,6 @@
   <p:clrMapOvr>
     <a:masterClrMapping/>
   </p:clrMapOvr>
-  <p:timing>
-    <p:tnLst>
-      <p:par>
-        <p:cTn id="1" dur="indefinite" restart="never" nodeType="tmRoot"/>
-      </p:par>
-    </p:tnLst>
-  </p:timing>
 </p:sld>
 </file>
 
@@ -6618,14 +6550,13 @@
           <a:lstStyle/>
           <a:p>
             <a:r>
-              <a:rPr lang="da-DK" dirty="0" err="1" smtClean="0"/>
+              <a:rPr lang="da-DK" dirty="0" err="1"/>
               <a:t>Reserved</a:t>
             </a:r>
             <a:r>
-              <a:rPr lang="da-DK" dirty="0" smtClean="0"/>
+              <a:rPr lang="da-DK" dirty="0"/>
               <a:t> ports</a:t>
             </a:r>
-            <a:endParaRPr lang="da-DK" dirty="0"/>
           </a:p>
         </p:txBody>
       </p:sp>
@@ -6650,23 +6581,23 @@
               <a:buNone/>
             </a:pPr>
             <a:r>
-              <a:rPr lang="da-DK" dirty="0" smtClean="0"/>
+              <a:rPr lang="da-DK" dirty="0"/>
               <a:t>Ports from 0 to 1023 </a:t>
             </a:r>
             <a:r>
-              <a:rPr lang="da-DK" dirty="0" err="1" smtClean="0"/>
+              <a:rPr lang="da-DK" dirty="0" err="1"/>
               <a:t>are</a:t>
             </a:r>
             <a:r>
-              <a:rPr lang="da-DK" dirty="0" smtClean="0"/>
+              <a:rPr lang="da-DK" dirty="0"/>
               <a:t> </a:t>
             </a:r>
             <a:r>
-              <a:rPr lang="da-DK" dirty="0" err="1" smtClean="0"/>
+              <a:rPr lang="da-DK" dirty="0" err="1"/>
               <a:t>reserved</a:t>
             </a:r>
             <a:r>
-              <a:rPr lang="da-DK" dirty="0" smtClean="0"/>
+              <a:rPr lang="da-DK" dirty="0"/>
               <a:t>.</a:t>
             </a:r>
           </a:p>
@@ -6674,18 +6605,18 @@
             <a:pPr marL="0" indent="0">
               <a:buNone/>
             </a:pPr>
-            <a:endParaRPr lang="da-DK" dirty="0" smtClean="0"/>
+            <a:endParaRPr lang="da-DK" dirty="0"/>
           </a:p>
           <a:p>
             <a:pPr marL="0" indent="0">
               <a:buNone/>
             </a:pPr>
             <a:r>
-              <a:rPr lang="da-DK" dirty="0" err="1" smtClean="0"/>
+              <a:rPr lang="da-DK" dirty="0" err="1"/>
               <a:t>Examples</a:t>
             </a:r>
             <a:r>
-              <a:rPr lang="da-DK" dirty="0" smtClean="0"/>
+              <a:rPr lang="da-DK" dirty="0"/>
               <a:t>:</a:t>
             </a:r>
           </a:p>
@@ -6827,23 +6758,23 @@
               <a:buNone/>
             </a:pPr>
             <a:r>
-              <a:rPr lang="da-DK" dirty="0" smtClean="0"/>
+              <a:rPr lang="da-DK" dirty="0"/>
               <a:t>Wikipedia has a </a:t>
             </a:r>
             <a:r>
-              <a:rPr lang="da-DK" dirty="0" err="1" smtClean="0"/>
+              <a:rPr lang="da-DK" dirty="0" err="1"/>
               <a:t>complete</a:t>
             </a:r>
             <a:r>
-              <a:rPr lang="da-DK" dirty="0" smtClean="0"/>
+              <a:rPr lang="da-DK" dirty="0"/>
               <a:t> list of </a:t>
             </a:r>
             <a:r>
-              <a:rPr lang="da-DK" dirty="0" err="1" smtClean="0"/>
+              <a:rPr lang="da-DK" dirty="0" err="1"/>
               <a:t>reserved</a:t>
             </a:r>
             <a:r>
-              <a:rPr lang="da-DK" dirty="0" smtClean="0"/>
+              <a:rPr lang="da-DK" dirty="0"/>
               <a:t> ports:</a:t>
             </a:r>
           </a:p>
@@ -6855,15 +6786,9 @@
               <a:rPr lang="da-DK" dirty="0">
                 <a:hlinkClick r:id="rId2"/>
               </a:rPr>
-              <a:t>https://</a:t>
-            </a:r>
-            <a:r>
-              <a:rPr lang="da-DK" dirty="0" smtClean="0">
-                <a:hlinkClick r:id="rId2"/>
-              </a:rPr>
-              <a:t>en.wikipedia.org/wiki/List_of_TCP_and_UDP_port_numbers</a:t>
-            </a:r>
-            <a:endParaRPr lang="da-DK" dirty="0" smtClean="0"/>
+              <a:t>https://en.wikipedia.org/wiki/List_of_TCP_and_UDP_port_numbers</a:t>
+            </a:r>
+            <a:endParaRPr lang="da-DK" dirty="0"/>
           </a:p>
           <a:p>
             <a:pPr marL="0" indent="0">
@@ -6883,13 +6808,6 @@
   <p:clrMapOvr>
     <a:masterClrMapping/>
   </p:clrMapOvr>
-  <p:timing>
-    <p:tnLst>
-      <p:par>
-        <p:cTn id="1" dur="indefinite" restart="never" nodeType="tmRoot"/>
-      </p:par>
-    </p:tnLst>
-  </p:timing>
 </p:sld>
 </file>
 
@@ -6926,10 +6844,9 @@
           <a:lstStyle/>
           <a:p>
             <a:r>
-              <a:rPr lang="da-DK" dirty="0" smtClean="0"/>
+              <a:rPr lang="da-DK" dirty="0"/>
               <a:t>TCP / IP</a:t>
             </a:r>
-            <a:endParaRPr lang="da-DK" dirty="0"/>
           </a:p>
         </p:txBody>
       </p:sp>
@@ -6952,16 +6869,8 @@
               <a:buNone/>
             </a:pPr>
             <a:r>
-              <a:rPr lang="en-US" dirty="0" smtClean="0"/>
-              <a:t>Transmission </a:t>
-            </a:r>
-            <a:r>
               <a:rPr lang="en-US" dirty="0"/>
-              <a:t>Control Protocol (TCP) is a transport protocol that is used on top of IP to ensure reliable transmission of packets</a:t>
-            </a:r>
-            <a:r>
-              <a:rPr lang="en-US" dirty="0" smtClean="0"/>
-              <a:t>.</a:t>
+              <a:t>Transmission Control Protocol (TCP) is a transport protocol that is used on top of IP to ensure reliable transmission of packets.</a:t>
             </a:r>
           </a:p>
           <a:p>
@@ -6975,7 +6884,7 @@
               <a:buNone/>
             </a:pPr>
             <a:r>
-              <a:rPr lang="en-US" dirty="0" smtClean="0"/>
+              <a:rPr lang="en-US" dirty="0"/>
               <a:t>It handles retransmission of lost packages, reception of out-of-order packages and congestion control.</a:t>
             </a:r>
             <a:endParaRPr lang="da-DK" dirty="0"/>
@@ -6992,13 +6901,6 @@
   <p:clrMapOvr>
     <a:masterClrMapping/>
   </p:clrMapOvr>
-  <p:timing>
-    <p:tnLst>
-      <p:par>
-        <p:cTn id="1" dur="indefinite" restart="never" nodeType="tmRoot"/>
-      </p:par>
-    </p:tnLst>
-  </p:timing>
 </p:sld>
 </file>
 
@@ -7035,10 +6937,9 @@
           <a:lstStyle/>
           <a:p>
             <a:r>
-              <a:rPr lang="da-DK" dirty="0" smtClean="0"/>
+              <a:rPr lang="da-DK" dirty="0"/>
               <a:t>UDP / IP</a:t>
             </a:r>
-            <a:endParaRPr lang="da-DK" dirty="0"/>
           </a:p>
         </p:txBody>
       </p:sp>
@@ -7063,23 +6964,19 @@
               <a:buNone/>
             </a:pPr>
             <a:r>
-              <a:rPr lang="en-US" dirty="0" smtClean="0"/>
-              <a:t>User </a:t>
-            </a:r>
-            <a:r>
               <a:rPr lang="en-US" dirty="0"/>
-              <a:t>Datagram Protocol (UDP) is a lightweight data transport protocol that works on top of IP.</a:t>
-            </a:r>
-          </a:p>
-          <a:p>
-            <a:endParaRPr lang="en-US" dirty="0" smtClean="0"/>
+              <a:t>User Datagram Protocol (UDP) is a lightweight data transport protocol that works on top of IP.</a:t>
+            </a:r>
+          </a:p>
+          <a:p>
+            <a:endParaRPr lang="en-US" dirty="0"/>
           </a:p>
           <a:p>
             <a:pPr marL="0" indent="0">
               <a:buNone/>
             </a:pPr>
             <a:r>
-              <a:rPr lang="en-US" dirty="0" smtClean="0"/>
+              <a:rPr lang="en-US" dirty="0"/>
               <a:t>Detects and discards corrupt packages. Does not handle lost or out of order packages.</a:t>
             </a:r>
           </a:p>
@@ -7087,19 +6984,15 @@
             <a:pPr marL="0" indent="0">
               <a:buNone/>
             </a:pPr>
-            <a:endParaRPr lang="en-US" dirty="0" smtClean="0"/>
+            <a:endParaRPr lang="en-US" dirty="0"/>
           </a:p>
           <a:p>
             <a:pPr marL="0" indent="0">
               <a:buNone/>
             </a:pPr>
             <a:r>
-              <a:rPr lang="en-US" dirty="0" smtClean="0"/>
-              <a:t>It's </a:t>
-            </a:r>
-            <a:r>
               <a:rPr lang="en-US" dirty="0"/>
-              <a:t>often used for time-sensitive applications (such as real-time video streaming) where speed is more important than accuracy.</a:t>
+              <a:t>It's often used for time-sensitive applications (such as real-time video streaming) where speed is more important than accuracy.</a:t>
             </a:r>
             <a:endParaRPr lang="da-DK" dirty="0"/>
           </a:p>
@@ -7115,13 +7008,6 @@
   <p:clrMapOvr>
     <a:masterClrMapping/>
   </p:clrMapOvr>
-  <p:timing>
-    <p:tnLst>
-      <p:par>
-        <p:cTn id="1" dur="indefinite" restart="never" nodeType="tmRoot"/>
-      </p:par>
-    </p:tnLst>
-  </p:timing>
 </p:sld>
 </file>
 
@@ -7179,21 +7065,21 @@
           <a:lstStyle/>
           <a:p>
             <a:r>
-              <a:rPr lang="en-US" dirty="0" smtClean="0"/>
+              <a:rPr lang="en-US" dirty="0"/>
               <a:t>Address assignment</a:t>
             </a:r>
           </a:p>
           <a:p>
             <a:pPr lvl="1"/>
             <a:r>
-              <a:rPr lang="en-US" dirty="0" smtClean="0"/>
+              <a:rPr lang="en-US" dirty="0"/>
               <a:t>DHCP</a:t>
             </a:r>
           </a:p>
           <a:p>
             <a:pPr lvl="1"/>
             <a:r>
-              <a:rPr lang="en-US" dirty="0" smtClean="0"/>
+              <a:rPr lang="en-US" dirty="0"/>
               <a:t>MAC address</a:t>
             </a:r>
           </a:p>
@@ -7203,21 +7089,16 @@
           </a:p>
           <a:p>
             <a:r>
-              <a:rPr lang="en-US" dirty="0" smtClean="0"/>
+              <a:rPr lang="en-US" dirty="0"/>
               <a:t>Naming</a:t>
             </a:r>
           </a:p>
           <a:p>
             <a:pPr lvl="1"/>
             <a:r>
-              <a:rPr lang="en-US" dirty="0" smtClean="0"/>
-              <a:t>DNS </a:t>
-            </a:r>
-            <a:r>
-              <a:rPr lang="en-US" dirty="0" smtClean="0"/>
-              <a:t>lookup</a:t>
-            </a:r>
-            <a:endParaRPr lang="en-US" dirty="0" smtClean="0"/>
+              <a:rPr lang="en-US" dirty="0"/>
+              <a:t>DNS lookup</a:t>
+            </a:r>
           </a:p>
         </p:txBody>
       </p:sp>
@@ -7231,13 +7112,6 @@
   <p:clrMapOvr>
     <a:masterClrMapping/>
   </p:clrMapOvr>
-  <p:timing>
-    <p:tnLst>
-      <p:par>
-        <p:cTn id="1" dur="indefinite" restart="never" nodeType="tmRoot"/>
-      </p:par>
-    </p:tnLst>
-  </p:timing>
 </p:sld>
 </file>
 
@@ -7277,11 +7151,7 @@
           <a:p>
             <a:r>
               <a:rPr lang="en-US" dirty="0"/>
-              <a:t> “Hourglass design</a:t>
-            </a:r>
-            <a:r>
-              <a:rPr lang="en-US" dirty="0" smtClean="0"/>
-              <a:t>” of the internet</a:t>
+              <a:t> “Hourglass design” of the internet</a:t>
             </a:r>
             <a:endParaRPr lang="da-DK" dirty="0"/>
           </a:p>
@@ -7348,16 +7218,9 @@
                 <a:latin typeface="Gill Sans MT" panose="020B0502020104020203" pitchFamily="34" charset="0"/>
                 <a:hlinkClick r:id="rId3"/>
               </a:rPr>
-              <a:t>https://oer.gitlab.io/DS/DS02-Internet.html#/</a:t>
-            </a:r>
-            <a:r>
-              <a:rPr lang="da-DK" dirty="0" smtClean="0">
-                <a:latin typeface="Gill Sans MT" panose="020B0502020104020203" pitchFamily="34" charset="0"/>
-                <a:hlinkClick r:id="rId3"/>
-              </a:rPr>
-              <a:t>slide-internet-architecture</a:t>
-            </a:r>
-            <a:endParaRPr lang="da-DK" dirty="0" smtClean="0">
+              <a:t>https://oer.gitlab.io/DS/DS02-Internet.html#/slide-internet-architecture</a:t>
+            </a:r>
+            <a:endParaRPr lang="da-DK" dirty="0">
               <a:latin typeface="Gill Sans MT" panose="020B0502020104020203" pitchFamily="34" charset="0"/>
             </a:endParaRPr>
           </a:p>
@@ -7414,13 +7277,7 @@
               <a:rPr lang="en-US" dirty="0">
                 <a:latin typeface="Gill Sans MT" panose="020B0502020104020203" pitchFamily="34" charset="0"/>
               </a:rPr>
-              <a:t>        “Narrow waist</a:t>
-            </a:r>
-            <a:r>
-              <a:rPr lang="en-US" dirty="0" smtClean="0">
-                <a:latin typeface="Gill Sans MT" panose="020B0502020104020203" pitchFamily="34" charset="0"/>
-              </a:rPr>
-              <a:t>”</a:t>
+              <a:t>        “Narrow waist”</a:t>
             </a:r>
           </a:p>
           <a:p>
@@ -7441,13 +7298,7 @@
               <a:rPr lang="en-US" dirty="0">
                 <a:latin typeface="Gill Sans MT" panose="020B0502020104020203" pitchFamily="34" charset="0"/>
               </a:rPr>
-              <a:t>            Everything over </a:t>
-            </a:r>
-            <a:r>
-              <a:rPr lang="en-US" dirty="0" smtClean="0">
-                <a:latin typeface="Gill Sans MT" panose="020B0502020104020203" pitchFamily="34" charset="0"/>
-              </a:rPr>
-              <a:t>IP</a:t>
+              <a:t>            Everything over IP</a:t>
             </a:r>
           </a:p>
           <a:p>
@@ -7470,7 +7321,7 @@
               </a:rPr>
               <a:t>            IP over everything</a:t>
             </a:r>
-            <a:endParaRPr lang="da-DK" dirty="0" smtClean="0">
+            <a:endParaRPr lang="da-DK" dirty="0">
               <a:latin typeface="Gill Sans MT" panose="020B0502020104020203" pitchFamily="34" charset="0"/>
             </a:endParaRPr>
           </a:p>
@@ -7486,13 +7337,6 @@
   <p:clrMapOvr>
     <a:masterClrMapping/>
   </p:clrMapOvr>
-  <p:timing>
-    <p:tnLst>
-      <p:par>
-        <p:cTn id="1" dur="indefinite" restart="never" nodeType="tmRoot"/>
-      </p:par>
-    </p:tnLst>
-  </p:timing>
 </p:sld>
 </file>
 
@@ -7529,15 +7373,15 @@
           <a:lstStyle/>
           <a:p>
             <a:r>
-              <a:rPr lang="da-DK" dirty="0" err="1" smtClean="0"/>
+              <a:rPr lang="da-DK" dirty="0" err="1"/>
               <a:t>Example</a:t>
             </a:r>
             <a:r>
-              <a:rPr lang="da-DK" dirty="0" smtClean="0"/>
+              <a:rPr lang="da-DK" dirty="0"/>
               <a:t> router </a:t>
             </a:r>
             <a:r>
-              <a:rPr lang="da-DK" dirty="0" err="1" smtClean="0"/>
+              <a:rPr lang="da-DK" dirty="0" err="1"/>
               <a:t>setup</a:t>
             </a:r>
             <a:endParaRPr lang="da-DK" dirty="0"/>
@@ -7573,13 +7417,6 @@
   <p:clrMapOvr>
     <a:masterClrMapping/>
   </p:clrMapOvr>
-  <p:timing>
-    <p:tnLst>
-      <p:par>
-        <p:cTn id="1" dur="indefinite" restart="never" nodeType="tmRoot"/>
-      </p:par>
-    </p:tnLst>
-  </p:timing>
 </p:sld>
 </file>
 
@@ -7672,13 +7509,6 @@
   <p:clrMapOvr>
     <a:masterClrMapping/>
   </p:clrMapOvr>
-  <p:timing>
-    <p:tnLst>
-      <p:par>
-        <p:cTn id="1" dur="indefinite" restart="never" nodeType="tmRoot"/>
-      </p:par>
-    </p:tnLst>
-  </p:timing>
 </p:sld>
 </file>
 
@@ -7771,13 +7601,6 @@
   <p:clrMapOvr>
     <a:masterClrMapping/>
   </p:clrMapOvr>
-  <p:timing>
-    <p:tnLst>
-      <p:par>
-        <p:cTn id="1" dur="indefinite" restart="never" nodeType="tmRoot"/>
-      </p:par>
-    </p:tnLst>
-  </p:timing>
 </p:sld>
 </file>
 
@@ -7870,13 +7693,6 @@
   <p:clrMapOvr>
     <a:masterClrMapping/>
   </p:clrMapOvr>
-  <p:timing>
-    <p:tnLst>
-      <p:par>
-        <p:cTn id="1" dur="indefinite" restart="never" nodeType="tmRoot"/>
-      </p:par>
-    </p:tnLst>
-  </p:timing>
 </p:sld>
 </file>
 
@@ -7969,13 +7785,6 @@
   <p:clrMapOvr>
     <a:masterClrMapping/>
   </p:clrMapOvr>
-  <p:timing>
-    <p:tnLst>
-      <p:par>
-        <p:cTn id="1" dur="indefinite" restart="never" nodeType="tmRoot"/>
-      </p:par>
-    </p:tnLst>
-  </p:timing>
 </p:sld>
 </file>
 
@@ -8068,13 +7877,6 @@
   <p:clrMapOvr>
     <a:masterClrMapping/>
   </p:clrMapOvr>
-  <p:timing>
-    <p:tnLst>
-      <p:par>
-        <p:cTn id="1" dur="indefinite" restart="never" nodeType="tmRoot"/>
-      </p:par>
-    </p:tnLst>
-  </p:timing>
 </p:sld>
 </file>
 
@@ -8167,13 +7969,6 @@
   <p:clrMapOvr>
     <a:masterClrMapping/>
   </p:clrMapOvr>
-  <p:timing>
-    <p:tnLst>
-      <p:par>
-        <p:cTn id="1" dur="indefinite" restart="never" nodeType="tmRoot"/>
-      </p:par>
-    </p:tnLst>
-  </p:timing>
 </p:sld>
 </file>
 
@@ -8266,13 +8061,6 @@
   <p:clrMapOvr>
     <a:masterClrMapping/>
   </p:clrMapOvr>
-  <p:timing>
-    <p:tnLst>
-      <p:par>
-        <p:cTn id="1" dur="indefinite" restart="never" nodeType="tmRoot"/>
-      </p:par>
-    </p:tnLst>
-  </p:timing>
 </p:sld>
 </file>
 
@@ -8322,13 +8110,6 @@
   <p:clrMapOvr>
     <a:masterClrMapping/>
   </p:clrMapOvr>
-  <p:timing>
-    <p:tnLst>
-      <p:par>
-        <p:cTn id="1" dur="indefinite" restart="never" nodeType="tmRoot"/>
-      </p:par>
-    </p:tnLst>
-  </p:timing>
 </p:sld>
 </file>
 
@@ -8365,11 +8146,11 @@
           <a:lstStyle/>
           <a:p>
             <a:r>
-              <a:rPr lang="da-DK" dirty="0" smtClean="0"/>
+              <a:rPr lang="da-DK" dirty="0"/>
               <a:t>References and image </a:t>
             </a:r>
             <a:r>
-              <a:rPr lang="da-DK" dirty="0" err="1" smtClean="0"/>
+              <a:rPr lang="da-DK" dirty="0" err="1"/>
               <a:t>sources</a:t>
             </a:r>
             <a:endParaRPr lang="da-DK" dirty="0"/>
@@ -8398,15 +8179,9 @@
               <a:rPr lang="da-DK" dirty="0">
                 <a:hlinkClick r:id="rId2"/>
               </a:rPr>
-              <a:t>https://</a:t>
-            </a:r>
-            <a:r>
-              <a:rPr lang="da-DK" dirty="0" smtClean="0">
-                <a:hlinkClick r:id="rId2"/>
-              </a:rPr>
-              <a:t>www.digitalocean.com/community/tutorials/understanding-ip-addresses-subnets-and-cidr-notation-for-networking</a:t>
-            </a:r>
-            <a:endParaRPr lang="da-DK" dirty="0" smtClean="0"/>
+              <a:t>https://www.digitalocean.com/community/tutorials/understanding-ip-addresses-subnets-and-cidr-notation-for-networking</a:t>
+            </a:r>
+            <a:endParaRPr lang="da-DK" dirty="0"/>
           </a:p>
           <a:p>
             <a:pPr marL="0" indent="0">
@@ -8416,15 +8191,9 @@
               <a:rPr lang="da-DK" dirty="0">
                 <a:hlinkClick r:id="rId3"/>
               </a:rPr>
-              <a:t>https://</a:t>
-            </a:r>
-            <a:r>
-              <a:rPr lang="da-DK" dirty="0" smtClean="0">
-                <a:hlinkClick r:id="rId3"/>
-              </a:rPr>
-              <a:t>fab.cba.mit.edu/classes/961.04/people/neil/ip.pdf</a:t>
-            </a:r>
-            <a:endParaRPr lang="da-DK" dirty="0" smtClean="0"/>
+              <a:t>https://fab.cba.mit.edu/classes/961.04/people/neil/ip.pdf</a:t>
+            </a:r>
+            <a:endParaRPr lang="da-DK" dirty="0"/>
           </a:p>
           <a:p>
             <a:pPr marL="0" indent="0">
@@ -8434,15 +8203,9 @@
               <a:rPr lang="da-DK" dirty="0">
                 <a:hlinkClick r:id="rId4"/>
               </a:rPr>
-              <a:t>https://iximiuz.com/en/posts/computer-networking-101</a:t>
-            </a:r>
-            <a:r>
-              <a:rPr lang="da-DK" dirty="0" smtClean="0">
-                <a:hlinkClick r:id="rId4"/>
-              </a:rPr>
-              <a:t>/</a:t>
-            </a:r>
-            <a:endParaRPr lang="da-DK" dirty="0" smtClean="0"/>
+              <a:t>https://iximiuz.com/en/posts/computer-networking-101/</a:t>
+            </a:r>
+            <a:endParaRPr lang="da-DK" dirty="0"/>
           </a:p>
           <a:p>
             <a:pPr marL="0" indent="0">
@@ -8452,15 +8215,9 @@
               <a:rPr lang="da-DK" dirty="0">
                 <a:hlinkClick r:id="rId5"/>
               </a:rPr>
-              <a:t>https://</a:t>
-            </a:r>
-            <a:r>
-              <a:rPr lang="da-DK" dirty="0" smtClean="0">
-                <a:hlinkClick r:id="rId5"/>
-              </a:rPr>
-              <a:t>www.youtube.com/watch?v=PwWhJEJVGl4</a:t>
-            </a:r>
-            <a:endParaRPr lang="da-DK" dirty="0" smtClean="0"/>
+              <a:t>https://www.youtube.com/watch?v=PwWhJEJVGl4</a:t>
+            </a:r>
+            <a:endParaRPr lang="da-DK" dirty="0"/>
           </a:p>
           <a:p>
             <a:pPr marL="0" indent="0">
@@ -8470,15 +8227,9 @@
               <a:rPr lang="da-DK" dirty="0">
                 <a:hlinkClick r:id="rId6"/>
               </a:rPr>
-              <a:t>https://</a:t>
-            </a:r>
-            <a:r>
-              <a:rPr lang="da-DK" dirty="0" smtClean="0">
-                <a:hlinkClick r:id="rId6"/>
-              </a:rPr>
-              <a:t>www.youtube.com/watch?v=NyZWSvSj8ek</a:t>
-            </a:r>
-            <a:endParaRPr lang="da-DK" dirty="0" smtClean="0"/>
+              <a:t>https://www.youtube.com/watch?v=NyZWSvSj8ek</a:t>
+            </a:r>
+            <a:endParaRPr lang="da-DK" dirty="0"/>
           </a:p>
           <a:p>
             <a:pPr marL="0" indent="0">
@@ -8488,15 +8239,9 @@
               <a:rPr lang="da-DK" dirty="0">
                 <a:hlinkClick r:id="rId7"/>
               </a:rPr>
-              <a:t>https://</a:t>
-            </a:r>
-            <a:r>
-              <a:rPr lang="da-DK" dirty="0" smtClean="0">
-                <a:hlinkClick r:id="rId7"/>
-              </a:rPr>
-              <a:t>www.youtube.com/playlist?list=PL7zRJGi6nMRzg0LdsR7F3olyLGoBcIvvg</a:t>
-            </a:r>
-            <a:endParaRPr lang="da-DK" dirty="0" smtClean="0"/>
+              <a:t>https://www.youtube.com/playlist?list=PL7zRJGi6nMRzg0LdsR7F3olyLGoBcIvvg</a:t>
+            </a:r>
+            <a:endParaRPr lang="da-DK" dirty="0"/>
           </a:p>
           <a:p>
             <a:pPr marL="0" indent="0">
@@ -8516,13 +8261,6 @@
   <p:clrMapOvr>
     <a:masterClrMapping/>
   </p:clrMapOvr>
-  <p:timing>
-    <p:tnLst>
-      <p:par>
-        <p:cTn id="1" dur="indefinite" restart="never" nodeType="tmRoot"/>
-      </p:par>
-    </p:tnLst>
-  </p:timing>
 </p:sld>
 </file>
 
@@ -8559,7 +8297,7 @@
           <a:lstStyle/>
           <a:p>
             <a:r>
-              <a:rPr lang="en-US" dirty="0" smtClean="0"/>
+              <a:rPr lang="en-US" dirty="0"/>
               <a:t>IP Addresses on a network</a:t>
             </a:r>
             <a:endParaRPr lang="da-DK" dirty="0"/>
@@ -8595,13 +8333,6 @@
   <p:clrMapOvr>
     <a:masterClrMapping/>
   </p:clrMapOvr>
-  <p:timing>
-    <p:tnLst>
-      <p:par>
-        <p:cTn id="1" dur="indefinite" restart="never" nodeType="tmRoot"/>
-      </p:par>
-    </p:tnLst>
-  </p:timing>
 </p:sld>
 </file>
 
@@ -8665,7 +8396,7 @@
               <a:buNone/>
             </a:pPr>
             <a:r>
-              <a:rPr lang="en-US" dirty="0" smtClean="0"/>
+              <a:rPr lang="en-US" dirty="0"/>
               <a:t>We want to communicate from one computer to another.</a:t>
             </a:r>
             <a:endParaRPr lang="da-DK" dirty="0"/>
@@ -8778,13 +8509,6 @@
   <p:clrMapOvr>
     <a:masterClrMapping/>
   </p:clrMapOvr>
-  <p:timing>
-    <p:tnLst>
-      <p:par>
-        <p:cTn id="1" dur="indefinite" restart="never" nodeType="tmRoot"/>
-      </p:par>
-    </p:tnLst>
-  </p:timing>
 </p:sld>
 </file>
 
@@ -9311,7 +9035,7 @@
               <a:buNone/>
             </a:pPr>
             <a:r>
-              <a:rPr lang="en-US" dirty="0" smtClean="0"/>
+              <a:rPr lang="en-US" dirty="0"/>
               <a:t>We want to communicate from one computer to another.</a:t>
             </a:r>
           </a:p>
@@ -9321,7 +9045,7 @@
               <a:buNone/>
             </a:pPr>
             <a:r>
-              <a:rPr lang="en-US" dirty="0" smtClean="0"/>
+              <a:rPr lang="en-US" dirty="0"/>
               <a:t>So we connect them to a network. Each computer can send data to the network and see data from other computers on the network.</a:t>
             </a:r>
           </a:p>
@@ -9344,13 +9068,6 @@
   <p:clrMapOvr>
     <a:masterClrMapping/>
   </p:clrMapOvr>
-  <p:timing>
-    <p:tnLst>
-      <p:par>
-        <p:cTn id="1" dur="indefinite" restart="never" nodeType="tmRoot"/>
-      </p:par>
-    </p:tnLst>
-  </p:timing>
 </p:sld>
 </file>
 
@@ -9729,7 +9446,7 @@
           <a:p>
             <a:pPr algn="ctr"/>
             <a:r>
-              <a:rPr lang="en-US" dirty="0" smtClean="0">
+              <a:rPr lang="en-US" dirty="0">
                 <a:solidFill>
                   <a:schemeClr val="tx1"/>
                 </a:solidFill>
@@ -9787,7 +9504,7 @@
           <a:p>
             <a:pPr algn="ctr"/>
             <a:r>
-              <a:rPr lang="en-US" dirty="0" smtClean="0">
+              <a:rPr lang="en-US" dirty="0">
                 <a:solidFill>
                   <a:schemeClr val="tx1"/>
                 </a:solidFill>
@@ -9845,7 +9562,7 @@
           <a:p>
             <a:pPr algn="ctr"/>
             <a:r>
-              <a:rPr lang="en-US" dirty="0" smtClean="0">
+              <a:rPr lang="en-US" dirty="0">
                 <a:solidFill>
                   <a:schemeClr val="tx1"/>
                 </a:solidFill>
@@ -9903,7 +9620,7 @@
           <a:p>
             <a:pPr algn="ctr"/>
             <a:r>
-              <a:rPr lang="en-US" dirty="0" smtClean="0">
+              <a:rPr lang="en-US" dirty="0">
                 <a:solidFill>
                   <a:schemeClr val="tx1"/>
                 </a:solidFill>
@@ -10109,7 +9826,7 @@
               <a:buNone/>
             </a:pPr>
             <a:r>
-              <a:rPr lang="en-US" dirty="0" smtClean="0"/>
+              <a:rPr lang="en-US" dirty="0"/>
               <a:t>We want to communicate from one computer to another.</a:t>
             </a:r>
           </a:p>
@@ -10119,7 +9836,7 @@
               <a:buNone/>
             </a:pPr>
             <a:r>
-              <a:rPr lang="en-US" dirty="0" smtClean="0"/>
+              <a:rPr lang="en-US" dirty="0"/>
               <a:t>So we connect them to a network. Each computer can send data to the network and see data from other computers on the network.</a:t>
             </a:r>
           </a:p>
@@ -10129,7 +9846,7 @@
               <a:buNone/>
             </a:pPr>
             <a:r>
-              <a:rPr lang="en-US" dirty="0" smtClean="0"/>
+              <a:rPr lang="en-US" dirty="0"/>
               <a:t>The computers are each given a number. The number is used to see, who sends data and who should receive it.</a:t>
             </a:r>
           </a:p>
@@ -10152,13 +9869,6 @@
   <p:clrMapOvr>
     <a:masterClrMapping/>
   </p:clrMapOvr>
-  <p:timing>
-    <p:tnLst>
-      <p:par>
-        <p:cTn id="1" dur="indefinite" restart="never" nodeType="tmRoot"/>
-      </p:par>
-    </p:tnLst>
-  </p:timing>
 </p:sld>
 </file>
 
@@ -10556,7 +10266,7 @@
           <a:p>
             <a:pPr algn="ctr"/>
             <a:r>
-              <a:rPr lang="en-US" dirty="0" smtClean="0">
+              <a:rPr lang="en-US" dirty="0">
                 <a:solidFill>
                   <a:schemeClr val="tx1"/>
                 </a:solidFill>
@@ -10614,7 +10324,7 @@
           <a:p>
             <a:pPr algn="ctr"/>
             <a:r>
-              <a:rPr lang="en-US" dirty="0" smtClean="0">
+              <a:rPr lang="en-US" dirty="0">
                 <a:solidFill>
                   <a:schemeClr val="tx1"/>
                 </a:solidFill>
@@ -10672,7 +10382,7 @@
           <a:p>
             <a:pPr algn="ctr"/>
             <a:r>
-              <a:rPr lang="en-US" dirty="0" smtClean="0">
+              <a:rPr lang="en-US" dirty="0">
                 <a:solidFill>
                   <a:schemeClr val="tx1"/>
                 </a:solidFill>
@@ -10730,7 +10440,7 @@
           <a:p>
             <a:pPr algn="ctr"/>
             <a:r>
-              <a:rPr lang="en-US" dirty="0" smtClean="0">
+              <a:rPr lang="en-US" dirty="0">
                 <a:solidFill>
                   <a:schemeClr val="tx1"/>
                 </a:solidFill>
@@ -10787,7 +10497,7 @@
           <a:lstStyle/>
           <a:p>
             <a:r>
-              <a:rPr lang="en-US" dirty="0" smtClean="0">
+              <a:rPr lang="en-US" dirty="0">
                 <a:solidFill>
                   <a:schemeClr val="tx1"/>
                 </a:solidFill>
@@ -10797,7 +10507,7 @@
           </a:p>
           <a:p>
             <a:r>
-              <a:rPr lang="en-US" dirty="0" smtClean="0">
+              <a:rPr lang="en-US" dirty="0">
                 <a:solidFill>
                   <a:schemeClr val="tx1"/>
                 </a:solidFill>
@@ -10807,7 +10517,7 @@
           </a:p>
           <a:p>
             <a:r>
-              <a:rPr lang="en-US" dirty="0" smtClean="0">
+              <a:rPr lang="en-US" dirty="0">
                 <a:solidFill>
                   <a:schemeClr val="tx1"/>
                 </a:solidFill>
@@ -10875,13 +10585,6 @@
   <p:clrMapOvr>
     <a:masterClrMapping/>
   </p:clrMapOvr>
-  <p:timing>
-    <p:tnLst>
-      <p:par>
-        <p:cTn id="1" dur="indefinite" restart="never" nodeType="tmRoot"/>
-      </p:par>
-    </p:tnLst>
-  </p:timing>
 </p:sld>
 </file>
 
@@ -11284,7 +10987,7 @@
           <a:p>
             <a:pPr algn="ctr"/>
             <a:r>
-              <a:rPr lang="en-US" dirty="0" smtClean="0">
+              <a:rPr lang="en-US" dirty="0">
                 <a:solidFill>
                   <a:schemeClr val="tx1"/>
                 </a:solidFill>
@@ -11342,7 +11045,7 @@
           <a:p>
             <a:pPr algn="ctr"/>
             <a:r>
-              <a:rPr lang="en-US" dirty="0" smtClean="0">
+              <a:rPr lang="en-US" dirty="0">
                 <a:solidFill>
                   <a:schemeClr val="tx1"/>
                 </a:solidFill>
@@ -11400,7 +11103,7 @@
           <a:p>
             <a:pPr algn="ctr"/>
             <a:r>
-              <a:rPr lang="en-US" dirty="0" smtClean="0">
+              <a:rPr lang="en-US" dirty="0">
                 <a:solidFill>
                   <a:schemeClr val="tx1"/>
                 </a:solidFill>
@@ -11458,7 +11161,7 @@
           <a:p>
             <a:pPr algn="ctr"/>
             <a:r>
-              <a:rPr lang="en-US" dirty="0" smtClean="0">
+              <a:rPr lang="en-US" dirty="0">
                 <a:solidFill>
                   <a:schemeClr val="tx1"/>
                 </a:solidFill>
@@ -11515,7 +11218,7 @@
           <a:lstStyle/>
           <a:p>
             <a:r>
-              <a:rPr lang="en-US" dirty="0" smtClean="0">
+              <a:rPr lang="en-US" dirty="0">
                 <a:solidFill>
                   <a:schemeClr val="tx1"/>
                 </a:solidFill>
@@ -11525,7 +11228,7 @@
           </a:p>
           <a:p>
             <a:r>
-              <a:rPr lang="en-US" dirty="0" smtClean="0">
+              <a:rPr lang="en-US" dirty="0">
                 <a:solidFill>
                   <a:schemeClr val="tx1"/>
                 </a:solidFill>
@@ -11535,7 +11238,7 @@
           </a:p>
           <a:p>
             <a:r>
-              <a:rPr lang="en-US" dirty="0" smtClean="0">
+              <a:rPr lang="en-US" dirty="0">
                 <a:solidFill>
                   <a:schemeClr val="tx1"/>
                 </a:solidFill>
@@ -11635,7 +11338,7 @@
           <a:lstStyle/>
           <a:p>
             <a:r>
-              <a:rPr lang="en-US" dirty="0" smtClean="0">
+              <a:rPr lang="en-US" dirty="0">
                 <a:solidFill>
                   <a:schemeClr val="tx1"/>
                 </a:solidFill>
@@ -11645,7 +11348,7 @@
           </a:p>
           <a:p>
             <a:r>
-              <a:rPr lang="en-US" dirty="0" smtClean="0">
+              <a:rPr lang="en-US" dirty="0">
                 <a:solidFill>
                   <a:schemeClr val="tx1"/>
                 </a:solidFill>
@@ -11655,7 +11358,7 @@
           </a:p>
           <a:p>
             <a:r>
-              <a:rPr lang="en-US" dirty="0" smtClean="0">
+              <a:rPr lang="en-US" dirty="0">
                 <a:solidFill>
                   <a:schemeClr val="tx1"/>
                 </a:solidFill>
@@ -11755,7 +11458,7 @@
           <a:lstStyle/>
           <a:p>
             <a:r>
-              <a:rPr lang="en-US" dirty="0" smtClean="0">
+              <a:rPr lang="en-US" dirty="0">
                 <a:solidFill>
                   <a:schemeClr val="tx1"/>
                 </a:solidFill>
@@ -11765,7 +11468,7 @@
           </a:p>
           <a:p>
             <a:r>
-              <a:rPr lang="en-US" dirty="0" smtClean="0">
+              <a:rPr lang="en-US" dirty="0">
                 <a:solidFill>
                   <a:schemeClr val="tx1"/>
                 </a:solidFill>
@@ -11775,7 +11478,7 @@
           </a:p>
           <a:p>
             <a:r>
-              <a:rPr lang="en-US" dirty="0" smtClean="0">
+              <a:rPr lang="en-US" dirty="0">
                 <a:solidFill>
                   <a:schemeClr val="tx1"/>
                 </a:solidFill>
@@ -11843,13 +11546,6 @@
   <p:clrMapOvr>
     <a:masterClrMapping/>
   </p:clrMapOvr>
-  <p:timing>
-    <p:tnLst>
-      <p:par>
-        <p:cTn id="1" dur="indefinite" restart="never" nodeType="tmRoot"/>
-      </p:par>
-    </p:tnLst>
-  </p:timing>
 </p:sld>
 </file>
 
@@ -12252,7 +11948,7 @@
           <a:p>
             <a:pPr algn="ctr"/>
             <a:r>
-              <a:rPr lang="en-US" dirty="0" smtClean="0">
+              <a:rPr lang="en-US" dirty="0">
                 <a:solidFill>
                   <a:schemeClr val="tx1"/>
                 </a:solidFill>
@@ -12310,7 +12006,7 @@
           <a:p>
             <a:pPr algn="ctr"/>
             <a:r>
-              <a:rPr lang="en-US" dirty="0" smtClean="0">
+              <a:rPr lang="en-US" dirty="0">
                 <a:solidFill>
                   <a:schemeClr val="tx1"/>
                 </a:solidFill>
@@ -12368,7 +12064,7 @@
           <a:p>
             <a:pPr algn="ctr"/>
             <a:r>
-              <a:rPr lang="en-US" dirty="0" smtClean="0">
+              <a:rPr lang="en-US" dirty="0">
                 <a:solidFill>
                   <a:schemeClr val="tx1"/>
                 </a:solidFill>
@@ -12426,7 +12122,7 @@
           <a:p>
             <a:pPr algn="ctr"/>
             <a:r>
-              <a:rPr lang="en-US" dirty="0" smtClean="0">
+              <a:rPr lang="en-US" dirty="0">
                 <a:solidFill>
                   <a:schemeClr val="tx1"/>
                 </a:solidFill>
@@ -12483,7 +12179,7 @@
           <a:lstStyle/>
           <a:p>
             <a:r>
-              <a:rPr lang="en-US" dirty="0" smtClean="0">
+              <a:rPr lang="en-US" dirty="0">
                 <a:solidFill>
                   <a:schemeClr val="tx1"/>
                 </a:solidFill>
@@ -12493,7 +12189,7 @@
           </a:p>
           <a:p>
             <a:r>
-              <a:rPr lang="en-US" dirty="0" smtClean="0">
+              <a:rPr lang="en-US" dirty="0">
                 <a:solidFill>
                   <a:schemeClr val="tx1"/>
                 </a:solidFill>
@@ -12503,7 +12199,7 @@
           </a:p>
           <a:p>
             <a:r>
-              <a:rPr lang="en-US" dirty="0" smtClean="0">
+              <a:rPr lang="en-US" dirty="0">
                 <a:solidFill>
                   <a:schemeClr val="tx1"/>
                 </a:solidFill>
@@ -12603,7 +12299,7 @@
           <a:lstStyle/>
           <a:p>
             <a:r>
-              <a:rPr lang="en-US" dirty="0" smtClean="0">
+              <a:rPr lang="en-US" dirty="0">
                 <a:solidFill>
                   <a:schemeClr val="tx1"/>
                 </a:solidFill>
@@ -12613,7 +12309,7 @@
           </a:p>
           <a:p>
             <a:r>
-              <a:rPr lang="en-US" dirty="0" smtClean="0">
+              <a:rPr lang="en-US" dirty="0">
                 <a:solidFill>
                   <a:schemeClr val="tx1"/>
                 </a:solidFill>
@@ -12623,7 +12319,7 @@
           </a:p>
           <a:p>
             <a:r>
-              <a:rPr lang="en-US" dirty="0" smtClean="0">
+              <a:rPr lang="en-US" dirty="0">
                 <a:solidFill>
                   <a:schemeClr val="tx1"/>
                 </a:solidFill>
@@ -12723,7 +12419,7 @@
           <a:lstStyle/>
           <a:p>
             <a:r>
-              <a:rPr lang="en-US" dirty="0" smtClean="0">
+              <a:rPr lang="en-US" dirty="0">
                 <a:solidFill>
                   <a:schemeClr val="tx1"/>
                 </a:solidFill>
@@ -12733,7 +12429,7 @@
           </a:p>
           <a:p>
             <a:r>
-              <a:rPr lang="en-US" dirty="0" smtClean="0">
+              <a:rPr lang="en-US" dirty="0">
                 <a:solidFill>
                   <a:schemeClr val="tx1"/>
                 </a:solidFill>
@@ -12743,7 +12439,7 @@
           </a:p>
           <a:p>
             <a:r>
-              <a:rPr lang="en-US" dirty="0" smtClean="0">
+              <a:rPr lang="en-US" dirty="0">
                 <a:solidFill>
                   <a:schemeClr val="tx1"/>
                 </a:solidFill>
@@ -12844,7 +12540,7 @@
           <a:p>
             <a:pPr algn="ctr"/>
             <a:r>
-              <a:rPr lang="en-US" dirty="0" smtClean="0">
+              <a:rPr lang="en-US" dirty="0">
                 <a:solidFill>
                   <a:schemeClr val="tx1"/>
                 </a:solidFill>
@@ -12855,7 +12551,7 @@
           <a:p>
             <a:pPr algn="ctr"/>
             <a:r>
-              <a:rPr lang="en-US" dirty="0" smtClean="0">
+              <a:rPr lang="en-US" dirty="0">
                 <a:solidFill>
                   <a:schemeClr val="tx1"/>
                 </a:solidFill>
@@ -12913,7 +12609,7 @@
           <a:p>
             <a:pPr algn="ctr"/>
             <a:r>
-              <a:rPr lang="en-US" dirty="0" smtClean="0">
+              <a:rPr lang="en-US" dirty="0">
                 <a:solidFill>
                   <a:schemeClr val="tx1"/>
                 </a:solidFill>
@@ -12924,7 +12620,7 @@
           <a:p>
             <a:pPr algn="ctr"/>
             <a:r>
-              <a:rPr lang="en-US" dirty="0" smtClean="0">
+              <a:rPr lang="en-US" dirty="0">
                 <a:solidFill>
                   <a:schemeClr val="tx1"/>
                 </a:solidFill>
@@ -12982,7 +12678,7 @@
           <a:p>
             <a:pPr algn="ctr"/>
             <a:r>
-              <a:rPr lang="en-US" dirty="0" smtClean="0">
+              <a:rPr lang="en-US" dirty="0">
                 <a:solidFill>
                   <a:schemeClr val="tx1"/>
                 </a:solidFill>
@@ -12990,7 +12686,7 @@
               <a:t>For me </a:t>
             </a:r>
             <a:r>
-              <a:rPr lang="en-US" dirty="0" smtClean="0">
+              <a:rPr lang="en-US" dirty="0">
                 <a:solidFill>
                   <a:schemeClr val="tx1"/>
                 </a:solidFill>
@@ -12998,7 +12694,7 @@
               </a:rPr>
               <a:t></a:t>
             </a:r>
-            <a:endParaRPr lang="en-US" dirty="0" smtClean="0">
+            <a:endParaRPr lang="en-US" dirty="0">
               <a:solidFill>
                 <a:schemeClr val="tx1"/>
               </a:solidFill>
@@ -13007,7 +12703,7 @@
           <a:p>
             <a:pPr algn="ctr"/>
             <a:r>
-              <a:rPr lang="en-US" dirty="0" smtClean="0">
+              <a:rPr lang="en-US" dirty="0">
                 <a:solidFill>
                   <a:schemeClr val="tx1"/>
                 </a:solidFill>
@@ -13032,13 +12728,6 @@
   <p:clrMapOvr>
     <a:masterClrMapping/>
   </p:clrMapOvr>
-  <p:timing>
-    <p:tnLst>
-      <p:par>
-        <p:cTn id="1" dur="indefinite" restart="never" nodeType="tmRoot"/>
-      </p:par>
-    </p:tnLst>
-  </p:timing>
 </p:sld>
 </file>
 
@@ -13579,20 +13268,20 @@
 </file>
 
 <file path=customXml/item1.xml><?xml version="1.0" encoding="utf-8"?>
-<p:properties xmlns:p="http://schemas.microsoft.com/office/2006/metadata/properties" xmlns:xsi="http://www.w3.org/2001/XMLSchema-instance" xmlns:pc="http://schemas.microsoft.com/office/infopath/2007/PartnerControls">
-  <documentManagement>
-    <_activity xmlns="f659a008-7c21-4ee3-a745-e38581e13101" xsi:nil="true"/>
-  </documentManagement>
-</p:properties>
-</file>
-
-<file path=customXml/item2.xml><?xml version="1.0" encoding="utf-8"?>
 <?mso-contentType ?>
 <FormTemplates xmlns="http://schemas.microsoft.com/sharepoint/v3/contenttype/forms">
   <Display>DocumentLibraryForm</Display>
   <Edit>DocumentLibraryForm</Edit>
   <New>DocumentLibraryForm</New>
 </FormTemplates>
+</file>
+
+<file path=customXml/item2.xml><?xml version="1.0" encoding="utf-8"?>
+<p:properties xmlns:p="http://schemas.microsoft.com/office/2006/metadata/properties" xmlns:xsi="http://www.w3.org/2001/XMLSchema-instance" xmlns:pc="http://schemas.microsoft.com/office/infopath/2007/PartnerControls">
+  <documentManagement>
+    <_activity xmlns="f659a008-7c21-4ee3-a745-e38581e13101" xsi:nil="true"/>
+  </documentManagement>
+</p:properties>
 </file>
 
 <file path=customXml/item3.xml><?xml version="1.0" encoding="utf-8"?>
@@ -13837,6 +13526,14 @@
 </file>
 
 <file path=customXml/itemProps1.xml><?xml version="1.0" encoding="utf-8"?>
+<ds:datastoreItem xmlns:ds="http://schemas.openxmlformats.org/officeDocument/2006/customXml" ds:itemID="{80563C55-4051-4AC4-AC2D-4F13263FB0D3}">
+  <ds:schemaRefs>
+    <ds:schemaRef ds:uri="http://schemas.microsoft.com/sharepoint/v3/contenttype/forms"/>
+  </ds:schemaRefs>
+</ds:datastoreItem>
+</file>
+
+<file path=customXml/itemProps2.xml><?xml version="1.0" encoding="utf-8"?>
 <ds:datastoreItem xmlns:ds="http://schemas.openxmlformats.org/officeDocument/2006/customXml" ds:itemID="{66EA5955-CC75-4F9F-A5F2-48A97D85758B}">
   <ds:schemaRefs>
     <ds:schemaRef ds:uri="http://purl.org/dc/dcmitype/"/>
@@ -13849,14 +13546,6 @@
     <ds:schemaRef ds:uri="e064323b-8959-406a-a3e9-bb6e93638192"/>
     <ds:schemaRef ds:uri="f659a008-7c21-4ee3-a745-e38581e13101"/>
     <ds:schemaRef ds:uri="http://www.w3.org/XML/1998/namespace"/>
-  </ds:schemaRefs>
-</ds:datastoreItem>
-</file>
-
-<file path=customXml/itemProps2.xml><?xml version="1.0" encoding="utf-8"?>
-<ds:datastoreItem xmlns:ds="http://schemas.openxmlformats.org/officeDocument/2006/customXml" ds:itemID="{80563C55-4051-4AC4-AC2D-4F13263FB0D3}">
-  <ds:schemaRefs>
-    <ds:schemaRef ds:uri="http://schemas.microsoft.com/sharepoint/v3/contenttype/forms"/>
   </ds:schemaRefs>
 </ds:datastoreItem>
 </file>
